--- a/presentations/01_idea_emergency_alerter.pptx
+++ b/presentations/01_idea_emergency_alerter.pptx
@@ -1034,6 +1034,11 @@
         </p:txBody>
       </p:sp>
     </p:spTree>
+    <p:extLst>
+      <p:ext uri="{BB962C8B-B14F-4D97-AF65-F5344CB8AC3E}">
+        <p14:creationId xmlns:p14="http://schemas.microsoft.com/office/powerpoint/2010/main" val="4282590998"/>
+      </p:ext>
+    </p:extLst>
   </p:cSld>
   <p:clrMap bg1="lt1" tx1="dk1" bg2="dk2" tx2="lt2" accent1="accent1" accent2="accent2" accent3="accent3" accent4="accent4" accent5="accent5" accent6="accent6" hlink="hlink" folHlink="folHlink"/>
   <p:notesStyle>
@@ -19303,7 +19308,7 @@
           <p:cNvPr id="7" name="Shape 142">
             <a:extLst>
               <a:ext uri="{FF2B5EF4-FFF2-40B4-BE49-F238E27FC236}">
-                <a16:creationId xmlns:a16="http://schemas.microsoft.com/office/drawing/2014/main" id="{22578643-D4F2-4D65-8661-31443AF016F1}"/>
+                <a16:creationId xmlns:a16="http://schemas.microsoft.com/office/drawing/2014/main" xmlns="" id="{22578643-D4F2-4D65-8661-31443AF016F1}"/>
               </a:ext>
             </a:extLst>
           </p:cNvPr>
@@ -19705,7 +19710,7 @@
           <p:cNvPr id="3" name="Grafik 2">
             <a:extLst>
               <a:ext uri="{FF2B5EF4-FFF2-40B4-BE49-F238E27FC236}">
-                <a16:creationId xmlns:a16="http://schemas.microsoft.com/office/drawing/2014/main" id="{4222AC85-7A8C-484A-B9AA-70FFBC249CDC}"/>
+                <a16:creationId xmlns:a16="http://schemas.microsoft.com/office/drawing/2014/main" xmlns="" id="{4222AC85-7A8C-484A-B9AA-70FFBC249CDC}"/>
               </a:ext>
             </a:extLst>
           </p:cNvPr>
@@ -20286,7 +20291,7 @@
           <p:cNvPr id="1026" name="Picture 2" descr="https://images-na.ssl-images-amazon.com/images/I/41eWJUdMIzL._SX466_.jpg">
             <a:extLst>
               <a:ext uri="{FF2B5EF4-FFF2-40B4-BE49-F238E27FC236}">
-                <a16:creationId xmlns:a16="http://schemas.microsoft.com/office/drawing/2014/main" id="{9AAF2E4A-DBA7-41C1-A58B-8600AB53068B}"/>
+                <a16:creationId xmlns:a16="http://schemas.microsoft.com/office/drawing/2014/main" xmlns="" id="{9AAF2E4A-DBA7-41C1-A58B-8600AB53068B}"/>
               </a:ext>
             </a:extLst>
           </p:cNvPr>
@@ -20333,7 +20338,7 @@
           <p:cNvPr id="4" name="Textfeld 3">
             <a:extLst>
               <a:ext uri="{FF2B5EF4-FFF2-40B4-BE49-F238E27FC236}">
-                <a16:creationId xmlns:a16="http://schemas.microsoft.com/office/drawing/2014/main" id="{B444CF7D-B155-4C42-8DAB-6AD1965C0E88}"/>
+                <a16:creationId xmlns:a16="http://schemas.microsoft.com/office/drawing/2014/main" xmlns="" id="{B444CF7D-B155-4C42-8DAB-6AD1965C0E88}"/>
               </a:ext>
             </a:extLst>
           </p:cNvPr>
@@ -20505,7 +20510,7 @@
               <a:buChar char="●"/>
             </a:pPr>
             <a:r>
-              <a:rPr lang="de-AT"/>
+              <a:rPr lang="de-AT" dirty="0"/>
               <a:t>Susanne</a:t>
             </a:r>
           </a:p>
@@ -20520,8 +20525,256 @@
               <a:buChar char="-"/>
             </a:pPr>
             <a:r>
-              <a:rPr lang="de-AT"/>
-              <a:t>Susanne is an exchange student, who studies Industrial Design. She comes from United States of America and is very enthusiastic about getting to know new people and being part of the 6-months exchange program. She also likes to party.</a:t>
+              <a:rPr lang="de-AT" dirty="0"/>
+              <a:t>Susanne </a:t>
+            </a:r>
+            <a:r>
+              <a:rPr lang="de-AT" dirty="0" err="1"/>
+              <a:t>is</a:t>
+            </a:r>
+            <a:r>
+              <a:rPr lang="de-AT" dirty="0"/>
+              <a:t> an </a:t>
+            </a:r>
+            <a:r>
+              <a:rPr lang="de-AT" dirty="0" err="1"/>
+              <a:t>exchange</a:t>
+            </a:r>
+            <a:r>
+              <a:rPr lang="de-AT" dirty="0"/>
+              <a:t> </a:t>
+            </a:r>
+            <a:r>
+              <a:rPr lang="de-AT" dirty="0" err="1"/>
+              <a:t>student</a:t>
+            </a:r>
+            <a:r>
+              <a:rPr lang="de-AT" dirty="0"/>
+              <a:t>, </a:t>
+            </a:r>
+            <a:r>
+              <a:rPr lang="de-AT" dirty="0" err="1"/>
+              <a:t>who</a:t>
+            </a:r>
+            <a:r>
+              <a:rPr lang="de-AT" dirty="0"/>
+              <a:t> </a:t>
+            </a:r>
+            <a:r>
+              <a:rPr lang="de-AT" dirty="0" err="1"/>
+              <a:t>studies</a:t>
+            </a:r>
+            <a:r>
+              <a:rPr lang="de-AT" dirty="0"/>
+              <a:t> Industrial Design. </a:t>
+            </a:r>
+            <a:r>
+              <a:rPr lang="de-AT" dirty="0" err="1"/>
+              <a:t>She</a:t>
+            </a:r>
+            <a:r>
+              <a:rPr lang="de-AT" dirty="0"/>
+              <a:t> </a:t>
+            </a:r>
+            <a:r>
+              <a:rPr lang="de-AT" dirty="0" err="1"/>
+              <a:t>comes</a:t>
+            </a:r>
+            <a:r>
+              <a:rPr lang="de-AT" dirty="0"/>
+              <a:t> </a:t>
+            </a:r>
+            <a:r>
+              <a:rPr lang="de-AT" dirty="0" err="1"/>
+              <a:t>from</a:t>
+            </a:r>
+            <a:r>
+              <a:rPr lang="de-AT" dirty="0"/>
+              <a:t> United States </a:t>
+            </a:r>
+            <a:r>
+              <a:rPr lang="de-AT" dirty="0" err="1"/>
+              <a:t>of</a:t>
+            </a:r>
+            <a:r>
+              <a:rPr lang="de-AT" dirty="0"/>
+              <a:t> </a:t>
+            </a:r>
+            <a:r>
+              <a:rPr lang="de-AT" dirty="0" err="1"/>
+              <a:t>America</a:t>
+            </a:r>
+            <a:r>
+              <a:rPr lang="de-AT" dirty="0"/>
+              <a:t> </a:t>
+            </a:r>
+            <a:r>
+              <a:rPr lang="de-AT" dirty="0" err="1"/>
+              <a:t>and</a:t>
+            </a:r>
+            <a:r>
+              <a:rPr lang="de-AT" dirty="0"/>
+              <a:t> </a:t>
+            </a:r>
+            <a:r>
+              <a:rPr lang="de-AT" dirty="0" err="1"/>
+              <a:t>is</a:t>
+            </a:r>
+            <a:r>
+              <a:rPr lang="de-AT" dirty="0"/>
+              <a:t> </a:t>
+            </a:r>
+            <a:r>
+              <a:rPr lang="de-AT" dirty="0" err="1"/>
+              <a:t>very</a:t>
+            </a:r>
+            <a:r>
+              <a:rPr lang="de-AT" dirty="0"/>
+              <a:t> </a:t>
+            </a:r>
+            <a:r>
+              <a:rPr lang="de-AT" dirty="0" err="1"/>
+              <a:t>enthusiastic</a:t>
+            </a:r>
+            <a:r>
+              <a:rPr lang="de-AT" dirty="0"/>
+              <a:t> </a:t>
+            </a:r>
+            <a:r>
+              <a:rPr lang="de-AT" dirty="0" err="1"/>
+              <a:t>about</a:t>
+            </a:r>
+            <a:r>
+              <a:rPr lang="de-AT" dirty="0"/>
+              <a:t> </a:t>
+            </a:r>
+            <a:r>
+              <a:rPr lang="de-AT" dirty="0" err="1"/>
+              <a:t>getting</a:t>
+            </a:r>
+            <a:r>
+              <a:rPr lang="de-AT" dirty="0"/>
+              <a:t> </a:t>
+            </a:r>
+            <a:r>
+              <a:rPr lang="de-AT" dirty="0" err="1"/>
+              <a:t>to</a:t>
+            </a:r>
+            <a:r>
+              <a:rPr lang="de-AT" dirty="0"/>
+              <a:t> </a:t>
+            </a:r>
+            <a:r>
+              <a:rPr lang="de-AT" dirty="0" err="1"/>
+              <a:t>know</a:t>
+            </a:r>
+            <a:r>
+              <a:rPr lang="de-AT" dirty="0"/>
+              <a:t> </a:t>
+            </a:r>
+            <a:r>
+              <a:rPr lang="de-AT" dirty="0" err="1"/>
+              <a:t>new</a:t>
+            </a:r>
+            <a:r>
+              <a:rPr lang="de-AT" dirty="0"/>
+              <a:t> </a:t>
+            </a:r>
+            <a:r>
+              <a:rPr lang="de-AT" dirty="0" err="1"/>
+              <a:t>people</a:t>
+            </a:r>
+            <a:r>
+              <a:rPr lang="de-AT" dirty="0"/>
+              <a:t> </a:t>
+            </a:r>
+            <a:r>
+              <a:rPr lang="de-AT" dirty="0" err="1"/>
+              <a:t>and</a:t>
+            </a:r>
+            <a:r>
+              <a:rPr lang="de-AT" dirty="0"/>
+              <a:t> </a:t>
+            </a:r>
+            <a:r>
+              <a:rPr lang="de-AT" dirty="0" err="1"/>
+              <a:t>being</a:t>
+            </a:r>
+            <a:r>
+              <a:rPr lang="de-AT" dirty="0"/>
+              <a:t> </a:t>
+            </a:r>
+            <a:r>
+              <a:rPr lang="de-AT" dirty="0" err="1"/>
+              <a:t>part</a:t>
+            </a:r>
+            <a:r>
+              <a:rPr lang="de-AT" dirty="0"/>
+              <a:t> </a:t>
+            </a:r>
+            <a:r>
+              <a:rPr lang="de-AT" dirty="0" err="1"/>
+              <a:t>of</a:t>
+            </a:r>
+            <a:r>
+              <a:rPr lang="de-AT" dirty="0"/>
+              <a:t> </a:t>
+            </a:r>
+            <a:r>
+              <a:rPr lang="de-AT" dirty="0" err="1"/>
+              <a:t>the</a:t>
+            </a:r>
+            <a:r>
+              <a:rPr lang="de-AT" dirty="0"/>
+              <a:t> 6-months </a:t>
+            </a:r>
+            <a:r>
+              <a:rPr lang="de-AT" dirty="0" err="1"/>
+              <a:t>exchange</a:t>
+            </a:r>
+            <a:r>
+              <a:rPr lang="de-AT" dirty="0"/>
+              <a:t> </a:t>
+            </a:r>
+            <a:r>
+              <a:rPr lang="de-AT" dirty="0" err="1"/>
+              <a:t>program</a:t>
+            </a:r>
+            <a:r>
+              <a:rPr lang="de-AT" dirty="0"/>
+              <a:t>. </a:t>
+            </a:r>
+            <a:r>
+              <a:rPr lang="de-AT" dirty="0" err="1"/>
+              <a:t>She</a:t>
+            </a:r>
+            <a:r>
+              <a:rPr lang="de-AT" dirty="0"/>
+              <a:t> also </a:t>
+            </a:r>
+            <a:r>
+              <a:rPr lang="de-AT" dirty="0" err="1"/>
+              <a:t>likes</a:t>
+            </a:r>
+            <a:r>
+              <a:rPr lang="de-AT" dirty="0"/>
+              <a:t> </a:t>
+            </a:r>
+            <a:r>
+              <a:rPr lang="de-AT" dirty="0" err="1"/>
+              <a:t>to</a:t>
+            </a:r>
+            <a:r>
+              <a:rPr lang="de-AT" dirty="0"/>
+              <a:t> </a:t>
+            </a:r>
+            <a:r>
+              <a:rPr lang="de-AT" dirty="0" err="1"/>
+              <a:t>party</a:t>
+            </a:r>
+            <a:r>
+              <a:rPr lang="de-AT" dirty="0"/>
+              <a:t>.</a:t>
             </a:r>
           </a:p>
           <a:p>
@@ -20535,8 +20788,184 @@
               <a:buChar char="-"/>
             </a:pPr>
             <a:r>
-              <a:rPr lang="de-AT"/>
-              <a:t>She had unpleasant experience coming home from a party, when she run into the beautiful city park. Such an app would help Susanne a lot in case of trouble.</a:t>
+              <a:rPr lang="de-AT" dirty="0" err="1"/>
+              <a:t>She</a:t>
+            </a:r>
+            <a:r>
+              <a:rPr lang="de-AT" dirty="0"/>
+              <a:t> </a:t>
+            </a:r>
+            <a:r>
+              <a:rPr lang="de-AT" dirty="0" err="1"/>
+              <a:t>had</a:t>
+            </a:r>
+            <a:r>
+              <a:rPr lang="de-AT" dirty="0"/>
+              <a:t> </a:t>
+            </a:r>
+            <a:r>
+              <a:rPr lang="de-AT" dirty="0" smtClean="0"/>
+              <a:t>an </a:t>
+            </a:r>
+            <a:r>
+              <a:rPr lang="de-AT" dirty="0" err="1" smtClean="0"/>
+              <a:t>unpleasant</a:t>
+            </a:r>
+            <a:r>
+              <a:rPr lang="de-AT" dirty="0" smtClean="0"/>
+              <a:t> </a:t>
+            </a:r>
+            <a:r>
+              <a:rPr lang="de-AT" dirty="0" err="1"/>
+              <a:t>experience</a:t>
+            </a:r>
+            <a:r>
+              <a:rPr lang="de-AT" dirty="0"/>
+              <a:t> </a:t>
+            </a:r>
+            <a:r>
+              <a:rPr lang="de-AT" dirty="0" err="1"/>
+              <a:t>coming</a:t>
+            </a:r>
+            <a:r>
+              <a:rPr lang="de-AT" dirty="0"/>
+              <a:t> </a:t>
+            </a:r>
+            <a:r>
+              <a:rPr lang="de-AT" dirty="0" err="1"/>
+              <a:t>home</a:t>
+            </a:r>
+            <a:r>
+              <a:rPr lang="de-AT" dirty="0"/>
+              <a:t> </a:t>
+            </a:r>
+            <a:r>
+              <a:rPr lang="de-AT" dirty="0" err="1"/>
+              <a:t>from</a:t>
+            </a:r>
+            <a:r>
+              <a:rPr lang="de-AT" dirty="0"/>
+              <a:t> a </a:t>
+            </a:r>
+            <a:r>
+              <a:rPr lang="de-AT" dirty="0" err="1"/>
+              <a:t>party</a:t>
+            </a:r>
+            <a:r>
+              <a:rPr lang="de-AT" dirty="0"/>
+              <a:t>, </a:t>
+            </a:r>
+            <a:r>
+              <a:rPr lang="de-AT" dirty="0" err="1"/>
+              <a:t>when</a:t>
+            </a:r>
+            <a:r>
+              <a:rPr lang="de-AT" dirty="0"/>
+              <a:t> </a:t>
+            </a:r>
+            <a:r>
+              <a:rPr lang="de-AT" dirty="0" err="1"/>
+              <a:t>she</a:t>
+            </a:r>
+            <a:r>
+              <a:rPr lang="de-AT" dirty="0"/>
+              <a:t> </a:t>
+            </a:r>
+            <a:r>
+              <a:rPr lang="de-AT" dirty="0" err="1"/>
+              <a:t>run</a:t>
+            </a:r>
+            <a:r>
+              <a:rPr lang="de-AT" dirty="0"/>
+              <a:t> </a:t>
+            </a:r>
+            <a:r>
+              <a:rPr lang="de-AT" dirty="0" err="1"/>
+              <a:t>into</a:t>
+            </a:r>
+            <a:r>
+              <a:rPr lang="de-AT" dirty="0"/>
+              <a:t> </a:t>
+            </a:r>
+            <a:r>
+              <a:rPr lang="de-AT" dirty="0" err="1"/>
+              <a:t>the</a:t>
+            </a:r>
+            <a:r>
+              <a:rPr lang="de-AT" dirty="0"/>
+              <a:t> </a:t>
+            </a:r>
+            <a:r>
+              <a:rPr lang="de-AT" dirty="0" err="1"/>
+              <a:t>beautiful</a:t>
+            </a:r>
+            <a:r>
+              <a:rPr lang="de-AT" dirty="0"/>
+              <a:t> </a:t>
+            </a:r>
+            <a:r>
+              <a:rPr lang="de-AT" dirty="0" err="1"/>
+              <a:t>city</a:t>
+            </a:r>
+            <a:r>
+              <a:rPr lang="de-AT" dirty="0"/>
+              <a:t> park. Such an </a:t>
+            </a:r>
+            <a:r>
+              <a:rPr lang="de-AT" dirty="0" err="1"/>
+              <a:t>app</a:t>
+            </a:r>
+            <a:r>
+              <a:rPr lang="de-AT" dirty="0"/>
+              <a:t> </a:t>
+            </a:r>
+            <a:r>
+              <a:rPr lang="de-AT" dirty="0" err="1"/>
+              <a:t>would</a:t>
+            </a:r>
+            <a:r>
+              <a:rPr lang="de-AT" dirty="0"/>
+              <a:t> </a:t>
+            </a:r>
+            <a:r>
+              <a:rPr lang="de-AT" dirty="0" err="1"/>
+              <a:t>help</a:t>
+            </a:r>
+            <a:r>
+              <a:rPr lang="de-AT" dirty="0"/>
+              <a:t> Susanne a </a:t>
+            </a:r>
+            <a:r>
+              <a:rPr lang="de-AT" dirty="0" err="1"/>
+              <a:t>lot</a:t>
+            </a:r>
+            <a:r>
+              <a:rPr lang="de-AT" dirty="0"/>
+              <a:t> in </a:t>
+            </a:r>
+            <a:r>
+              <a:rPr lang="de-AT" dirty="0" err="1"/>
+              <a:t>case</a:t>
+            </a:r>
+            <a:r>
+              <a:rPr lang="de-AT" dirty="0"/>
+              <a:t> </a:t>
+            </a:r>
+            <a:r>
+              <a:rPr lang="de-AT" dirty="0" err="1"/>
+              <a:t>of</a:t>
+            </a:r>
+            <a:r>
+              <a:rPr lang="de-AT" dirty="0"/>
+              <a:t> </a:t>
+            </a:r>
+            <a:r>
+              <a:rPr lang="de-AT" dirty="0" err="1"/>
+              <a:t>trouble</a:t>
+            </a:r>
+            <a:r>
+              <a:rPr lang="de-AT" dirty="0"/>
+              <a:t>.</a:t>
             </a:r>
           </a:p>
           <a:p>
@@ -20549,7 +20978,7 @@
               </a:spcBef>
               <a:buNone/>
             </a:pPr>
-            <a:endParaRPr/>
+            <a:endParaRPr dirty="0"/>
           </a:p>
           <a:p>
             <a:pPr marL="342900" marR="0" lvl="0" indent="-342900" algn="l" rtl="0">
@@ -20566,7 +20995,7 @@
               <a:buFont typeface="Arial"/>
               <a:buNone/>
             </a:pPr>
-            <a:endParaRPr/>
+            <a:endParaRPr dirty="0"/>
           </a:p>
         </p:txBody>
       </p:sp>
@@ -20732,6 +21161,47 @@
           </a:p>
         </p:txBody>
       </p:sp>
+      <p:pic>
+        <p:nvPicPr>
+          <p:cNvPr id="1026" name="Picture 2" descr="Image result for exchange student image"/>
+          <p:cNvPicPr>
+            <a:picLocks noChangeAspect="1" noChangeArrowheads="1"/>
+          </p:cNvPicPr>
+          <p:nvPr/>
+        </p:nvPicPr>
+        <p:blipFill>
+          <a:blip r:embed="rId3">
+            <a:extLst>
+              <a:ext uri="{28A0092B-C50C-407E-A947-70E740481C1C}">
+                <a14:useLocalDpi xmlns:a14="http://schemas.microsoft.com/office/drawing/2010/main" val="0"/>
+              </a:ext>
+            </a:extLst>
+          </a:blip>
+          <a:srcRect/>
+          <a:stretch>
+            <a:fillRect/>
+          </a:stretch>
+        </p:blipFill>
+        <p:spPr bwMode="auto">
+          <a:xfrm>
+            <a:off x="4962244" y="982353"/>
+            <a:ext cx="2619375" cy="1743076"/>
+          </a:xfrm>
+          <a:prstGeom prst="rect">
+            <a:avLst/>
+          </a:prstGeom>
+          <a:noFill/>
+          <a:extLst>
+            <a:ext uri="{909E8E84-426E-40DD-AFC4-6F175D3DCCD1}">
+              <a14:hiddenFill xmlns:a14="http://schemas.microsoft.com/office/drawing/2010/main">
+                <a:solidFill>
+                  <a:srgbClr val="FFFFFF"/>
+                </a:solidFill>
+              </a14:hiddenFill>
+            </a:ext>
+          </a:extLst>
+        </p:spPr>
+      </p:pic>
     </p:spTree>
   </p:cSld>
   <p:clrMapOvr>
@@ -20798,7 +21268,7 @@
               <a:buNone/>
             </a:pPr>
             <a:r>
-              <a:rPr lang="de-AT" sz="3200" b="1" i="0" u="none" strike="noStrike" cap="none">
+              <a:rPr lang="de-AT" sz="3200" b="1" i="0" u="none" strike="noStrike" cap="none" dirty="0" err="1">
                 <a:solidFill>
                   <a:schemeClr val="dk1"/>
                 </a:solidFill>
@@ -20807,7 +21277,19 @@
                 <a:cs typeface="Calibri"/>
                 <a:sym typeface="Calibri"/>
               </a:rPr>
-              <a:t>Personas/User Stories II</a:t>
+              <a:t>Personas</a:t>
+            </a:r>
+            <a:r>
+              <a:rPr lang="de-AT" sz="3200" b="1" i="0" u="none" strike="noStrike" cap="none" dirty="0">
+                <a:solidFill>
+                  <a:schemeClr val="dk1"/>
+                </a:solidFill>
+                <a:latin typeface="Calibri"/>
+                <a:ea typeface="Calibri"/>
+                <a:cs typeface="Calibri"/>
+                <a:sym typeface="Calibri"/>
+              </a:rPr>
+              <a:t>/User Stories II</a:t>
             </a:r>
           </a:p>
         </p:txBody>
@@ -20841,6 +21323,546 @@
           </a:bodyPr>
           <a:lstStyle/>
           <a:p>
+            <a:pPr marL="457200" lvl="0" indent="-381000">
+              <a:lnSpc>
+                <a:spcPct val="115000"/>
+              </a:lnSpc>
+              <a:spcBef>
+                <a:spcPts val="0"/>
+              </a:spcBef>
+              <a:buChar char="●"/>
+            </a:pPr>
+            <a:r>
+              <a:rPr lang="de-AT" dirty="0" smtClean="0"/>
+              <a:t>Klaus</a:t>
+            </a:r>
+            <a:endParaRPr lang="de-AT" dirty="0"/>
+          </a:p>
+          <a:p>
+            <a:pPr marL="914400" lvl="0" indent="-381000">
+              <a:lnSpc>
+                <a:spcPct val="115000"/>
+              </a:lnSpc>
+              <a:spcBef>
+                <a:spcPts val="0"/>
+              </a:spcBef>
+              <a:buChar char="-"/>
+            </a:pPr>
+            <a:r>
+              <a:rPr lang="de-AT" dirty="0" smtClean="0"/>
+              <a:t>Klaus </a:t>
+            </a:r>
+            <a:r>
+              <a:rPr lang="de-AT" dirty="0" err="1" smtClean="0"/>
+              <a:t>is</a:t>
+            </a:r>
+            <a:r>
+              <a:rPr lang="de-AT" dirty="0" smtClean="0"/>
+              <a:t> a </a:t>
+            </a:r>
+            <a:r>
+              <a:rPr lang="de-AT" dirty="0" err="1" smtClean="0"/>
+              <a:t>father</a:t>
+            </a:r>
+            <a:r>
+              <a:rPr lang="de-AT" dirty="0" smtClean="0"/>
+              <a:t> </a:t>
+            </a:r>
+            <a:r>
+              <a:rPr lang="de-AT" dirty="0" err="1" smtClean="0"/>
+              <a:t>of</a:t>
+            </a:r>
+            <a:r>
+              <a:rPr lang="de-AT" dirty="0" smtClean="0"/>
+              <a:t> </a:t>
+            </a:r>
+            <a:r>
+              <a:rPr lang="de-AT" dirty="0" err="1" smtClean="0"/>
+              <a:t>two</a:t>
+            </a:r>
+            <a:r>
+              <a:rPr lang="de-AT" dirty="0" smtClean="0"/>
+              <a:t> </a:t>
+            </a:r>
+            <a:r>
+              <a:rPr lang="de-AT" dirty="0" err="1" smtClean="0"/>
+              <a:t>children</a:t>
+            </a:r>
+            <a:r>
+              <a:rPr lang="de-AT" dirty="0"/>
+              <a:t> </a:t>
+            </a:r>
+            <a:r>
+              <a:rPr lang="de-AT" dirty="0" err="1" smtClean="0"/>
+              <a:t>and</a:t>
+            </a:r>
+            <a:r>
+              <a:rPr lang="de-AT" dirty="0" smtClean="0"/>
+              <a:t> </a:t>
+            </a:r>
+            <a:r>
+              <a:rPr lang="de-AT" dirty="0" err="1" smtClean="0"/>
+              <a:t>is</a:t>
+            </a:r>
+            <a:r>
+              <a:rPr lang="de-AT" dirty="0" smtClean="0"/>
+              <a:t> </a:t>
+            </a:r>
+            <a:r>
+              <a:rPr lang="de-AT" dirty="0" err="1" smtClean="0"/>
+              <a:t>very</a:t>
+            </a:r>
+            <a:r>
+              <a:rPr lang="de-AT" dirty="0" smtClean="0"/>
+              <a:t> </a:t>
+            </a:r>
+            <a:r>
+              <a:rPr lang="de-AT" dirty="0" err="1" smtClean="0"/>
+              <a:t>protective</a:t>
+            </a:r>
+            <a:r>
+              <a:rPr lang="de-AT" dirty="0" smtClean="0"/>
+              <a:t> </a:t>
+            </a:r>
+            <a:r>
+              <a:rPr lang="de-AT" dirty="0" err="1" smtClean="0"/>
+              <a:t>about</a:t>
+            </a:r>
+            <a:r>
+              <a:rPr lang="de-AT" dirty="0" smtClean="0"/>
+              <a:t> </a:t>
+            </a:r>
+            <a:r>
+              <a:rPr lang="de-AT" dirty="0" err="1" smtClean="0"/>
+              <a:t>them</a:t>
+            </a:r>
+            <a:r>
+              <a:rPr lang="de-AT" dirty="0" smtClean="0"/>
+              <a:t>. He </a:t>
+            </a:r>
+            <a:r>
+              <a:rPr lang="de-AT" dirty="0" err="1" smtClean="0"/>
+              <a:t>is</a:t>
+            </a:r>
+            <a:r>
+              <a:rPr lang="de-AT" dirty="0" smtClean="0"/>
+              <a:t> </a:t>
+            </a:r>
+            <a:r>
+              <a:rPr lang="de-AT" dirty="0" err="1" smtClean="0"/>
+              <a:t>always</a:t>
+            </a:r>
+            <a:r>
+              <a:rPr lang="de-AT" dirty="0" smtClean="0"/>
+              <a:t> </a:t>
+            </a:r>
+            <a:r>
+              <a:rPr lang="de-AT" dirty="0" err="1" smtClean="0"/>
+              <a:t>anxious</a:t>
+            </a:r>
+            <a:r>
+              <a:rPr lang="de-AT" dirty="0" smtClean="0"/>
+              <a:t> </a:t>
+            </a:r>
+            <a:r>
+              <a:rPr lang="de-AT" dirty="0" err="1" smtClean="0"/>
+              <a:t>that</a:t>
+            </a:r>
+            <a:r>
+              <a:rPr lang="de-AT" dirty="0" smtClean="0"/>
+              <a:t> </a:t>
+            </a:r>
+            <a:r>
+              <a:rPr lang="de-AT" dirty="0" err="1" smtClean="0"/>
+              <a:t>something</a:t>
+            </a:r>
+            <a:r>
+              <a:rPr lang="de-AT" dirty="0" smtClean="0"/>
+              <a:t> </a:t>
+            </a:r>
+            <a:r>
+              <a:rPr lang="de-AT" dirty="0" err="1" smtClean="0"/>
+              <a:t>could</a:t>
+            </a:r>
+            <a:r>
+              <a:rPr lang="de-AT" dirty="0" smtClean="0"/>
+              <a:t> happen </a:t>
+            </a:r>
+            <a:r>
+              <a:rPr lang="de-AT" dirty="0" err="1" smtClean="0"/>
+              <a:t>to</a:t>
+            </a:r>
+            <a:r>
+              <a:rPr lang="de-AT" dirty="0" smtClean="0"/>
+              <a:t> </a:t>
+            </a:r>
+            <a:r>
+              <a:rPr lang="de-AT" dirty="0" err="1" smtClean="0"/>
+              <a:t>them</a:t>
+            </a:r>
+            <a:r>
+              <a:rPr lang="de-AT" dirty="0" smtClean="0"/>
+              <a:t>. </a:t>
+            </a:r>
+            <a:r>
+              <a:rPr lang="de-AT" dirty="0" err="1" smtClean="0"/>
+              <a:t>Although</a:t>
+            </a:r>
+            <a:r>
+              <a:rPr lang="de-AT" dirty="0" smtClean="0"/>
+              <a:t> </a:t>
+            </a:r>
+            <a:r>
+              <a:rPr lang="de-AT" dirty="0" err="1" smtClean="0"/>
+              <a:t>they</a:t>
+            </a:r>
+            <a:r>
+              <a:rPr lang="de-AT" dirty="0" smtClean="0"/>
+              <a:t> </a:t>
+            </a:r>
+            <a:r>
+              <a:rPr lang="de-AT" dirty="0" err="1" smtClean="0"/>
+              <a:t>have</a:t>
+            </a:r>
+            <a:r>
+              <a:rPr lang="de-AT" dirty="0" smtClean="0"/>
+              <a:t> </a:t>
+            </a:r>
+            <a:r>
+              <a:rPr lang="de-AT" dirty="0" err="1" smtClean="0"/>
+              <a:t>smartphones</a:t>
+            </a:r>
+            <a:r>
+              <a:rPr lang="de-AT" dirty="0" smtClean="0"/>
+              <a:t> he </a:t>
+            </a:r>
+            <a:r>
+              <a:rPr lang="de-AT" dirty="0" err="1" smtClean="0"/>
+              <a:t>is</a:t>
+            </a:r>
+            <a:r>
+              <a:rPr lang="de-AT" dirty="0" smtClean="0"/>
+              <a:t> </a:t>
+            </a:r>
+            <a:r>
+              <a:rPr lang="de-AT" dirty="0" err="1" smtClean="0"/>
+              <a:t>worried</a:t>
+            </a:r>
+            <a:r>
+              <a:rPr lang="de-AT" dirty="0" smtClean="0"/>
+              <a:t> </a:t>
+            </a:r>
+            <a:r>
+              <a:rPr lang="de-AT" dirty="0" err="1" smtClean="0"/>
+              <a:t>they</a:t>
+            </a:r>
+            <a:r>
+              <a:rPr lang="de-AT" dirty="0" smtClean="0"/>
+              <a:t> </a:t>
+            </a:r>
+            <a:r>
+              <a:rPr lang="de-AT" dirty="0" err="1" smtClean="0"/>
+              <a:t>might</a:t>
+            </a:r>
+            <a:r>
+              <a:rPr lang="de-AT" dirty="0" smtClean="0"/>
+              <a:t> not </a:t>
+            </a:r>
+            <a:r>
+              <a:rPr lang="de-AT" dirty="0" err="1" smtClean="0"/>
+              <a:t>be</a:t>
+            </a:r>
+            <a:r>
+              <a:rPr lang="de-AT" dirty="0" smtClean="0"/>
+              <a:t> </a:t>
+            </a:r>
+            <a:r>
+              <a:rPr lang="de-AT" dirty="0" err="1" smtClean="0"/>
+              <a:t>able</a:t>
+            </a:r>
+            <a:r>
+              <a:rPr lang="de-AT" dirty="0" smtClean="0"/>
+              <a:t> </a:t>
+            </a:r>
+            <a:r>
+              <a:rPr lang="de-AT" dirty="0" err="1" smtClean="0"/>
+              <a:t>to</a:t>
+            </a:r>
+            <a:r>
+              <a:rPr lang="de-AT" dirty="0" smtClean="0"/>
+              <a:t> </a:t>
+            </a:r>
+            <a:r>
+              <a:rPr lang="de-AT" dirty="0" err="1" smtClean="0"/>
+              <a:t>contact</a:t>
+            </a:r>
+            <a:r>
+              <a:rPr lang="de-AT" dirty="0" smtClean="0"/>
+              <a:t> </a:t>
+            </a:r>
+            <a:r>
+              <a:rPr lang="de-AT" dirty="0" err="1" smtClean="0"/>
+              <a:t>him</a:t>
+            </a:r>
+            <a:r>
+              <a:rPr lang="de-AT" dirty="0" smtClean="0"/>
+              <a:t> </a:t>
+            </a:r>
+            <a:r>
+              <a:rPr lang="de-AT" dirty="0" err="1" smtClean="0"/>
+              <a:t>when</a:t>
+            </a:r>
+            <a:r>
+              <a:rPr lang="de-AT" dirty="0" smtClean="0"/>
+              <a:t> </a:t>
+            </a:r>
+            <a:r>
+              <a:rPr lang="de-AT" dirty="0" err="1" smtClean="0"/>
+              <a:t>they</a:t>
+            </a:r>
+            <a:r>
+              <a:rPr lang="de-AT" dirty="0" smtClean="0"/>
+              <a:t> </a:t>
+            </a:r>
+            <a:r>
+              <a:rPr lang="de-AT" dirty="0" err="1" smtClean="0"/>
+              <a:t>are</a:t>
+            </a:r>
+            <a:r>
+              <a:rPr lang="de-AT" dirty="0" smtClean="0"/>
+              <a:t> in </a:t>
+            </a:r>
+            <a:r>
+              <a:rPr lang="de-AT" dirty="0" err="1" smtClean="0"/>
+              <a:t>trouble</a:t>
+            </a:r>
+            <a:r>
+              <a:rPr lang="de-AT" dirty="0" smtClean="0"/>
+              <a:t>.</a:t>
+            </a:r>
+            <a:endParaRPr lang="de-AT" dirty="0"/>
+          </a:p>
+          <a:p>
+            <a:pPr marL="914400" lvl="0" indent="-381000">
+              <a:lnSpc>
+                <a:spcPct val="115000"/>
+              </a:lnSpc>
+              <a:spcBef>
+                <a:spcPts val="0"/>
+              </a:spcBef>
+              <a:buChar char="-"/>
+            </a:pPr>
+            <a:r>
+              <a:rPr lang="de-AT" dirty="0" err="1" smtClean="0"/>
+              <a:t>With</a:t>
+            </a:r>
+            <a:r>
+              <a:rPr lang="de-AT" dirty="0" smtClean="0"/>
+              <a:t> </a:t>
+            </a:r>
+            <a:r>
+              <a:rPr lang="de-AT" dirty="0" err="1" smtClean="0"/>
+              <a:t>the</a:t>
+            </a:r>
+            <a:r>
+              <a:rPr lang="de-AT" dirty="0" smtClean="0"/>
+              <a:t> Emergency Alerter </a:t>
+            </a:r>
+            <a:r>
+              <a:rPr lang="de-AT" dirty="0" err="1" smtClean="0"/>
+              <a:t>Smartwatch</a:t>
+            </a:r>
+            <a:r>
+              <a:rPr lang="de-AT" dirty="0" smtClean="0"/>
+              <a:t> </a:t>
+            </a:r>
+            <a:r>
+              <a:rPr lang="de-AT" dirty="0" err="1" smtClean="0"/>
+              <a:t>app</a:t>
+            </a:r>
+            <a:r>
+              <a:rPr lang="de-AT" dirty="0" smtClean="0"/>
+              <a:t>, </a:t>
+            </a:r>
+            <a:r>
+              <a:rPr lang="de-AT" dirty="0" err="1" smtClean="0"/>
+              <a:t>the</a:t>
+            </a:r>
+            <a:r>
+              <a:rPr lang="de-AT" dirty="0" smtClean="0"/>
+              <a:t> </a:t>
+            </a:r>
+            <a:r>
+              <a:rPr lang="de-AT" dirty="0" err="1" smtClean="0"/>
+              <a:t>children</a:t>
+            </a:r>
+            <a:r>
+              <a:rPr lang="de-AT" dirty="0" smtClean="0"/>
+              <a:t> </a:t>
+            </a:r>
+            <a:r>
+              <a:rPr lang="de-AT" dirty="0" err="1" smtClean="0"/>
+              <a:t>only</a:t>
+            </a:r>
+            <a:r>
+              <a:rPr lang="de-AT" dirty="0" smtClean="0"/>
+              <a:t> </a:t>
+            </a:r>
+            <a:r>
+              <a:rPr lang="de-AT" dirty="0" err="1" smtClean="0"/>
+              <a:t>would</a:t>
+            </a:r>
+            <a:r>
+              <a:rPr lang="de-AT" dirty="0" smtClean="0"/>
+              <a:t> </a:t>
+            </a:r>
+            <a:r>
+              <a:rPr lang="de-AT" dirty="0" err="1" smtClean="0"/>
+              <a:t>have</a:t>
+            </a:r>
+            <a:r>
+              <a:rPr lang="de-AT" dirty="0" smtClean="0"/>
+              <a:t> </a:t>
+            </a:r>
+            <a:r>
+              <a:rPr lang="de-AT" dirty="0" err="1" smtClean="0"/>
+              <a:t>to</a:t>
+            </a:r>
+            <a:r>
+              <a:rPr lang="de-AT" dirty="0" smtClean="0"/>
+              <a:t> </a:t>
+            </a:r>
+            <a:r>
+              <a:rPr lang="de-AT" dirty="0" err="1" smtClean="0"/>
+              <a:t>tap</a:t>
+            </a:r>
+            <a:r>
+              <a:rPr lang="de-AT" dirty="0" smtClean="0"/>
+              <a:t> </a:t>
+            </a:r>
+            <a:r>
+              <a:rPr lang="de-AT" dirty="0" err="1" smtClean="0"/>
+              <a:t>one</a:t>
+            </a:r>
+            <a:r>
+              <a:rPr lang="de-AT" dirty="0" smtClean="0"/>
+              <a:t> </a:t>
+            </a:r>
+            <a:r>
+              <a:rPr lang="de-AT" dirty="0" err="1" smtClean="0"/>
+              <a:t>button</a:t>
+            </a:r>
+            <a:r>
+              <a:rPr lang="de-AT" dirty="0" smtClean="0"/>
+              <a:t> </a:t>
+            </a:r>
+            <a:r>
+              <a:rPr lang="de-AT" dirty="0" err="1" smtClean="0"/>
+              <a:t>to</a:t>
+            </a:r>
+            <a:r>
+              <a:rPr lang="de-AT" dirty="0" smtClean="0"/>
+              <a:t> </a:t>
+            </a:r>
+            <a:r>
+              <a:rPr lang="de-AT" dirty="0" err="1" smtClean="0"/>
+              <a:t>instantly</a:t>
+            </a:r>
+            <a:r>
+              <a:rPr lang="de-AT" dirty="0" smtClean="0"/>
+              <a:t> </a:t>
+            </a:r>
+            <a:r>
+              <a:rPr lang="de-AT" dirty="0" err="1" smtClean="0"/>
+              <a:t>notify</a:t>
+            </a:r>
+            <a:r>
+              <a:rPr lang="de-AT" dirty="0" smtClean="0"/>
+              <a:t> </a:t>
+            </a:r>
+            <a:r>
+              <a:rPr lang="de-AT" dirty="0" err="1" smtClean="0"/>
+              <a:t>the</a:t>
+            </a:r>
+            <a:r>
+              <a:rPr lang="de-AT" dirty="0" smtClean="0"/>
+              <a:t> </a:t>
+            </a:r>
+            <a:r>
+              <a:rPr lang="de-AT" dirty="0" err="1" smtClean="0"/>
+              <a:t>police</a:t>
+            </a:r>
+            <a:r>
+              <a:rPr lang="de-AT" dirty="0" smtClean="0"/>
+              <a:t> </a:t>
+            </a:r>
+            <a:r>
+              <a:rPr lang="de-AT" dirty="0" err="1" smtClean="0"/>
+              <a:t>or</a:t>
+            </a:r>
+            <a:r>
+              <a:rPr lang="de-AT" dirty="0" smtClean="0"/>
+              <a:t> </a:t>
+            </a:r>
+            <a:r>
+              <a:rPr lang="de-AT" dirty="0" err="1" smtClean="0"/>
+              <a:t>their</a:t>
+            </a:r>
+            <a:r>
+              <a:rPr lang="de-AT" dirty="0" smtClean="0"/>
+              <a:t> </a:t>
+            </a:r>
+            <a:r>
+              <a:rPr lang="de-AT" dirty="0" err="1" smtClean="0"/>
+              <a:t>father</a:t>
+            </a:r>
+            <a:r>
+              <a:rPr lang="de-AT" dirty="0" smtClean="0"/>
+              <a:t>, </a:t>
+            </a:r>
+            <a:r>
+              <a:rPr lang="de-AT" dirty="0" err="1" smtClean="0"/>
+              <a:t>which</a:t>
+            </a:r>
+            <a:r>
+              <a:rPr lang="de-AT" dirty="0" smtClean="0"/>
+              <a:t> </a:t>
+            </a:r>
+            <a:r>
+              <a:rPr lang="de-AT" dirty="0" err="1" smtClean="0"/>
+              <a:t>would</a:t>
+            </a:r>
+            <a:r>
+              <a:rPr lang="de-AT" dirty="0"/>
+              <a:t> </a:t>
+            </a:r>
+            <a:r>
+              <a:rPr lang="de-AT" dirty="0" err="1" smtClean="0"/>
+              <a:t>help</a:t>
+            </a:r>
+            <a:r>
+              <a:rPr lang="de-AT" dirty="0" smtClean="0"/>
+              <a:t> Klaus relax a </a:t>
+            </a:r>
+            <a:r>
+              <a:rPr lang="de-AT" dirty="0" err="1" smtClean="0"/>
+              <a:t>little</a:t>
+            </a:r>
+            <a:r>
+              <a:rPr lang="de-AT" dirty="0" smtClean="0"/>
+              <a:t> </a:t>
+            </a:r>
+            <a:r>
+              <a:rPr lang="de-AT" dirty="0" err="1" smtClean="0"/>
+              <a:t>more</a:t>
+            </a:r>
+            <a:r>
+              <a:rPr lang="de-AT" dirty="0" smtClean="0"/>
+              <a:t>.</a:t>
+            </a:r>
+            <a:endParaRPr lang="de-AT" dirty="0"/>
+          </a:p>
+          <a:p>
             <a:pPr lvl="0" rtl="0">
               <a:lnSpc>
                 <a:spcPct val="115000"/>
@@ -20850,7 +21872,7 @@
               </a:spcBef>
               <a:buNone/>
             </a:pPr>
-            <a:endParaRPr/>
+            <a:endParaRPr dirty="0"/>
           </a:p>
         </p:txBody>
       </p:sp>
@@ -21016,6 +22038,60 @@
           </a:p>
         </p:txBody>
       </p:sp>
+      <p:pic>
+        <p:nvPicPr>
+          <p:cNvPr id="2051" name="Picture 3"/>
+          <p:cNvPicPr>
+            <a:picLocks noChangeAspect="1" noChangeArrowheads="1"/>
+          </p:cNvPicPr>
+          <p:nvPr/>
+        </p:nvPicPr>
+        <p:blipFill>
+          <a:blip r:embed="rId3">
+            <a:extLst>
+              <a:ext uri="{28A0092B-C50C-407E-A947-70E740481C1C}">
+                <a14:useLocalDpi xmlns:a14="http://schemas.microsoft.com/office/drawing/2010/main" val="0"/>
+              </a:ext>
+            </a:extLst>
+          </a:blip>
+          <a:srcRect/>
+          <a:stretch>
+            <a:fillRect/>
+          </a:stretch>
+        </p:blipFill>
+        <p:spPr bwMode="auto">
+          <a:xfrm>
+            <a:off x="4997254" y="981290"/>
+            <a:ext cx="2609260" cy="1742312"/>
+          </a:xfrm>
+          <a:prstGeom prst="rect">
+            <a:avLst/>
+          </a:prstGeom>
+          <a:noFill/>
+          <a:ln>
+            <a:noFill/>
+          </a:ln>
+          <a:extLst>
+            <a:ext uri="{909E8E84-426E-40DD-AFC4-6F175D3DCCD1}">
+              <a14:hiddenFill xmlns:a14="http://schemas.microsoft.com/office/drawing/2010/main">
+                <a:solidFill>
+                  <a:schemeClr val="accent1"/>
+                </a:solidFill>
+              </a14:hiddenFill>
+            </a:ext>
+            <a:ext uri="{91240B29-F687-4F45-9708-019B960494DF}">
+              <a14:hiddenLine xmlns:a14="http://schemas.microsoft.com/office/drawing/2010/main" w="9525">
+                <a:solidFill>
+                  <a:schemeClr val="tx1"/>
+                </a:solidFill>
+                <a:miter lim="800000"/>
+                <a:headEnd/>
+                <a:tailEnd/>
+              </a14:hiddenLine>
+            </a:ext>
+          </a:extLst>
+        </p:spPr>
+      </p:pic>
     </p:spTree>
   </p:cSld>
   <p:clrMapOvr>

--- a/presentations/01_idea_emergency_alerter.pptx
+++ b/presentations/01_idea_emergency_alerter.pptx
@@ -5,7 +5,7 @@
     <p:sldMasterId id="2147483665" r:id="rId1"/>
   </p:sldMasterIdLst>
   <p:notesMasterIdLst>
-    <p:notesMasterId r:id="rId11"/>
+    <p:notesMasterId r:id="rId13"/>
   </p:notesMasterIdLst>
   <p:sldIdLst>
     <p:sldId id="256" r:id="rId2"/>
@@ -15,8 +15,10 @@
     <p:sldId id="259" r:id="rId6"/>
     <p:sldId id="260" r:id="rId7"/>
     <p:sldId id="261" r:id="rId8"/>
-    <p:sldId id="262" r:id="rId9"/>
-    <p:sldId id="263" r:id="rId10"/>
+    <p:sldId id="266" r:id="rId9"/>
+    <p:sldId id="267" r:id="rId10"/>
+    <p:sldId id="268" r:id="rId11"/>
+    <p:sldId id="263" r:id="rId12"/>
   </p:sldIdLst>
   <p:sldSz cx="9144000" cy="6858000" type="screen4x3"/>
   <p:notesSz cx="6858000" cy="9144000"/>
@@ -1237,6 +1239,208 @@
 </p:notes>
 </file>
 
+<file path=ppt/notesSlides/notesSlide10.xml><?xml version="1.0" encoding="utf-8"?>
+<p:notes xmlns:a="http://schemas.openxmlformats.org/drawingml/2006/main" xmlns:r="http://schemas.openxmlformats.org/officeDocument/2006/relationships" xmlns:p="http://schemas.openxmlformats.org/presentationml/2006/main" showMasterSp="0" showMasterPhAnim="0">
+  <p:cSld>
+    <p:spTree>
+      <p:nvGrpSpPr>
+        <p:cNvPr id="1" name="Shape 173"/>
+        <p:cNvGrpSpPr/>
+        <p:nvPr/>
+      </p:nvGrpSpPr>
+      <p:grpSpPr>
+        <a:xfrm>
+          <a:off x="0" y="0"/>
+          <a:ext cx="0" cy="0"/>
+          <a:chOff x="0" y="0"/>
+          <a:chExt cx="0" cy="0"/>
+        </a:xfrm>
+      </p:grpSpPr>
+      <p:sp>
+        <p:nvSpPr>
+          <p:cNvPr id="174" name="Shape 174"/>
+          <p:cNvSpPr txBox="1">
+            <a:spLocks noGrp="1"/>
+          </p:cNvSpPr>
+          <p:nvPr>
+            <p:ph type="body" idx="1"/>
+          </p:nvPr>
+        </p:nvSpPr>
+        <p:spPr>
+          <a:xfrm>
+            <a:off x="685800" y="4343400"/>
+            <a:ext cx="5486400" cy="4114800"/>
+          </a:xfrm>
+          <a:prstGeom prst="rect">
+            <a:avLst/>
+          </a:prstGeom>
+        </p:spPr>
+        <p:txBody>
+          <a:bodyPr wrap="square" lIns="91425" tIns="91425" rIns="91425" bIns="91425" anchor="t" anchorCtr="0">
+            <a:noAutofit/>
+          </a:bodyPr>
+          <a:lstStyle/>
+          <a:p>
+            <a:pPr lvl="0">
+              <a:spcBef>
+                <a:spcPts val="0"/>
+              </a:spcBef>
+              <a:buNone/>
+            </a:pPr>
+            <a:endParaRPr/>
+          </a:p>
+        </p:txBody>
+      </p:sp>
+      <p:sp>
+        <p:nvSpPr>
+          <p:cNvPr id="175" name="Shape 175"/>
+          <p:cNvSpPr>
+            <a:spLocks noGrp="1" noRot="1" noChangeAspect="1"/>
+          </p:cNvSpPr>
+          <p:nvPr>
+            <p:ph type="sldImg" idx="2"/>
+          </p:nvPr>
+        </p:nvSpPr>
+        <p:spPr>
+          <a:xfrm>
+            <a:off x="1143000" y="685800"/>
+            <a:ext cx="4572000" cy="3429000"/>
+          </a:xfrm>
+          <a:custGeom>
+            <a:avLst/>
+            <a:gdLst/>
+            <a:ahLst/>
+            <a:cxnLst/>
+            <a:rect l="0" t="0" r="0" b="0"/>
+            <a:pathLst>
+              <a:path w="120000" h="120000" extrusionOk="0">
+                <a:moveTo>
+                  <a:pt x="0" y="0"/>
+                </a:moveTo>
+                <a:lnTo>
+                  <a:pt x="120000" y="0"/>
+                </a:lnTo>
+                <a:lnTo>
+                  <a:pt x="120000" y="120000"/>
+                </a:lnTo>
+                <a:lnTo>
+                  <a:pt x="0" y="120000"/>
+                </a:lnTo>
+                <a:close/>
+              </a:path>
+            </a:pathLst>
+          </a:custGeom>
+        </p:spPr>
+      </p:sp>
+    </p:spTree>
+  </p:cSld>
+  <p:clrMapOvr>
+    <a:masterClrMapping/>
+  </p:clrMapOvr>
+</p:notes>
+</file>
+
+<file path=ppt/notesSlides/notesSlide11.xml><?xml version="1.0" encoding="utf-8"?>
+<p:notes xmlns:a="http://schemas.openxmlformats.org/drawingml/2006/main" xmlns:r="http://schemas.openxmlformats.org/officeDocument/2006/relationships" xmlns:p="http://schemas.openxmlformats.org/presentationml/2006/main" showMasterSp="0" showMasterPhAnim="0">
+  <p:cSld>
+    <p:spTree>
+      <p:nvGrpSpPr>
+        <p:cNvPr id="1" name="Shape 191"/>
+        <p:cNvGrpSpPr/>
+        <p:nvPr/>
+      </p:nvGrpSpPr>
+      <p:grpSpPr>
+        <a:xfrm>
+          <a:off x="0" y="0"/>
+          <a:ext cx="0" cy="0"/>
+          <a:chOff x="0" y="0"/>
+          <a:chExt cx="0" cy="0"/>
+        </a:xfrm>
+      </p:grpSpPr>
+      <p:sp>
+        <p:nvSpPr>
+          <p:cNvPr id="192" name="Shape 192"/>
+          <p:cNvSpPr txBox="1">
+            <a:spLocks noGrp="1"/>
+          </p:cNvSpPr>
+          <p:nvPr>
+            <p:ph type="body" idx="1"/>
+          </p:nvPr>
+        </p:nvSpPr>
+        <p:spPr>
+          <a:xfrm>
+            <a:off x="685800" y="4343400"/>
+            <a:ext cx="5486400" cy="4114800"/>
+          </a:xfrm>
+          <a:prstGeom prst="rect">
+            <a:avLst/>
+          </a:prstGeom>
+        </p:spPr>
+        <p:txBody>
+          <a:bodyPr wrap="square" lIns="91425" tIns="91425" rIns="91425" bIns="91425" anchor="t" anchorCtr="0">
+            <a:noAutofit/>
+          </a:bodyPr>
+          <a:lstStyle/>
+          <a:p>
+            <a:pPr lvl="0">
+              <a:spcBef>
+                <a:spcPts val="0"/>
+              </a:spcBef>
+              <a:buNone/>
+            </a:pPr>
+            <a:endParaRPr/>
+          </a:p>
+        </p:txBody>
+      </p:sp>
+      <p:sp>
+        <p:nvSpPr>
+          <p:cNvPr id="193" name="Shape 193"/>
+          <p:cNvSpPr>
+            <a:spLocks noGrp="1" noRot="1" noChangeAspect="1"/>
+          </p:cNvSpPr>
+          <p:nvPr>
+            <p:ph type="sldImg" idx="2"/>
+          </p:nvPr>
+        </p:nvSpPr>
+        <p:spPr>
+          <a:xfrm>
+            <a:off x="1143000" y="685800"/>
+            <a:ext cx="4572000" cy="3429000"/>
+          </a:xfrm>
+          <a:custGeom>
+            <a:avLst/>
+            <a:gdLst/>
+            <a:ahLst/>
+            <a:cxnLst/>
+            <a:rect l="0" t="0" r="0" b="0"/>
+            <a:pathLst>
+              <a:path w="120000" h="120000" extrusionOk="0">
+                <a:moveTo>
+                  <a:pt x="0" y="0"/>
+                </a:moveTo>
+                <a:lnTo>
+                  <a:pt x="120000" y="0"/>
+                </a:lnTo>
+                <a:lnTo>
+                  <a:pt x="120000" y="120000"/>
+                </a:lnTo>
+                <a:lnTo>
+                  <a:pt x="0" y="120000"/>
+                </a:lnTo>
+                <a:close/>
+              </a:path>
+            </a:pathLst>
+          </a:custGeom>
+        </p:spPr>
+      </p:sp>
+    </p:spTree>
+  </p:cSld>
+  <p:clrMapOvr>
+    <a:masterClrMapping/>
+  </p:clrMapOvr>
+</p:notes>
+</file>
+
 <file path=ppt/notesSlides/notesSlide2.xml><?xml version="1.0" encoding="utf-8"?>
 <p:notes xmlns:a="http://schemas.openxmlformats.org/drawingml/2006/main" xmlns:r="http://schemas.openxmlformats.org/officeDocument/2006/relationships" xmlns:p="http://schemas.openxmlformats.org/presentationml/2006/main" showMasterSp="0" showMasterPhAnim="0">
   <p:cSld>
@@ -1853,7 +2057,7 @@
   <p:cSld>
     <p:spTree>
       <p:nvGrpSpPr>
-        <p:cNvPr id="1" name="Shape 182"/>
+        <p:cNvPr id="1" name="Shape 173"/>
         <p:cNvGrpSpPr/>
         <p:nvPr/>
       </p:nvGrpSpPr>
@@ -1867,7 +2071,7 @@
       </p:grpSpPr>
       <p:sp>
         <p:nvSpPr>
-          <p:cNvPr id="183" name="Shape 183"/>
+          <p:cNvPr id="174" name="Shape 174"/>
           <p:cNvSpPr txBox="1">
             <a:spLocks noGrp="1"/>
           </p:cNvSpPr>
@@ -1902,7 +2106,7 @@
       </p:sp>
       <p:sp>
         <p:nvSpPr>
-          <p:cNvPr id="184" name="Shape 184"/>
+          <p:cNvPr id="175" name="Shape 175"/>
           <p:cNvSpPr>
             <a:spLocks noGrp="1" noRot="1" noChangeAspect="1"/>
           </p:cNvSpPr>
@@ -1954,7 +2158,7 @@
   <p:cSld>
     <p:spTree>
       <p:nvGrpSpPr>
-        <p:cNvPr id="1" name="Shape 191"/>
+        <p:cNvPr id="1" name="Shape 173"/>
         <p:cNvGrpSpPr/>
         <p:nvPr/>
       </p:nvGrpSpPr>
@@ -1968,7 +2172,7 @@
       </p:grpSpPr>
       <p:sp>
         <p:nvSpPr>
-          <p:cNvPr id="192" name="Shape 192"/>
+          <p:cNvPr id="174" name="Shape 174"/>
           <p:cNvSpPr txBox="1">
             <a:spLocks noGrp="1"/>
           </p:cNvSpPr>
@@ -2003,7 +2207,7 @@
       </p:sp>
       <p:sp>
         <p:nvSpPr>
-          <p:cNvPr id="193" name="Shape 193"/>
+          <p:cNvPr id="175" name="Shape 175"/>
           <p:cNvSpPr>
             <a:spLocks noGrp="1" noRot="1" noChangeAspect="1"/>
           </p:cNvSpPr>
@@ -18481,6 +18685,319 @@
 </p:sld>
 </file>
 
+<file path=ppt/slides/slide10.xml><?xml version="1.0" encoding="utf-8"?>
+<p:sld xmlns:a="http://schemas.openxmlformats.org/drawingml/2006/main" xmlns:r="http://schemas.openxmlformats.org/officeDocument/2006/relationships" xmlns:p="http://schemas.openxmlformats.org/presentationml/2006/main">
+  <p:cSld>
+    <p:spTree>
+      <p:nvGrpSpPr>
+        <p:cNvPr id="1" name="Shape 176"/>
+        <p:cNvGrpSpPr/>
+        <p:nvPr/>
+      </p:nvGrpSpPr>
+      <p:grpSpPr>
+        <a:xfrm>
+          <a:off x="0" y="0"/>
+          <a:ext cx="0" cy="0"/>
+          <a:chOff x="0" y="0"/>
+          <a:chExt cx="0" cy="0"/>
+        </a:xfrm>
+      </p:grpSpPr>
+      <p:sp>
+        <p:nvSpPr>
+          <p:cNvPr id="177" name="Shape 177"/>
+          <p:cNvSpPr txBox="1">
+            <a:spLocks noGrp="1"/>
+          </p:cNvSpPr>
+          <p:nvPr>
+            <p:ph type="dt" idx="10"/>
+          </p:nvPr>
+        </p:nvSpPr>
+        <p:spPr>
+          <a:xfrm>
+            <a:off x="264980" y="6356350"/>
+            <a:ext cx="2133600" cy="365125"/>
+          </a:xfrm>
+          <a:prstGeom prst="rect">
+            <a:avLst/>
+          </a:prstGeom>
+          <a:noFill/>
+          <a:ln>
+            <a:noFill/>
+          </a:ln>
+        </p:spPr>
+        <p:txBody>
+          <a:bodyPr wrap="square" lIns="91425" tIns="45700" rIns="91425" bIns="45700" anchor="ctr" anchorCtr="0">
+            <a:noAutofit/>
+          </a:bodyPr>
+          <a:lstStyle/>
+          <a:p>
+            <a:pPr marL="0" marR="0" lvl="0" indent="0" algn="l" rtl="0">
+              <a:spcBef>
+                <a:spcPts val="0"/>
+              </a:spcBef>
+              <a:buSzPct val="25000"/>
+              <a:buNone/>
+            </a:pPr>
+            <a:r>
+              <a:rPr lang="de-AT" sz="1000">
+                <a:solidFill>
+                  <a:srgbClr val="888888"/>
+                </a:solidFill>
+                <a:latin typeface="Calibri"/>
+                <a:ea typeface="Calibri"/>
+                <a:cs typeface="Calibri"/>
+                <a:sym typeface="Calibri"/>
+              </a:rPr>
+              <a:t>06.11.2017</a:t>
+            </a:r>
+          </a:p>
+        </p:txBody>
+      </p:sp>
+      <p:sp>
+        <p:nvSpPr>
+          <p:cNvPr id="178" name="Shape 178"/>
+          <p:cNvSpPr txBox="1">
+            <a:spLocks noGrp="1"/>
+          </p:cNvSpPr>
+          <p:nvPr>
+            <p:ph type="ftr" idx="11"/>
+          </p:nvPr>
+        </p:nvSpPr>
+        <p:spPr>
+          <a:xfrm>
+            <a:off x="3124200" y="6356350"/>
+            <a:ext cx="2895600" cy="365100"/>
+          </a:xfrm>
+          <a:prstGeom prst="rect">
+            <a:avLst/>
+          </a:prstGeom>
+          <a:noFill/>
+          <a:ln>
+            <a:noFill/>
+          </a:ln>
+        </p:spPr>
+        <p:txBody>
+          <a:bodyPr wrap="square" lIns="91425" tIns="45700" rIns="91425" bIns="45700" anchor="ctr" anchorCtr="0">
+            <a:noAutofit/>
+          </a:bodyPr>
+          <a:lstStyle/>
+          <a:p>
+            <a:pPr marL="0" marR="0" lvl="0" indent="0" algn="ctr" rtl="0">
+              <a:spcBef>
+                <a:spcPts val="0"/>
+              </a:spcBef>
+              <a:buSzPct val="25000"/>
+              <a:buNone/>
+            </a:pPr>
+            <a:r>
+              <a:rPr lang="de-AT" sz="1000">
+                <a:solidFill>
+                  <a:srgbClr val="888888"/>
+                </a:solidFill>
+                <a:latin typeface="Calibri"/>
+                <a:ea typeface="Calibri"/>
+                <a:cs typeface="Calibri"/>
+                <a:sym typeface="Calibri"/>
+              </a:rPr>
+              <a:t>IM16</a:t>
+            </a:r>
+          </a:p>
+        </p:txBody>
+      </p:sp>
+      <p:sp>
+        <p:nvSpPr>
+          <p:cNvPr id="179" name="Shape 179"/>
+          <p:cNvSpPr txBox="1">
+            <a:spLocks noGrp="1"/>
+          </p:cNvSpPr>
+          <p:nvPr>
+            <p:ph type="sldNum" idx="12"/>
+          </p:nvPr>
+        </p:nvSpPr>
+        <p:spPr>
+          <a:xfrm>
+            <a:off x="6738555" y="6356350"/>
+            <a:ext cx="2133600" cy="365125"/>
+          </a:xfrm>
+          <a:prstGeom prst="rect">
+            <a:avLst/>
+          </a:prstGeom>
+          <a:noFill/>
+          <a:ln>
+            <a:noFill/>
+          </a:ln>
+        </p:spPr>
+        <p:txBody>
+          <a:bodyPr wrap="square" lIns="91425" tIns="45700" rIns="91425" bIns="45700" anchor="ctr" anchorCtr="0">
+            <a:noAutofit/>
+          </a:bodyPr>
+          <a:lstStyle/>
+          <a:p>
+            <a:pPr marL="0" marR="0" lvl="0" indent="0" algn="r" rtl="0">
+              <a:spcBef>
+                <a:spcPts val="0"/>
+              </a:spcBef>
+              <a:buSzPct val="25000"/>
+              <a:buNone/>
+            </a:pPr>
+            <a:fld id="{00000000-1234-1234-1234-123412341234}" type="slidenum">
+              <a:rPr lang="de-AT" sz="1000">
+                <a:solidFill>
+                  <a:srgbClr val="888888"/>
+                </a:solidFill>
+                <a:latin typeface="Calibri"/>
+                <a:ea typeface="Calibri"/>
+                <a:cs typeface="Calibri"/>
+                <a:sym typeface="Calibri"/>
+              </a:rPr>
+              <a:t>10</a:t>
+            </a:fld>
+            <a:endParaRPr lang="de-AT" sz="1000">
+              <a:solidFill>
+                <a:srgbClr val="888888"/>
+              </a:solidFill>
+              <a:latin typeface="Calibri"/>
+              <a:ea typeface="Calibri"/>
+              <a:cs typeface="Calibri"/>
+              <a:sym typeface="Calibri"/>
+            </a:endParaRPr>
+          </a:p>
+        </p:txBody>
+      </p:sp>
+      <p:pic>
+        <p:nvPicPr>
+          <p:cNvPr id="2050" name="Picture 2" descr="C:\Users\michael.stifter\Downloads\Simulator Screen Shot - iPhone 8 Plus - 2017-11-05 at 21.08.31.png"/>
+          <p:cNvPicPr>
+            <a:picLocks noChangeAspect="1" noChangeArrowheads="1"/>
+          </p:cNvPicPr>
+          <p:nvPr/>
+        </p:nvPicPr>
+        <p:blipFill>
+          <a:blip r:embed="rId3">
+            <a:extLst>
+              <a:ext uri="{28A0092B-C50C-407E-A947-70E740481C1C}">
+                <a14:useLocalDpi xmlns:a14="http://schemas.microsoft.com/office/drawing/2010/main" val="0"/>
+              </a:ext>
+            </a:extLst>
+          </a:blip>
+          <a:srcRect/>
+          <a:stretch>
+            <a:fillRect/>
+          </a:stretch>
+        </p:blipFill>
+        <p:spPr bwMode="auto">
+          <a:xfrm>
+            <a:off x="3208070" y="974457"/>
+            <a:ext cx="2860956" cy="5088295"/>
+          </a:xfrm>
+          <a:prstGeom prst="rect">
+            <a:avLst/>
+          </a:prstGeom>
+          <a:noFill/>
+          <a:extLst>
+            <a:ext uri="{909E8E84-426E-40DD-AFC4-6F175D3DCCD1}">
+              <a14:hiddenFill xmlns:a14="http://schemas.microsoft.com/office/drawing/2010/main">
+                <a:solidFill>
+                  <a:srgbClr val="FFFFFF"/>
+                </a:solidFill>
+              </a14:hiddenFill>
+            </a:ext>
+          </a:extLst>
+        </p:spPr>
+      </p:pic>
+    </p:spTree>
+    <p:extLst>
+      <p:ext uri="{BB962C8B-B14F-4D97-AF65-F5344CB8AC3E}">
+        <p14:creationId xmlns:p14="http://schemas.microsoft.com/office/powerpoint/2010/main" val="3925748778"/>
+      </p:ext>
+    </p:extLst>
+  </p:cSld>
+  <p:clrMapOvr>
+    <a:masterClrMapping/>
+  </p:clrMapOvr>
+</p:sld>
+</file>
+
+<file path=ppt/slides/slide11.xml><?xml version="1.0" encoding="utf-8"?>
+<p:sld xmlns:a="http://schemas.openxmlformats.org/drawingml/2006/main" xmlns:r="http://schemas.openxmlformats.org/officeDocument/2006/relationships" xmlns:p="http://schemas.openxmlformats.org/presentationml/2006/main">
+  <p:cSld>
+    <p:spTree>
+      <p:nvGrpSpPr>
+        <p:cNvPr id="1" name="Shape 194"/>
+        <p:cNvGrpSpPr/>
+        <p:nvPr/>
+      </p:nvGrpSpPr>
+      <p:grpSpPr>
+        <a:xfrm>
+          <a:off x="0" y="0"/>
+          <a:ext cx="0" cy="0"/>
+          <a:chOff x="0" y="0"/>
+          <a:chExt cx="0" cy="0"/>
+        </a:xfrm>
+      </p:grpSpPr>
+      <p:sp>
+        <p:nvSpPr>
+          <p:cNvPr id="195" name="Shape 195"/>
+          <p:cNvSpPr txBox="1">
+            <a:spLocks noGrp="1"/>
+          </p:cNvSpPr>
+          <p:nvPr>
+            <p:ph type="ctrTitle"/>
+          </p:nvPr>
+        </p:nvSpPr>
+        <p:spPr>
+          <a:xfrm>
+            <a:off x="277586" y="1401884"/>
+            <a:ext cx="8596539" cy="1470025"/>
+          </a:xfrm>
+          <a:prstGeom prst="rect">
+            <a:avLst/>
+          </a:prstGeom>
+          <a:noFill/>
+          <a:ln>
+            <a:noFill/>
+          </a:ln>
+        </p:spPr>
+        <p:txBody>
+          <a:bodyPr wrap="square" lIns="91425" tIns="45700" rIns="91425" bIns="45700" anchor="t" anchorCtr="0">
+            <a:noAutofit/>
+          </a:bodyPr>
+          <a:lstStyle/>
+          <a:p>
+            <a:pPr marL="0" marR="0" lvl="0" indent="-254000" algn="l" rtl="0">
+              <a:spcBef>
+                <a:spcPts val="0"/>
+              </a:spcBef>
+              <a:buClr>
+                <a:schemeClr val="lt2"/>
+              </a:buClr>
+              <a:buSzPct val="100000"/>
+              <a:buFont typeface="Calibri"/>
+              <a:buNone/>
+            </a:pPr>
+            <a:r>
+              <a:rPr lang="de-AT" sz="4000" b="1" i="0" u="none" strike="noStrike" cap="none">
+                <a:solidFill>
+                  <a:schemeClr val="lt2"/>
+                </a:solidFill>
+                <a:latin typeface="Calibri"/>
+                <a:ea typeface="Calibri"/>
+                <a:cs typeface="Calibri"/>
+                <a:sym typeface="Calibri"/>
+              </a:rPr>
+              <a:t>Thank you for your attention</a:t>
+            </a:r>
+          </a:p>
+        </p:txBody>
+      </p:sp>
+    </p:spTree>
+  </p:cSld>
+  <p:clrMapOvr>
+    <a:masterClrMapping/>
+  </p:clrMapOvr>
+</p:sld>
+</file>
+
 <file path=ppt/slides/slide2.xml><?xml version="1.0" encoding="utf-8"?>
 <p:sld xmlns:a="http://schemas.openxmlformats.org/drawingml/2006/main" xmlns:r="http://schemas.openxmlformats.org/officeDocument/2006/relationships" xmlns:p="http://schemas.openxmlformats.org/presentationml/2006/main">
   <p:cSld>
@@ -18675,7 +19192,7 @@
             </a:r>
           </a:p>
           <a:p>
-            <a:pPr marL="342900" marR="0" lvl="0" indent="-342900" algn="l" rtl="0">
+            <a:pPr marR="0" lvl="0" algn="l" rtl="0">
               <a:spcBef>
                 <a:spcPts val="600"/>
               </a:spcBef>
@@ -18686,21 +19203,7 @@
                 <a:schemeClr val="accent1"/>
               </a:buClr>
               <a:buSzPct val="100000"/>
-              <a:buFont typeface="Arial"/>
-              <a:buChar char="•"/>
             </a:pPr>
-            <a:r>
-              <a:rPr lang="de-AT" sz="2400" b="0" i="0" u="none" strike="noStrike" cap="none" dirty="0" err="1">
-                <a:solidFill>
-                  <a:schemeClr val="dk1"/>
-                </a:solidFill>
-                <a:latin typeface="Calibri"/>
-                <a:ea typeface="Calibri"/>
-                <a:cs typeface="Calibri"/>
-                <a:sym typeface="Calibri"/>
-              </a:rPr>
-              <a:t>Results</a:t>
-            </a:r>
             <a:endParaRPr lang="de-AT" sz="2400" b="0" i="0" u="none" strike="noStrike" cap="none" dirty="0">
               <a:solidFill>
                 <a:schemeClr val="dk1"/>
@@ -19308,7 +19811,7 @@
           <p:cNvPr id="7" name="Shape 142">
             <a:extLst>
               <a:ext uri="{FF2B5EF4-FFF2-40B4-BE49-F238E27FC236}">
-                <a16:creationId xmlns:a16="http://schemas.microsoft.com/office/drawing/2014/main" xmlns="" id="{22578643-D4F2-4D65-8661-31443AF016F1}"/>
+                <a16:creationId xmlns="" xmlns:a16="http://schemas.microsoft.com/office/drawing/2014/main" id="{22578643-D4F2-4D65-8661-31443AF016F1}"/>
               </a:ext>
             </a:extLst>
           </p:cNvPr>
@@ -19710,7 +20213,7 @@
           <p:cNvPr id="3" name="Grafik 2">
             <a:extLst>
               <a:ext uri="{FF2B5EF4-FFF2-40B4-BE49-F238E27FC236}">
-                <a16:creationId xmlns:a16="http://schemas.microsoft.com/office/drawing/2014/main" xmlns="" id="{4222AC85-7A8C-484A-B9AA-70FFBC249CDC}"/>
+                <a16:creationId xmlns="" xmlns:a16="http://schemas.microsoft.com/office/drawing/2014/main" id="{4222AC85-7A8C-484A-B9AA-70FFBC249CDC}"/>
               </a:ext>
             </a:extLst>
           </p:cNvPr>
@@ -20291,7 +20794,7 @@
           <p:cNvPr id="1026" name="Picture 2" descr="https://images-na.ssl-images-amazon.com/images/I/41eWJUdMIzL._SX466_.jpg">
             <a:extLst>
               <a:ext uri="{FF2B5EF4-FFF2-40B4-BE49-F238E27FC236}">
-                <a16:creationId xmlns:a16="http://schemas.microsoft.com/office/drawing/2014/main" xmlns="" id="{9AAF2E4A-DBA7-41C1-A58B-8600AB53068B}"/>
+                <a16:creationId xmlns="" xmlns:a16="http://schemas.microsoft.com/office/drawing/2014/main" id="{9AAF2E4A-DBA7-41C1-A58B-8600AB53068B}"/>
               </a:ext>
             </a:extLst>
           </p:cNvPr>
@@ -20338,7 +20841,7 @@
           <p:cNvPr id="4" name="Textfeld 3">
             <a:extLst>
               <a:ext uri="{FF2B5EF4-FFF2-40B4-BE49-F238E27FC236}">
-                <a16:creationId xmlns:a16="http://schemas.microsoft.com/office/drawing/2014/main" xmlns="" id="{B444CF7D-B155-4C42-8DAB-6AD1965C0E88}"/>
+                <a16:creationId xmlns="" xmlns:a16="http://schemas.microsoft.com/office/drawing/2014/main" id="{B444CF7D-B155-4C42-8DAB-6AD1965C0E88}"/>
               </a:ext>
             </a:extLst>
           </p:cNvPr>
@@ -22294,35 +22797,8 @@
         </p:blipFill>
         <p:spPr>
           <a:xfrm>
-            <a:off x="691475" y="765938"/>
+            <a:off x="2603895" y="765938"/>
             <a:ext cx="3484976" cy="5538250"/>
-          </a:xfrm>
-          <a:prstGeom prst="rect">
-            <a:avLst/>
-          </a:prstGeom>
-          <a:noFill/>
-          <a:ln>
-            <a:noFill/>
-          </a:ln>
-        </p:spPr>
-      </p:pic>
-      <p:pic>
-        <p:nvPicPr>
-          <p:cNvPr id="181" name="Shape 181"/>
-          <p:cNvPicPr preferRelativeResize="0"/>
-          <p:nvPr/>
-        </p:nvPicPr>
-        <p:blipFill rotWithShape="1">
-          <a:blip r:embed="rId4">
-            <a:alphaModFix/>
-          </a:blip>
-          <a:srcRect t="-7210" b="7210"/>
-          <a:stretch/>
-        </p:blipFill>
-        <p:spPr>
-          <a:xfrm>
-            <a:off x="4831600" y="860200"/>
-            <a:ext cx="3306101" cy="5443973"/>
           </a:xfrm>
           <a:prstGeom prst="rect">
             <a:avLst/>
@@ -22346,7 +22822,7 @@
   <p:cSld>
     <p:spTree>
       <p:nvGrpSpPr>
-        <p:cNvPr id="1" name="Shape 185"/>
+        <p:cNvPr id="1" name="Shape 176"/>
         <p:cNvGrpSpPr/>
         <p:nvPr/>
       </p:nvGrpSpPr>
@@ -22360,117 +22836,7 @@
       </p:grpSpPr>
       <p:sp>
         <p:nvSpPr>
-          <p:cNvPr id="186" name="Shape 186"/>
-          <p:cNvSpPr txBox="1">
-            <a:spLocks noGrp="1"/>
-          </p:cNvSpPr>
-          <p:nvPr>
-            <p:ph type="title"/>
-          </p:nvPr>
-        </p:nvSpPr>
-        <p:spPr>
-          <a:xfrm>
-            <a:off x="269875" y="1090515"/>
-            <a:ext cx="8602280" cy="1143000"/>
-          </a:xfrm>
-          <a:prstGeom prst="rect">
-            <a:avLst/>
-          </a:prstGeom>
-          <a:noFill/>
-          <a:ln>
-            <a:noFill/>
-          </a:ln>
-        </p:spPr>
-        <p:txBody>
-          <a:bodyPr wrap="square" lIns="91425" tIns="45700" rIns="91425" bIns="45700" anchor="b" anchorCtr="0">
-            <a:noAutofit/>
-          </a:bodyPr>
-          <a:lstStyle/>
-          <a:p>
-            <a:pPr marL="0" marR="0" lvl="0" indent="-203200" algn="l" rtl="0">
-              <a:spcBef>
-                <a:spcPts val="0"/>
-              </a:spcBef>
-              <a:buClr>
-                <a:schemeClr val="dk1"/>
-              </a:buClr>
-              <a:buSzPct val="100000"/>
-              <a:buFont typeface="Calibri"/>
-              <a:buNone/>
-            </a:pPr>
-            <a:r>
-              <a:rPr lang="de-AT" sz="3200" b="1" i="0" u="none" strike="noStrike" cap="none">
-                <a:solidFill>
-                  <a:schemeClr val="dk1"/>
-                </a:solidFill>
-                <a:latin typeface="Calibri"/>
-                <a:ea typeface="Calibri"/>
-                <a:cs typeface="Calibri"/>
-                <a:sym typeface="Calibri"/>
-              </a:rPr>
-              <a:t>Results</a:t>
-            </a:r>
-          </a:p>
-        </p:txBody>
-      </p:sp>
-      <p:sp>
-        <p:nvSpPr>
-          <p:cNvPr id="187" name="Shape 187"/>
-          <p:cNvSpPr txBox="1">
-            <a:spLocks noGrp="1"/>
-          </p:cNvSpPr>
-          <p:nvPr>
-            <p:ph type="body" idx="1"/>
-          </p:nvPr>
-        </p:nvSpPr>
-        <p:spPr>
-          <a:xfrm>
-            <a:off x="269875" y="2344057"/>
-            <a:ext cx="8604250" cy="3748768"/>
-          </a:xfrm>
-          <a:prstGeom prst="rect">
-            <a:avLst/>
-          </a:prstGeom>
-          <a:noFill/>
-          <a:ln>
-            <a:noFill/>
-          </a:ln>
-        </p:spPr>
-        <p:txBody>
-          <a:bodyPr wrap="square" lIns="91425" tIns="45700" rIns="91425" bIns="45700" anchor="t" anchorCtr="0">
-            <a:noAutofit/>
-          </a:bodyPr>
-          <a:lstStyle/>
-          <a:p>
-            <a:pPr marL="342900" marR="0" lvl="0" indent="-342900" algn="l" rtl="0">
-              <a:spcBef>
-                <a:spcPts val="0"/>
-              </a:spcBef>
-              <a:spcAft>
-                <a:spcPts val="0"/>
-              </a:spcAft>
-              <a:buClr>
-                <a:schemeClr val="accent1"/>
-              </a:buClr>
-              <a:buSzPct val="100000"/>
-              <a:buFont typeface="Arial"/>
-              <a:buNone/>
-            </a:pPr>
-            <a:endParaRPr sz="2400" b="0" i="0" u="none" strike="noStrike" cap="none">
-              <a:solidFill>
-                <a:schemeClr val="dk1"/>
-              </a:solidFill>
-              <a:latin typeface="Calibri"/>
-              <a:ea typeface="Calibri"/>
-              <a:cs typeface="Calibri"/>
-              <a:sym typeface="Calibri"/>
-            </a:endParaRPr>
-          </a:p>
-        </p:txBody>
-      </p:sp>
-      <p:sp>
-        <p:nvSpPr>
-          <p:cNvPr id="188" name="Shape 188"/>
+          <p:cNvPr id="177" name="Shape 177"/>
           <p:cNvSpPr txBox="1">
             <a:spLocks noGrp="1"/>
           </p:cNvSpPr>
@@ -22521,7 +22887,7 @@
       </p:sp>
       <p:sp>
         <p:nvSpPr>
-          <p:cNvPr id="189" name="Shape 189"/>
+          <p:cNvPr id="178" name="Shape 178"/>
           <p:cNvSpPr txBox="1">
             <a:spLocks noGrp="1"/>
           </p:cNvSpPr>
@@ -22532,7 +22898,7 @@
         <p:spPr>
           <a:xfrm>
             <a:off x="3124200" y="6356350"/>
-            <a:ext cx="2895600" cy="365125"/>
+            <a:ext cx="2895600" cy="365100"/>
           </a:xfrm>
           <a:prstGeom prst="rect">
             <a:avLst/>
@@ -22565,14 +22931,14 @@
                 <a:cs typeface="Calibri"/>
                 <a:sym typeface="Calibri"/>
               </a:rPr>
-              <a:t>IMS16</a:t>
+              <a:t>IM16</a:t>
             </a:r>
           </a:p>
         </p:txBody>
       </p:sp>
       <p:sp>
         <p:nvSpPr>
-          <p:cNvPr id="190" name="Shape 190"/>
+          <p:cNvPr id="179" name="Shape 179"/>
           <p:cNvSpPr txBox="1">
             <a:spLocks noGrp="1"/>
           </p:cNvSpPr>
@@ -22630,7 +22996,39 @@
           </a:p>
         </p:txBody>
       </p:sp>
+      <p:pic>
+        <p:nvPicPr>
+          <p:cNvPr id="181" name="Shape 181"/>
+          <p:cNvPicPr preferRelativeResize="0"/>
+          <p:nvPr/>
+        </p:nvPicPr>
+        <p:blipFill rotWithShape="1">
+          <a:blip r:embed="rId3">
+            <a:alphaModFix/>
+          </a:blip>
+          <a:srcRect t="-7210" b="7210"/>
+          <a:stretch/>
+        </p:blipFill>
+        <p:spPr>
+          <a:xfrm>
+            <a:off x="2962340" y="860200"/>
+            <a:ext cx="3306101" cy="5443973"/>
+          </a:xfrm>
+          <a:prstGeom prst="rect">
+            <a:avLst/>
+          </a:prstGeom>
+          <a:noFill/>
+          <a:ln>
+            <a:noFill/>
+          </a:ln>
+        </p:spPr>
+      </p:pic>
     </p:spTree>
+    <p:extLst>
+      <p:ext uri="{BB962C8B-B14F-4D97-AF65-F5344CB8AC3E}">
+        <p14:creationId xmlns:p14="http://schemas.microsoft.com/office/powerpoint/2010/main" val="3925748778"/>
+      </p:ext>
+    </p:extLst>
   </p:cSld>
   <p:clrMapOvr>
     <a:masterClrMapping/>
@@ -22643,7 +23041,7 @@
   <p:cSld>
     <p:spTree>
       <p:nvGrpSpPr>
-        <p:cNvPr id="1" name="Shape 194"/>
+        <p:cNvPr id="1" name="Shape 176"/>
         <p:cNvGrpSpPr/>
         <p:nvPr/>
       </p:nvGrpSpPr>
@@ -22657,18 +23055,18 @@
       </p:grpSpPr>
       <p:sp>
         <p:nvSpPr>
-          <p:cNvPr id="195" name="Shape 195"/>
+          <p:cNvPr id="177" name="Shape 177"/>
           <p:cNvSpPr txBox="1">
             <a:spLocks noGrp="1"/>
           </p:cNvSpPr>
           <p:nvPr>
-            <p:ph type="ctrTitle"/>
+            <p:ph type="dt" idx="10"/>
           </p:nvPr>
         </p:nvSpPr>
         <p:spPr>
           <a:xfrm>
-            <a:off x="277586" y="1401884"/>
-            <a:ext cx="8596539" cy="1470025"/>
+            <a:off x="264980" y="6356350"/>
+            <a:ext cx="2133600" cy="365125"/>
           </a:xfrm>
           <a:prstGeom prst="rect">
             <a:avLst/>
@@ -22679,38 +23077,191 @@
           </a:ln>
         </p:spPr>
         <p:txBody>
-          <a:bodyPr wrap="square" lIns="91425" tIns="45700" rIns="91425" bIns="45700" anchor="t" anchorCtr="0">
+          <a:bodyPr wrap="square" lIns="91425" tIns="45700" rIns="91425" bIns="45700" anchor="ctr" anchorCtr="0">
             <a:noAutofit/>
           </a:bodyPr>
           <a:lstStyle/>
           <a:p>
-            <a:pPr marL="0" marR="0" lvl="0" indent="-254000" algn="l" rtl="0">
-              <a:spcBef>
-                <a:spcPts val="0"/>
-              </a:spcBef>
-              <a:buClr>
-                <a:schemeClr val="lt2"/>
-              </a:buClr>
-              <a:buSzPct val="100000"/>
-              <a:buFont typeface="Calibri"/>
+            <a:pPr marL="0" marR="0" lvl="0" indent="0" algn="l" rtl="0">
+              <a:spcBef>
+                <a:spcPts val="0"/>
+              </a:spcBef>
+              <a:buSzPct val="25000"/>
               <a:buNone/>
             </a:pPr>
             <a:r>
-              <a:rPr lang="de-AT" sz="4000" b="1" i="0" u="none" strike="noStrike" cap="none">
-                <a:solidFill>
-                  <a:schemeClr val="lt2"/>
+              <a:rPr lang="de-AT" sz="1000">
+                <a:solidFill>
+                  <a:srgbClr val="888888"/>
                 </a:solidFill>
                 <a:latin typeface="Calibri"/>
                 <a:ea typeface="Calibri"/>
                 <a:cs typeface="Calibri"/>
                 <a:sym typeface="Calibri"/>
               </a:rPr>
-              <a:t>Thank you for your attention</a:t>
+              <a:t>06.11.2017</a:t>
             </a:r>
           </a:p>
         </p:txBody>
       </p:sp>
+      <p:sp>
+        <p:nvSpPr>
+          <p:cNvPr id="178" name="Shape 178"/>
+          <p:cNvSpPr txBox="1">
+            <a:spLocks noGrp="1"/>
+          </p:cNvSpPr>
+          <p:nvPr>
+            <p:ph type="ftr" idx="11"/>
+          </p:nvPr>
+        </p:nvSpPr>
+        <p:spPr>
+          <a:xfrm>
+            <a:off x="3124200" y="6356350"/>
+            <a:ext cx="2895600" cy="365100"/>
+          </a:xfrm>
+          <a:prstGeom prst="rect">
+            <a:avLst/>
+          </a:prstGeom>
+          <a:noFill/>
+          <a:ln>
+            <a:noFill/>
+          </a:ln>
+        </p:spPr>
+        <p:txBody>
+          <a:bodyPr wrap="square" lIns="91425" tIns="45700" rIns="91425" bIns="45700" anchor="ctr" anchorCtr="0">
+            <a:noAutofit/>
+          </a:bodyPr>
+          <a:lstStyle/>
+          <a:p>
+            <a:pPr marL="0" marR="0" lvl="0" indent="0" algn="ctr" rtl="0">
+              <a:spcBef>
+                <a:spcPts val="0"/>
+              </a:spcBef>
+              <a:buSzPct val="25000"/>
+              <a:buNone/>
+            </a:pPr>
+            <a:r>
+              <a:rPr lang="de-AT" sz="1000">
+                <a:solidFill>
+                  <a:srgbClr val="888888"/>
+                </a:solidFill>
+                <a:latin typeface="Calibri"/>
+                <a:ea typeface="Calibri"/>
+                <a:cs typeface="Calibri"/>
+                <a:sym typeface="Calibri"/>
+              </a:rPr>
+              <a:t>IM16</a:t>
+            </a:r>
+          </a:p>
+        </p:txBody>
+      </p:sp>
+      <p:sp>
+        <p:nvSpPr>
+          <p:cNvPr id="179" name="Shape 179"/>
+          <p:cNvSpPr txBox="1">
+            <a:spLocks noGrp="1"/>
+          </p:cNvSpPr>
+          <p:nvPr>
+            <p:ph type="sldNum" idx="12"/>
+          </p:nvPr>
+        </p:nvSpPr>
+        <p:spPr>
+          <a:xfrm>
+            <a:off x="6738555" y="6356350"/>
+            <a:ext cx="2133600" cy="365125"/>
+          </a:xfrm>
+          <a:prstGeom prst="rect">
+            <a:avLst/>
+          </a:prstGeom>
+          <a:noFill/>
+          <a:ln>
+            <a:noFill/>
+          </a:ln>
+        </p:spPr>
+        <p:txBody>
+          <a:bodyPr wrap="square" lIns="91425" tIns="45700" rIns="91425" bIns="45700" anchor="ctr" anchorCtr="0">
+            <a:noAutofit/>
+          </a:bodyPr>
+          <a:lstStyle/>
+          <a:p>
+            <a:pPr marL="0" marR="0" lvl="0" indent="0" algn="r" rtl="0">
+              <a:spcBef>
+                <a:spcPts val="0"/>
+              </a:spcBef>
+              <a:buSzPct val="25000"/>
+              <a:buNone/>
+            </a:pPr>
+            <a:fld id="{00000000-1234-1234-1234-123412341234}" type="slidenum">
+              <a:rPr lang="de-AT" sz="1000">
+                <a:solidFill>
+                  <a:srgbClr val="888888"/>
+                </a:solidFill>
+                <a:latin typeface="Calibri"/>
+                <a:ea typeface="Calibri"/>
+                <a:cs typeface="Calibri"/>
+                <a:sym typeface="Calibri"/>
+              </a:rPr>
+              <a:t>9</a:t>
+            </a:fld>
+            <a:endParaRPr lang="de-AT" sz="1000">
+              <a:solidFill>
+                <a:srgbClr val="888888"/>
+              </a:solidFill>
+              <a:latin typeface="Calibri"/>
+              <a:ea typeface="Calibri"/>
+              <a:cs typeface="Calibri"/>
+              <a:sym typeface="Calibri"/>
+            </a:endParaRPr>
+          </a:p>
+        </p:txBody>
+      </p:sp>
+      <p:pic>
+        <p:nvPicPr>
+          <p:cNvPr id="1026" name="Picture 2" descr="C:\Users\michael.stifter\Downloads\Simulator Screen Shot - iPhone 8 Plus - 2017-11-05 at 21.08.02.png"/>
+          <p:cNvPicPr>
+            <a:picLocks noChangeAspect="1" noChangeArrowheads="1"/>
+          </p:cNvPicPr>
+          <p:nvPr/>
+        </p:nvPicPr>
+        <p:blipFill>
+          <a:blip r:embed="rId3">
+            <a:extLst>
+              <a:ext uri="{28A0092B-C50C-407E-A947-70E740481C1C}">
+                <a14:useLocalDpi xmlns:a14="http://schemas.microsoft.com/office/drawing/2010/main" val="0"/>
+              </a:ext>
+            </a:extLst>
+          </a:blip>
+          <a:srcRect/>
+          <a:stretch>
+            <a:fillRect/>
+          </a:stretch>
+        </p:blipFill>
+        <p:spPr bwMode="auto">
+          <a:xfrm>
+            <a:off x="2989611" y="751956"/>
+            <a:ext cx="3055139" cy="5433644"/>
+          </a:xfrm>
+          <a:prstGeom prst="rect">
+            <a:avLst/>
+          </a:prstGeom>
+          <a:noFill/>
+          <a:extLst>
+            <a:ext uri="{909E8E84-426E-40DD-AFC4-6F175D3DCCD1}">
+              <a14:hiddenFill xmlns:a14="http://schemas.microsoft.com/office/drawing/2010/main">
+                <a:solidFill>
+                  <a:srgbClr val="FFFFFF"/>
+                </a:solidFill>
+              </a14:hiddenFill>
+            </a:ext>
+          </a:extLst>
+        </p:spPr>
+      </p:pic>
     </p:spTree>
+    <p:extLst>
+      <p:ext uri="{BB962C8B-B14F-4D97-AF65-F5344CB8AC3E}">
+        <p14:creationId xmlns:p14="http://schemas.microsoft.com/office/powerpoint/2010/main" val="3925748778"/>
+      </p:ext>
+    </p:extLst>
   </p:cSld>
   <p:clrMapOvr>
     <a:masterClrMapping/>

--- a/presentations/01_idea_emergency_alerter.pptx
+++ b/presentations/01_idea_emergency_alerter.pptx
@@ -5,7 +5,7 @@
     <p:sldMasterId id="2147483665" r:id="rId1"/>
   </p:sldMasterIdLst>
   <p:notesMasterIdLst>
-    <p:notesMasterId r:id="rId13"/>
+    <p:notesMasterId r:id="rId14"/>
   </p:notesMasterIdLst>
   <p:sldIdLst>
     <p:sldId id="256" r:id="rId2"/>
@@ -14,11 +14,12 @@
     <p:sldId id="264" r:id="rId5"/>
     <p:sldId id="259" r:id="rId6"/>
     <p:sldId id="260" r:id="rId7"/>
-    <p:sldId id="261" r:id="rId8"/>
-    <p:sldId id="266" r:id="rId9"/>
-    <p:sldId id="267" r:id="rId10"/>
-    <p:sldId id="268" r:id="rId11"/>
-    <p:sldId id="263" r:id="rId12"/>
+    <p:sldId id="269" r:id="rId8"/>
+    <p:sldId id="261" r:id="rId9"/>
+    <p:sldId id="266" r:id="rId10"/>
+    <p:sldId id="267" r:id="rId11"/>
+    <p:sldId id="268" r:id="rId12"/>
+    <p:sldId id="263" r:id="rId13"/>
   </p:sldIdLst>
   <p:sldSz cx="9144000" cy="6858000" type="screen4x3"/>
   <p:notesSz cx="6858000" cy="9144000"/>
@@ -1345,6 +1346,107 @@
   <p:cSld>
     <p:spTree>
       <p:nvGrpSpPr>
+        <p:cNvPr id="1" name="Shape 173"/>
+        <p:cNvGrpSpPr/>
+        <p:nvPr/>
+      </p:nvGrpSpPr>
+      <p:grpSpPr>
+        <a:xfrm>
+          <a:off x="0" y="0"/>
+          <a:ext cx="0" cy="0"/>
+          <a:chOff x="0" y="0"/>
+          <a:chExt cx="0" cy="0"/>
+        </a:xfrm>
+      </p:grpSpPr>
+      <p:sp>
+        <p:nvSpPr>
+          <p:cNvPr id="174" name="Shape 174"/>
+          <p:cNvSpPr txBox="1">
+            <a:spLocks noGrp="1"/>
+          </p:cNvSpPr>
+          <p:nvPr>
+            <p:ph type="body" idx="1"/>
+          </p:nvPr>
+        </p:nvSpPr>
+        <p:spPr>
+          <a:xfrm>
+            <a:off x="685800" y="4343400"/>
+            <a:ext cx="5486400" cy="4114800"/>
+          </a:xfrm>
+          <a:prstGeom prst="rect">
+            <a:avLst/>
+          </a:prstGeom>
+        </p:spPr>
+        <p:txBody>
+          <a:bodyPr wrap="square" lIns="91425" tIns="91425" rIns="91425" bIns="91425" anchor="t" anchorCtr="0">
+            <a:noAutofit/>
+          </a:bodyPr>
+          <a:lstStyle/>
+          <a:p>
+            <a:pPr lvl="0">
+              <a:spcBef>
+                <a:spcPts val="0"/>
+              </a:spcBef>
+              <a:buNone/>
+            </a:pPr>
+            <a:endParaRPr/>
+          </a:p>
+        </p:txBody>
+      </p:sp>
+      <p:sp>
+        <p:nvSpPr>
+          <p:cNvPr id="175" name="Shape 175"/>
+          <p:cNvSpPr>
+            <a:spLocks noGrp="1" noRot="1" noChangeAspect="1"/>
+          </p:cNvSpPr>
+          <p:nvPr>
+            <p:ph type="sldImg" idx="2"/>
+          </p:nvPr>
+        </p:nvSpPr>
+        <p:spPr>
+          <a:xfrm>
+            <a:off x="1143000" y="685800"/>
+            <a:ext cx="4572000" cy="3429000"/>
+          </a:xfrm>
+          <a:custGeom>
+            <a:avLst/>
+            <a:gdLst/>
+            <a:ahLst/>
+            <a:cxnLst/>
+            <a:rect l="0" t="0" r="0" b="0"/>
+            <a:pathLst>
+              <a:path w="120000" h="120000" extrusionOk="0">
+                <a:moveTo>
+                  <a:pt x="0" y="0"/>
+                </a:moveTo>
+                <a:lnTo>
+                  <a:pt x="120000" y="0"/>
+                </a:lnTo>
+                <a:lnTo>
+                  <a:pt x="120000" y="120000"/>
+                </a:lnTo>
+                <a:lnTo>
+                  <a:pt x="0" y="120000"/>
+                </a:lnTo>
+                <a:close/>
+              </a:path>
+            </a:pathLst>
+          </a:custGeom>
+        </p:spPr>
+      </p:sp>
+    </p:spTree>
+  </p:cSld>
+  <p:clrMapOvr>
+    <a:masterClrMapping/>
+  </p:clrMapOvr>
+</p:notes>
+</file>
+
+<file path=ppt/notesSlides/notesSlide12.xml><?xml version="1.0" encoding="utf-8"?>
+<p:notes xmlns:a="http://schemas.openxmlformats.org/drawingml/2006/main" xmlns:r="http://schemas.openxmlformats.org/officeDocument/2006/relationships" xmlns:p="http://schemas.openxmlformats.org/presentationml/2006/main" showMasterSp="0" showMasterPhAnim="0">
+  <p:cSld>
+    <p:spTree>
+      <p:nvGrpSpPr>
         <p:cNvPr id="1" name="Shape 191"/>
         <p:cNvGrpSpPr/>
         <p:nvPr/>
@@ -1956,7 +2058,7 @@
   <p:cSld>
     <p:spTree>
       <p:nvGrpSpPr>
-        <p:cNvPr id="1" name="Shape 173"/>
+        <p:cNvPr id="1" name="Shape 164"/>
         <p:cNvGrpSpPr/>
         <p:nvPr/>
       </p:nvGrpSpPr>
@@ -1970,7 +2072,7 @@
       </p:grpSpPr>
       <p:sp>
         <p:nvSpPr>
-          <p:cNvPr id="174" name="Shape 174"/>
+          <p:cNvPr id="165" name="Shape 165"/>
           <p:cNvSpPr txBox="1">
             <a:spLocks noGrp="1"/>
           </p:cNvSpPr>
@@ -1993,7 +2095,7 @@
           </a:bodyPr>
           <a:lstStyle/>
           <a:p>
-            <a:pPr lvl="0">
+            <a:pPr lvl="0" rtl="0">
               <a:spcBef>
                 <a:spcPts val="0"/>
               </a:spcBef>
@@ -2005,7 +2107,7 @@
       </p:sp>
       <p:sp>
         <p:nvSpPr>
-          <p:cNvPr id="175" name="Shape 175"/>
+          <p:cNvPr id="166" name="Shape 166"/>
           <p:cNvSpPr>
             <a:spLocks noGrp="1" noRot="1" noChangeAspect="1"/>
           </p:cNvSpPr>
@@ -18790,7 +18892,7 @@
               <a:buNone/>
             </a:pPr>
             <a:r>
-              <a:rPr lang="de-AT" sz="1000">
+              <a:rPr lang="de-AT" sz="1000" dirty="0" smtClean="0">
                 <a:solidFill>
                   <a:srgbClr val="888888"/>
                 </a:solidFill>
@@ -18799,8 +18901,17 @@
                 <a:cs typeface="Calibri"/>
                 <a:sym typeface="Calibri"/>
               </a:rPr>
-              <a:t>IM16</a:t>
-            </a:r>
+              <a:t>IMS16</a:t>
+            </a:r>
+            <a:endParaRPr lang="de-AT" sz="1000" dirty="0">
+              <a:solidFill>
+                <a:srgbClr val="888888"/>
+              </a:solidFill>
+              <a:latin typeface="Calibri"/>
+              <a:ea typeface="Calibri"/>
+              <a:cs typeface="Calibri"/>
+              <a:sym typeface="Calibri"/>
+            </a:endParaRPr>
           </a:p>
         </p:txBody>
       </p:sp>
@@ -18851,6 +18962,248 @@
                 <a:sym typeface="Calibri"/>
               </a:rPr>
               <a:t>10</a:t>
+            </a:fld>
+            <a:endParaRPr lang="de-AT" sz="1000">
+              <a:solidFill>
+                <a:srgbClr val="888888"/>
+              </a:solidFill>
+              <a:latin typeface="Calibri"/>
+              <a:ea typeface="Calibri"/>
+              <a:cs typeface="Calibri"/>
+              <a:sym typeface="Calibri"/>
+            </a:endParaRPr>
+          </a:p>
+        </p:txBody>
+      </p:sp>
+      <p:pic>
+        <p:nvPicPr>
+          <p:cNvPr id="1026" name="Picture 2" descr="C:\Users\michael.stifter\Downloads\Simulator Screen Shot - iPhone 8 Plus - 2017-11-05 at 21.08.02.png"/>
+          <p:cNvPicPr>
+            <a:picLocks noChangeAspect="1" noChangeArrowheads="1"/>
+          </p:cNvPicPr>
+          <p:nvPr/>
+        </p:nvPicPr>
+        <p:blipFill>
+          <a:blip r:embed="rId3">
+            <a:extLst>
+              <a:ext uri="{28A0092B-C50C-407E-A947-70E740481C1C}">
+                <a14:useLocalDpi xmlns:a14="http://schemas.microsoft.com/office/drawing/2010/main" val="0"/>
+              </a:ext>
+            </a:extLst>
+          </a:blip>
+          <a:srcRect/>
+          <a:stretch>
+            <a:fillRect/>
+          </a:stretch>
+        </p:blipFill>
+        <p:spPr bwMode="auto">
+          <a:xfrm>
+            <a:off x="2989611" y="751956"/>
+            <a:ext cx="3055139" cy="5433644"/>
+          </a:xfrm>
+          <a:prstGeom prst="rect">
+            <a:avLst/>
+          </a:prstGeom>
+          <a:noFill/>
+          <a:extLst>
+            <a:ext uri="{909E8E84-426E-40DD-AFC4-6F175D3DCCD1}">
+              <a14:hiddenFill xmlns:a14="http://schemas.microsoft.com/office/drawing/2010/main">
+                <a:solidFill>
+                  <a:srgbClr val="FFFFFF"/>
+                </a:solidFill>
+              </a14:hiddenFill>
+            </a:ext>
+          </a:extLst>
+        </p:spPr>
+      </p:pic>
+    </p:spTree>
+    <p:extLst>
+      <p:ext uri="{BB962C8B-B14F-4D97-AF65-F5344CB8AC3E}">
+        <p14:creationId xmlns:p14="http://schemas.microsoft.com/office/powerpoint/2010/main" val="3925748778"/>
+      </p:ext>
+    </p:extLst>
+  </p:cSld>
+  <p:clrMapOvr>
+    <a:masterClrMapping/>
+  </p:clrMapOvr>
+</p:sld>
+</file>
+
+<file path=ppt/slides/slide11.xml><?xml version="1.0" encoding="utf-8"?>
+<p:sld xmlns:a="http://schemas.openxmlformats.org/drawingml/2006/main" xmlns:r="http://schemas.openxmlformats.org/officeDocument/2006/relationships" xmlns:p="http://schemas.openxmlformats.org/presentationml/2006/main">
+  <p:cSld>
+    <p:spTree>
+      <p:nvGrpSpPr>
+        <p:cNvPr id="1" name="Shape 176"/>
+        <p:cNvGrpSpPr/>
+        <p:nvPr/>
+      </p:nvGrpSpPr>
+      <p:grpSpPr>
+        <a:xfrm>
+          <a:off x="0" y="0"/>
+          <a:ext cx="0" cy="0"/>
+          <a:chOff x="0" y="0"/>
+          <a:chExt cx="0" cy="0"/>
+        </a:xfrm>
+      </p:grpSpPr>
+      <p:sp>
+        <p:nvSpPr>
+          <p:cNvPr id="177" name="Shape 177"/>
+          <p:cNvSpPr txBox="1">
+            <a:spLocks noGrp="1"/>
+          </p:cNvSpPr>
+          <p:nvPr>
+            <p:ph type="dt" idx="10"/>
+          </p:nvPr>
+        </p:nvSpPr>
+        <p:spPr>
+          <a:xfrm>
+            <a:off x="264980" y="6356350"/>
+            <a:ext cx="2133600" cy="365125"/>
+          </a:xfrm>
+          <a:prstGeom prst="rect">
+            <a:avLst/>
+          </a:prstGeom>
+          <a:noFill/>
+          <a:ln>
+            <a:noFill/>
+          </a:ln>
+        </p:spPr>
+        <p:txBody>
+          <a:bodyPr wrap="square" lIns="91425" tIns="45700" rIns="91425" bIns="45700" anchor="ctr" anchorCtr="0">
+            <a:noAutofit/>
+          </a:bodyPr>
+          <a:lstStyle/>
+          <a:p>
+            <a:pPr marL="0" marR="0" lvl="0" indent="0" algn="l" rtl="0">
+              <a:spcBef>
+                <a:spcPts val="0"/>
+              </a:spcBef>
+              <a:buSzPct val="25000"/>
+              <a:buNone/>
+            </a:pPr>
+            <a:r>
+              <a:rPr lang="de-AT" sz="1000">
+                <a:solidFill>
+                  <a:srgbClr val="888888"/>
+                </a:solidFill>
+                <a:latin typeface="Calibri"/>
+                <a:ea typeface="Calibri"/>
+                <a:cs typeface="Calibri"/>
+                <a:sym typeface="Calibri"/>
+              </a:rPr>
+              <a:t>06.11.2017</a:t>
+            </a:r>
+          </a:p>
+        </p:txBody>
+      </p:sp>
+      <p:sp>
+        <p:nvSpPr>
+          <p:cNvPr id="178" name="Shape 178"/>
+          <p:cNvSpPr txBox="1">
+            <a:spLocks noGrp="1"/>
+          </p:cNvSpPr>
+          <p:nvPr>
+            <p:ph type="ftr" idx="11"/>
+          </p:nvPr>
+        </p:nvSpPr>
+        <p:spPr>
+          <a:xfrm>
+            <a:off x="3124200" y="6356350"/>
+            <a:ext cx="2895600" cy="365100"/>
+          </a:xfrm>
+          <a:prstGeom prst="rect">
+            <a:avLst/>
+          </a:prstGeom>
+          <a:noFill/>
+          <a:ln>
+            <a:noFill/>
+          </a:ln>
+        </p:spPr>
+        <p:txBody>
+          <a:bodyPr wrap="square" lIns="91425" tIns="45700" rIns="91425" bIns="45700" anchor="ctr" anchorCtr="0">
+            <a:noAutofit/>
+          </a:bodyPr>
+          <a:lstStyle/>
+          <a:p>
+            <a:pPr marL="0" marR="0" lvl="0" indent="0" algn="ctr" rtl="0">
+              <a:spcBef>
+                <a:spcPts val="0"/>
+              </a:spcBef>
+              <a:buSzPct val="25000"/>
+              <a:buNone/>
+            </a:pPr>
+            <a:r>
+              <a:rPr lang="de-AT" sz="1000" dirty="0" smtClean="0">
+                <a:solidFill>
+                  <a:srgbClr val="888888"/>
+                </a:solidFill>
+                <a:latin typeface="Calibri"/>
+                <a:ea typeface="Calibri"/>
+                <a:cs typeface="Calibri"/>
+                <a:sym typeface="Calibri"/>
+              </a:rPr>
+              <a:t>IMS16</a:t>
+            </a:r>
+            <a:endParaRPr lang="de-AT" sz="1000" dirty="0">
+              <a:solidFill>
+                <a:srgbClr val="888888"/>
+              </a:solidFill>
+              <a:latin typeface="Calibri"/>
+              <a:ea typeface="Calibri"/>
+              <a:cs typeface="Calibri"/>
+              <a:sym typeface="Calibri"/>
+            </a:endParaRPr>
+          </a:p>
+        </p:txBody>
+      </p:sp>
+      <p:sp>
+        <p:nvSpPr>
+          <p:cNvPr id="179" name="Shape 179"/>
+          <p:cNvSpPr txBox="1">
+            <a:spLocks noGrp="1"/>
+          </p:cNvSpPr>
+          <p:nvPr>
+            <p:ph type="sldNum" idx="12"/>
+          </p:nvPr>
+        </p:nvSpPr>
+        <p:spPr>
+          <a:xfrm>
+            <a:off x="6738555" y="6356350"/>
+            <a:ext cx="2133600" cy="365125"/>
+          </a:xfrm>
+          <a:prstGeom prst="rect">
+            <a:avLst/>
+          </a:prstGeom>
+          <a:noFill/>
+          <a:ln>
+            <a:noFill/>
+          </a:ln>
+        </p:spPr>
+        <p:txBody>
+          <a:bodyPr wrap="square" lIns="91425" tIns="45700" rIns="91425" bIns="45700" anchor="ctr" anchorCtr="0">
+            <a:noAutofit/>
+          </a:bodyPr>
+          <a:lstStyle/>
+          <a:p>
+            <a:pPr marL="0" marR="0" lvl="0" indent="0" algn="r" rtl="0">
+              <a:spcBef>
+                <a:spcPts val="0"/>
+              </a:spcBef>
+              <a:buSzPct val="25000"/>
+              <a:buNone/>
+            </a:pPr>
+            <a:fld id="{00000000-1234-1234-1234-123412341234}" type="slidenum">
+              <a:rPr lang="de-AT" sz="1000">
+                <a:solidFill>
+                  <a:srgbClr val="888888"/>
+                </a:solidFill>
+                <a:latin typeface="Calibri"/>
+                <a:ea typeface="Calibri"/>
+                <a:cs typeface="Calibri"/>
+                <a:sym typeface="Calibri"/>
+              </a:rPr>
+              <a:t>11</a:t>
             </a:fld>
             <a:endParaRPr lang="de-AT" sz="1000">
               <a:solidFill>
@@ -18918,7 +19271,7 @@
 </p:sld>
 </file>
 
-<file path=ppt/slides/slide11.xml><?xml version="1.0" encoding="utf-8"?>
+<file path=ppt/slides/slide12.xml><?xml version="1.0" encoding="utf-8"?>
 <p:sld xmlns:a="http://schemas.openxmlformats.org/drawingml/2006/main" xmlns:r="http://schemas.openxmlformats.org/officeDocument/2006/relationships" xmlns:p="http://schemas.openxmlformats.org/presentationml/2006/main">
   <p:cSld>
     <p:spTree>
@@ -19811,7 +20164,7 @@
           <p:cNvPr id="7" name="Shape 142">
             <a:extLst>
               <a:ext uri="{FF2B5EF4-FFF2-40B4-BE49-F238E27FC236}">
-                <a16:creationId xmlns="" xmlns:a16="http://schemas.microsoft.com/office/drawing/2014/main" id="{22578643-D4F2-4D65-8661-31443AF016F1}"/>
+                <a16:creationId xmlns:a16="http://schemas.microsoft.com/office/drawing/2014/main" xmlns="" id="{22578643-D4F2-4D65-8661-31443AF016F1}"/>
               </a:ext>
             </a:extLst>
           </p:cNvPr>
@@ -20213,7 +20566,7 @@
           <p:cNvPr id="3" name="Grafik 2">
             <a:extLst>
               <a:ext uri="{FF2B5EF4-FFF2-40B4-BE49-F238E27FC236}">
-                <a16:creationId xmlns="" xmlns:a16="http://schemas.microsoft.com/office/drawing/2014/main" id="{4222AC85-7A8C-484A-B9AA-70FFBC249CDC}"/>
+                <a16:creationId xmlns:a16="http://schemas.microsoft.com/office/drawing/2014/main" xmlns="" id="{4222AC85-7A8C-484A-B9AA-70FFBC249CDC}"/>
               </a:ext>
             </a:extLst>
           </p:cNvPr>
@@ -20794,7 +21147,7 @@
           <p:cNvPr id="1026" name="Picture 2" descr="https://images-na.ssl-images-amazon.com/images/I/41eWJUdMIzL._SX466_.jpg">
             <a:extLst>
               <a:ext uri="{FF2B5EF4-FFF2-40B4-BE49-F238E27FC236}">
-                <a16:creationId xmlns="" xmlns:a16="http://schemas.microsoft.com/office/drawing/2014/main" id="{9AAF2E4A-DBA7-41C1-A58B-8600AB53068B}"/>
+                <a16:creationId xmlns:a16="http://schemas.microsoft.com/office/drawing/2014/main" xmlns="" id="{9AAF2E4A-DBA7-41C1-A58B-8600AB53068B}"/>
               </a:ext>
             </a:extLst>
           </p:cNvPr>
@@ -20841,7 +21194,7 @@
           <p:cNvPr id="4" name="Textfeld 3">
             <a:extLst>
               <a:ext uri="{FF2B5EF4-FFF2-40B4-BE49-F238E27FC236}">
-                <a16:creationId xmlns="" xmlns:a16="http://schemas.microsoft.com/office/drawing/2014/main" id="{B444CF7D-B155-4C42-8DAB-6AD1965C0E88}"/>
+                <a16:creationId xmlns:a16="http://schemas.microsoft.com/office/drawing/2014/main" xmlns="" id="{B444CF7D-B155-4C42-8DAB-6AD1965C0E88}"/>
               </a:ext>
             </a:extLst>
           </p:cNvPr>
@@ -20960,7 +21313,7 @@
               <a:buNone/>
             </a:pPr>
             <a:r>
-              <a:rPr lang="de-AT" sz="3200" b="1" i="0" u="none" strike="noStrike" cap="none">
+              <a:rPr lang="de-AT" sz="3200" b="1" i="0" u="none" strike="noStrike" cap="none" dirty="0" smtClean="0">
                 <a:solidFill>
                   <a:schemeClr val="dk1"/>
                 </a:solidFill>
@@ -20969,8 +21322,17 @@
                 <a:cs typeface="Calibri"/>
                 <a:sym typeface="Calibri"/>
               </a:rPr>
-              <a:t>Personas/User Stories I</a:t>
-            </a:r>
+              <a:t>Persona</a:t>
+            </a:r>
+            <a:endParaRPr lang="de-AT" sz="3200" b="1" i="0" u="none" strike="noStrike" cap="none" dirty="0">
+              <a:solidFill>
+                <a:schemeClr val="dk1"/>
+              </a:solidFill>
+              <a:latin typeface="Calibri"/>
+              <a:ea typeface="Calibri"/>
+              <a:cs typeface="Calibri"/>
+              <a:sym typeface="Calibri"/>
+            </a:endParaRPr>
           </a:p>
         </p:txBody>
       </p:sp>
@@ -21771,7 +22133,7 @@
               <a:buNone/>
             </a:pPr>
             <a:r>
-              <a:rPr lang="de-AT" sz="3200" b="1" i="0" u="none" strike="noStrike" cap="none" dirty="0" err="1">
+              <a:rPr lang="de-AT" sz="3200" b="1" i="0" u="none" strike="noStrike" cap="none" dirty="0" smtClean="0">
                 <a:solidFill>
                   <a:schemeClr val="dk1"/>
                 </a:solidFill>
@@ -21780,20 +22142,17 @@
                 <a:cs typeface="Calibri"/>
                 <a:sym typeface="Calibri"/>
               </a:rPr>
-              <a:t>Personas</a:t>
-            </a:r>
-            <a:r>
-              <a:rPr lang="de-AT" sz="3200" b="1" i="0" u="none" strike="noStrike" cap="none" dirty="0">
-                <a:solidFill>
-                  <a:schemeClr val="dk1"/>
-                </a:solidFill>
-                <a:latin typeface="Calibri"/>
-                <a:ea typeface="Calibri"/>
-                <a:cs typeface="Calibri"/>
-                <a:sym typeface="Calibri"/>
-              </a:rPr>
-              <a:t>/User Stories II</a:t>
-            </a:r>
+              <a:t>Persona</a:t>
+            </a:r>
+            <a:endParaRPr lang="de-AT" sz="3200" b="1" i="0" u="none" strike="noStrike" cap="none" dirty="0">
+              <a:solidFill>
+                <a:schemeClr val="dk1"/>
+              </a:solidFill>
+              <a:latin typeface="Calibri"/>
+              <a:ea typeface="Calibri"/>
+              <a:cs typeface="Calibri"/>
+              <a:sym typeface="Calibri"/>
+            </a:endParaRPr>
           </a:p>
         </p:txBody>
       </p:sp>
@@ -22608,7 +22967,7 @@
   <p:cSld>
     <p:spTree>
       <p:nvGrpSpPr>
-        <p:cNvPr id="1" name="Shape 176"/>
+        <p:cNvPr id="1" name="Shape 167"/>
         <p:cNvGrpSpPr/>
         <p:nvPr/>
       </p:nvGrpSpPr>
@@ -22622,7 +22981,710 @@
       </p:grpSpPr>
       <p:sp>
         <p:nvSpPr>
-          <p:cNvPr id="177" name="Shape 177"/>
+          <p:cNvPr id="168" name="Shape 168"/>
+          <p:cNvSpPr txBox="1">
+            <a:spLocks noGrp="1"/>
+          </p:cNvSpPr>
+          <p:nvPr>
+            <p:ph type="title"/>
+          </p:nvPr>
+        </p:nvSpPr>
+        <p:spPr>
+          <a:xfrm>
+            <a:off x="269875" y="1090515"/>
+            <a:ext cx="8602200" cy="1143000"/>
+          </a:xfrm>
+          <a:prstGeom prst="rect">
+            <a:avLst/>
+          </a:prstGeom>
+          <a:noFill/>
+          <a:ln>
+            <a:noFill/>
+          </a:ln>
+        </p:spPr>
+        <p:txBody>
+          <a:bodyPr wrap="square" lIns="91425" tIns="45700" rIns="91425" bIns="45700" anchor="b" anchorCtr="0">
+            <a:noAutofit/>
+          </a:bodyPr>
+          <a:lstStyle/>
+          <a:p>
+            <a:pPr marL="0" marR="0" lvl="0" indent="-203200" algn="l" rtl="0">
+              <a:spcBef>
+                <a:spcPts val="0"/>
+              </a:spcBef>
+              <a:buClr>
+                <a:schemeClr val="dk1"/>
+              </a:buClr>
+              <a:buSzPct val="100000"/>
+              <a:buFont typeface="Calibri"/>
+              <a:buNone/>
+            </a:pPr>
+            <a:r>
+              <a:rPr lang="de-AT" sz="3200" b="1" i="0" u="none" strike="noStrike" cap="none" dirty="0" smtClean="0">
+                <a:solidFill>
+                  <a:schemeClr val="dk1"/>
+                </a:solidFill>
+                <a:latin typeface="Calibri"/>
+                <a:ea typeface="Calibri"/>
+                <a:cs typeface="Calibri"/>
+                <a:sym typeface="Calibri"/>
+              </a:rPr>
+              <a:t>User Stories</a:t>
+            </a:r>
+            <a:endParaRPr lang="de-AT" sz="3200" b="1" i="0" u="none" strike="noStrike" cap="none" dirty="0">
+              <a:solidFill>
+                <a:schemeClr val="dk1"/>
+              </a:solidFill>
+              <a:latin typeface="Calibri"/>
+              <a:ea typeface="Calibri"/>
+              <a:cs typeface="Calibri"/>
+              <a:sym typeface="Calibri"/>
+            </a:endParaRPr>
+          </a:p>
+        </p:txBody>
+      </p:sp>
+      <p:sp>
+        <p:nvSpPr>
+          <p:cNvPr id="169" name="Shape 169"/>
+          <p:cNvSpPr txBox="1">
+            <a:spLocks noGrp="1"/>
+          </p:cNvSpPr>
+          <p:nvPr>
+            <p:ph type="body" idx="1"/>
+          </p:nvPr>
+        </p:nvSpPr>
+        <p:spPr>
+          <a:xfrm>
+            <a:off x="269875" y="2344057"/>
+            <a:ext cx="8604300" cy="3748800"/>
+          </a:xfrm>
+          <a:prstGeom prst="rect">
+            <a:avLst/>
+          </a:prstGeom>
+          <a:noFill/>
+          <a:ln>
+            <a:noFill/>
+          </a:ln>
+        </p:spPr>
+        <p:txBody>
+          <a:bodyPr wrap="square" lIns="91425" tIns="45700" rIns="91425" bIns="45700" anchor="t" anchorCtr="0">
+            <a:noAutofit/>
+          </a:bodyPr>
+          <a:lstStyle/>
+          <a:p>
+            <a:pPr marL="457200" lvl="0" indent="-381000">
+              <a:lnSpc>
+                <a:spcPct val="115000"/>
+              </a:lnSpc>
+              <a:spcBef>
+                <a:spcPts val="0"/>
+              </a:spcBef>
+              <a:buChar char="●"/>
+            </a:pPr>
+            <a:r>
+              <a:rPr lang="de-AT" dirty="0" smtClean="0"/>
+              <a:t>As a </a:t>
+            </a:r>
+            <a:r>
+              <a:rPr lang="de-AT" dirty="0" err="1" smtClean="0"/>
+              <a:t>user</a:t>
+            </a:r>
+            <a:r>
+              <a:rPr lang="de-AT" dirty="0" smtClean="0"/>
+              <a:t>, I </a:t>
+            </a:r>
+            <a:r>
+              <a:rPr lang="de-AT" dirty="0" err="1" smtClean="0"/>
+              <a:t>want</a:t>
+            </a:r>
+            <a:r>
+              <a:rPr lang="de-AT" dirty="0" smtClean="0"/>
+              <a:t> </a:t>
+            </a:r>
+            <a:r>
+              <a:rPr lang="de-AT" dirty="0" err="1" smtClean="0"/>
+              <a:t>to</a:t>
+            </a:r>
+            <a:r>
+              <a:rPr lang="de-AT" dirty="0" smtClean="0"/>
+              <a:t> </a:t>
+            </a:r>
+            <a:r>
+              <a:rPr lang="de-AT" dirty="0" err="1" smtClean="0"/>
+              <a:t>be</a:t>
+            </a:r>
+            <a:r>
+              <a:rPr lang="de-AT" dirty="0" smtClean="0"/>
+              <a:t> </a:t>
+            </a:r>
+            <a:r>
+              <a:rPr lang="de-AT" dirty="0" err="1" smtClean="0"/>
+              <a:t>able</a:t>
+            </a:r>
+            <a:r>
+              <a:rPr lang="de-AT" dirty="0" smtClean="0"/>
+              <a:t> </a:t>
+            </a:r>
+            <a:r>
+              <a:rPr lang="de-AT" dirty="0" err="1" smtClean="0"/>
+              <a:t>to</a:t>
+            </a:r>
+            <a:r>
+              <a:rPr lang="de-AT" dirty="0" smtClean="0"/>
+              <a:t> </a:t>
+            </a:r>
+            <a:r>
+              <a:rPr lang="de-AT" dirty="0" err="1" smtClean="0"/>
+              <a:t>notify</a:t>
+            </a:r>
+            <a:r>
+              <a:rPr lang="de-AT" dirty="0" smtClean="0"/>
+              <a:t> a </a:t>
+            </a:r>
+            <a:r>
+              <a:rPr lang="de-AT" dirty="0" err="1" smtClean="0"/>
+              <a:t>pre-defined</a:t>
+            </a:r>
+            <a:r>
+              <a:rPr lang="de-AT" dirty="0" smtClean="0"/>
+              <a:t> </a:t>
+            </a:r>
+            <a:r>
+              <a:rPr lang="de-AT" dirty="0" err="1" smtClean="0"/>
+              <a:t>list</a:t>
+            </a:r>
+            <a:r>
+              <a:rPr lang="de-AT" dirty="0" smtClean="0"/>
+              <a:t> </a:t>
+            </a:r>
+            <a:r>
+              <a:rPr lang="de-AT" dirty="0" err="1" smtClean="0"/>
+              <a:t>of</a:t>
+            </a:r>
+            <a:r>
+              <a:rPr lang="de-AT" dirty="0" smtClean="0"/>
+              <a:t> </a:t>
+            </a:r>
+            <a:r>
+              <a:rPr lang="de-AT" dirty="0" err="1" smtClean="0"/>
+              <a:t>contacts</a:t>
+            </a:r>
+            <a:r>
+              <a:rPr lang="de-AT" dirty="0" smtClean="0"/>
+              <a:t> </a:t>
+            </a:r>
+            <a:r>
+              <a:rPr lang="de-AT" dirty="0" err="1" smtClean="0"/>
+              <a:t>that</a:t>
+            </a:r>
+            <a:r>
+              <a:rPr lang="de-AT" dirty="0" smtClean="0"/>
+              <a:t> I </a:t>
+            </a:r>
+            <a:r>
+              <a:rPr lang="de-AT" dirty="0" err="1" smtClean="0"/>
+              <a:t>need</a:t>
+            </a:r>
+            <a:r>
+              <a:rPr lang="de-AT" dirty="0" smtClean="0"/>
+              <a:t> </a:t>
+            </a:r>
+            <a:r>
+              <a:rPr lang="de-AT" dirty="0" err="1" smtClean="0"/>
+              <a:t>help</a:t>
+            </a:r>
+            <a:r>
+              <a:rPr lang="de-AT" dirty="0" smtClean="0"/>
+              <a:t>, </a:t>
+            </a:r>
+            <a:r>
+              <a:rPr lang="de-AT" dirty="0" err="1" smtClean="0"/>
+              <a:t>together</a:t>
+            </a:r>
+            <a:r>
+              <a:rPr lang="de-AT" dirty="0" smtClean="0"/>
+              <a:t> </a:t>
+            </a:r>
+            <a:r>
+              <a:rPr lang="de-AT" dirty="0" err="1" smtClean="0"/>
+              <a:t>with</a:t>
+            </a:r>
+            <a:r>
+              <a:rPr lang="de-AT" dirty="0" smtClean="0"/>
+              <a:t> </a:t>
+            </a:r>
+            <a:r>
+              <a:rPr lang="de-AT" dirty="0" err="1" smtClean="0"/>
+              <a:t>my</a:t>
+            </a:r>
+            <a:r>
+              <a:rPr lang="de-AT" dirty="0" smtClean="0"/>
+              <a:t> last-</a:t>
+            </a:r>
+            <a:r>
+              <a:rPr lang="de-AT" dirty="0" err="1" smtClean="0"/>
+              <a:t>known</a:t>
+            </a:r>
+            <a:r>
+              <a:rPr lang="de-AT" dirty="0" smtClean="0"/>
+              <a:t> </a:t>
+            </a:r>
+            <a:r>
+              <a:rPr lang="de-AT" dirty="0" err="1" smtClean="0"/>
+              <a:t>location</a:t>
+            </a:r>
+            <a:r>
+              <a:rPr lang="de-AT" dirty="0" smtClean="0"/>
+              <a:t> </a:t>
+            </a:r>
+            <a:r>
+              <a:rPr lang="de-AT" dirty="0" err="1" smtClean="0"/>
+              <a:t>with</a:t>
+            </a:r>
+            <a:r>
+              <a:rPr lang="de-AT" dirty="0" smtClean="0"/>
+              <a:t> </a:t>
+            </a:r>
+            <a:r>
+              <a:rPr lang="de-AT" dirty="0" err="1" smtClean="0"/>
+              <a:t>the</a:t>
+            </a:r>
+            <a:r>
+              <a:rPr lang="de-AT" dirty="0" smtClean="0"/>
+              <a:t> </a:t>
+            </a:r>
+            <a:r>
+              <a:rPr lang="de-AT" dirty="0" err="1" smtClean="0"/>
+              <a:t>tap</a:t>
+            </a:r>
+            <a:r>
+              <a:rPr lang="de-AT" dirty="0" smtClean="0"/>
+              <a:t> </a:t>
+            </a:r>
+            <a:r>
+              <a:rPr lang="de-AT" dirty="0" err="1" smtClean="0"/>
+              <a:t>of</a:t>
+            </a:r>
+            <a:r>
+              <a:rPr lang="de-AT" dirty="0" smtClean="0"/>
+              <a:t> </a:t>
+            </a:r>
+            <a:r>
+              <a:rPr lang="de-AT" dirty="0" err="1" smtClean="0"/>
+              <a:t>one</a:t>
+            </a:r>
+            <a:r>
+              <a:rPr lang="de-AT" dirty="0" smtClean="0"/>
+              <a:t> </a:t>
+            </a:r>
+            <a:r>
+              <a:rPr lang="de-AT" dirty="0" err="1" smtClean="0"/>
+              <a:t>button</a:t>
+            </a:r>
+            <a:r>
+              <a:rPr lang="de-AT" dirty="0" smtClean="0"/>
+              <a:t>.</a:t>
+            </a:r>
+          </a:p>
+          <a:p>
+            <a:pPr marL="457200" lvl="0" indent="-381000">
+              <a:lnSpc>
+                <a:spcPct val="115000"/>
+              </a:lnSpc>
+              <a:spcBef>
+                <a:spcPts val="0"/>
+              </a:spcBef>
+              <a:buChar char="●"/>
+            </a:pPr>
+            <a:r>
+              <a:rPr lang="de-AT" dirty="0" smtClean="0"/>
+              <a:t>As a </a:t>
+            </a:r>
+            <a:r>
+              <a:rPr lang="de-AT" dirty="0" err="1" smtClean="0"/>
+              <a:t>user</a:t>
+            </a:r>
+            <a:r>
+              <a:rPr lang="de-AT" dirty="0" smtClean="0"/>
+              <a:t>, I </a:t>
+            </a:r>
+            <a:r>
+              <a:rPr lang="de-AT" dirty="0" err="1" smtClean="0"/>
+              <a:t>want</a:t>
+            </a:r>
+            <a:r>
+              <a:rPr lang="de-AT" dirty="0" smtClean="0"/>
+              <a:t> </a:t>
+            </a:r>
+            <a:r>
+              <a:rPr lang="de-AT" dirty="0" err="1" smtClean="0"/>
+              <a:t>to</a:t>
+            </a:r>
+            <a:r>
+              <a:rPr lang="de-AT" dirty="0" smtClean="0"/>
+              <a:t> </a:t>
+            </a:r>
+            <a:r>
+              <a:rPr lang="de-AT" dirty="0" err="1" smtClean="0"/>
+              <a:t>be</a:t>
+            </a:r>
+            <a:r>
+              <a:rPr lang="de-AT" dirty="0" smtClean="0"/>
+              <a:t> </a:t>
+            </a:r>
+            <a:r>
+              <a:rPr lang="de-AT" dirty="0" err="1" smtClean="0"/>
+              <a:t>able</a:t>
+            </a:r>
+            <a:r>
+              <a:rPr lang="de-AT" dirty="0" smtClean="0"/>
+              <a:t> </a:t>
+            </a:r>
+            <a:r>
+              <a:rPr lang="de-AT" dirty="0" err="1" smtClean="0"/>
+              <a:t>to</a:t>
+            </a:r>
+            <a:r>
+              <a:rPr lang="de-AT" dirty="0" smtClean="0"/>
+              <a:t> </a:t>
+            </a:r>
+            <a:r>
+              <a:rPr lang="de-AT" dirty="0" err="1" smtClean="0"/>
+              <a:t>call</a:t>
+            </a:r>
+            <a:r>
+              <a:rPr lang="de-AT" dirty="0" smtClean="0"/>
+              <a:t> </a:t>
+            </a:r>
+            <a:r>
+              <a:rPr lang="de-AT" dirty="0" err="1" smtClean="0"/>
+              <a:t>the</a:t>
+            </a:r>
+            <a:r>
+              <a:rPr lang="de-AT" dirty="0" smtClean="0"/>
+              <a:t> </a:t>
+            </a:r>
+            <a:r>
+              <a:rPr lang="de-AT" dirty="0" err="1" smtClean="0"/>
+              <a:t>police</a:t>
+            </a:r>
+            <a:r>
+              <a:rPr lang="de-AT" dirty="0" smtClean="0"/>
+              <a:t> </a:t>
+            </a:r>
+            <a:r>
+              <a:rPr lang="de-AT" dirty="0" err="1" smtClean="0"/>
+              <a:t>with</a:t>
+            </a:r>
+            <a:r>
+              <a:rPr lang="de-AT" dirty="0" smtClean="0"/>
+              <a:t> </a:t>
+            </a:r>
+            <a:r>
+              <a:rPr lang="de-AT" dirty="0" err="1" smtClean="0"/>
+              <a:t>the</a:t>
+            </a:r>
+            <a:r>
+              <a:rPr lang="de-AT" dirty="0" smtClean="0"/>
+              <a:t> </a:t>
+            </a:r>
+            <a:r>
+              <a:rPr lang="de-AT" dirty="0" err="1" smtClean="0"/>
+              <a:t>tap</a:t>
+            </a:r>
+            <a:r>
+              <a:rPr lang="de-AT" dirty="0" smtClean="0"/>
+              <a:t> </a:t>
+            </a:r>
+            <a:r>
+              <a:rPr lang="de-AT" dirty="0" err="1" smtClean="0"/>
+              <a:t>of</a:t>
+            </a:r>
+            <a:r>
+              <a:rPr lang="de-AT" dirty="0" smtClean="0"/>
+              <a:t> </a:t>
+            </a:r>
+            <a:r>
+              <a:rPr lang="de-AT" dirty="0" err="1" smtClean="0"/>
+              <a:t>one</a:t>
+            </a:r>
+            <a:r>
+              <a:rPr lang="de-AT" dirty="0" smtClean="0"/>
+              <a:t> </a:t>
+            </a:r>
+            <a:r>
+              <a:rPr lang="de-AT" dirty="0" err="1" smtClean="0"/>
+              <a:t>button</a:t>
+            </a:r>
+            <a:r>
+              <a:rPr lang="de-AT" dirty="0" smtClean="0"/>
+              <a:t>.</a:t>
+            </a:r>
+          </a:p>
+          <a:p>
+            <a:pPr marL="457200" lvl="0" indent="-381000">
+              <a:lnSpc>
+                <a:spcPct val="115000"/>
+              </a:lnSpc>
+              <a:spcBef>
+                <a:spcPts val="0"/>
+              </a:spcBef>
+              <a:buChar char="●"/>
+            </a:pPr>
+            <a:r>
+              <a:rPr lang="de-AT" dirty="0" smtClean="0"/>
+              <a:t>As a </a:t>
+            </a:r>
+            <a:r>
+              <a:rPr lang="de-AT" dirty="0" err="1" smtClean="0"/>
+              <a:t>user</a:t>
+            </a:r>
+            <a:r>
+              <a:rPr lang="de-AT" dirty="0" smtClean="0"/>
+              <a:t>, I </a:t>
+            </a:r>
+            <a:r>
+              <a:rPr lang="de-AT" dirty="0" err="1" smtClean="0"/>
+              <a:t>want</a:t>
+            </a:r>
+            <a:r>
+              <a:rPr lang="de-AT" dirty="0" smtClean="0"/>
+              <a:t> </a:t>
+            </a:r>
+            <a:r>
+              <a:rPr lang="de-AT" dirty="0" err="1" smtClean="0"/>
+              <a:t>to</a:t>
+            </a:r>
+            <a:r>
+              <a:rPr lang="de-AT" dirty="0" smtClean="0"/>
+              <a:t> </a:t>
+            </a:r>
+            <a:r>
+              <a:rPr lang="de-AT" dirty="0" err="1" smtClean="0"/>
+              <a:t>see</a:t>
+            </a:r>
+            <a:r>
+              <a:rPr lang="de-AT" dirty="0" smtClean="0"/>
+              <a:t> </a:t>
+            </a:r>
+            <a:r>
+              <a:rPr lang="de-AT" dirty="0" err="1" smtClean="0"/>
+              <a:t>how</a:t>
+            </a:r>
+            <a:r>
+              <a:rPr lang="de-AT" dirty="0" smtClean="0"/>
+              <a:t> </a:t>
+            </a:r>
+            <a:r>
+              <a:rPr lang="de-AT" dirty="0" err="1" smtClean="0"/>
+              <a:t>far</a:t>
+            </a:r>
+            <a:r>
+              <a:rPr lang="de-AT" dirty="0" smtClean="0"/>
+              <a:t> </a:t>
+            </a:r>
+            <a:r>
+              <a:rPr lang="de-AT" dirty="0" err="1" smtClean="0"/>
+              <a:t>away</a:t>
+            </a:r>
+            <a:r>
+              <a:rPr lang="de-AT" dirty="0" smtClean="0"/>
+              <a:t> </a:t>
+            </a:r>
+            <a:r>
+              <a:rPr lang="de-AT" dirty="0" err="1" smtClean="0"/>
+              <a:t>the</a:t>
+            </a:r>
+            <a:r>
+              <a:rPr lang="de-AT" dirty="0" smtClean="0"/>
+              <a:t> </a:t>
+            </a:r>
+            <a:r>
+              <a:rPr lang="de-AT" dirty="0" err="1" smtClean="0"/>
+              <a:t>nearest</a:t>
+            </a:r>
+            <a:r>
+              <a:rPr lang="de-AT" dirty="0" smtClean="0"/>
+              <a:t> </a:t>
+            </a:r>
+            <a:r>
+              <a:rPr lang="de-AT" dirty="0" err="1" smtClean="0"/>
+              <a:t>police</a:t>
+            </a:r>
+            <a:r>
+              <a:rPr lang="de-AT" dirty="0" smtClean="0"/>
+              <a:t> </a:t>
+            </a:r>
+            <a:r>
+              <a:rPr lang="de-AT" dirty="0" err="1" smtClean="0"/>
+              <a:t>station</a:t>
+            </a:r>
+            <a:r>
+              <a:rPr lang="de-AT" dirty="0" smtClean="0"/>
+              <a:t> </a:t>
+            </a:r>
+            <a:r>
+              <a:rPr lang="de-AT" dirty="0" err="1" smtClean="0"/>
+              <a:t>is</a:t>
+            </a:r>
+            <a:r>
+              <a:rPr lang="de-AT" dirty="0" smtClean="0"/>
+              <a:t>.</a:t>
+            </a:r>
+          </a:p>
+          <a:p>
+            <a:pPr marL="457200" lvl="0" indent="-381000">
+              <a:lnSpc>
+                <a:spcPct val="115000"/>
+              </a:lnSpc>
+              <a:spcBef>
+                <a:spcPts val="0"/>
+              </a:spcBef>
+              <a:buChar char="●"/>
+            </a:pPr>
+            <a:r>
+              <a:rPr lang="de-AT" dirty="0" smtClean="0"/>
+              <a:t>As a </a:t>
+            </a:r>
+            <a:r>
+              <a:rPr lang="de-AT" dirty="0" err="1" smtClean="0"/>
+              <a:t>user</a:t>
+            </a:r>
+            <a:r>
+              <a:rPr lang="de-AT" dirty="0" smtClean="0"/>
+              <a:t>, I </a:t>
+            </a:r>
+            <a:r>
+              <a:rPr lang="de-AT" dirty="0" err="1" smtClean="0"/>
+              <a:t>want</a:t>
+            </a:r>
+            <a:r>
+              <a:rPr lang="de-AT" dirty="0" smtClean="0"/>
+              <a:t> </a:t>
+            </a:r>
+            <a:r>
+              <a:rPr lang="de-AT" dirty="0" err="1" smtClean="0"/>
+              <a:t>that</a:t>
+            </a:r>
+            <a:r>
+              <a:rPr lang="de-AT" dirty="0" smtClean="0"/>
+              <a:t> </a:t>
+            </a:r>
+            <a:r>
+              <a:rPr lang="de-AT" dirty="0" err="1" smtClean="0"/>
+              <a:t>my</a:t>
+            </a:r>
+            <a:r>
+              <a:rPr lang="de-AT" dirty="0" smtClean="0"/>
+              <a:t> </a:t>
+            </a:r>
+            <a:r>
+              <a:rPr lang="de-AT" dirty="0" err="1" smtClean="0"/>
+              <a:t>emergency</a:t>
+            </a:r>
+            <a:r>
+              <a:rPr lang="de-AT" dirty="0" smtClean="0"/>
+              <a:t> </a:t>
+            </a:r>
+            <a:r>
+              <a:rPr lang="de-AT" dirty="0" err="1" smtClean="0"/>
+              <a:t>contacts</a:t>
+            </a:r>
+            <a:r>
+              <a:rPr lang="de-AT" dirty="0" smtClean="0"/>
+              <a:t> </a:t>
+            </a:r>
+            <a:r>
+              <a:rPr lang="de-AT" dirty="0" err="1" smtClean="0"/>
+              <a:t>are</a:t>
+            </a:r>
+            <a:r>
+              <a:rPr lang="de-AT" dirty="0" smtClean="0"/>
+              <a:t> </a:t>
+            </a:r>
+            <a:r>
+              <a:rPr lang="de-AT" dirty="0" err="1" smtClean="0"/>
+              <a:t>alerted</a:t>
+            </a:r>
+            <a:r>
+              <a:rPr lang="de-AT" dirty="0" smtClean="0"/>
+              <a:t> in </a:t>
+            </a:r>
+            <a:r>
+              <a:rPr lang="de-AT" dirty="0" err="1" smtClean="0"/>
+              <a:t>case</a:t>
+            </a:r>
+            <a:r>
+              <a:rPr lang="de-AT" dirty="0" smtClean="0"/>
+              <a:t> </a:t>
+            </a:r>
+            <a:r>
+              <a:rPr lang="de-AT" dirty="0" err="1" smtClean="0"/>
+              <a:t>my</a:t>
+            </a:r>
+            <a:r>
+              <a:rPr lang="de-AT" dirty="0" smtClean="0"/>
+              <a:t> </a:t>
+            </a:r>
+            <a:r>
+              <a:rPr lang="de-AT" dirty="0" err="1" smtClean="0"/>
+              <a:t>heartrate</a:t>
+            </a:r>
+            <a:r>
+              <a:rPr lang="de-AT" dirty="0" smtClean="0"/>
+              <a:t> </a:t>
+            </a:r>
+            <a:r>
+              <a:rPr lang="de-AT" dirty="0" err="1" smtClean="0"/>
+              <a:t>rises</a:t>
+            </a:r>
+            <a:r>
+              <a:rPr lang="de-AT" dirty="0" smtClean="0"/>
+              <a:t> </a:t>
+            </a:r>
+            <a:r>
+              <a:rPr lang="de-AT" dirty="0" err="1" smtClean="0"/>
+              <a:t>above</a:t>
+            </a:r>
+            <a:r>
+              <a:rPr lang="de-AT" dirty="0" smtClean="0"/>
+              <a:t> a </a:t>
+            </a:r>
+            <a:r>
+              <a:rPr lang="de-AT" dirty="0" err="1" smtClean="0"/>
+              <a:t>pre-defined</a:t>
+            </a:r>
+            <a:r>
+              <a:rPr lang="de-AT" dirty="0" smtClean="0"/>
+              <a:t> </a:t>
+            </a:r>
+            <a:r>
+              <a:rPr lang="de-AT" dirty="0" err="1" smtClean="0"/>
+              <a:t>threshold</a:t>
+            </a:r>
+            <a:r>
+              <a:rPr lang="de-AT" dirty="0" smtClean="0"/>
+              <a:t>.</a:t>
+            </a:r>
+            <a:endParaRPr lang="de-AT" dirty="0"/>
+          </a:p>
+          <a:p>
+            <a:pPr lvl="0" rtl="0">
+              <a:lnSpc>
+                <a:spcPct val="115000"/>
+              </a:lnSpc>
+              <a:spcBef>
+                <a:spcPts val="0"/>
+              </a:spcBef>
+              <a:buNone/>
+            </a:pPr>
+            <a:endParaRPr dirty="0"/>
+          </a:p>
+        </p:txBody>
+      </p:sp>
+      <p:sp>
+        <p:nvSpPr>
+          <p:cNvPr id="170" name="Shape 170"/>
           <p:cNvSpPr txBox="1">
             <a:spLocks noGrp="1"/>
           </p:cNvSpPr>
@@ -22633,7 +23695,7 @@
         <p:spPr>
           <a:xfrm>
             <a:off x="264980" y="6356350"/>
-            <a:ext cx="2133600" cy="365125"/>
+            <a:ext cx="2133600" cy="365100"/>
           </a:xfrm>
           <a:prstGeom prst="rect">
             <a:avLst/>
@@ -22673,7 +23735,7 @@
       </p:sp>
       <p:sp>
         <p:nvSpPr>
-          <p:cNvPr id="178" name="Shape 178"/>
+          <p:cNvPr id="171" name="Shape 171"/>
           <p:cNvSpPr txBox="1">
             <a:spLocks noGrp="1"/>
           </p:cNvSpPr>
@@ -22717,14 +23779,14 @@
                 <a:cs typeface="Calibri"/>
                 <a:sym typeface="Calibri"/>
               </a:rPr>
-              <a:t>IM16</a:t>
+              <a:t>IMS16</a:t>
             </a:r>
           </a:p>
         </p:txBody>
       </p:sp>
       <p:sp>
         <p:nvSpPr>
-          <p:cNvPr id="179" name="Shape 179"/>
+          <p:cNvPr id="172" name="Shape 172"/>
           <p:cNvSpPr txBox="1">
             <a:spLocks noGrp="1"/>
           </p:cNvSpPr>
@@ -22735,7 +23797,7 @@
         <p:spPr>
           <a:xfrm>
             <a:off x="6738555" y="6356350"/>
-            <a:ext cx="2133600" cy="365125"/>
+            <a:ext cx="2133600" cy="365100"/>
           </a:xfrm>
           <a:prstGeom prst="rect">
             <a:avLst/>
@@ -22782,34 +23844,12 @@
           </a:p>
         </p:txBody>
       </p:sp>
-      <p:pic>
-        <p:nvPicPr>
-          <p:cNvPr id="180" name="Shape 180"/>
-          <p:cNvPicPr preferRelativeResize="0"/>
-          <p:nvPr/>
-        </p:nvPicPr>
-        <p:blipFill rotWithShape="1">
-          <a:blip r:embed="rId3">
-            <a:alphaModFix/>
-          </a:blip>
-          <a:srcRect t="-8936" b="14068"/>
-          <a:stretch/>
-        </p:blipFill>
-        <p:spPr>
-          <a:xfrm>
-            <a:off x="2603895" y="765938"/>
-            <a:ext cx="3484976" cy="5538250"/>
-          </a:xfrm>
-          <a:prstGeom prst="rect">
-            <a:avLst/>
-          </a:prstGeom>
-          <a:noFill/>
-          <a:ln>
-            <a:noFill/>
-          </a:ln>
-        </p:spPr>
-      </p:pic>
     </p:spTree>
+    <p:extLst>
+      <p:ext uri="{BB962C8B-B14F-4D97-AF65-F5344CB8AC3E}">
+        <p14:creationId xmlns:p14="http://schemas.microsoft.com/office/powerpoint/2010/main" val="3624816606"/>
+      </p:ext>
+    </p:extLst>
   </p:cSld>
   <p:clrMapOvr>
     <a:masterClrMapping/>
@@ -22922,7 +23962,7 @@
               <a:buNone/>
             </a:pPr>
             <a:r>
-              <a:rPr lang="de-AT" sz="1000">
+              <a:rPr lang="de-AT" sz="1000" dirty="0" smtClean="0">
                 <a:solidFill>
                   <a:srgbClr val="888888"/>
                 </a:solidFill>
@@ -22931,8 +23971,17 @@
                 <a:cs typeface="Calibri"/>
                 <a:sym typeface="Calibri"/>
               </a:rPr>
-              <a:t>IM16</a:t>
-            </a:r>
+              <a:t>IMS16</a:t>
+            </a:r>
+            <a:endParaRPr lang="de-AT" sz="1000" dirty="0">
+              <a:solidFill>
+                <a:srgbClr val="888888"/>
+              </a:solidFill>
+              <a:latin typeface="Calibri"/>
+              <a:ea typeface="Calibri"/>
+              <a:cs typeface="Calibri"/>
+              <a:sym typeface="Calibri"/>
+            </a:endParaRPr>
           </a:p>
         </p:txBody>
       </p:sp>
@@ -22998,7 +24047,7 @@
       </p:sp>
       <p:pic>
         <p:nvPicPr>
-          <p:cNvPr id="181" name="Shape 181"/>
+          <p:cNvPr id="180" name="Shape 180"/>
           <p:cNvPicPr preferRelativeResize="0"/>
           <p:nvPr/>
         </p:nvPicPr>
@@ -23006,13 +24055,13 @@
           <a:blip r:embed="rId3">
             <a:alphaModFix/>
           </a:blip>
-          <a:srcRect t="-7210" b="7210"/>
+          <a:srcRect t="-8936" b="14068"/>
           <a:stretch/>
         </p:blipFill>
         <p:spPr>
           <a:xfrm>
-            <a:off x="2962340" y="860200"/>
-            <a:ext cx="3306101" cy="5443973"/>
+            <a:off x="2603895" y="765938"/>
+            <a:ext cx="3484976" cy="5538250"/>
           </a:xfrm>
           <a:prstGeom prst="rect">
             <a:avLst/>
@@ -23024,11 +24073,6 @@
         </p:spPr>
       </p:pic>
     </p:spTree>
-    <p:extLst>
-      <p:ext uri="{BB962C8B-B14F-4D97-AF65-F5344CB8AC3E}">
-        <p14:creationId xmlns:p14="http://schemas.microsoft.com/office/powerpoint/2010/main" val="3925748778"/>
-      </p:ext>
-    </p:extLst>
   </p:cSld>
   <p:clrMapOvr>
     <a:masterClrMapping/>
@@ -23141,7 +24185,7 @@
               <a:buNone/>
             </a:pPr>
             <a:r>
-              <a:rPr lang="de-AT" sz="1000">
+              <a:rPr lang="de-AT" sz="1000" dirty="0" smtClean="0">
                 <a:solidFill>
                   <a:srgbClr val="888888"/>
                 </a:solidFill>
@@ -23150,8 +24194,17 @@
                 <a:cs typeface="Calibri"/>
                 <a:sym typeface="Calibri"/>
               </a:rPr>
-              <a:t>IM16</a:t>
-            </a:r>
+              <a:t>IMS16</a:t>
+            </a:r>
+            <a:endParaRPr lang="de-AT" sz="1000" dirty="0">
+              <a:solidFill>
+                <a:srgbClr val="888888"/>
+              </a:solidFill>
+              <a:latin typeface="Calibri"/>
+              <a:ea typeface="Calibri"/>
+              <a:cs typeface="Calibri"/>
+              <a:sym typeface="Calibri"/>
+            </a:endParaRPr>
           </a:p>
         </p:txBody>
       </p:sp>
@@ -23217,43 +24270,29 @@
       </p:sp>
       <p:pic>
         <p:nvPicPr>
-          <p:cNvPr id="1026" name="Picture 2" descr="C:\Users\michael.stifter\Downloads\Simulator Screen Shot - iPhone 8 Plus - 2017-11-05 at 21.08.02.png"/>
-          <p:cNvPicPr>
-            <a:picLocks noChangeAspect="1" noChangeArrowheads="1"/>
-          </p:cNvPicPr>
+          <p:cNvPr id="181" name="Shape 181"/>
+          <p:cNvPicPr preferRelativeResize="0"/>
           <p:nvPr/>
         </p:nvPicPr>
-        <p:blipFill>
+        <p:blipFill rotWithShape="1">
           <a:blip r:embed="rId3">
-            <a:extLst>
-              <a:ext uri="{28A0092B-C50C-407E-A947-70E740481C1C}">
-                <a14:useLocalDpi xmlns:a14="http://schemas.microsoft.com/office/drawing/2010/main" val="0"/>
-              </a:ext>
-            </a:extLst>
+            <a:alphaModFix/>
           </a:blip>
-          <a:srcRect/>
-          <a:stretch>
-            <a:fillRect/>
-          </a:stretch>
+          <a:srcRect t="-7210" b="7210"/>
+          <a:stretch/>
         </p:blipFill>
-        <p:spPr bwMode="auto">
+        <p:spPr>
           <a:xfrm>
-            <a:off x="2989611" y="751956"/>
-            <a:ext cx="3055139" cy="5433644"/>
+            <a:off x="2962340" y="860200"/>
+            <a:ext cx="3306101" cy="5443973"/>
           </a:xfrm>
           <a:prstGeom prst="rect">
             <a:avLst/>
           </a:prstGeom>
           <a:noFill/>
-          <a:extLst>
-            <a:ext uri="{909E8E84-426E-40DD-AFC4-6F175D3DCCD1}">
-              <a14:hiddenFill xmlns:a14="http://schemas.microsoft.com/office/drawing/2010/main">
-                <a:solidFill>
-                  <a:srgbClr val="FFFFFF"/>
-                </a:solidFill>
-              </a14:hiddenFill>
-            </a:ext>
-          </a:extLst>
+          <a:ln>
+            <a:noFill/>
+          </a:ln>
         </p:spPr>
       </p:pic>
     </p:spTree>

--- a/presentations/01_idea_emergency_alerter.pptx
+++ b/presentations/01_idea_emergency_alerter.pptx
@@ -5,7 +5,7 @@
     <p:sldMasterId id="2147483665" r:id="rId1"/>
   </p:sldMasterIdLst>
   <p:notesMasterIdLst>
-    <p:notesMasterId r:id="rId14"/>
+    <p:notesMasterId r:id="rId15"/>
   </p:notesMasterIdLst>
   <p:sldIdLst>
     <p:sldId id="256" r:id="rId2"/>
@@ -15,11 +15,12 @@
     <p:sldId id="259" r:id="rId6"/>
     <p:sldId id="260" r:id="rId7"/>
     <p:sldId id="269" r:id="rId8"/>
-    <p:sldId id="261" r:id="rId9"/>
-    <p:sldId id="266" r:id="rId10"/>
-    <p:sldId id="267" r:id="rId11"/>
-    <p:sldId id="268" r:id="rId12"/>
-    <p:sldId id="263" r:id="rId13"/>
+    <p:sldId id="270" r:id="rId9"/>
+    <p:sldId id="261" r:id="rId10"/>
+    <p:sldId id="266" r:id="rId11"/>
+    <p:sldId id="267" r:id="rId12"/>
+    <p:sldId id="268" r:id="rId13"/>
+    <p:sldId id="263" r:id="rId14"/>
   </p:sldIdLst>
   <p:sldSz cx="9144000" cy="6858000" type="screen4x3"/>
   <p:notesSz cx="6858000" cy="9144000"/>
@@ -225,6 +226,22 @@
       </a:defRPr>
     </a:lvl9pPr>
   </p:defaultTextStyle>
+  <p:extLst>
+    <p:ext uri="{EFAFB233-063F-42B5-8137-9DF3F51BA10A}">
+      <p15:sldGuideLst xmlns:p15="http://schemas.microsoft.com/office/powerpoint/2012/main">
+        <p15:guide id="1" orient="horz" pos="2160">
+          <p15:clr>
+            <a:srgbClr val="A4A3A4"/>
+          </p15:clr>
+        </p15:guide>
+        <p15:guide id="2" pos="2880">
+          <p15:clr>
+            <a:srgbClr val="A4A3A4"/>
+          </p15:clr>
+        </p15:guide>
+      </p15:sldGuideLst>
+    </p:ext>
+  </p:extLst>
 </p:presentation>
 </file>
 
@@ -1447,6 +1464,107 @@
   <p:cSld>
     <p:spTree>
       <p:nvGrpSpPr>
+        <p:cNvPr id="1" name="Shape 173"/>
+        <p:cNvGrpSpPr/>
+        <p:nvPr/>
+      </p:nvGrpSpPr>
+      <p:grpSpPr>
+        <a:xfrm>
+          <a:off x="0" y="0"/>
+          <a:ext cx="0" cy="0"/>
+          <a:chOff x="0" y="0"/>
+          <a:chExt cx="0" cy="0"/>
+        </a:xfrm>
+      </p:grpSpPr>
+      <p:sp>
+        <p:nvSpPr>
+          <p:cNvPr id="174" name="Shape 174"/>
+          <p:cNvSpPr txBox="1">
+            <a:spLocks noGrp="1"/>
+          </p:cNvSpPr>
+          <p:nvPr>
+            <p:ph type="body" idx="1"/>
+          </p:nvPr>
+        </p:nvSpPr>
+        <p:spPr>
+          <a:xfrm>
+            <a:off x="685800" y="4343400"/>
+            <a:ext cx="5486400" cy="4114800"/>
+          </a:xfrm>
+          <a:prstGeom prst="rect">
+            <a:avLst/>
+          </a:prstGeom>
+        </p:spPr>
+        <p:txBody>
+          <a:bodyPr wrap="square" lIns="91425" tIns="91425" rIns="91425" bIns="91425" anchor="t" anchorCtr="0">
+            <a:noAutofit/>
+          </a:bodyPr>
+          <a:lstStyle/>
+          <a:p>
+            <a:pPr lvl="0">
+              <a:spcBef>
+                <a:spcPts val="0"/>
+              </a:spcBef>
+              <a:buNone/>
+            </a:pPr>
+            <a:endParaRPr/>
+          </a:p>
+        </p:txBody>
+      </p:sp>
+      <p:sp>
+        <p:nvSpPr>
+          <p:cNvPr id="175" name="Shape 175"/>
+          <p:cNvSpPr>
+            <a:spLocks noGrp="1" noRot="1" noChangeAspect="1"/>
+          </p:cNvSpPr>
+          <p:nvPr>
+            <p:ph type="sldImg" idx="2"/>
+          </p:nvPr>
+        </p:nvSpPr>
+        <p:spPr>
+          <a:xfrm>
+            <a:off x="1143000" y="685800"/>
+            <a:ext cx="4572000" cy="3429000"/>
+          </a:xfrm>
+          <a:custGeom>
+            <a:avLst/>
+            <a:gdLst/>
+            <a:ahLst/>
+            <a:cxnLst/>
+            <a:rect l="0" t="0" r="0" b="0"/>
+            <a:pathLst>
+              <a:path w="120000" h="120000" extrusionOk="0">
+                <a:moveTo>
+                  <a:pt x="0" y="0"/>
+                </a:moveTo>
+                <a:lnTo>
+                  <a:pt x="120000" y="0"/>
+                </a:lnTo>
+                <a:lnTo>
+                  <a:pt x="120000" y="120000"/>
+                </a:lnTo>
+                <a:lnTo>
+                  <a:pt x="0" y="120000"/>
+                </a:lnTo>
+                <a:close/>
+              </a:path>
+            </a:pathLst>
+          </a:custGeom>
+        </p:spPr>
+      </p:sp>
+    </p:spTree>
+  </p:cSld>
+  <p:clrMapOvr>
+    <a:masterClrMapping/>
+  </p:clrMapOvr>
+</p:notes>
+</file>
+
+<file path=ppt/notesSlides/notesSlide13.xml><?xml version="1.0" encoding="utf-8"?>
+<p:notes xmlns:a="http://schemas.openxmlformats.org/drawingml/2006/main" xmlns:r="http://schemas.openxmlformats.org/officeDocument/2006/relationships" xmlns:p="http://schemas.openxmlformats.org/presentationml/2006/main" showMasterSp="0" showMasterPhAnim="0">
+  <p:cSld>
+    <p:spTree>
+      <p:nvGrpSpPr>
         <p:cNvPr id="1" name="Shape 191"/>
         <p:cNvGrpSpPr/>
         <p:nvPr/>
@@ -1793,7 +1911,79 @@
               </a:spcBef>
               <a:buNone/>
             </a:pPr>
-            <a:endParaRPr/>
+            <a:r>
+              <a:rPr lang="de-DE" dirty="0"/>
+              <a:t>Unsexy </a:t>
+            </a:r>
+            <a:r>
+              <a:rPr lang="de-DE" dirty="0" err="1"/>
+              <a:t>emergency</a:t>
+            </a:r>
+            <a:r>
+              <a:rPr lang="de-DE" dirty="0"/>
+              <a:t> </a:t>
+            </a:r>
+            <a:r>
+              <a:rPr lang="de-DE" dirty="0" err="1"/>
+              <a:t>button</a:t>
+            </a:r>
+            <a:r>
+              <a:rPr lang="de-DE" dirty="0"/>
+              <a:t>.</a:t>
+            </a:r>
+          </a:p>
+          <a:p>
+            <a:pPr lvl="0">
+              <a:spcBef>
+                <a:spcPts val="0"/>
+              </a:spcBef>
+              <a:buNone/>
+            </a:pPr>
+            <a:r>
+              <a:rPr lang="de-DE" dirty="0"/>
+              <a:t>Smartwatch </a:t>
+            </a:r>
+            <a:r>
+              <a:rPr lang="de-DE" dirty="0" err="1"/>
+              <a:t>has</a:t>
+            </a:r>
+            <a:r>
+              <a:rPr lang="de-DE" dirty="0"/>
+              <a:t> </a:t>
+            </a:r>
+            <a:r>
+              <a:rPr lang="de-DE" dirty="0" err="1"/>
+              <a:t>more</a:t>
+            </a:r>
+            <a:r>
+              <a:rPr lang="de-DE" dirty="0"/>
+              <a:t> style</a:t>
+            </a:r>
+          </a:p>
+          <a:p>
+            <a:pPr lvl="0">
+              <a:spcBef>
+                <a:spcPts val="0"/>
+              </a:spcBef>
+              <a:buNone/>
+            </a:pPr>
+            <a:r>
+              <a:rPr lang="de-DE" dirty="0"/>
+              <a:t>Long </a:t>
+            </a:r>
+            <a:r>
+              <a:rPr lang="de-DE" dirty="0" err="1"/>
+              <a:t>click</a:t>
+            </a:r>
+            <a:r>
+              <a:rPr lang="de-DE" dirty="0"/>
+              <a:t>, </a:t>
+            </a:r>
+            <a:r>
+              <a:rPr lang="de-DE" dirty="0" err="1"/>
+              <a:t>multiclick</a:t>
+            </a:r>
+            <a:endParaRPr dirty="0"/>
           </a:p>
         </p:txBody>
       </p:sp>
@@ -2159,7 +2349,7 @@
   <p:cSld>
     <p:spTree>
       <p:nvGrpSpPr>
-        <p:cNvPr id="1" name="Shape 173"/>
+        <p:cNvPr id="1" name="Shape 164"/>
         <p:cNvGrpSpPr/>
         <p:nvPr/>
       </p:nvGrpSpPr>
@@ -2173,7 +2363,7 @@
       </p:grpSpPr>
       <p:sp>
         <p:nvSpPr>
-          <p:cNvPr id="174" name="Shape 174"/>
+          <p:cNvPr id="165" name="Shape 165"/>
           <p:cNvSpPr txBox="1">
             <a:spLocks noGrp="1"/>
           </p:cNvSpPr>
@@ -2196,7 +2386,7 @@
           </a:bodyPr>
           <a:lstStyle/>
           <a:p>
-            <a:pPr lvl="0">
+            <a:pPr lvl="0" rtl="0">
               <a:spcBef>
                 <a:spcPts val="0"/>
               </a:spcBef>
@@ -2208,7 +2398,7 @@
       </p:sp>
       <p:sp>
         <p:nvSpPr>
-          <p:cNvPr id="175" name="Shape 175"/>
+          <p:cNvPr id="166" name="Shape 166"/>
           <p:cNvSpPr>
             <a:spLocks noGrp="1" noRot="1" noChangeAspect="1"/>
           </p:cNvSpPr>
@@ -2248,6 +2438,11 @@
         </p:spPr>
       </p:sp>
     </p:spTree>
+    <p:extLst>
+      <p:ext uri="{BB962C8B-B14F-4D97-AF65-F5344CB8AC3E}">
+        <p14:creationId xmlns:p14="http://schemas.microsoft.com/office/powerpoint/2010/main" val="503166771"/>
+      </p:ext>
+    </p:extLst>
   </p:cSld>
   <p:clrMapOvr>
     <a:masterClrMapping/>
@@ -18892,7 +19087,7 @@
               <a:buNone/>
             </a:pPr>
             <a:r>
-              <a:rPr lang="de-AT" sz="1000" dirty="0" smtClean="0">
+              <a:rPr lang="de-AT" sz="1000" dirty="0">
                 <a:solidFill>
                   <a:srgbClr val="888888"/>
                 </a:solidFill>
@@ -18903,15 +19098,6 @@
               </a:rPr>
               <a:t>IMS16</a:t>
             </a:r>
-            <a:endParaRPr lang="de-AT" sz="1000" dirty="0">
-              <a:solidFill>
-                <a:srgbClr val="888888"/>
-              </a:solidFill>
-              <a:latin typeface="Calibri"/>
-              <a:ea typeface="Calibri"/>
-              <a:cs typeface="Calibri"/>
-              <a:sym typeface="Calibri"/>
-            </a:endParaRPr>
           </a:p>
         </p:txBody>
       </p:sp>
@@ -18977,43 +19163,29 @@
       </p:sp>
       <p:pic>
         <p:nvPicPr>
-          <p:cNvPr id="1026" name="Picture 2" descr="C:\Users\michael.stifter\Downloads\Simulator Screen Shot - iPhone 8 Plus - 2017-11-05 at 21.08.02.png"/>
-          <p:cNvPicPr>
-            <a:picLocks noChangeAspect="1" noChangeArrowheads="1"/>
-          </p:cNvPicPr>
+          <p:cNvPr id="181" name="Shape 181"/>
+          <p:cNvPicPr preferRelativeResize="0"/>
           <p:nvPr/>
         </p:nvPicPr>
-        <p:blipFill>
+        <p:blipFill rotWithShape="1">
           <a:blip r:embed="rId3">
-            <a:extLst>
-              <a:ext uri="{28A0092B-C50C-407E-A947-70E740481C1C}">
-                <a14:useLocalDpi xmlns:a14="http://schemas.microsoft.com/office/drawing/2010/main" val="0"/>
-              </a:ext>
-            </a:extLst>
+            <a:alphaModFix/>
           </a:blip>
-          <a:srcRect/>
-          <a:stretch>
-            <a:fillRect/>
-          </a:stretch>
+          <a:srcRect t="-7210" b="7210"/>
+          <a:stretch/>
         </p:blipFill>
-        <p:spPr bwMode="auto">
+        <p:spPr>
           <a:xfrm>
-            <a:off x="2989611" y="751956"/>
-            <a:ext cx="3055139" cy="5433644"/>
+            <a:off x="2962340" y="860200"/>
+            <a:ext cx="3306101" cy="5443973"/>
           </a:xfrm>
           <a:prstGeom prst="rect">
             <a:avLst/>
           </a:prstGeom>
           <a:noFill/>
-          <a:extLst>
-            <a:ext uri="{909E8E84-426E-40DD-AFC4-6F175D3DCCD1}">
-              <a14:hiddenFill xmlns:a14="http://schemas.microsoft.com/office/drawing/2010/main">
-                <a:solidFill>
-                  <a:srgbClr val="FFFFFF"/>
-                </a:solidFill>
-              </a14:hiddenFill>
-            </a:ext>
-          </a:extLst>
+          <a:ln>
+            <a:noFill/>
+          </a:ln>
         </p:spPr>
       </p:pic>
     </p:spTree>
@@ -19134,7 +19306,7 @@
               <a:buNone/>
             </a:pPr>
             <a:r>
-              <a:rPr lang="de-AT" sz="1000" dirty="0" smtClean="0">
+              <a:rPr lang="de-AT" sz="1000" dirty="0">
                 <a:solidFill>
                   <a:srgbClr val="888888"/>
                 </a:solidFill>
@@ -19145,15 +19317,6 @@
               </a:rPr>
               <a:t>IMS16</a:t>
             </a:r>
-            <a:endParaRPr lang="de-AT" sz="1000" dirty="0">
-              <a:solidFill>
-                <a:srgbClr val="888888"/>
-              </a:solidFill>
-              <a:latin typeface="Calibri"/>
-              <a:ea typeface="Calibri"/>
-              <a:cs typeface="Calibri"/>
-              <a:sym typeface="Calibri"/>
-            </a:endParaRPr>
           </a:p>
         </p:txBody>
       </p:sp>
@@ -19204,6 +19367,239 @@
                 <a:sym typeface="Calibri"/>
               </a:rPr>
               <a:t>11</a:t>
+            </a:fld>
+            <a:endParaRPr lang="de-AT" sz="1000">
+              <a:solidFill>
+                <a:srgbClr val="888888"/>
+              </a:solidFill>
+              <a:latin typeface="Calibri"/>
+              <a:ea typeface="Calibri"/>
+              <a:cs typeface="Calibri"/>
+              <a:sym typeface="Calibri"/>
+            </a:endParaRPr>
+          </a:p>
+        </p:txBody>
+      </p:sp>
+      <p:pic>
+        <p:nvPicPr>
+          <p:cNvPr id="1026" name="Picture 2" descr="C:\Users\michael.stifter\Downloads\Simulator Screen Shot - iPhone 8 Plus - 2017-11-05 at 21.08.02.png"/>
+          <p:cNvPicPr>
+            <a:picLocks noChangeAspect="1" noChangeArrowheads="1"/>
+          </p:cNvPicPr>
+          <p:nvPr/>
+        </p:nvPicPr>
+        <p:blipFill>
+          <a:blip r:embed="rId3">
+            <a:extLst>
+              <a:ext uri="{28A0092B-C50C-407E-A947-70E740481C1C}">
+                <a14:useLocalDpi xmlns:a14="http://schemas.microsoft.com/office/drawing/2010/main" val="0"/>
+              </a:ext>
+            </a:extLst>
+          </a:blip>
+          <a:srcRect/>
+          <a:stretch>
+            <a:fillRect/>
+          </a:stretch>
+        </p:blipFill>
+        <p:spPr bwMode="auto">
+          <a:xfrm>
+            <a:off x="2989611" y="751956"/>
+            <a:ext cx="3055139" cy="5433644"/>
+          </a:xfrm>
+          <a:prstGeom prst="rect">
+            <a:avLst/>
+          </a:prstGeom>
+          <a:noFill/>
+          <a:extLst>
+            <a:ext uri="{909E8E84-426E-40DD-AFC4-6F175D3DCCD1}">
+              <a14:hiddenFill xmlns:a14="http://schemas.microsoft.com/office/drawing/2010/main">
+                <a:solidFill>
+                  <a:srgbClr val="FFFFFF"/>
+                </a:solidFill>
+              </a14:hiddenFill>
+            </a:ext>
+          </a:extLst>
+        </p:spPr>
+      </p:pic>
+    </p:spTree>
+    <p:extLst>
+      <p:ext uri="{BB962C8B-B14F-4D97-AF65-F5344CB8AC3E}">
+        <p14:creationId xmlns:p14="http://schemas.microsoft.com/office/powerpoint/2010/main" val="3925748778"/>
+      </p:ext>
+    </p:extLst>
+  </p:cSld>
+  <p:clrMapOvr>
+    <a:masterClrMapping/>
+  </p:clrMapOvr>
+</p:sld>
+</file>
+
+<file path=ppt/slides/slide12.xml><?xml version="1.0" encoding="utf-8"?>
+<p:sld xmlns:a="http://schemas.openxmlformats.org/drawingml/2006/main" xmlns:r="http://schemas.openxmlformats.org/officeDocument/2006/relationships" xmlns:p="http://schemas.openxmlformats.org/presentationml/2006/main">
+  <p:cSld>
+    <p:spTree>
+      <p:nvGrpSpPr>
+        <p:cNvPr id="1" name="Shape 176"/>
+        <p:cNvGrpSpPr/>
+        <p:nvPr/>
+      </p:nvGrpSpPr>
+      <p:grpSpPr>
+        <a:xfrm>
+          <a:off x="0" y="0"/>
+          <a:ext cx="0" cy="0"/>
+          <a:chOff x="0" y="0"/>
+          <a:chExt cx="0" cy="0"/>
+        </a:xfrm>
+      </p:grpSpPr>
+      <p:sp>
+        <p:nvSpPr>
+          <p:cNvPr id="177" name="Shape 177"/>
+          <p:cNvSpPr txBox="1">
+            <a:spLocks noGrp="1"/>
+          </p:cNvSpPr>
+          <p:nvPr>
+            <p:ph type="dt" idx="10"/>
+          </p:nvPr>
+        </p:nvSpPr>
+        <p:spPr>
+          <a:xfrm>
+            <a:off x="264980" y="6356350"/>
+            <a:ext cx="2133600" cy="365125"/>
+          </a:xfrm>
+          <a:prstGeom prst="rect">
+            <a:avLst/>
+          </a:prstGeom>
+          <a:noFill/>
+          <a:ln>
+            <a:noFill/>
+          </a:ln>
+        </p:spPr>
+        <p:txBody>
+          <a:bodyPr wrap="square" lIns="91425" tIns="45700" rIns="91425" bIns="45700" anchor="ctr" anchorCtr="0">
+            <a:noAutofit/>
+          </a:bodyPr>
+          <a:lstStyle/>
+          <a:p>
+            <a:pPr marL="0" marR="0" lvl="0" indent="0" algn="l" rtl="0">
+              <a:spcBef>
+                <a:spcPts val="0"/>
+              </a:spcBef>
+              <a:buSzPct val="25000"/>
+              <a:buNone/>
+            </a:pPr>
+            <a:r>
+              <a:rPr lang="de-AT" sz="1000">
+                <a:solidFill>
+                  <a:srgbClr val="888888"/>
+                </a:solidFill>
+                <a:latin typeface="Calibri"/>
+                <a:ea typeface="Calibri"/>
+                <a:cs typeface="Calibri"/>
+                <a:sym typeface="Calibri"/>
+              </a:rPr>
+              <a:t>06.11.2017</a:t>
+            </a:r>
+          </a:p>
+        </p:txBody>
+      </p:sp>
+      <p:sp>
+        <p:nvSpPr>
+          <p:cNvPr id="178" name="Shape 178"/>
+          <p:cNvSpPr txBox="1">
+            <a:spLocks noGrp="1"/>
+          </p:cNvSpPr>
+          <p:nvPr>
+            <p:ph type="ftr" idx="11"/>
+          </p:nvPr>
+        </p:nvSpPr>
+        <p:spPr>
+          <a:xfrm>
+            <a:off x="3124200" y="6356350"/>
+            <a:ext cx="2895600" cy="365100"/>
+          </a:xfrm>
+          <a:prstGeom prst="rect">
+            <a:avLst/>
+          </a:prstGeom>
+          <a:noFill/>
+          <a:ln>
+            <a:noFill/>
+          </a:ln>
+        </p:spPr>
+        <p:txBody>
+          <a:bodyPr wrap="square" lIns="91425" tIns="45700" rIns="91425" bIns="45700" anchor="ctr" anchorCtr="0">
+            <a:noAutofit/>
+          </a:bodyPr>
+          <a:lstStyle/>
+          <a:p>
+            <a:pPr marL="0" marR="0" lvl="0" indent="0" algn="ctr" rtl="0">
+              <a:spcBef>
+                <a:spcPts val="0"/>
+              </a:spcBef>
+              <a:buSzPct val="25000"/>
+              <a:buNone/>
+            </a:pPr>
+            <a:r>
+              <a:rPr lang="de-AT" sz="1000" dirty="0">
+                <a:solidFill>
+                  <a:srgbClr val="888888"/>
+                </a:solidFill>
+                <a:latin typeface="Calibri"/>
+                <a:ea typeface="Calibri"/>
+                <a:cs typeface="Calibri"/>
+                <a:sym typeface="Calibri"/>
+              </a:rPr>
+              <a:t>IMS16</a:t>
+            </a:r>
+          </a:p>
+        </p:txBody>
+      </p:sp>
+      <p:sp>
+        <p:nvSpPr>
+          <p:cNvPr id="179" name="Shape 179"/>
+          <p:cNvSpPr txBox="1">
+            <a:spLocks noGrp="1"/>
+          </p:cNvSpPr>
+          <p:nvPr>
+            <p:ph type="sldNum" idx="12"/>
+          </p:nvPr>
+        </p:nvSpPr>
+        <p:spPr>
+          <a:xfrm>
+            <a:off x="6738555" y="6356350"/>
+            <a:ext cx="2133600" cy="365125"/>
+          </a:xfrm>
+          <a:prstGeom prst="rect">
+            <a:avLst/>
+          </a:prstGeom>
+          <a:noFill/>
+          <a:ln>
+            <a:noFill/>
+          </a:ln>
+        </p:spPr>
+        <p:txBody>
+          <a:bodyPr wrap="square" lIns="91425" tIns="45700" rIns="91425" bIns="45700" anchor="ctr" anchorCtr="0">
+            <a:noAutofit/>
+          </a:bodyPr>
+          <a:lstStyle/>
+          <a:p>
+            <a:pPr marL="0" marR="0" lvl="0" indent="0" algn="r" rtl="0">
+              <a:spcBef>
+                <a:spcPts val="0"/>
+              </a:spcBef>
+              <a:buSzPct val="25000"/>
+              <a:buNone/>
+            </a:pPr>
+            <a:fld id="{00000000-1234-1234-1234-123412341234}" type="slidenum">
+              <a:rPr lang="de-AT" sz="1000">
+                <a:solidFill>
+                  <a:srgbClr val="888888"/>
+                </a:solidFill>
+                <a:latin typeface="Calibri"/>
+                <a:ea typeface="Calibri"/>
+                <a:cs typeface="Calibri"/>
+                <a:sym typeface="Calibri"/>
+              </a:rPr>
+              <a:t>12</a:t>
             </a:fld>
             <a:endParaRPr lang="de-AT" sz="1000">
               <a:solidFill>
@@ -19271,7 +19667,7 @@
 </p:sld>
 </file>
 
-<file path=ppt/slides/slide12.xml><?xml version="1.0" encoding="utf-8"?>
+<file path=ppt/slides/slide13.xml><?xml version="1.0" encoding="utf-8"?>
 <p:sld xmlns:a="http://schemas.openxmlformats.org/drawingml/2006/main" xmlns:r="http://schemas.openxmlformats.org/officeDocument/2006/relationships" xmlns:p="http://schemas.openxmlformats.org/presentationml/2006/main">
   <p:cSld>
     <p:spTree>
@@ -20164,7 +20560,7 @@
           <p:cNvPr id="7" name="Shape 142">
             <a:extLst>
               <a:ext uri="{FF2B5EF4-FFF2-40B4-BE49-F238E27FC236}">
-                <a16:creationId xmlns:a16="http://schemas.microsoft.com/office/drawing/2014/main" xmlns="" id="{22578643-D4F2-4D65-8661-31443AF016F1}"/>
+                <a16:creationId xmlns:a16="http://schemas.microsoft.com/office/drawing/2014/main" id="{22578643-D4F2-4D65-8661-31443AF016F1}"/>
               </a:ext>
             </a:extLst>
           </p:cNvPr>
@@ -20566,7 +20962,7 @@
           <p:cNvPr id="3" name="Grafik 2">
             <a:extLst>
               <a:ext uri="{FF2B5EF4-FFF2-40B4-BE49-F238E27FC236}">
-                <a16:creationId xmlns:a16="http://schemas.microsoft.com/office/drawing/2014/main" xmlns="" id="{4222AC85-7A8C-484A-B9AA-70FFBC249CDC}"/>
+                <a16:creationId xmlns:a16="http://schemas.microsoft.com/office/drawing/2014/main" id="{4222AC85-7A8C-484A-B9AA-70FFBC249CDC}"/>
               </a:ext>
             </a:extLst>
           </p:cNvPr>
@@ -20893,6 +21289,32 @@
               <a:buFont typeface="Arial"/>
               <a:buChar char="•"/>
             </a:pPr>
+            <a:r>
+              <a:rPr lang="de-AT" dirty="0"/>
+              <a:t>Prevent </a:t>
+            </a:r>
+            <a:r>
+              <a:rPr lang="de-AT" dirty="0" err="1"/>
+              <a:t>false</a:t>
+            </a:r>
+            <a:r>
+              <a:rPr lang="de-AT" dirty="0"/>
+              <a:t> </a:t>
+            </a:r>
+            <a:r>
+              <a:rPr lang="de-AT" dirty="0" err="1"/>
+              <a:t>Alerts</a:t>
+            </a:r>
+            <a:endParaRPr lang="de-AT" dirty="0"/>
+          </a:p>
+          <a:p>
+            <a:pPr marL="342900" indent="-342900">
+              <a:spcBef>
+                <a:spcPts val="0"/>
+              </a:spcBef>
+              <a:buFont typeface="Arial"/>
+              <a:buChar char="•"/>
+            </a:pPr>
             <a:endParaRPr lang="de-AT" dirty="0"/>
           </a:p>
           <a:p>
@@ -21147,7 +21569,7 @@
           <p:cNvPr id="1026" name="Picture 2" descr="https://images-na.ssl-images-amazon.com/images/I/41eWJUdMIzL._SX466_.jpg">
             <a:extLst>
               <a:ext uri="{FF2B5EF4-FFF2-40B4-BE49-F238E27FC236}">
-                <a16:creationId xmlns:a16="http://schemas.microsoft.com/office/drawing/2014/main" xmlns="" id="{9AAF2E4A-DBA7-41C1-A58B-8600AB53068B}"/>
+                <a16:creationId xmlns:a16="http://schemas.microsoft.com/office/drawing/2014/main" id="{9AAF2E4A-DBA7-41C1-A58B-8600AB53068B}"/>
               </a:ext>
             </a:extLst>
           </p:cNvPr>
@@ -21194,7 +21616,7 @@
           <p:cNvPr id="4" name="Textfeld 3">
             <a:extLst>
               <a:ext uri="{FF2B5EF4-FFF2-40B4-BE49-F238E27FC236}">
-                <a16:creationId xmlns:a16="http://schemas.microsoft.com/office/drawing/2014/main" xmlns="" id="{B444CF7D-B155-4C42-8DAB-6AD1965C0E88}"/>
+                <a16:creationId xmlns:a16="http://schemas.microsoft.com/office/drawing/2014/main" id="{B444CF7D-B155-4C42-8DAB-6AD1965C0E88}"/>
               </a:ext>
             </a:extLst>
           </p:cNvPr>
@@ -21313,7 +21735,7 @@
               <a:buNone/>
             </a:pPr>
             <a:r>
-              <a:rPr lang="de-AT" sz="3200" b="1" i="0" u="none" strike="noStrike" cap="none" dirty="0" smtClean="0">
+              <a:rPr lang="de-AT" sz="3200" b="1" i="0" u="none" strike="noStrike" cap="none" dirty="0">
                 <a:solidFill>
                   <a:schemeClr val="dk1"/>
                 </a:solidFill>
@@ -21324,15 +21746,6 @@
               </a:rPr>
               <a:t>Persona</a:t>
             </a:r>
-            <a:endParaRPr lang="de-AT" sz="3200" b="1" i="0" u="none" strike="noStrike" cap="none" dirty="0">
-              <a:solidFill>
-                <a:schemeClr val="dk1"/>
-              </a:solidFill>
-              <a:latin typeface="Calibri"/>
-              <a:ea typeface="Calibri"/>
-              <a:cs typeface="Calibri"/>
-              <a:sym typeface="Calibri"/>
-            </a:endParaRPr>
           </a:p>
         </p:txBody>
       </p:sp>
@@ -21666,18 +22079,14 @@
             </a:r>
             <a:r>
               <a:rPr lang="de-AT" dirty="0"/>
-              <a:t> </a:t>
-            </a:r>
-            <a:r>
-              <a:rPr lang="de-AT" dirty="0" smtClean="0"/>
-              <a:t>an </a:t>
-            </a:r>
-            <a:r>
-              <a:rPr lang="de-AT" dirty="0" err="1" smtClean="0"/>
+              <a:t> an </a:t>
+            </a:r>
+            <a:r>
+              <a:rPr lang="de-AT" dirty="0" err="1"/>
               <a:t>unpleasant</a:t>
             </a:r>
             <a:r>
-              <a:rPr lang="de-AT" dirty="0" smtClean="0"/>
+              <a:rPr lang="de-AT" dirty="0"/>
               <a:t> </a:t>
             </a:r>
             <a:r>
@@ -22133,7 +22542,7 @@
               <a:buNone/>
             </a:pPr>
             <a:r>
-              <a:rPr lang="de-AT" sz="3200" b="1" i="0" u="none" strike="noStrike" cap="none" dirty="0" smtClean="0">
+              <a:rPr lang="de-AT" sz="3200" b="1" i="0" u="none" strike="noStrike" cap="none" dirty="0">
                 <a:solidFill>
                   <a:schemeClr val="dk1"/>
                 </a:solidFill>
@@ -22144,15 +22553,6 @@
               </a:rPr>
               <a:t>Persona</a:t>
             </a:r>
-            <a:endParaRPr lang="de-AT" sz="3200" b="1" i="0" u="none" strike="noStrike" cap="none" dirty="0">
-              <a:solidFill>
-                <a:schemeClr val="dk1"/>
-              </a:solidFill>
-              <a:latin typeface="Calibri"/>
-              <a:ea typeface="Calibri"/>
-              <a:cs typeface="Calibri"/>
-              <a:sym typeface="Calibri"/>
-            </a:endParaRPr>
           </a:p>
         </p:txBody>
       </p:sp>
@@ -22195,10 +22595,9 @@
               <a:buChar char="●"/>
             </a:pPr>
             <a:r>
-              <a:rPr lang="de-AT" dirty="0" smtClean="0"/>
+              <a:rPr lang="de-AT" dirty="0"/>
               <a:t>Klaus</a:t>
             </a:r>
-            <a:endParaRPr lang="de-AT" dirty="0"/>
           </a:p>
           <a:p>
             <a:pPr marL="914400" lvl="0" indent="-381000">
@@ -22211,298 +22610,297 @@
               <a:buChar char="-"/>
             </a:pPr>
             <a:r>
-              <a:rPr lang="de-AT" dirty="0" smtClean="0"/>
+              <a:rPr lang="de-AT" dirty="0"/>
               <a:t>Klaus </a:t>
             </a:r>
             <a:r>
-              <a:rPr lang="de-AT" dirty="0" err="1" smtClean="0"/>
+              <a:rPr lang="de-AT" dirty="0" err="1"/>
               <a:t>is</a:t>
             </a:r>
             <a:r>
-              <a:rPr lang="de-AT" dirty="0" smtClean="0"/>
+              <a:rPr lang="de-AT" dirty="0"/>
               <a:t> a </a:t>
             </a:r>
             <a:r>
-              <a:rPr lang="de-AT" dirty="0" err="1" smtClean="0"/>
+              <a:rPr lang="de-AT" dirty="0" err="1"/>
               <a:t>father</a:t>
-            </a:r>
-            <a:r>
-              <a:rPr lang="de-AT" dirty="0" smtClean="0"/>
-              <a:t> </a:t>
-            </a:r>
-            <a:r>
-              <a:rPr lang="de-AT" dirty="0" err="1" smtClean="0"/>
-              <a:t>of</a:t>
-            </a:r>
-            <a:r>
-              <a:rPr lang="de-AT" dirty="0" smtClean="0"/>
-              <a:t> </a:t>
-            </a:r>
-            <a:r>
-              <a:rPr lang="de-AT" dirty="0" err="1" smtClean="0"/>
-              <a:t>two</a:t>
-            </a:r>
-            <a:r>
-              <a:rPr lang="de-AT" dirty="0" smtClean="0"/>
-              <a:t> </a:t>
-            </a:r>
-            <a:r>
-              <a:rPr lang="de-AT" dirty="0" err="1" smtClean="0"/>
-              <a:t>children</a:t>
             </a:r>
             <a:r>
               <a:rPr lang="de-AT" dirty="0"/>
               <a:t> </a:t>
             </a:r>
             <a:r>
-              <a:rPr lang="de-AT" dirty="0" err="1" smtClean="0"/>
+              <a:rPr lang="de-AT" dirty="0" err="1"/>
+              <a:t>of</a:t>
+            </a:r>
+            <a:r>
+              <a:rPr lang="de-AT" dirty="0"/>
+              <a:t> </a:t>
+            </a:r>
+            <a:r>
+              <a:rPr lang="de-AT" dirty="0" err="1"/>
+              <a:t>two</a:t>
+            </a:r>
+            <a:r>
+              <a:rPr lang="de-AT" dirty="0"/>
+              <a:t> </a:t>
+            </a:r>
+            <a:r>
+              <a:rPr lang="de-AT" dirty="0" err="1"/>
+              <a:t>children</a:t>
+            </a:r>
+            <a:r>
+              <a:rPr lang="de-AT" dirty="0"/>
+              <a:t> </a:t>
+            </a:r>
+            <a:r>
+              <a:rPr lang="de-AT" dirty="0" err="1"/>
               <a:t>and</a:t>
             </a:r>
             <a:r>
-              <a:rPr lang="de-AT" dirty="0" smtClean="0"/>
+              <a:rPr lang="de-AT" dirty="0"/>
               <a:t> </a:t>
             </a:r>
             <a:r>
-              <a:rPr lang="de-AT" dirty="0" err="1" smtClean="0"/>
+              <a:rPr lang="de-AT" dirty="0" err="1"/>
               <a:t>is</a:t>
             </a:r>
             <a:r>
-              <a:rPr lang="de-AT" dirty="0" smtClean="0"/>
+              <a:rPr lang="de-AT" dirty="0"/>
               <a:t> </a:t>
             </a:r>
             <a:r>
-              <a:rPr lang="de-AT" dirty="0" err="1" smtClean="0"/>
+              <a:rPr lang="de-AT" dirty="0" err="1"/>
               <a:t>very</a:t>
             </a:r>
             <a:r>
-              <a:rPr lang="de-AT" dirty="0" smtClean="0"/>
+              <a:rPr lang="de-AT" dirty="0"/>
               <a:t> </a:t>
             </a:r>
             <a:r>
-              <a:rPr lang="de-AT" dirty="0" err="1" smtClean="0"/>
+              <a:rPr lang="de-AT" dirty="0" err="1"/>
               <a:t>protective</a:t>
             </a:r>
             <a:r>
-              <a:rPr lang="de-AT" dirty="0" smtClean="0"/>
+              <a:rPr lang="de-AT" dirty="0"/>
               <a:t> </a:t>
             </a:r>
             <a:r>
-              <a:rPr lang="de-AT" dirty="0" err="1" smtClean="0"/>
+              <a:rPr lang="de-AT" dirty="0" err="1"/>
               <a:t>about</a:t>
             </a:r>
             <a:r>
-              <a:rPr lang="de-AT" dirty="0" smtClean="0"/>
+              <a:rPr lang="de-AT" dirty="0"/>
               <a:t> </a:t>
             </a:r>
             <a:r>
-              <a:rPr lang="de-AT" dirty="0" err="1" smtClean="0"/>
+              <a:rPr lang="de-AT" dirty="0" err="1"/>
               <a:t>them</a:t>
             </a:r>
             <a:r>
-              <a:rPr lang="de-AT" dirty="0" smtClean="0"/>
+              <a:rPr lang="de-AT" dirty="0"/>
               <a:t>. He </a:t>
             </a:r>
             <a:r>
-              <a:rPr lang="de-AT" dirty="0" err="1" smtClean="0"/>
+              <a:rPr lang="de-AT" dirty="0" err="1"/>
               <a:t>is</a:t>
             </a:r>
             <a:r>
-              <a:rPr lang="de-AT" dirty="0" smtClean="0"/>
+              <a:rPr lang="de-AT" dirty="0"/>
               <a:t> </a:t>
             </a:r>
             <a:r>
-              <a:rPr lang="de-AT" dirty="0" err="1" smtClean="0"/>
+              <a:rPr lang="de-AT" dirty="0" err="1"/>
               <a:t>always</a:t>
             </a:r>
             <a:r>
-              <a:rPr lang="de-AT" dirty="0" smtClean="0"/>
+              <a:rPr lang="de-AT" dirty="0"/>
               <a:t> </a:t>
             </a:r>
             <a:r>
-              <a:rPr lang="de-AT" dirty="0" err="1" smtClean="0"/>
+              <a:rPr lang="de-AT" dirty="0" err="1"/>
               <a:t>anxious</a:t>
             </a:r>
             <a:r>
-              <a:rPr lang="de-AT" dirty="0" smtClean="0"/>
+              <a:rPr lang="de-AT" dirty="0"/>
               <a:t> </a:t>
             </a:r>
             <a:r>
-              <a:rPr lang="de-AT" dirty="0" err="1" smtClean="0"/>
+              <a:rPr lang="de-AT" dirty="0" err="1"/>
               <a:t>that</a:t>
             </a:r>
             <a:r>
-              <a:rPr lang="de-AT" dirty="0" smtClean="0"/>
+              <a:rPr lang="de-AT" dirty="0"/>
               <a:t> </a:t>
             </a:r>
             <a:r>
-              <a:rPr lang="de-AT" dirty="0" err="1" smtClean="0"/>
+              <a:rPr lang="de-AT" dirty="0" err="1"/>
               <a:t>something</a:t>
             </a:r>
             <a:r>
-              <a:rPr lang="de-AT" dirty="0" smtClean="0"/>
+              <a:rPr lang="de-AT" dirty="0"/>
               <a:t> </a:t>
             </a:r>
             <a:r>
-              <a:rPr lang="de-AT" dirty="0" err="1" smtClean="0"/>
+              <a:rPr lang="de-AT" dirty="0" err="1"/>
               <a:t>could</a:t>
             </a:r>
             <a:r>
-              <a:rPr lang="de-AT" dirty="0" smtClean="0"/>
+              <a:rPr lang="de-AT" dirty="0"/>
               <a:t> happen </a:t>
             </a:r>
             <a:r>
-              <a:rPr lang="de-AT" dirty="0" err="1" smtClean="0"/>
+              <a:rPr lang="de-AT" dirty="0" err="1"/>
               <a:t>to</a:t>
             </a:r>
             <a:r>
-              <a:rPr lang="de-AT" dirty="0" smtClean="0"/>
+              <a:rPr lang="de-AT" dirty="0"/>
               <a:t> </a:t>
             </a:r>
             <a:r>
-              <a:rPr lang="de-AT" dirty="0" err="1" smtClean="0"/>
+              <a:rPr lang="de-AT" dirty="0" err="1"/>
               <a:t>them</a:t>
             </a:r>
             <a:r>
-              <a:rPr lang="de-AT" dirty="0" smtClean="0"/>
+              <a:rPr lang="de-AT" dirty="0"/>
               <a:t>. </a:t>
             </a:r>
             <a:r>
-              <a:rPr lang="de-AT" dirty="0" err="1" smtClean="0"/>
+              <a:rPr lang="de-AT" dirty="0" err="1"/>
               <a:t>Although</a:t>
             </a:r>
             <a:r>
-              <a:rPr lang="de-AT" dirty="0" smtClean="0"/>
+              <a:rPr lang="de-AT" dirty="0"/>
               <a:t> </a:t>
             </a:r>
             <a:r>
-              <a:rPr lang="de-AT" dirty="0" err="1" smtClean="0"/>
+              <a:rPr lang="de-AT" dirty="0" err="1"/>
               <a:t>they</a:t>
             </a:r>
             <a:r>
-              <a:rPr lang="de-AT" dirty="0" smtClean="0"/>
+              <a:rPr lang="de-AT" dirty="0"/>
               <a:t> </a:t>
             </a:r>
             <a:r>
-              <a:rPr lang="de-AT" dirty="0" err="1" smtClean="0"/>
+              <a:rPr lang="de-AT" dirty="0" err="1"/>
               <a:t>have</a:t>
             </a:r>
             <a:r>
-              <a:rPr lang="de-AT" dirty="0" smtClean="0"/>
+              <a:rPr lang="de-AT" dirty="0"/>
               <a:t> </a:t>
             </a:r>
             <a:r>
-              <a:rPr lang="de-AT" dirty="0" err="1" smtClean="0"/>
+              <a:rPr lang="de-AT" dirty="0" err="1"/>
               <a:t>smartphones</a:t>
             </a:r>
             <a:r>
-              <a:rPr lang="de-AT" dirty="0" smtClean="0"/>
+              <a:rPr lang="de-AT" dirty="0"/>
               <a:t> he </a:t>
             </a:r>
             <a:r>
-              <a:rPr lang="de-AT" dirty="0" err="1" smtClean="0"/>
+              <a:rPr lang="de-AT" dirty="0" err="1"/>
               <a:t>is</a:t>
             </a:r>
             <a:r>
-              <a:rPr lang="de-AT" dirty="0" smtClean="0"/>
+              <a:rPr lang="de-AT" dirty="0"/>
               <a:t> </a:t>
             </a:r>
             <a:r>
-              <a:rPr lang="de-AT" dirty="0" err="1" smtClean="0"/>
+              <a:rPr lang="de-AT" dirty="0" err="1"/>
               <a:t>worried</a:t>
             </a:r>
             <a:r>
-              <a:rPr lang="de-AT" dirty="0" smtClean="0"/>
+              <a:rPr lang="de-AT" dirty="0"/>
               <a:t> </a:t>
             </a:r>
             <a:r>
-              <a:rPr lang="de-AT" dirty="0" err="1" smtClean="0"/>
+              <a:rPr lang="de-AT" dirty="0" err="1"/>
               <a:t>they</a:t>
             </a:r>
             <a:r>
-              <a:rPr lang="de-AT" dirty="0" smtClean="0"/>
+              <a:rPr lang="de-AT" dirty="0"/>
               <a:t> </a:t>
             </a:r>
             <a:r>
-              <a:rPr lang="de-AT" dirty="0" err="1" smtClean="0"/>
+              <a:rPr lang="de-AT" dirty="0" err="1"/>
               <a:t>might</a:t>
             </a:r>
             <a:r>
-              <a:rPr lang="de-AT" dirty="0" smtClean="0"/>
+              <a:rPr lang="de-AT" dirty="0"/>
               <a:t> not </a:t>
             </a:r>
             <a:r>
-              <a:rPr lang="de-AT" dirty="0" err="1" smtClean="0"/>
+              <a:rPr lang="de-AT" dirty="0" err="1"/>
               <a:t>be</a:t>
             </a:r>
             <a:r>
-              <a:rPr lang="de-AT" dirty="0" smtClean="0"/>
+              <a:rPr lang="de-AT" dirty="0"/>
               <a:t> </a:t>
             </a:r>
             <a:r>
-              <a:rPr lang="de-AT" dirty="0" err="1" smtClean="0"/>
+              <a:rPr lang="de-AT" dirty="0" err="1"/>
               <a:t>able</a:t>
             </a:r>
             <a:r>
-              <a:rPr lang="de-AT" dirty="0" smtClean="0"/>
+              <a:rPr lang="de-AT" dirty="0"/>
               <a:t> </a:t>
             </a:r>
             <a:r>
-              <a:rPr lang="de-AT" dirty="0" err="1" smtClean="0"/>
+              <a:rPr lang="de-AT" dirty="0" err="1"/>
               <a:t>to</a:t>
             </a:r>
             <a:r>
-              <a:rPr lang="de-AT" dirty="0" smtClean="0"/>
+              <a:rPr lang="de-AT" dirty="0"/>
               <a:t> </a:t>
             </a:r>
             <a:r>
-              <a:rPr lang="de-AT" dirty="0" err="1" smtClean="0"/>
+              <a:rPr lang="de-AT" dirty="0" err="1"/>
               <a:t>contact</a:t>
             </a:r>
             <a:r>
-              <a:rPr lang="de-AT" dirty="0" smtClean="0"/>
+              <a:rPr lang="de-AT" dirty="0"/>
               <a:t> </a:t>
             </a:r>
             <a:r>
-              <a:rPr lang="de-AT" dirty="0" err="1" smtClean="0"/>
+              <a:rPr lang="de-AT" dirty="0" err="1"/>
               <a:t>him</a:t>
             </a:r>
             <a:r>
-              <a:rPr lang="de-AT" dirty="0" smtClean="0"/>
+              <a:rPr lang="de-AT" dirty="0"/>
               <a:t> </a:t>
             </a:r>
             <a:r>
-              <a:rPr lang="de-AT" dirty="0" err="1" smtClean="0"/>
+              <a:rPr lang="de-AT" dirty="0" err="1"/>
               <a:t>when</a:t>
             </a:r>
             <a:r>
-              <a:rPr lang="de-AT" dirty="0" smtClean="0"/>
+              <a:rPr lang="de-AT" dirty="0"/>
               <a:t> </a:t>
             </a:r>
             <a:r>
-              <a:rPr lang="de-AT" dirty="0" err="1" smtClean="0"/>
+              <a:rPr lang="de-AT" dirty="0" err="1"/>
               <a:t>they</a:t>
             </a:r>
             <a:r>
-              <a:rPr lang="de-AT" dirty="0" smtClean="0"/>
+              <a:rPr lang="de-AT" dirty="0"/>
               <a:t> </a:t>
             </a:r>
             <a:r>
-              <a:rPr lang="de-AT" dirty="0" err="1" smtClean="0"/>
+              <a:rPr lang="de-AT" dirty="0" err="1"/>
               <a:t>are</a:t>
             </a:r>
             <a:r>
-              <a:rPr lang="de-AT" dirty="0" smtClean="0"/>
+              <a:rPr lang="de-AT" dirty="0"/>
               <a:t> in </a:t>
             </a:r>
             <a:r>
-              <a:rPr lang="de-AT" dirty="0" err="1" smtClean="0"/>
+              <a:rPr lang="de-AT" dirty="0" err="1"/>
               <a:t>trouble</a:t>
             </a:r>
             <a:r>
-              <a:rPr lang="de-AT" dirty="0" smtClean="0"/>
+              <a:rPr lang="de-AT" dirty="0"/>
               <a:t>.</a:t>
             </a:r>
-            <a:endParaRPr lang="de-AT" dirty="0"/>
           </a:p>
           <a:p>
             <a:pPr marL="914400" lvl="0" indent="-381000">
@@ -22515,214 +22913,213 @@
               <a:buChar char="-"/>
             </a:pPr>
             <a:r>
-              <a:rPr lang="de-AT" dirty="0" err="1" smtClean="0"/>
+              <a:rPr lang="de-AT" dirty="0" err="1"/>
               <a:t>With</a:t>
-            </a:r>
-            <a:r>
-              <a:rPr lang="de-AT" dirty="0" smtClean="0"/>
-              <a:t> </a:t>
-            </a:r>
-            <a:r>
-              <a:rPr lang="de-AT" dirty="0" err="1" smtClean="0"/>
-              <a:t>the</a:t>
-            </a:r>
-            <a:r>
-              <a:rPr lang="de-AT" dirty="0" smtClean="0"/>
-              <a:t> Emergency Alerter </a:t>
-            </a:r>
-            <a:r>
-              <a:rPr lang="de-AT" dirty="0" err="1" smtClean="0"/>
-              <a:t>Smartwatch</a:t>
-            </a:r>
-            <a:r>
-              <a:rPr lang="de-AT" dirty="0" smtClean="0"/>
-              <a:t> </a:t>
-            </a:r>
-            <a:r>
-              <a:rPr lang="de-AT" dirty="0" err="1" smtClean="0"/>
-              <a:t>app</a:t>
-            </a:r>
-            <a:r>
-              <a:rPr lang="de-AT" dirty="0" smtClean="0"/>
-              <a:t>, </a:t>
-            </a:r>
-            <a:r>
-              <a:rPr lang="de-AT" dirty="0" err="1" smtClean="0"/>
-              <a:t>the</a:t>
-            </a:r>
-            <a:r>
-              <a:rPr lang="de-AT" dirty="0" smtClean="0"/>
-              <a:t> </a:t>
-            </a:r>
-            <a:r>
-              <a:rPr lang="de-AT" dirty="0" err="1" smtClean="0"/>
-              <a:t>children</a:t>
-            </a:r>
-            <a:r>
-              <a:rPr lang="de-AT" dirty="0" smtClean="0"/>
-              <a:t> </a:t>
-            </a:r>
-            <a:r>
-              <a:rPr lang="de-AT" dirty="0" err="1" smtClean="0"/>
-              <a:t>only</a:t>
-            </a:r>
-            <a:r>
-              <a:rPr lang="de-AT" dirty="0" smtClean="0"/>
-              <a:t> </a:t>
-            </a:r>
-            <a:r>
-              <a:rPr lang="de-AT" dirty="0" err="1" smtClean="0"/>
-              <a:t>would</a:t>
-            </a:r>
-            <a:r>
-              <a:rPr lang="de-AT" dirty="0" smtClean="0"/>
-              <a:t> </a:t>
-            </a:r>
-            <a:r>
-              <a:rPr lang="de-AT" dirty="0" err="1" smtClean="0"/>
-              <a:t>have</a:t>
-            </a:r>
-            <a:r>
-              <a:rPr lang="de-AT" dirty="0" smtClean="0"/>
-              <a:t> </a:t>
-            </a:r>
-            <a:r>
-              <a:rPr lang="de-AT" dirty="0" err="1" smtClean="0"/>
-              <a:t>to</a:t>
-            </a:r>
-            <a:r>
-              <a:rPr lang="de-AT" dirty="0" smtClean="0"/>
-              <a:t> </a:t>
-            </a:r>
-            <a:r>
-              <a:rPr lang="de-AT" dirty="0" err="1" smtClean="0"/>
-              <a:t>tap</a:t>
-            </a:r>
-            <a:r>
-              <a:rPr lang="de-AT" dirty="0" smtClean="0"/>
-              <a:t> </a:t>
-            </a:r>
-            <a:r>
-              <a:rPr lang="de-AT" dirty="0" err="1" smtClean="0"/>
-              <a:t>one</a:t>
-            </a:r>
-            <a:r>
-              <a:rPr lang="de-AT" dirty="0" smtClean="0"/>
-              <a:t> </a:t>
-            </a:r>
-            <a:r>
-              <a:rPr lang="de-AT" dirty="0" err="1" smtClean="0"/>
-              <a:t>button</a:t>
-            </a:r>
-            <a:r>
-              <a:rPr lang="de-AT" dirty="0" smtClean="0"/>
-              <a:t> </a:t>
-            </a:r>
-            <a:r>
-              <a:rPr lang="de-AT" dirty="0" err="1" smtClean="0"/>
-              <a:t>to</a:t>
-            </a:r>
-            <a:r>
-              <a:rPr lang="de-AT" dirty="0" smtClean="0"/>
-              <a:t> </a:t>
-            </a:r>
-            <a:r>
-              <a:rPr lang="de-AT" dirty="0" err="1" smtClean="0"/>
-              <a:t>instantly</a:t>
-            </a:r>
-            <a:r>
-              <a:rPr lang="de-AT" dirty="0" smtClean="0"/>
-              <a:t> </a:t>
-            </a:r>
-            <a:r>
-              <a:rPr lang="de-AT" dirty="0" err="1" smtClean="0"/>
-              <a:t>notify</a:t>
-            </a:r>
-            <a:r>
-              <a:rPr lang="de-AT" dirty="0" smtClean="0"/>
-              <a:t> </a:t>
-            </a:r>
-            <a:r>
-              <a:rPr lang="de-AT" dirty="0" err="1" smtClean="0"/>
-              <a:t>the</a:t>
-            </a:r>
-            <a:r>
-              <a:rPr lang="de-AT" dirty="0" smtClean="0"/>
-              <a:t> </a:t>
-            </a:r>
-            <a:r>
-              <a:rPr lang="de-AT" dirty="0" err="1" smtClean="0"/>
-              <a:t>police</a:t>
-            </a:r>
-            <a:r>
-              <a:rPr lang="de-AT" dirty="0" smtClean="0"/>
-              <a:t> </a:t>
-            </a:r>
-            <a:r>
-              <a:rPr lang="de-AT" dirty="0" err="1" smtClean="0"/>
-              <a:t>or</a:t>
-            </a:r>
-            <a:r>
-              <a:rPr lang="de-AT" dirty="0" smtClean="0"/>
-              <a:t> </a:t>
-            </a:r>
-            <a:r>
-              <a:rPr lang="de-AT" dirty="0" err="1" smtClean="0"/>
-              <a:t>their</a:t>
-            </a:r>
-            <a:r>
-              <a:rPr lang="de-AT" dirty="0" smtClean="0"/>
-              <a:t> </a:t>
-            </a:r>
-            <a:r>
-              <a:rPr lang="de-AT" dirty="0" err="1" smtClean="0"/>
-              <a:t>father</a:t>
-            </a:r>
-            <a:r>
-              <a:rPr lang="de-AT" dirty="0" smtClean="0"/>
-              <a:t>, </a:t>
-            </a:r>
-            <a:r>
-              <a:rPr lang="de-AT" dirty="0" err="1" smtClean="0"/>
-              <a:t>which</a:t>
-            </a:r>
-            <a:r>
-              <a:rPr lang="de-AT" dirty="0" smtClean="0"/>
-              <a:t> </a:t>
-            </a:r>
-            <a:r>
-              <a:rPr lang="de-AT" dirty="0" err="1" smtClean="0"/>
-              <a:t>would</a:t>
             </a:r>
             <a:r>
               <a:rPr lang="de-AT" dirty="0"/>
               <a:t> </a:t>
             </a:r>
             <a:r>
-              <a:rPr lang="de-AT" dirty="0" err="1" smtClean="0"/>
+              <a:rPr lang="de-AT" dirty="0" err="1"/>
+              <a:t>the</a:t>
+            </a:r>
+            <a:r>
+              <a:rPr lang="de-AT" dirty="0"/>
+              <a:t> Emergency Alerter </a:t>
+            </a:r>
+            <a:r>
+              <a:rPr lang="de-AT" dirty="0" err="1"/>
+              <a:t>Smartwatch</a:t>
+            </a:r>
+            <a:r>
+              <a:rPr lang="de-AT" dirty="0"/>
+              <a:t> </a:t>
+            </a:r>
+            <a:r>
+              <a:rPr lang="de-AT" dirty="0" err="1"/>
+              <a:t>app</a:t>
+            </a:r>
+            <a:r>
+              <a:rPr lang="de-AT" dirty="0"/>
+              <a:t>, </a:t>
+            </a:r>
+            <a:r>
+              <a:rPr lang="de-AT" dirty="0" err="1"/>
+              <a:t>the</a:t>
+            </a:r>
+            <a:r>
+              <a:rPr lang="de-AT" dirty="0"/>
+              <a:t> </a:t>
+            </a:r>
+            <a:r>
+              <a:rPr lang="de-AT" dirty="0" err="1"/>
+              <a:t>children</a:t>
+            </a:r>
+            <a:r>
+              <a:rPr lang="de-AT" dirty="0"/>
+              <a:t> </a:t>
+            </a:r>
+            <a:r>
+              <a:rPr lang="de-AT" dirty="0" err="1"/>
+              <a:t>only</a:t>
+            </a:r>
+            <a:r>
+              <a:rPr lang="de-AT" dirty="0"/>
+              <a:t> </a:t>
+            </a:r>
+            <a:r>
+              <a:rPr lang="de-AT" dirty="0" err="1"/>
+              <a:t>would</a:t>
+            </a:r>
+            <a:r>
+              <a:rPr lang="de-AT" dirty="0"/>
+              <a:t> </a:t>
+            </a:r>
+            <a:r>
+              <a:rPr lang="de-AT" dirty="0" err="1"/>
+              <a:t>have</a:t>
+            </a:r>
+            <a:r>
+              <a:rPr lang="de-AT" dirty="0"/>
+              <a:t> </a:t>
+            </a:r>
+            <a:r>
+              <a:rPr lang="de-AT" dirty="0" err="1"/>
+              <a:t>to</a:t>
+            </a:r>
+            <a:r>
+              <a:rPr lang="de-AT" dirty="0"/>
+              <a:t> </a:t>
+            </a:r>
+            <a:r>
+              <a:rPr lang="de-AT" dirty="0" err="1"/>
+              <a:t>tap</a:t>
+            </a:r>
+            <a:r>
+              <a:rPr lang="de-AT" dirty="0"/>
+              <a:t> </a:t>
+            </a:r>
+            <a:r>
+              <a:rPr lang="de-AT" dirty="0" err="1"/>
+              <a:t>one</a:t>
+            </a:r>
+            <a:r>
+              <a:rPr lang="de-AT" dirty="0"/>
+              <a:t> </a:t>
+            </a:r>
+            <a:r>
+              <a:rPr lang="de-AT" dirty="0" err="1"/>
+              <a:t>button</a:t>
+            </a:r>
+            <a:r>
+              <a:rPr lang="de-AT" dirty="0"/>
+              <a:t> </a:t>
+            </a:r>
+            <a:r>
+              <a:rPr lang="de-AT" dirty="0" err="1"/>
+              <a:t>to</a:t>
+            </a:r>
+            <a:r>
+              <a:rPr lang="de-AT" dirty="0"/>
+              <a:t> </a:t>
+            </a:r>
+            <a:r>
+              <a:rPr lang="de-AT" dirty="0" err="1"/>
+              <a:t>instantly</a:t>
+            </a:r>
+            <a:r>
+              <a:rPr lang="de-AT" dirty="0"/>
+              <a:t> </a:t>
+            </a:r>
+            <a:r>
+              <a:rPr lang="de-AT" dirty="0" err="1"/>
+              <a:t>notify</a:t>
+            </a:r>
+            <a:r>
+              <a:rPr lang="de-AT" dirty="0"/>
+              <a:t> </a:t>
+            </a:r>
+            <a:r>
+              <a:rPr lang="de-AT" dirty="0" err="1"/>
+              <a:t>the</a:t>
+            </a:r>
+            <a:r>
+              <a:rPr lang="de-AT" dirty="0"/>
+              <a:t> </a:t>
+            </a:r>
+            <a:r>
+              <a:rPr lang="de-AT" dirty="0" err="1"/>
+              <a:t>police</a:t>
+            </a:r>
+            <a:r>
+              <a:rPr lang="de-AT" dirty="0"/>
+              <a:t> </a:t>
+            </a:r>
+            <a:r>
+              <a:rPr lang="de-AT" dirty="0" err="1"/>
+              <a:t>or</a:t>
+            </a:r>
+            <a:r>
+              <a:rPr lang="de-AT" dirty="0"/>
+              <a:t> </a:t>
+            </a:r>
+            <a:r>
+              <a:rPr lang="de-AT" dirty="0" err="1"/>
+              <a:t>their</a:t>
+            </a:r>
+            <a:r>
+              <a:rPr lang="de-AT" dirty="0"/>
+              <a:t> </a:t>
+            </a:r>
+            <a:r>
+              <a:rPr lang="de-AT" dirty="0" err="1"/>
+              <a:t>father</a:t>
+            </a:r>
+            <a:r>
+              <a:rPr lang="de-AT" dirty="0"/>
+              <a:t>, </a:t>
+            </a:r>
+            <a:r>
+              <a:rPr lang="de-AT" dirty="0" err="1"/>
+              <a:t>which</a:t>
+            </a:r>
+            <a:r>
+              <a:rPr lang="de-AT" dirty="0"/>
+              <a:t> </a:t>
+            </a:r>
+            <a:r>
+              <a:rPr lang="de-AT" dirty="0" err="1"/>
+              <a:t>would</a:t>
+            </a:r>
+            <a:r>
+              <a:rPr lang="de-AT" dirty="0"/>
+              <a:t> </a:t>
+            </a:r>
+            <a:r>
+              <a:rPr lang="de-AT" dirty="0" err="1"/>
               <a:t>help</a:t>
             </a:r>
             <a:r>
-              <a:rPr lang="de-AT" dirty="0" smtClean="0"/>
+              <a:rPr lang="de-AT" dirty="0"/>
               <a:t> Klaus relax a </a:t>
             </a:r>
             <a:r>
-              <a:rPr lang="de-AT" dirty="0" err="1" smtClean="0"/>
+              <a:rPr lang="de-AT" dirty="0" err="1"/>
               <a:t>little</a:t>
             </a:r>
             <a:r>
-              <a:rPr lang="de-AT" dirty="0" smtClean="0"/>
+              <a:rPr lang="de-AT" dirty="0"/>
               <a:t> </a:t>
             </a:r>
             <a:r>
-              <a:rPr lang="de-AT" dirty="0" err="1" smtClean="0"/>
+              <a:rPr lang="de-AT" dirty="0" err="1"/>
               <a:t>more</a:t>
             </a:r>
             <a:r>
-              <a:rPr lang="de-AT" dirty="0" smtClean="0"/>
+              <a:rPr lang="de-AT" dirty="0"/>
               <a:t>.</a:t>
             </a:r>
-            <a:endParaRPr lang="de-AT" dirty="0"/>
           </a:p>
           <a:p>
             <a:pPr lvl="0" rtl="0">
@@ -23020,7 +23417,7 @@
               <a:buNone/>
             </a:pPr>
             <a:r>
-              <a:rPr lang="de-AT" sz="3200" b="1" i="0" u="none" strike="noStrike" cap="none" dirty="0" smtClean="0">
+              <a:rPr lang="de-AT" sz="3200" b="1" i="0" u="none" strike="noStrike" cap="none" dirty="0">
                 <a:solidFill>
                   <a:schemeClr val="dk1"/>
                 </a:solidFill>
@@ -23029,17 +23426,8 @@
                 <a:cs typeface="Calibri"/>
                 <a:sym typeface="Calibri"/>
               </a:rPr>
-              <a:t>User Stories</a:t>
-            </a:r>
-            <a:endParaRPr lang="de-AT" sz="3200" b="1" i="0" u="none" strike="noStrike" cap="none" dirty="0">
-              <a:solidFill>
-                <a:schemeClr val="dk1"/>
-              </a:solidFill>
-              <a:latin typeface="Calibri"/>
-              <a:ea typeface="Calibri"/>
-              <a:cs typeface="Calibri"/>
-              <a:sym typeface="Calibri"/>
-            </a:endParaRPr>
+              <a:t>User Stories </a:t>
+            </a:r>
           </a:p>
         </p:txBody>
       </p:sp>
@@ -23082,207 +23470,207 @@
               <a:buChar char="●"/>
             </a:pPr>
             <a:r>
-              <a:rPr lang="de-AT" dirty="0" smtClean="0"/>
+              <a:rPr lang="de-AT" dirty="0"/>
               <a:t>As a </a:t>
             </a:r>
             <a:r>
-              <a:rPr lang="de-AT" dirty="0" err="1" smtClean="0"/>
+              <a:rPr lang="de-AT" dirty="0" err="1"/>
               <a:t>user</a:t>
             </a:r>
             <a:r>
-              <a:rPr lang="de-AT" dirty="0" smtClean="0"/>
+              <a:rPr lang="de-AT" dirty="0"/>
               <a:t>, I </a:t>
             </a:r>
             <a:r>
-              <a:rPr lang="de-AT" dirty="0" err="1" smtClean="0"/>
+              <a:rPr lang="de-AT" dirty="0" err="1"/>
               <a:t>want</a:t>
             </a:r>
             <a:r>
-              <a:rPr lang="de-AT" dirty="0" smtClean="0"/>
+              <a:rPr lang="de-AT" dirty="0"/>
               <a:t> </a:t>
             </a:r>
             <a:r>
-              <a:rPr lang="de-AT" dirty="0" err="1" smtClean="0"/>
+              <a:rPr lang="de-AT" dirty="0" err="1"/>
               <a:t>to</a:t>
             </a:r>
             <a:r>
-              <a:rPr lang="de-AT" dirty="0" smtClean="0"/>
+              <a:rPr lang="de-AT" dirty="0"/>
               <a:t> </a:t>
             </a:r>
             <a:r>
-              <a:rPr lang="de-AT" dirty="0" err="1" smtClean="0"/>
+              <a:rPr lang="de-AT" dirty="0" err="1"/>
               <a:t>be</a:t>
             </a:r>
             <a:r>
-              <a:rPr lang="de-AT" dirty="0" smtClean="0"/>
+              <a:rPr lang="de-AT" dirty="0"/>
               <a:t> </a:t>
             </a:r>
             <a:r>
-              <a:rPr lang="de-AT" dirty="0" err="1" smtClean="0"/>
+              <a:rPr lang="de-AT" dirty="0" err="1"/>
               <a:t>able</a:t>
             </a:r>
             <a:r>
-              <a:rPr lang="de-AT" dirty="0" smtClean="0"/>
+              <a:rPr lang="de-AT" dirty="0"/>
               <a:t> </a:t>
             </a:r>
             <a:r>
-              <a:rPr lang="de-AT" dirty="0" err="1" smtClean="0"/>
+              <a:rPr lang="de-AT" dirty="0" err="1"/>
               <a:t>to</a:t>
             </a:r>
             <a:r>
-              <a:rPr lang="de-AT" dirty="0" smtClean="0"/>
+              <a:rPr lang="de-AT" dirty="0"/>
               <a:t> </a:t>
             </a:r>
             <a:r>
-              <a:rPr lang="de-AT" dirty="0" err="1" smtClean="0"/>
+              <a:rPr lang="de-AT" dirty="0" err="1"/>
               <a:t>notify</a:t>
             </a:r>
             <a:r>
-              <a:rPr lang="de-AT" dirty="0" smtClean="0"/>
+              <a:rPr lang="de-AT" dirty="0"/>
               <a:t> a </a:t>
             </a:r>
             <a:r>
-              <a:rPr lang="de-AT" dirty="0" err="1" smtClean="0"/>
+              <a:rPr lang="de-AT" dirty="0" err="1"/>
               <a:t>pre-defined</a:t>
             </a:r>
             <a:r>
-              <a:rPr lang="de-AT" dirty="0" smtClean="0"/>
+              <a:rPr lang="de-AT" dirty="0"/>
               <a:t> </a:t>
             </a:r>
             <a:r>
-              <a:rPr lang="de-AT" dirty="0" err="1" smtClean="0"/>
+              <a:rPr lang="de-AT" dirty="0" err="1"/>
               <a:t>list</a:t>
             </a:r>
             <a:r>
-              <a:rPr lang="de-AT" dirty="0" smtClean="0"/>
+              <a:rPr lang="de-AT" dirty="0"/>
               <a:t> </a:t>
             </a:r>
             <a:r>
-              <a:rPr lang="de-AT" dirty="0" err="1" smtClean="0"/>
+              <a:rPr lang="de-AT" dirty="0" err="1"/>
               <a:t>of</a:t>
             </a:r>
             <a:r>
-              <a:rPr lang="de-AT" dirty="0" smtClean="0"/>
+              <a:rPr lang="de-AT" dirty="0"/>
               <a:t> </a:t>
             </a:r>
             <a:r>
-              <a:rPr lang="de-AT" dirty="0" err="1" smtClean="0"/>
+              <a:rPr lang="de-AT" dirty="0" err="1"/>
               <a:t>contacts</a:t>
             </a:r>
             <a:r>
-              <a:rPr lang="de-AT" dirty="0" smtClean="0"/>
+              <a:rPr lang="de-AT" dirty="0"/>
               <a:t> </a:t>
             </a:r>
             <a:r>
-              <a:rPr lang="de-AT" dirty="0" err="1" smtClean="0"/>
+              <a:rPr lang="de-AT" dirty="0" err="1"/>
               <a:t>that</a:t>
             </a:r>
             <a:r>
-              <a:rPr lang="de-AT" dirty="0" smtClean="0"/>
+              <a:rPr lang="de-AT" dirty="0"/>
               <a:t> I </a:t>
             </a:r>
             <a:r>
-              <a:rPr lang="de-AT" dirty="0" err="1" smtClean="0"/>
+              <a:rPr lang="de-AT" dirty="0" err="1"/>
               <a:t>need</a:t>
             </a:r>
             <a:r>
-              <a:rPr lang="de-AT" dirty="0" smtClean="0"/>
+              <a:rPr lang="de-AT" dirty="0"/>
               <a:t> </a:t>
             </a:r>
             <a:r>
-              <a:rPr lang="de-AT" dirty="0" err="1" smtClean="0"/>
+              <a:rPr lang="de-AT" dirty="0" err="1"/>
               <a:t>help</a:t>
             </a:r>
             <a:r>
-              <a:rPr lang="de-AT" dirty="0" smtClean="0"/>
+              <a:rPr lang="de-AT" dirty="0"/>
               <a:t>, </a:t>
             </a:r>
             <a:r>
-              <a:rPr lang="de-AT" dirty="0" err="1" smtClean="0"/>
+              <a:rPr lang="de-AT" dirty="0" err="1"/>
               <a:t>together</a:t>
             </a:r>
             <a:r>
-              <a:rPr lang="de-AT" dirty="0" smtClean="0"/>
+              <a:rPr lang="de-AT" dirty="0"/>
               <a:t> </a:t>
             </a:r>
             <a:r>
-              <a:rPr lang="de-AT" dirty="0" err="1" smtClean="0"/>
+              <a:rPr lang="de-AT" dirty="0" err="1"/>
               <a:t>with</a:t>
             </a:r>
             <a:r>
-              <a:rPr lang="de-AT" dirty="0" smtClean="0"/>
+              <a:rPr lang="de-AT" dirty="0"/>
               <a:t> </a:t>
             </a:r>
             <a:r>
-              <a:rPr lang="de-AT" dirty="0" err="1" smtClean="0"/>
+              <a:rPr lang="de-AT" dirty="0" err="1"/>
               <a:t>my</a:t>
             </a:r>
             <a:r>
-              <a:rPr lang="de-AT" dirty="0" smtClean="0"/>
+              <a:rPr lang="de-AT" dirty="0"/>
               <a:t> last-</a:t>
             </a:r>
             <a:r>
-              <a:rPr lang="de-AT" dirty="0" err="1" smtClean="0"/>
+              <a:rPr lang="de-AT" dirty="0" err="1"/>
               <a:t>known</a:t>
             </a:r>
             <a:r>
-              <a:rPr lang="de-AT" dirty="0" smtClean="0"/>
+              <a:rPr lang="de-AT" dirty="0"/>
               <a:t> </a:t>
             </a:r>
             <a:r>
-              <a:rPr lang="de-AT" dirty="0" err="1" smtClean="0"/>
+              <a:rPr lang="de-AT" dirty="0" err="1"/>
               <a:t>location</a:t>
             </a:r>
             <a:r>
-              <a:rPr lang="de-AT" dirty="0" smtClean="0"/>
+              <a:rPr lang="de-AT" dirty="0"/>
               <a:t> </a:t>
             </a:r>
             <a:r>
-              <a:rPr lang="de-AT" dirty="0" err="1" smtClean="0"/>
+              <a:rPr lang="de-AT" dirty="0" err="1"/>
               <a:t>with</a:t>
             </a:r>
             <a:r>
-              <a:rPr lang="de-AT" dirty="0" smtClean="0"/>
+              <a:rPr lang="de-AT" dirty="0"/>
               <a:t> </a:t>
             </a:r>
             <a:r>
-              <a:rPr lang="de-AT" dirty="0" err="1" smtClean="0"/>
+              <a:rPr lang="de-AT" dirty="0" err="1"/>
               <a:t>the</a:t>
             </a:r>
             <a:r>
-              <a:rPr lang="de-AT" dirty="0" smtClean="0"/>
+              <a:rPr lang="de-AT" dirty="0"/>
               <a:t> </a:t>
             </a:r>
             <a:r>
-              <a:rPr lang="de-AT" dirty="0" err="1" smtClean="0"/>
+              <a:rPr lang="de-AT" dirty="0" err="1"/>
               <a:t>tap</a:t>
             </a:r>
             <a:r>
-              <a:rPr lang="de-AT" dirty="0" smtClean="0"/>
+              <a:rPr lang="de-AT" dirty="0"/>
               <a:t> </a:t>
             </a:r>
             <a:r>
-              <a:rPr lang="de-AT" dirty="0" err="1" smtClean="0"/>
+              <a:rPr lang="de-AT" dirty="0" err="1"/>
               <a:t>of</a:t>
             </a:r>
             <a:r>
-              <a:rPr lang="de-AT" dirty="0" smtClean="0"/>
+              <a:rPr lang="de-AT" dirty="0"/>
               <a:t> </a:t>
             </a:r>
             <a:r>
-              <a:rPr lang="de-AT" dirty="0" err="1" smtClean="0"/>
+              <a:rPr lang="de-AT" dirty="0" err="1"/>
               <a:t>one</a:t>
             </a:r>
             <a:r>
-              <a:rPr lang="de-AT" dirty="0" smtClean="0"/>
+              <a:rPr lang="de-AT" dirty="0"/>
               <a:t> </a:t>
             </a:r>
             <a:r>
-              <a:rPr lang="de-AT" dirty="0" err="1" smtClean="0"/>
+              <a:rPr lang="de-AT" dirty="0" err="1"/>
               <a:t>button</a:t>
             </a:r>
             <a:r>
-              <a:rPr lang="de-AT" dirty="0" smtClean="0"/>
+              <a:rPr lang="de-AT" dirty="0"/>
               <a:t>.</a:t>
             </a:r>
           </a:p>
@@ -23296,130 +23684,7 @@
               </a:spcBef>
               <a:buChar char="●"/>
             </a:pPr>
-            <a:r>
-              <a:rPr lang="de-AT" dirty="0" smtClean="0"/>
-              <a:t>As a </a:t>
-            </a:r>
-            <a:r>
-              <a:rPr lang="de-AT" dirty="0" err="1" smtClean="0"/>
-              <a:t>user</a:t>
-            </a:r>
-            <a:r>
-              <a:rPr lang="de-AT" dirty="0" smtClean="0"/>
-              <a:t>, I </a:t>
-            </a:r>
-            <a:r>
-              <a:rPr lang="de-AT" dirty="0" err="1" smtClean="0"/>
-              <a:t>want</a:t>
-            </a:r>
-            <a:r>
-              <a:rPr lang="de-AT" dirty="0" smtClean="0"/>
-              <a:t> </a:t>
-            </a:r>
-            <a:r>
-              <a:rPr lang="de-AT" dirty="0" err="1" smtClean="0"/>
-              <a:t>to</a:t>
-            </a:r>
-            <a:r>
-              <a:rPr lang="de-AT" dirty="0" smtClean="0"/>
-              <a:t> </a:t>
-            </a:r>
-            <a:r>
-              <a:rPr lang="de-AT" dirty="0" err="1" smtClean="0"/>
-              <a:t>be</a:t>
-            </a:r>
-            <a:r>
-              <a:rPr lang="de-AT" dirty="0" smtClean="0"/>
-              <a:t> </a:t>
-            </a:r>
-            <a:r>
-              <a:rPr lang="de-AT" dirty="0" err="1" smtClean="0"/>
-              <a:t>able</a:t>
-            </a:r>
-            <a:r>
-              <a:rPr lang="de-AT" dirty="0" smtClean="0"/>
-              <a:t> </a:t>
-            </a:r>
-            <a:r>
-              <a:rPr lang="de-AT" dirty="0" err="1" smtClean="0"/>
-              <a:t>to</a:t>
-            </a:r>
-            <a:r>
-              <a:rPr lang="de-AT" dirty="0" smtClean="0"/>
-              <a:t> </a:t>
-            </a:r>
-            <a:r>
-              <a:rPr lang="de-AT" dirty="0" err="1" smtClean="0"/>
-              <a:t>call</a:t>
-            </a:r>
-            <a:r>
-              <a:rPr lang="de-AT" dirty="0" smtClean="0"/>
-              <a:t> </a:t>
-            </a:r>
-            <a:r>
-              <a:rPr lang="de-AT" dirty="0" err="1" smtClean="0"/>
-              <a:t>the</a:t>
-            </a:r>
-            <a:r>
-              <a:rPr lang="de-AT" dirty="0" smtClean="0"/>
-              <a:t> </a:t>
-            </a:r>
-            <a:r>
-              <a:rPr lang="de-AT" dirty="0" err="1" smtClean="0"/>
-              <a:t>police</a:t>
-            </a:r>
-            <a:r>
-              <a:rPr lang="de-AT" dirty="0" smtClean="0"/>
-              <a:t> </a:t>
-            </a:r>
-            <a:r>
-              <a:rPr lang="de-AT" dirty="0" err="1" smtClean="0"/>
-              <a:t>with</a:t>
-            </a:r>
-            <a:r>
-              <a:rPr lang="de-AT" dirty="0" smtClean="0"/>
-              <a:t> </a:t>
-            </a:r>
-            <a:r>
-              <a:rPr lang="de-AT" dirty="0" err="1" smtClean="0"/>
-              <a:t>the</a:t>
-            </a:r>
-            <a:r>
-              <a:rPr lang="de-AT" dirty="0" smtClean="0"/>
-              <a:t> </a:t>
-            </a:r>
-            <a:r>
-              <a:rPr lang="de-AT" dirty="0" err="1" smtClean="0"/>
-              <a:t>tap</a:t>
-            </a:r>
-            <a:r>
-              <a:rPr lang="de-AT" dirty="0" smtClean="0"/>
-              <a:t> </a:t>
-            </a:r>
-            <a:r>
-              <a:rPr lang="de-AT" dirty="0" err="1" smtClean="0"/>
-              <a:t>of</a:t>
-            </a:r>
-            <a:r>
-              <a:rPr lang="de-AT" dirty="0" smtClean="0"/>
-              <a:t> </a:t>
-            </a:r>
-            <a:r>
-              <a:rPr lang="de-AT" dirty="0" err="1" smtClean="0"/>
-              <a:t>one</a:t>
-            </a:r>
-            <a:r>
-              <a:rPr lang="de-AT" dirty="0" smtClean="0"/>
-              <a:t> </a:t>
-            </a:r>
-            <a:r>
-              <a:rPr lang="de-AT" dirty="0" err="1" smtClean="0"/>
-              <a:t>button</a:t>
-            </a:r>
-            <a:r>
-              <a:rPr lang="de-AT" dirty="0" smtClean="0"/>
-              <a:t>.</a:t>
-            </a:r>
+            <a:endParaRPr lang="de-AT" dirty="0"/>
           </a:p>
           <a:p>
             <a:pPr marL="457200" lvl="0" indent="-381000">
@@ -23432,241 +23697,129 @@
               <a:buChar char="●"/>
             </a:pPr>
             <a:r>
-              <a:rPr lang="de-AT" dirty="0" smtClean="0"/>
+              <a:rPr lang="de-AT" dirty="0"/>
               <a:t>As a </a:t>
             </a:r>
             <a:r>
-              <a:rPr lang="de-AT" dirty="0" err="1" smtClean="0"/>
+              <a:rPr lang="de-AT" dirty="0" err="1"/>
               <a:t>user</a:t>
             </a:r>
             <a:r>
-              <a:rPr lang="de-AT" dirty="0" smtClean="0"/>
+              <a:rPr lang="de-AT" dirty="0"/>
               <a:t>, I </a:t>
             </a:r>
             <a:r>
-              <a:rPr lang="de-AT" dirty="0" err="1" smtClean="0"/>
+              <a:rPr lang="de-AT" dirty="0" err="1"/>
               <a:t>want</a:t>
             </a:r>
             <a:r>
-              <a:rPr lang="de-AT" dirty="0" smtClean="0"/>
+              <a:rPr lang="de-AT" dirty="0"/>
               <a:t> </a:t>
             </a:r>
             <a:r>
-              <a:rPr lang="de-AT" dirty="0" err="1" smtClean="0"/>
+              <a:rPr lang="de-AT" dirty="0" err="1"/>
               <a:t>to</a:t>
             </a:r>
             <a:r>
-              <a:rPr lang="de-AT" dirty="0" smtClean="0"/>
+              <a:rPr lang="de-AT" dirty="0"/>
               <a:t> </a:t>
             </a:r>
             <a:r>
-              <a:rPr lang="de-AT" dirty="0" err="1" smtClean="0"/>
-              <a:t>see</a:t>
-            </a:r>
-            <a:r>
-              <a:rPr lang="de-AT" dirty="0" smtClean="0"/>
+              <a:rPr lang="de-AT" dirty="0" err="1"/>
+              <a:t>be</a:t>
+            </a:r>
+            <a:r>
+              <a:rPr lang="de-AT" dirty="0"/>
               <a:t> </a:t>
             </a:r>
             <a:r>
-              <a:rPr lang="de-AT" dirty="0" err="1" smtClean="0"/>
-              <a:t>how</a:t>
-            </a:r>
-            <a:r>
-              <a:rPr lang="de-AT" dirty="0" smtClean="0"/>
+              <a:rPr lang="de-AT" dirty="0" err="1"/>
+              <a:t>able</a:t>
+            </a:r>
+            <a:r>
+              <a:rPr lang="de-AT" dirty="0"/>
               <a:t> </a:t>
             </a:r>
             <a:r>
-              <a:rPr lang="de-AT" dirty="0" err="1" smtClean="0"/>
-              <a:t>far</a:t>
-            </a:r>
-            <a:r>
-              <a:rPr lang="de-AT" dirty="0" smtClean="0"/>
+              <a:rPr lang="de-AT" dirty="0" err="1"/>
+              <a:t>to</a:t>
+            </a:r>
+            <a:r>
+              <a:rPr lang="de-AT" dirty="0"/>
               <a:t> </a:t>
             </a:r>
             <a:r>
-              <a:rPr lang="de-AT" dirty="0" err="1" smtClean="0"/>
-              <a:t>away</a:t>
-            </a:r>
-            <a:r>
-              <a:rPr lang="de-AT" dirty="0" smtClean="0"/>
+              <a:rPr lang="de-AT" dirty="0" err="1"/>
+              <a:t>call</a:t>
+            </a:r>
+            <a:r>
+              <a:rPr lang="de-AT" dirty="0"/>
               <a:t> </a:t>
             </a:r>
             <a:r>
-              <a:rPr lang="de-AT" dirty="0" err="1" smtClean="0"/>
+              <a:rPr lang="de-AT" dirty="0" err="1"/>
               <a:t>the</a:t>
             </a:r>
             <a:r>
-              <a:rPr lang="de-AT" dirty="0" smtClean="0"/>
+              <a:rPr lang="de-AT" dirty="0"/>
               <a:t> </a:t>
             </a:r>
             <a:r>
-              <a:rPr lang="de-AT" dirty="0" err="1" smtClean="0"/>
-              <a:t>nearest</a:t>
-            </a:r>
-            <a:r>
-              <a:rPr lang="de-AT" dirty="0" smtClean="0"/>
+              <a:rPr lang="de-AT" dirty="0" err="1"/>
+              <a:t>police</a:t>
+            </a:r>
+            <a:r>
+              <a:rPr lang="de-AT" dirty="0"/>
               <a:t> </a:t>
             </a:r>
             <a:r>
-              <a:rPr lang="de-AT" dirty="0" err="1" smtClean="0"/>
-              <a:t>police</a:t>
-            </a:r>
-            <a:r>
-              <a:rPr lang="de-AT" dirty="0" smtClean="0"/>
+              <a:rPr lang="de-AT" dirty="0" err="1"/>
+              <a:t>with</a:t>
+            </a:r>
+            <a:r>
+              <a:rPr lang="de-AT" dirty="0"/>
               <a:t> </a:t>
             </a:r>
             <a:r>
-              <a:rPr lang="de-AT" dirty="0" err="1" smtClean="0"/>
-              <a:t>station</a:t>
-            </a:r>
-            <a:r>
-              <a:rPr lang="de-AT" dirty="0" smtClean="0"/>
+              <a:rPr lang="de-AT" dirty="0" err="1"/>
+              <a:t>the</a:t>
+            </a:r>
+            <a:r>
+              <a:rPr lang="de-AT" dirty="0"/>
               <a:t> </a:t>
             </a:r>
             <a:r>
-              <a:rPr lang="de-AT" dirty="0" err="1" smtClean="0"/>
-              <a:t>is</a:t>
-            </a:r>
-            <a:r>
-              <a:rPr lang="de-AT" dirty="0" smtClean="0"/>
+              <a:rPr lang="de-AT" dirty="0" err="1"/>
+              <a:t>tap</a:t>
+            </a:r>
+            <a:r>
+              <a:rPr lang="de-AT" dirty="0"/>
+              <a:t> </a:t>
+            </a:r>
+            <a:r>
+              <a:rPr lang="de-AT" dirty="0" err="1"/>
+              <a:t>of</a:t>
+            </a:r>
+            <a:r>
+              <a:rPr lang="de-AT" dirty="0"/>
+              <a:t> </a:t>
+            </a:r>
+            <a:r>
+              <a:rPr lang="de-AT" dirty="0" err="1"/>
+              <a:t>one</a:t>
+            </a:r>
+            <a:r>
+              <a:rPr lang="de-AT" dirty="0"/>
+              <a:t> </a:t>
+            </a:r>
+            <a:r>
+              <a:rPr lang="de-AT" dirty="0" err="1"/>
+              <a:t>button</a:t>
+            </a:r>
+            <a:r>
+              <a:rPr lang="de-AT" dirty="0"/>
               <a:t>.</a:t>
             </a:r>
-          </a:p>
-          <a:p>
-            <a:pPr marL="457200" lvl="0" indent="-381000">
-              <a:lnSpc>
-                <a:spcPct val="115000"/>
-              </a:lnSpc>
-              <a:spcBef>
-                <a:spcPts val="0"/>
-              </a:spcBef>
-              <a:buChar char="●"/>
-            </a:pPr>
-            <a:r>
-              <a:rPr lang="de-AT" dirty="0" smtClean="0"/>
-              <a:t>As a </a:t>
-            </a:r>
-            <a:r>
-              <a:rPr lang="de-AT" dirty="0" err="1" smtClean="0"/>
-              <a:t>user</a:t>
-            </a:r>
-            <a:r>
-              <a:rPr lang="de-AT" dirty="0" smtClean="0"/>
-              <a:t>, I </a:t>
-            </a:r>
-            <a:r>
-              <a:rPr lang="de-AT" dirty="0" err="1" smtClean="0"/>
-              <a:t>want</a:t>
-            </a:r>
-            <a:r>
-              <a:rPr lang="de-AT" dirty="0" smtClean="0"/>
-              <a:t> </a:t>
-            </a:r>
-            <a:r>
-              <a:rPr lang="de-AT" dirty="0" err="1" smtClean="0"/>
-              <a:t>that</a:t>
-            </a:r>
-            <a:r>
-              <a:rPr lang="de-AT" dirty="0" smtClean="0"/>
-              <a:t> </a:t>
-            </a:r>
-            <a:r>
-              <a:rPr lang="de-AT" dirty="0" err="1" smtClean="0"/>
-              <a:t>my</a:t>
-            </a:r>
-            <a:r>
-              <a:rPr lang="de-AT" dirty="0" smtClean="0"/>
-              <a:t> </a:t>
-            </a:r>
-            <a:r>
-              <a:rPr lang="de-AT" dirty="0" err="1" smtClean="0"/>
-              <a:t>emergency</a:t>
-            </a:r>
-            <a:r>
-              <a:rPr lang="de-AT" dirty="0" smtClean="0"/>
-              <a:t> </a:t>
-            </a:r>
-            <a:r>
-              <a:rPr lang="de-AT" dirty="0" err="1" smtClean="0"/>
-              <a:t>contacts</a:t>
-            </a:r>
-            <a:r>
-              <a:rPr lang="de-AT" dirty="0" smtClean="0"/>
-              <a:t> </a:t>
-            </a:r>
-            <a:r>
-              <a:rPr lang="de-AT" dirty="0" err="1" smtClean="0"/>
-              <a:t>are</a:t>
-            </a:r>
-            <a:r>
-              <a:rPr lang="de-AT" dirty="0" smtClean="0"/>
-              <a:t> </a:t>
-            </a:r>
-            <a:r>
-              <a:rPr lang="de-AT" dirty="0" err="1" smtClean="0"/>
-              <a:t>alerted</a:t>
-            </a:r>
-            <a:r>
-              <a:rPr lang="de-AT" dirty="0" smtClean="0"/>
-              <a:t> in </a:t>
-            </a:r>
-            <a:r>
-              <a:rPr lang="de-AT" dirty="0" err="1" smtClean="0"/>
-              <a:t>case</a:t>
-            </a:r>
-            <a:r>
-              <a:rPr lang="de-AT" dirty="0" smtClean="0"/>
-              <a:t> </a:t>
-            </a:r>
-            <a:r>
-              <a:rPr lang="de-AT" dirty="0" err="1" smtClean="0"/>
-              <a:t>my</a:t>
-            </a:r>
-            <a:r>
-              <a:rPr lang="de-AT" dirty="0" smtClean="0"/>
-              <a:t> </a:t>
-            </a:r>
-            <a:r>
-              <a:rPr lang="de-AT" dirty="0" err="1" smtClean="0"/>
-              <a:t>heartrate</a:t>
-            </a:r>
-            <a:r>
-              <a:rPr lang="de-AT" dirty="0" smtClean="0"/>
-              <a:t> </a:t>
-            </a:r>
-            <a:r>
-              <a:rPr lang="de-AT" dirty="0" err="1" smtClean="0"/>
-              <a:t>rises</a:t>
-            </a:r>
-            <a:r>
-              <a:rPr lang="de-AT" dirty="0" smtClean="0"/>
-              <a:t> </a:t>
-            </a:r>
-            <a:r>
-              <a:rPr lang="de-AT" dirty="0" err="1" smtClean="0"/>
-              <a:t>above</a:t>
-            </a:r>
-            <a:r>
-              <a:rPr lang="de-AT" dirty="0" smtClean="0"/>
-              <a:t> a </a:t>
-            </a:r>
-            <a:r>
-              <a:rPr lang="de-AT" dirty="0" err="1" smtClean="0"/>
-              <a:t>pre-defined</a:t>
-            </a:r>
-            <a:r>
-              <a:rPr lang="de-AT" dirty="0" smtClean="0"/>
-              <a:t> </a:t>
-            </a:r>
-            <a:r>
-              <a:rPr lang="de-AT" dirty="0" err="1" smtClean="0"/>
-              <a:t>threshold</a:t>
-            </a:r>
-            <a:r>
-              <a:rPr lang="de-AT" dirty="0" smtClean="0"/>
-              <a:t>.</a:t>
-            </a:r>
-            <a:endParaRPr lang="de-AT" dirty="0"/>
           </a:p>
           <a:p>
             <a:pPr lvl="0" rtl="0">
@@ -23862,7 +24015,7 @@
   <p:cSld>
     <p:spTree>
       <p:nvGrpSpPr>
-        <p:cNvPr id="1" name="Shape 176"/>
+        <p:cNvPr id="1" name="Shape 167"/>
         <p:cNvGrpSpPr/>
         <p:nvPr/>
       </p:nvGrpSpPr>
@@ -23876,7 +24029,418 @@
       </p:grpSpPr>
       <p:sp>
         <p:nvSpPr>
-          <p:cNvPr id="177" name="Shape 177"/>
+          <p:cNvPr id="168" name="Shape 168"/>
+          <p:cNvSpPr txBox="1">
+            <a:spLocks noGrp="1"/>
+          </p:cNvSpPr>
+          <p:nvPr>
+            <p:ph type="title"/>
+          </p:nvPr>
+        </p:nvSpPr>
+        <p:spPr>
+          <a:xfrm>
+            <a:off x="269875" y="1090515"/>
+            <a:ext cx="8602200" cy="1143000"/>
+          </a:xfrm>
+          <a:prstGeom prst="rect">
+            <a:avLst/>
+          </a:prstGeom>
+          <a:noFill/>
+          <a:ln>
+            <a:noFill/>
+          </a:ln>
+        </p:spPr>
+        <p:txBody>
+          <a:bodyPr wrap="square" lIns="91425" tIns="45700" rIns="91425" bIns="45700" anchor="b" anchorCtr="0">
+            <a:noAutofit/>
+          </a:bodyPr>
+          <a:lstStyle/>
+          <a:p>
+            <a:pPr marL="0" marR="0" lvl="0" indent="-203200" algn="l" rtl="0">
+              <a:spcBef>
+                <a:spcPts val="0"/>
+              </a:spcBef>
+              <a:buClr>
+                <a:schemeClr val="dk1"/>
+              </a:buClr>
+              <a:buSzPct val="100000"/>
+              <a:buFont typeface="Calibri"/>
+              <a:buNone/>
+            </a:pPr>
+            <a:r>
+              <a:rPr lang="de-AT" sz="3200" b="1" i="0" u="none" strike="noStrike" cap="none" dirty="0">
+                <a:solidFill>
+                  <a:schemeClr val="dk1"/>
+                </a:solidFill>
+                <a:latin typeface="Calibri"/>
+                <a:ea typeface="Calibri"/>
+                <a:cs typeface="Calibri"/>
+                <a:sym typeface="Calibri"/>
+              </a:rPr>
+              <a:t>User Stories </a:t>
+            </a:r>
+            <a:r>
+              <a:rPr lang="de-AT" sz="3200" b="1" i="0" u="none" strike="noStrike" cap="none" dirty="0" err="1">
+                <a:solidFill>
+                  <a:schemeClr val="dk1"/>
+                </a:solidFill>
+                <a:latin typeface="Calibri"/>
+                <a:ea typeface="Calibri"/>
+                <a:cs typeface="Calibri"/>
+                <a:sym typeface="Calibri"/>
+              </a:rPr>
+              <a:t>ctd</a:t>
+            </a:r>
+            <a:r>
+              <a:rPr lang="de-AT" sz="3200" b="1" i="0" u="none" strike="noStrike" cap="none" dirty="0">
+                <a:solidFill>
+                  <a:schemeClr val="dk1"/>
+                </a:solidFill>
+                <a:latin typeface="Calibri"/>
+                <a:ea typeface="Calibri"/>
+                <a:cs typeface="Calibri"/>
+                <a:sym typeface="Calibri"/>
+              </a:rPr>
+              <a:t>. </a:t>
+            </a:r>
+          </a:p>
+        </p:txBody>
+      </p:sp>
+      <p:sp>
+        <p:nvSpPr>
+          <p:cNvPr id="169" name="Shape 169"/>
+          <p:cNvSpPr txBox="1">
+            <a:spLocks noGrp="1"/>
+          </p:cNvSpPr>
+          <p:nvPr>
+            <p:ph type="body" idx="1"/>
+          </p:nvPr>
+        </p:nvSpPr>
+        <p:spPr>
+          <a:xfrm>
+            <a:off x="269875" y="2344057"/>
+            <a:ext cx="8604300" cy="3748800"/>
+          </a:xfrm>
+          <a:prstGeom prst="rect">
+            <a:avLst/>
+          </a:prstGeom>
+          <a:noFill/>
+          <a:ln>
+            <a:noFill/>
+          </a:ln>
+        </p:spPr>
+        <p:txBody>
+          <a:bodyPr wrap="square" lIns="91425" tIns="45700" rIns="91425" bIns="45700" anchor="t" anchorCtr="0">
+            <a:noAutofit/>
+          </a:bodyPr>
+          <a:lstStyle/>
+          <a:p>
+            <a:pPr marL="457200" lvl="0" indent="-381000">
+              <a:lnSpc>
+                <a:spcPct val="115000"/>
+              </a:lnSpc>
+              <a:spcBef>
+                <a:spcPts val="0"/>
+              </a:spcBef>
+              <a:buChar char="●"/>
+            </a:pPr>
+            <a:r>
+              <a:rPr lang="de-AT" dirty="0"/>
+              <a:t>As a </a:t>
+            </a:r>
+            <a:r>
+              <a:rPr lang="de-AT" dirty="0" err="1"/>
+              <a:t>user</a:t>
+            </a:r>
+            <a:r>
+              <a:rPr lang="de-AT" dirty="0"/>
+              <a:t>, I </a:t>
+            </a:r>
+            <a:r>
+              <a:rPr lang="de-AT" dirty="0" err="1"/>
+              <a:t>want</a:t>
+            </a:r>
+            <a:r>
+              <a:rPr lang="de-AT" dirty="0"/>
+              <a:t> </a:t>
+            </a:r>
+            <a:r>
+              <a:rPr lang="de-AT" dirty="0" err="1"/>
+              <a:t>to</a:t>
+            </a:r>
+            <a:r>
+              <a:rPr lang="de-AT" dirty="0"/>
+              <a:t> </a:t>
+            </a:r>
+            <a:r>
+              <a:rPr lang="de-AT" dirty="0" err="1"/>
+              <a:t>see</a:t>
+            </a:r>
+            <a:r>
+              <a:rPr lang="de-AT" dirty="0"/>
+              <a:t> </a:t>
+            </a:r>
+            <a:r>
+              <a:rPr lang="de-AT" dirty="0" err="1"/>
+              <a:t>how</a:t>
+            </a:r>
+            <a:r>
+              <a:rPr lang="de-AT" dirty="0"/>
+              <a:t> </a:t>
+            </a:r>
+            <a:r>
+              <a:rPr lang="de-AT" dirty="0" err="1"/>
+              <a:t>far</a:t>
+            </a:r>
+            <a:r>
+              <a:rPr lang="de-AT" dirty="0"/>
+              <a:t> </a:t>
+            </a:r>
+            <a:r>
+              <a:rPr lang="de-AT" dirty="0" err="1"/>
+              <a:t>away</a:t>
+            </a:r>
+            <a:r>
+              <a:rPr lang="de-AT" dirty="0"/>
+              <a:t> </a:t>
+            </a:r>
+            <a:r>
+              <a:rPr lang="de-AT" dirty="0" err="1"/>
+              <a:t>the</a:t>
+            </a:r>
+            <a:r>
+              <a:rPr lang="de-AT" dirty="0"/>
+              <a:t> </a:t>
+            </a:r>
+            <a:r>
+              <a:rPr lang="de-AT" dirty="0" err="1"/>
+              <a:t>nearest</a:t>
+            </a:r>
+            <a:r>
+              <a:rPr lang="de-AT" dirty="0"/>
+              <a:t> </a:t>
+            </a:r>
+            <a:r>
+              <a:rPr lang="de-AT" dirty="0" err="1"/>
+              <a:t>police</a:t>
+            </a:r>
+            <a:r>
+              <a:rPr lang="de-AT" dirty="0"/>
+              <a:t> </a:t>
+            </a:r>
+            <a:r>
+              <a:rPr lang="de-AT" dirty="0" err="1"/>
+              <a:t>station</a:t>
+            </a:r>
+            <a:r>
+              <a:rPr lang="de-AT" dirty="0"/>
+              <a:t> </a:t>
+            </a:r>
+            <a:r>
+              <a:rPr lang="de-AT" dirty="0" err="1"/>
+              <a:t>is</a:t>
+            </a:r>
+            <a:r>
+              <a:rPr lang="de-AT"/>
+              <a:t>.</a:t>
+            </a:r>
+          </a:p>
+          <a:p>
+            <a:pPr marL="457200" lvl="0" indent="-381000">
+              <a:lnSpc>
+                <a:spcPct val="115000"/>
+              </a:lnSpc>
+              <a:spcBef>
+                <a:spcPts val="0"/>
+              </a:spcBef>
+              <a:buChar char="●"/>
+            </a:pPr>
+            <a:endParaRPr lang="de-AT" dirty="0"/>
+          </a:p>
+          <a:p>
+            <a:pPr marL="457200" lvl="0" indent="-381000">
+              <a:lnSpc>
+                <a:spcPct val="115000"/>
+              </a:lnSpc>
+              <a:spcBef>
+                <a:spcPts val="0"/>
+              </a:spcBef>
+              <a:buChar char="●"/>
+            </a:pPr>
+            <a:r>
+              <a:rPr lang="de-AT" dirty="0"/>
+              <a:t>As a </a:t>
+            </a:r>
+            <a:r>
+              <a:rPr lang="de-AT" dirty="0" err="1"/>
+              <a:t>user</a:t>
+            </a:r>
+            <a:r>
+              <a:rPr lang="de-AT" dirty="0"/>
+              <a:t>, I </a:t>
+            </a:r>
+            <a:r>
+              <a:rPr lang="de-AT" dirty="0" err="1"/>
+              <a:t>want</a:t>
+            </a:r>
+            <a:r>
+              <a:rPr lang="de-AT" dirty="0"/>
+              <a:t> </a:t>
+            </a:r>
+            <a:r>
+              <a:rPr lang="de-AT" dirty="0" err="1"/>
+              <a:t>my</a:t>
+            </a:r>
+            <a:r>
+              <a:rPr lang="de-AT" dirty="0"/>
+              <a:t> </a:t>
+            </a:r>
+            <a:r>
+              <a:rPr lang="de-AT" dirty="0" err="1"/>
+              <a:t>emergency</a:t>
+            </a:r>
+            <a:r>
+              <a:rPr lang="de-AT" dirty="0"/>
+              <a:t> </a:t>
+            </a:r>
+            <a:r>
+              <a:rPr lang="de-AT" dirty="0" err="1"/>
+              <a:t>contacts</a:t>
+            </a:r>
+            <a:r>
+              <a:rPr lang="de-AT" dirty="0"/>
+              <a:t> </a:t>
+            </a:r>
+            <a:r>
+              <a:rPr lang="de-AT" dirty="0" err="1"/>
+              <a:t>to</a:t>
+            </a:r>
+            <a:r>
+              <a:rPr lang="de-AT" dirty="0"/>
+              <a:t> </a:t>
+            </a:r>
+            <a:r>
+              <a:rPr lang="de-AT" dirty="0" err="1"/>
+              <a:t>be</a:t>
+            </a:r>
+            <a:r>
+              <a:rPr lang="de-AT" dirty="0"/>
+              <a:t> </a:t>
+            </a:r>
+            <a:r>
+              <a:rPr lang="de-AT" dirty="0" err="1"/>
+              <a:t>alerted</a:t>
+            </a:r>
+            <a:r>
+              <a:rPr lang="de-AT" dirty="0"/>
+              <a:t> in </a:t>
+            </a:r>
+            <a:r>
+              <a:rPr lang="de-AT" dirty="0" err="1"/>
+              <a:t>case</a:t>
+            </a:r>
+            <a:r>
+              <a:rPr lang="de-AT" dirty="0"/>
+              <a:t> </a:t>
+            </a:r>
+            <a:r>
+              <a:rPr lang="de-AT" dirty="0" err="1"/>
+              <a:t>my</a:t>
+            </a:r>
+            <a:r>
+              <a:rPr lang="de-AT" dirty="0"/>
+              <a:t> </a:t>
+            </a:r>
+            <a:r>
+              <a:rPr lang="de-AT" dirty="0" err="1"/>
+              <a:t>heart</a:t>
+            </a:r>
+            <a:r>
+              <a:rPr lang="de-AT" dirty="0"/>
+              <a:t> </a:t>
+            </a:r>
+            <a:r>
+              <a:rPr lang="de-AT" dirty="0" err="1"/>
+              <a:t>stops</a:t>
+            </a:r>
+            <a:r>
+              <a:rPr lang="de-AT" dirty="0"/>
+              <a:t> </a:t>
+            </a:r>
+            <a:r>
+              <a:rPr lang="de-AT" dirty="0" err="1"/>
+              <a:t>or</a:t>
+            </a:r>
+            <a:r>
+              <a:rPr lang="de-AT" dirty="0"/>
+              <a:t> </a:t>
+            </a:r>
+            <a:r>
+              <a:rPr lang="de-AT" dirty="0" err="1"/>
+              <a:t>the</a:t>
+            </a:r>
+            <a:r>
+              <a:rPr lang="de-AT" dirty="0"/>
+              <a:t> </a:t>
+            </a:r>
+            <a:r>
+              <a:rPr lang="de-AT" dirty="0" err="1"/>
+              <a:t>heartrate</a:t>
+            </a:r>
+            <a:r>
+              <a:rPr lang="de-AT" dirty="0"/>
+              <a:t> </a:t>
+            </a:r>
+            <a:r>
+              <a:rPr lang="de-AT" dirty="0" err="1"/>
+              <a:t>rises</a:t>
+            </a:r>
+            <a:r>
+              <a:rPr lang="de-AT" dirty="0"/>
+              <a:t> </a:t>
+            </a:r>
+            <a:r>
+              <a:rPr lang="de-AT" dirty="0" err="1"/>
+              <a:t>above</a:t>
+            </a:r>
+            <a:r>
+              <a:rPr lang="de-AT" dirty="0"/>
+              <a:t> a </a:t>
+            </a:r>
+            <a:r>
+              <a:rPr lang="de-AT" dirty="0" err="1"/>
+              <a:t>pre-defined</a:t>
+            </a:r>
+            <a:r>
+              <a:rPr lang="de-AT" dirty="0"/>
+              <a:t> </a:t>
+            </a:r>
+            <a:r>
+              <a:rPr lang="de-AT" dirty="0" err="1"/>
+              <a:t>threshold</a:t>
+            </a:r>
+            <a:r>
+              <a:rPr lang="de-AT" dirty="0"/>
+              <a:t>.</a:t>
+            </a:r>
+          </a:p>
+          <a:p>
+            <a:pPr lvl="0" rtl="0">
+              <a:lnSpc>
+                <a:spcPct val="115000"/>
+              </a:lnSpc>
+              <a:spcBef>
+                <a:spcPts val="0"/>
+              </a:spcBef>
+              <a:buNone/>
+            </a:pPr>
+            <a:endParaRPr dirty="0"/>
+          </a:p>
+        </p:txBody>
+      </p:sp>
+      <p:sp>
+        <p:nvSpPr>
+          <p:cNvPr id="170" name="Shape 170"/>
           <p:cNvSpPr txBox="1">
             <a:spLocks noGrp="1"/>
           </p:cNvSpPr>
@@ -23887,7 +24451,7 @@
         <p:spPr>
           <a:xfrm>
             <a:off x="264980" y="6356350"/>
-            <a:ext cx="2133600" cy="365125"/>
+            <a:ext cx="2133600" cy="365100"/>
           </a:xfrm>
           <a:prstGeom prst="rect">
             <a:avLst/>
@@ -23927,7 +24491,7 @@
       </p:sp>
       <p:sp>
         <p:nvSpPr>
-          <p:cNvPr id="178" name="Shape 178"/>
+          <p:cNvPr id="171" name="Shape 171"/>
           <p:cNvSpPr txBox="1">
             <a:spLocks noGrp="1"/>
           </p:cNvSpPr>
@@ -23962,7 +24526,7 @@
               <a:buNone/>
             </a:pPr>
             <a:r>
-              <a:rPr lang="de-AT" sz="1000" dirty="0" smtClean="0">
+              <a:rPr lang="de-AT" sz="1000">
                 <a:solidFill>
                   <a:srgbClr val="888888"/>
                 </a:solidFill>
@@ -23973,21 +24537,12 @@
               </a:rPr>
               <a:t>IMS16</a:t>
             </a:r>
-            <a:endParaRPr lang="de-AT" sz="1000" dirty="0">
-              <a:solidFill>
-                <a:srgbClr val="888888"/>
-              </a:solidFill>
-              <a:latin typeface="Calibri"/>
-              <a:ea typeface="Calibri"/>
-              <a:cs typeface="Calibri"/>
-              <a:sym typeface="Calibri"/>
-            </a:endParaRPr>
           </a:p>
         </p:txBody>
       </p:sp>
       <p:sp>
         <p:nvSpPr>
-          <p:cNvPr id="179" name="Shape 179"/>
+          <p:cNvPr id="172" name="Shape 172"/>
           <p:cNvSpPr txBox="1">
             <a:spLocks noGrp="1"/>
           </p:cNvSpPr>
@@ -23998,7 +24553,7 @@
         <p:spPr>
           <a:xfrm>
             <a:off x="6738555" y="6356350"/>
-            <a:ext cx="2133600" cy="365125"/>
+            <a:ext cx="2133600" cy="365100"/>
           </a:xfrm>
           <a:prstGeom prst="rect">
             <a:avLst/>
@@ -24045,34 +24600,12 @@
           </a:p>
         </p:txBody>
       </p:sp>
-      <p:pic>
-        <p:nvPicPr>
-          <p:cNvPr id="180" name="Shape 180"/>
-          <p:cNvPicPr preferRelativeResize="0"/>
-          <p:nvPr/>
-        </p:nvPicPr>
-        <p:blipFill rotWithShape="1">
-          <a:blip r:embed="rId3">
-            <a:alphaModFix/>
-          </a:blip>
-          <a:srcRect t="-8936" b="14068"/>
-          <a:stretch/>
-        </p:blipFill>
-        <p:spPr>
-          <a:xfrm>
-            <a:off x="2603895" y="765938"/>
-            <a:ext cx="3484976" cy="5538250"/>
-          </a:xfrm>
-          <a:prstGeom prst="rect">
-            <a:avLst/>
-          </a:prstGeom>
-          <a:noFill/>
-          <a:ln>
-            <a:noFill/>
-          </a:ln>
-        </p:spPr>
-      </p:pic>
     </p:spTree>
+    <p:extLst>
+      <p:ext uri="{BB962C8B-B14F-4D97-AF65-F5344CB8AC3E}">
+        <p14:creationId xmlns:p14="http://schemas.microsoft.com/office/powerpoint/2010/main" val="1392398344"/>
+      </p:ext>
+    </p:extLst>
   </p:cSld>
   <p:clrMapOvr>
     <a:masterClrMapping/>
@@ -24185,7 +24718,7 @@
               <a:buNone/>
             </a:pPr>
             <a:r>
-              <a:rPr lang="de-AT" sz="1000" dirty="0" smtClean="0">
+              <a:rPr lang="de-AT" sz="1000" dirty="0">
                 <a:solidFill>
                   <a:srgbClr val="888888"/>
                 </a:solidFill>
@@ -24196,15 +24729,6 @@
               </a:rPr>
               <a:t>IMS16</a:t>
             </a:r>
-            <a:endParaRPr lang="de-AT" sz="1000" dirty="0">
-              <a:solidFill>
-                <a:srgbClr val="888888"/>
-              </a:solidFill>
-              <a:latin typeface="Calibri"/>
-              <a:ea typeface="Calibri"/>
-              <a:cs typeface="Calibri"/>
-              <a:sym typeface="Calibri"/>
-            </a:endParaRPr>
           </a:p>
         </p:txBody>
       </p:sp>
@@ -24270,7 +24794,7 @@
       </p:sp>
       <p:pic>
         <p:nvPicPr>
-          <p:cNvPr id="181" name="Shape 181"/>
+          <p:cNvPr id="180" name="Shape 180"/>
           <p:cNvPicPr preferRelativeResize="0"/>
           <p:nvPr/>
         </p:nvPicPr>
@@ -24278,13 +24802,13 @@
           <a:blip r:embed="rId3">
             <a:alphaModFix/>
           </a:blip>
-          <a:srcRect t="-7210" b="7210"/>
+          <a:srcRect t="-8936" b="14068"/>
           <a:stretch/>
         </p:blipFill>
         <p:spPr>
           <a:xfrm>
-            <a:off x="2962340" y="860200"/>
-            <a:ext cx="3306101" cy="5443973"/>
+            <a:off x="2603895" y="765938"/>
+            <a:ext cx="3484976" cy="5538250"/>
           </a:xfrm>
           <a:prstGeom prst="rect">
             <a:avLst/>
@@ -24296,11 +24820,6 @@
         </p:spPr>
       </p:pic>
     </p:spTree>
-    <p:extLst>
-      <p:ext uri="{BB962C8B-B14F-4D97-AF65-F5344CB8AC3E}">
-        <p14:creationId xmlns:p14="http://schemas.microsoft.com/office/powerpoint/2010/main" val="3925748778"/>
-      </p:ext>
-    </p:extLst>
   </p:cSld>
   <p:clrMapOvr>
     <a:masterClrMapping/>

--- a/presentations/01_idea_emergency_alerter.pptx
+++ b/presentations/01_idea_emergency_alerter.pptx
@@ -5,22 +5,21 @@
     <p:sldMasterId id="2147483665" r:id="rId1"/>
   </p:sldMasterIdLst>
   <p:notesMasterIdLst>
-    <p:notesMasterId r:id="rId15"/>
+    <p:notesMasterId r:id="rId14"/>
   </p:notesMasterIdLst>
   <p:sldIdLst>
     <p:sldId id="256" r:id="rId2"/>
-    <p:sldId id="257" r:id="rId3"/>
-    <p:sldId id="258" r:id="rId4"/>
-    <p:sldId id="264" r:id="rId5"/>
-    <p:sldId id="259" r:id="rId6"/>
-    <p:sldId id="260" r:id="rId7"/>
-    <p:sldId id="269" r:id="rId8"/>
-    <p:sldId id="270" r:id="rId9"/>
-    <p:sldId id="261" r:id="rId10"/>
-    <p:sldId id="266" r:id="rId11"/>
-    <p:sldId id="267" r:id="rId12"/>
-    <p:sldId id="268" r:id="rId13"/>
-    <p:sldId id="263" r:id="rId14"/>
+    <p:sldId id="258" r:id="rId3"/>
+    <p:sldId id="264" r:id="rId4"/>
+    <p:sldId id="259" r:id="rId5"/>
+    <p:sldId id="260" r:id="rId6"/>
+    <p:sldId id="269" r:id="rId7"/>
+    <p:sldId id="270" r:id="rId8"/>
+    <p:sldId id="261" r:id="rId9"/>
+    <p:sldId id="266" r:id="rId10"/>
+    <p:sldId id="267" r:id="rId11"/>
+    <p:sldId id="268" r:id="rId12"/>
+    <p:sldId id="263" r:id="rId13"/>
   </p:sldIdLst>
   <p:sldSz cx="9144000" cy="6858000" type="screen4x3"/>
   <p:notesSz cx="6858000" cy="9144000"/>
@@ -228,7 +227,7 @@
   </p:defaultTextStyle>
   <p:extLst>
     <p:ext uri="{EFAFB233-063F-42B5-8137-9DF3F51BA10A}">
-      <p15:sldGuideLst xmlns:p15="http://schemas.microsoft.com/office/powerpoint/2012/main">
+      <p15:sldGuideLst xmlns:p15="http://schemas.microsoft.com/office/powerpoint/2012/main" xmlns="">
         <p15:guide id="1" orient="horz" pos="2160">
           <p15:clr>
             <a:srgbClr val="A4A3A4"/>
@@ -1464,107 +1463,6 @@
   <p:cSld>
     <p:spTree>
       <p:nvGrpSpPr>
-        <p:cNvPr id="1" name="Shape 173"/>
-        <p:cNvGrpSpPr/>
-        <p:nvPr/>
-      </p:nvGrpSpPr>
-      <p:grpSpPr>
-        <a:xfrm>
-          <a:off x="0" y="0"/>
-          <a:ext cx="0" cy="0"/>
-          <a:chOff x="0" y="0"/>
-          <a:chExt cx="0" cy="0"/>
-        </a:xfrm>
-      </p:grpSpPr>
-      <p:sp>
-        <p:nvSpPr>
-          <p:cNvPr id="174" name="Shape 174"/>
-          <p:cNvSpPr txBox="1">
-            <a:spLocks noGrp="1"/>
-          </p:cNvSpPr>
-          <p:nvPr>
-            <p:ph type="body" idx="1"/>
-          </p:nvPr>
-        </p:nvSpPr>
-        <p:spPr>
-          <a:xfrm>
-            <a:off x="685800" y="4343400"/>
-            <a:ext cx="5486400" cy="4114800"/>
-          </a:xfrm>
-          <a:prstGeom prst="rect">
-            <a:avLst/>
-          </a:prstGeom>
-        </p:spPr>
-        <p:txBody>
-          <a:bodyPr wrap="square" lIns="91425" tIns="91425" rIns="91425" bIns="91425" anchor="t" anchorCtr="0">
-            <a:noAutofit/>
-          </a:bodyPr>
-          <a:lstStyle/>
-          <a:p>
-            <a:pPr lvl="0">
-              <a:spcBef>
-                <a:spcPts val="0"/>
-              </a:spcBef>
-              <a:buNone/>
-            </a:pPr>
-            <a:endParaRPr/>
-          </a:p>
-        </p:txBody>
-      </p:sp>
-      <p:sp>
-        <p:nvSpPr>
-          <p:cNvPr id="175" name="Shape 175"/>
-          <p:cNvSpPr>
-            <a:spLocks noGrp="1" noRot="1" noChangeAspect="1"/>
-          </p:cNvSpPr>
-          <p:nvPr>
-            <p:ph type="sldImg" idx="2"/>
-          </p:nvPr>
-        </p:nvSpPr>
-        <p:spPr>
-          <a:xfrm>
-            <a:off x="1143000" y="685800"/>
-            <a:ext cx="4572000" cy="3429000"/>
-          </a:xfrm>
-          <a:custGeom>
-            <a:avLst/>
-            <a:gdLst/>
-            <a:ahLst/>
-            <a:cxnLst/>
-            <a:rect l="0" t="0" r="0" b="0"/>
-            <a:pathLst>
-              <a:path w="120000" h="120000" extrusionOk="0">
-                <a:moveTo>
-                  <a:pt x="0" y="0"/>
-                </a:moveTo>
-                <a:lnTo>
-                  <a:pt x="120000" y="0"/>
-                </a:lnTo>
-                <a:lnTo>
-                  <a:pt x="120000" y="120000"/>
-                </a:lnTo>
-                <a:lnTo>
-                  <a:pt x="0" y="120000"/>
-                </a:lnTo>
-                <a:close/>
-              </a:path>
-            </a:pathLst>
-          </a:custGeom>
-        </p:spPr>
-      </p:sp>
-    </p:spTree>
-  </p:cSld>
-  <p:clrMapOvr>
-    <a:masterClrMapping/>
-  </p:clrMapOvr>
-</p:notes>
-</file>
-
-<file path=ppt/notesSlides/notesSlide13.xml><?xml version="1.0" encoding="utf-8"?>
-<p:notes xmlns:a="http://schemas.openxmlformats.org/drawingml/2006/main" xmlns:r="http://schemas.openxmlformats.org/officeDocument/2006/relationships" xmlns:p="http://schemas.openxmlformats.org/presentationml/2006/main" showMasterSp="0" showMasterPhAnim="0">
-  <p:cSld>
-    <p:spTree>
-      <p:nvGrpSpPr>
         <p:cNvPr id="1" name="Shape 191"/>
         <p:cNvGrpSpPr/>
         <p:nvPr/>
@@ -1666,7 +1564,7 @@
   <p:cSld>
     <p:spTree>
       <p:nvGrpSpPr>
-        <p:cNvPr id="1" name="Shape 137"/>
+        <p:cNvPr id="1" name="Shape 146"/>
         <p:cNvGrpSpPr/>
         <p:nvPr/>
       </p:nvGrpSpPr>
@@ -1680,7 +1578,7 @@
       </p:grpSpPr>
       <p:sp>
         <p:nvSpPr>
-          <p:cNvPr id="138" name="Shape 138"/>
+          <p:cNvPr id="147" name="Shape 147"/>
           <p:cNvSpPr txBox="1">
             <a:spLocks noGrp="1"/>
           </p:cNvSpPr>
@@ -1715,7 +1613,7 @@
       </p:sp>
       <p:sp>
         <p:nvSpPr>
-          <p:cNvPr id="139" name="Shape 139"/>
+          <p:cNvPr id="148" name="Shape 148"/>
           <p:cNvSpPr>
             <a:spLocks noGrp="1" noRot="1" noChangeAspect="1"/>
           </p:cNvSpPr>
@@ -1810,107 +1708,6 @@
               </a:spcBef>
               <a:buNone/>
             </a:pPr>
-            <a:endParaRPr/>
-          </a:p>
-        </p:txBody>
-      </p:sp>
-      <p:sp>
-        <p:nvSpPr>
-          <p:cNvPr id="148" name="Shape 148"/>
-          <p:cNvSpPr>
-            <a:spLocks noGrp="1" noRot="1" noChangeAspect="1"/>
-          </p:cNvSpPr>
-          <p:nvPr>
-            <p:ph type="sldImg" idx="2"/>
-          </p:nvPr>
-        </p:nvSpPr>
-        <p:spPr>
-          <a:xfrm>
-            <a:off x="1143000" y="685800"/>
-            <a:ext cx="4572000" cy="3429000"/>
-          </a:xfrm>
-          <a:custGeom>
-            <a:avLst/>
-            <a:gdLst/>
-            <a:ahLst/>
-            <a:cxnLst/>
-            <a:rect l="0" t="0" r="0" b="0"/>
-            <a:pathLst>
-              <a:path w="120000" h="120000" extrusionOk="0">
-                <a:moveTo>
-                  <a:pt x="0" y="0"/>
-                </a:moveTo>
-                <a:lnTo>
-                  <a:pt x="120000" y="0"/>
-                </a:lnTo>
-                <a:lnTo>
-                  <a:pt x="120000" y="120000"/>
-                </a:lnTo>
-                <a:lnTo>
-                  <a:pt x="0" y="120000"/>
-                </a:lnTo>
-                <a:close/>
-              </a:path>
-            </a:pathLst>
-          </a:custGeom>
-        </p:spPr>
-      </p:sp>
-    </p:spTree>
-  </p:cSld>
-  <p:clrMapOvr>
-    <a:masterClrMapping/>
-  </p:clrMapOvr>
-</p:notes>
-</file>
-
-<file path=ppt/notesSlides/notesSlide4.xml><?xml version="1.0" encoding="utf-8"?>
-<p:notes xmlns:a="http://schemas.openxmlformats.org/drawingml/2006/main" xmlns:r="http://schemas.openxmlformats.org/officeDocument/2006/relationships" xmlns:p="http://schemas.openxmlformats.org/presentationml/2006/main" showMasterSp="0" showMasterPhAnim="0">
-  <p:cSld>
-    <p:spTree>
-      <p:nvGrpSpPr>
-        <p:cNvPr id="1" name="Shape 146"/>
-        <p:cNvGrpSpPr/>
-        <p:nvPr/>
-      </p:nvGrpSpPr>
-      <p:grpSpPr>
-        <a:xfrm>
-          <a:off x="0" y="0"/>
-          <a:ext cx="0" cy="0"/>
-          <a:chOff x="0" y="0"/>
-          <a:chExt cx="0" cy="0"/>
-        </a:xfrm>
-      </p:grpSpPr>
-      <p:sp>
-        <p:nvSpPr>
-          <p:cNvPr id="147" name="Shape 147"/>
-          <p:cNvSpPr txBox="1">
-            <a:spLocks noGrp="1"/>
-          </p:cNvSpPr>
-          <p:nvPr>
-            <p:ph type="body" idx="1"/>
-          </p:nvPr>
-        </p:nvSpPr>
-        <p:spPr>
-          <a:xfrm>
-            <a:off x="685800" y="4343400"/>
-            <a:ext cx="5486400" cy="4114800"/>
-          </a:xfrm>
-          <a:prstGeom prst="rect">
-            <a:avLst/>
-          </a:prstGeom>
-        </p:spPr>
-        <p:txBody>
-          <a:bodyPr wrap="square" lIns="91425" tIns="91425" rIns="91425" bIns="91425" anchor="t" anchorCtr="0">
-            <a:noAutofit/>
-          </a:bodyPr>
-          <a:lstStyle/>
-          <a:p>
-            <a:pPr lvl="0">
-              <a:spcBef>
-                <a:spcPts val="0"/>
-              </a:spcBef>
-              <a:buNone/>
-            </a:pPr>
             <a:r>
               <a:rPr lang="de-DE" dirty="0"/>
               <a:t>Unsexy </a:t>
@@ -2041,7 +1838,7 @@
 </p:notes>
 </file>
 
-<file path=ppt/notesSlides/notesSlide5.xml><?xml version="1.0" encoding="utf-8"?>
+<file path=ppt/notesSlides/notesSlide4.xml><?xml version="1.0" encoding="utf-8"?>
 <p:notes xmlns:a="http://schemas.openxmlformats.org/drawingml/2006/main" xmlns:r="http://schemas.openxmlformats.org/officeDocument/2006/relationships" xmlns:p="http://schemas.openxmlformats.org/presentationml/2006/main" showMasterSp="0" showMasterPhAnim="0">
   <p:cSld>
     <p:spTree>
@@ -2096,6 +1893,107 @@
       <p:sp>
         <p:nvSpPr>
           <p:cNvPr id="157" name="Shape 157"/>
+          <p:cNvSpPr>
+            <a:spLocks noGrp="1" noRot="1" noChangeAspect="1"/>
+          </p:cNvSpPr>
+          <p:nvPr>
+            <p:ph type="sldImg" idx="2"/>
+          </p:nvPr>
+        </p:nvSpPr>
+        <p:spPr>
+          <a:xfrm>
+            <a:off x="1143000" y="685800"/>
+            <a:ext cx="4572000" cy="3429000"/>
+          </a:xfrm>
+          <a:custGeom>
+            <a:avLst/>
+            <a:gdLst/>
+            <a:ahLst/>
+            <a:cxnLst/>
+            <a:rect l="0" t="0" r="0" b="0"/>
+            <a:pathLst>
+              <a:path w="120000" h="120000" extrusionOk="0">
+                <a:moveTo>
+                  <a:pt x="0" y="0"/>
+                </a:moveTo>
+                <a:lnTo>
+                  <a:pt x="120000" y="0"/>
+                </a:lnTo>
+                <a:lnTo>
+                  <a:pt x="120000" y="120000"/>
+                </a:lnTo>
+                <a:lnTo>
+                  <a:pt x="0" y="120000"/>
+                </a:lnTo>
+                <a:close/>
+              </a:path>
+            </a:pathLst>
+          </a:custGeom>
+        </p:spPr>
+      </p:sp>
+    </p:spTree>
+  </p:cSld>
+  <p:clrMapOvr>
+    <a:masterClrMapping/>
+  </p:clrMapOvr>
+</p:notes>
+</file>
+
+<file path=ppt/notesSlides/notesSlide5.xml><?xml version="1.0" encoding="utf-8"?>
+<p:notes xmlns:a="http://schemas.openxmlformats.org/drawingml/2006/main" xmlns:r="http://schemas.openxmlformats.org/officeDocument/2006/relationships" xmlns:p="http://schemas.openxmlformats.org/presentationml/2006/main" showMasterSp="0" showMasterPhAnim="0">
+  <p:cSld>
+    <p:spTree>
+      <p:nvGrpSpPr>
+        <p:cNvPr id="1" name="Shape 164"/>
+        <p:cNvGrpSpPr/>
+        <p:nvPr/>
+      </p:nvGrpSpPr>
+      <p:grpSpPr>
+        <a:xfrm>
+          <a:off x="0" y="0"/>
+          <a:ext cx="0" cy="0"/>
+          <a:chOff x="0" y="0"/>
+          <a:chExt cx="0" cy="0"/>
+        </a:xfrm>
+      </p:grpSpPr>
+      <p:sp>
+        <p:nvSpPr>
+          <p:cNvPr id="165" name="Shape 165"/>
+          <p:cNvSpPr txBox="1">
+            <a:spLocks noGrp="1"/>
+          </p:cNvSpPr>
+          <p:nvPr>
+            <p:ph type="body" idx="1"/>
+          </p:nvPr>
+        </p:nvSpPr>
+        <p:spPr>
+          <a:xfrm>
+            <a:off x="685800" y="4343400"/>
+            <a:ext cx="5486400" cy="4114800"/>
+          </a:xfrm>
+          <a:prstGeom prst="rect">
+            <a:avLst/>
+          </a:prstGeom>
+        </p:spPr>
+        <p:txBody>
+          <a:bodyPr wrap="square" lIns="91425" tIns="91425" rIns="91425" bIns="91425" anchor="t" anchorCtr="0">
+            <a:noAutofit/>
+          </a:bodyPr>
+          <a:lstStyle/>
+          <a:p>
+            <a:pPr lvl="0" rtl="0">
+              <a:spcBef>
+                <a:spcPts val="0"/>
+              </a:spcBef>
+              <a:buNone/>
+            </a:pPr>
+            <a:endParaRPr/>
+          </a:p>
+        </p:txBody>
+      </p:sp>
+      <p:sp>
+        <p:nvSpPr>
+          <p:cNvPr id="166" name="Shape 166"/>
           <p:cNvSpPr>
             <a:spLocks noGrp="1" noRot="1" noChangeAspect="1"/>
           </p:cNvSpPr>
@@ -2337,6 +2235,11 @@
         </p:spPr>
       </p:sp>
     </p:spTree>
+    <p:extLst>
+      <p:ext uri="{BB962C8B-B14F-4D97-AF65-F5344CB8AC3E}">
+        <p14:creationId xmlns:p14="http://schemas.microsoft.com/office/powerpoint/2010/main" val="503166771"/>
+      </p:ext>
+    </p:extLst>
   </p:cSld>
   <p:clrMapOvr>
     <a:masterClrMapping/>
@@ -2349,7 +2252,7 @@
   <p:cSld>
     <p:spTree>
       <p:nvGrpSpPr>
-        <p:cNvPr id="1" name="Shape 164"/>
+        <p:cNvPr id="1" name="Shape 173"/>
         <p:cNvGrpSpPr/>
         <p:nvPr/>
       </p:nvGrpSpPr>
@@ -2363,7 +2266,7 @@
       </p:grpSpPr>
       <p:sp>
         <p:nvSpPr>
-          <p:cNvPr id="165" name="Shape 165"/>
+          <p:cNvPr id="174" name="Shape 174"/>
           <p:cNvSpPr txBox="1">
             <a:spLocks noGrp="1"/>
           </p:cNvSpPr>
@@ -2386,7 +2289,7 @@
           </a:bodyPr>
           <a:lstStyle/>
           <a:p>
-            <a:pPr lvl="0" rtl="0">
+            <a:pPr lvl="0">
               <a:spcBef>
                 <a:spcPts val="0"/>
               </a:spcBef>
@@ -2398,7 +2301,7 @@
       </p:sp>
       <p:sp>
         <p:nvSpPr>
-          <p:cNvPr id="166" name="Shape 166"/>
+          <p:cNvPr id="175" name="Shape 175"/>
           <p:cNvSpPr>
             <a:spLocks noGrp="1" noRot="1" noChangeAspect="1"/>
           </p:cNvSpPr>
@@ -2438,11 +2341,6 @@
         </p:spPr>
       </p:sp>
     </p:spTree>
-    <p:extLst>
-      <p:ext uri="{BB962C8B-B14F-4D97-AF65-F5344CB8AC3E}">
-        <p14:creationId xmlns:p14="http://schemas.microsoft.com/office/powerpoint/2010/main" val="503166771"/>
-      </p:ext>
-    </p:extLst>
   </p:cSld>
   <p:clrMapOvr>
     <a:masterClrMapping/>
@@ -18979,6 +18877,13 @@
   <p:clrMapOvr>
     <a:masterClrMapping/>
   </p:clrMapOvr>
+  <p:timing>
+    <p:tnLst>
+      <p:par>
+        <p:cTn id="1" dur="indefinite" restart="never" nodeType="tmRoot"/>
+      </p:par>
+    </p:tnLst>
+  </p:timing>
 </p:sld>
 </file>
 
@@ -19163,29 +19068,43 @@
       </p:sp>
       <p:pic>
         <p:nvPicPr>
-          <p:cNvPr id="181" name="Shape 181"/>
-          <p:cNvPicPr preferRelativeResize="0"/>
+          <p:cNvPr id="1026" name="Picture 2" descr="C:\Users\michael.stifter\Downloads\Simulator Screen Shot - iPhone 8 Plus - 2017-11-05 at 21.08.02.png"/>
+          <p:cNvPicPr>
+            <a:picLocks noChangeAspect="1" noChangeArrowheads="1"/>
+          </p:cNvPicPr>
           <p:nvPr/>
         </p:nvPicPr>
-        <p:blipFill rotWithShape="1">
+        <p:blipFill>
           <a:blip r:embed="rId3">
-            <a:alphaModFix/>
+            <a:extLst>
+              <a:ext uri="{28A0092B-C50C-407E-A947-70E740481C1C}">
+                <a14:useLocalDpi xmlns:a14="http://schemas.microsoft.com/office/drawing/2010/main" val="0"/>
+              </a:ext>
+            </a:extLst>
           </a:blip>
-          <a:srcRect t="-7210" b="7210"/>
-          <a:stretch/>
+          <a:srcRect/>
+          <a:stretch>
+            <a:fillRect/>
+          </a:stretch>
         </p:blipFill>
-        <p:spPr>
+        <p:spPr bwMode="auto">
           <a:xfrm>
-            <a:off x="2962340" y="860200"/>
-            <a:ext cx="3306101" cy="5443973"/>
+            <a:off x="2989611" y="751956"/>
+            <a:ext cx="3055139" cy="5433644"/>
           </a:xfrm>
           <a:prstGeom prst="rect">
             <a:avLst/>
           </a:prstGeom>
           <a:noFill/>
-          <a:ln>
-            <a:noFill/>
-          </a:ln>
+          <a:extLst>
+            <a:ext uri="{909E8E84-426E-40DD-AFC4-6F175D3DCCD1}">
+              <a14:hiddenFill xmlns:a14="http://schemas.microsoft.com/office/drawing/2010/main">
+                <a:solidFill>
+                  <a:srgbClr val="FFFFFF"/>
+                </a:solidFill>
+              </a14:hiddenFill>
+            </a:ext>
+          </a:extLst>
         </p:spPr>
       </p:pic>
     </p:spTree>
@@ -19198,6 +19117,13 @@
   <p:clrMapOvr>
     <a:masterClrMapping/>
   </p:clrMapOvr>
+  <p:timing>
+    <p:tnLst>
+      <p:par>
+        <p:cTn id="1" dur="indefinite" restart="never" nodeType="tmRoot"/>
+      </p:par>
+    </p:tnLst>
+  </p:timing>
 </p:sld>
 </file>
 
@@ -19382,239 +19308,6 @@
       </p:sp>
       <p:pic>
         <p:nvPicPr>
-          <p:cNvPr id="1026" name="Picture 2" descr="C:\Users\michael.stifter\Downloads\Simulator Screen Shot - iPhone 8 Plus - 2017-11-05 at 21.08.02.png"/>
-          <p:cNvPicPr>
-            <a:picLocks noChangeAspect="1" noChangeArrowheads="1"/>
-          </p:cNvPicPr>
-          <p:nvPr/>
-        </p:nvPicPr>
-        <p:blipFill>
-          <a:blip r:embed="rId3">
-            <a:extLst>
-              <a:ext uri="{28A0092B-C50C-407E-A947-70E740481C1C}">
-                <a14:useLocalDpi xmlns:a14="http://schemas.microsoft.com/office/drawing/2010/main" val="0"/>
-              </a:ext>
-            </a:extLst>
-          </a:blip>
-          <a:srcRect/>
-          <a:stretch>
-            <a:fillRect/>
-          </a:stretch>
-        </p:blipFill>
-        <p:spPr bwMode="auto">
-          <a:xfrm>
-            <a:off x="2989611" y="751956"/>
-            <a:ext cx="3055139" cy="5433644"/>
-          </a:xfrm>
-          <a:prstGeom prst="rect">
-            <a:avLst/>
-          </a:prstGeom>
-          <a:noFill/>
-          <a:extLst>
-            <a:ext uri="{909E8E84-426E-40DD-AFC4-6F175D3DCCD1}">
-              <a14:hiddenFill xmlns:a14="http://schemas.microsoft.com/office/drawing/2010/main">
-                <a:solidFill>
-                  <a:srgbClr val="FFFFFF"/>
-                </a:solidFill>
-              </a14:hiddenFill>
-            </a:ext>
-          </a:extLst>
-        </p:spPr>
-      </p:pic>
-    </p:spTree>
-    <p:extLst>
-      <p:ext uri="{BB962C8B-B14F-4D97-AF65-F5344CB8AC3E}">
-        <p14:creationId xmlns:p14="http://schemas.microsoft.com/office/powerpoint/2010/main" val="3925748778"/>
-      </p:ext>
-    </p:extLst>
-  </p:cSld>
-  <p:clrMapOvr>
-    <a:masterClrMapping/>
-  </p:clrMapOvr>
-</p:sld>
-</file>
-
-<file path=ppt/slides/slide12.xml><?xml version="1.0" encoding="utf-8"?>
-<p:sld xmlns:a="http://schemas.openxmlformats.org/drawingml/2006/main" xmlns:r="http://schemas.openxmlformats.org/officeDocument/2006/relationships" xmlns:p="http://schemas.openxmlformats.org/presentationml/2006/main">
-  <p:cSld>
-    <p:spTree>
-      <p:nvGrpSpPr>
-        <p:cNvPr id="1" name="Shape 176"/>
-        <p:cNvGrpSpPr/>
-        <p:nvPr/>
-      </p:nvGrpSpPr>
-      <p:grpSpPr>
-        <a:xfrm>
-          <a:off x="0" y="0"/>
-          <a:ext cx="0" cy="0"/>
-          <a:chOff x="0" y="0"/>
-          <a:chExt cx="0" cy="0"/>
-        </a:xfrm>
-      </p:grpSpPr>
-      <p:sp>
-        <p:nvSpPr>
-          <p:cNvPr id="177" name="Shape 177"/>
-          <p:cNvSpPr txBox="1">
-            <a:spLocks noGrp="1"/>
-          </p:cNvSpPr>
-          <p:nvPr>
-            <p:ph type="dt" idx="10"/>
-          </p:nvPr>
-        </p:nvSpPr>
-        <p:spPr>
-          <a:xfrm>
-            <a:off x="264980" y="6356350"/>
-            <a:ext cx="2133600" cy="365125"/>
-          </a:xfrm>
-          <a:prstGeom prst="rect">
-            <a:avLst/>
-          </a:prstGeom>
-          <a:noFill/>
-          <a:ln>
-            <a:noFill/>
-          </a:ln>
-        </p:spPr>
-        <p:txBody>
-          <a:bodyPr wrap="square" lIns="91425" tIns="45700" rIns="91425" bIns="45700" anchor="ctr" anchorCtr="0">
-            <a:noAutofit/>
-          </a:bodyPr>
-          <a:lstStyle/>
-          <a:p>
-            <a:pPr marL="0" marR="0" lvl="0" indent="0" algn="l" rtl="0">
-              <a:spcBef>
-                <a:spcPts val="0"/>
-              </a:spcBef>
-              <a:buSzPct val="25000"/>
-              <a:buNone/>
-            </a:pPr>
-            <a:r>
-              <a:rPr lang="de-AT" sz="1000">
-                <a:solidFill>
-                  <a:srgbClr val="888888"/>
-                </a:solidFill>
-                <a:latin typeface="Calibri"/>
-                <a:ea typeface="Calibri"/>
-                <a:cs typeface="Calibri"/>
-                <a:sym typeface="Calibri"/>
-              </a:rPr>
-              <a:t>06.11.2017</a:t>
-            </a:r>
-          </a:p>
-        </p:txBody>
-      </p:sp>
-      <p:sp>
-        <p:nvSpPr>
-          <p:cNvPr id="178" name="Shape 178"/>
-          <p:cNvSpPr txBox="1">
-            <a:spLocks noGrp="1"/>
-          </p:cNvSpPr>
-          <p:nvPr>
-            <p:ph type="ftr" idx="11"/>
-          </p:nvPr>
-        </p:nvSpPr>
-        <p:spPr>
-          <a:xfrm>
-            <a:off x="3124200" y="6356350"/>
-            <a:ext cx="2895600" cy="365100"/>
-          </a:xfrm>
-          <a:prstGeom prst="rect">
-            <a:avLst/>
-          </a:prstGeom>
-          <a:noFill/>
-          <a:ln>
-            <a:noFill/>
-          </a:ln>
-        </p:spPr>
-        <p:txBody>
-          <a:bodyPr wrap="square" lIns="91425" tIns="45700" rIns="91425" bIns="45700" anchor="ctr" anchorCtr="0">
-            <a:noAutofit/>
-          </a:bodyPr>
-          <a:lstStyle/>
-          <a:p>
-            <a:pPr marL="0" marR="0" lvl="0" indent="0" algn="ctr" rtl="0">
-              <a:spcBef>
-                <a:spcPts val="0"/>
-              </a:spcBef>
-              <a:buSzPct val="25000"/>
-              <a:buNone/>
-            </a:pPr>
-            <a:r>
-              <a:rPr lang="de-AT" sz="1000" dirty="0">
-                <a:solidFill>
-                  <a:srgbClr val="888888"/>
-                </a:solidFill>
-                <a:latin typeface="Calibri"/>
-                <a:ea typeface="Calibri"/>
-                <a:cs typeface="Calibri"/>
-                <a:sym typeface="Calibri"/>
-              </a:rPr>
-              <a:t>IMS16</a:t>
-            </a:r>
-          </a:p>
-        </p:txBody>
-      </p:sp>
-      <p:sp>
-        <p:nvSpPr>
-          <p:cNvPr id="179" name="Shape 179"/>
-          <p:cNvSpPr txBox="1">
-            <a:spLocks noGrp="1"/>
-          </p:cNvSpPr>
-          <p:nvPr>
-            <p:ph type="sldNum" idx="12"/>
-          </p:nvPr>
-        </p:nvSpPr>
-        <p:spPr>
-          <a:xfrm>
-            <a:off x="6738555" y="6356350"/>
-            <a:ext cx="2133600" cy="365125"/>
-          </a:xfrm>
-          <a:prstGeom prst="rect">
-            <a:avLst/>
-          </a:prstGeom>
-          <a:noFill/>
-          <a:ln>
-            <a:noFill/>
-          </a:ln>
-        </p:spPr>
-        <p:txBody>
-          <a:bodyPr wrap="square" lIns="91425" tIns="45700" rIns="91425" bIns="45700" anchor="ctr" anchorCtr="0">
-            <a:noAutofit/>
-          </a:bodyPr>
-          <a:lstStyle/>
-          <a:p>
-            <a:pPr marL="0" marR="0" lvl="0" indent="0" algn="r" rtl="0">
-              <a:spcBef>
-                <a:spcPts val="0"/>
-              </a:spcBef>
-              <a:buSzPct val="25000"/>
-              <a:buNone/>
-            </a:pPr>
-            <a:fld id="{00000000-1234-1234-1234-123412341234}" type="slidenum">
-              <a:rPr lang="de-AT" sz="1000">
-                <a:solidFill>
-                  <a:srgbClr val="888888"/>
-                </a:solidFill>
-                <a:latin typeface="Calibri"/>
-                <a:ea typeface="Calibri"/>
-                <a:cs typeface="Calibri"/>
-                <a:sym typeface="Calibri"/>
-              </a:rPr>
-              <a:t>12</a:t>
-            </a:fld>
-            <a:endParaRPr lang="de-AT" sz="1000">
-              <a:solidFill>
-                <a:srgbClr val="888888"/>
-              </a:solidFill>
-              <a:latin typeface="Calibri"/>
-              <a:ea typeface="Calibri"/>
-              <a:cs typeface="Calibri"/>
-              <a:sym typeface="Calibri"/>
-            </a:endParaRPr>
-          </a:p>
-        </p:txBody>
-      </p:sp>
-      <p:pic>
-        <p:nvPicPr>
           <p:cNvPr id="2050" name="Picture 2" descr="C:\Users\michael.stifter\Downloads\Simulator Screen Shot - iPhone 8 Plus - 2017-11-05 at 21.08.31.png"/>
           <p:cNvPicPr>
             <a:picLocks noChangeAspect="1" noChangeArrowheads="1"/>
@@ -19664,10 +19357,17 @@
   <p:clrMapOvr>
     <a:masterClrMapping/>
   </p:clrMapOvr>
+  <p:timing>
+    <p:tnLst>
+      <p:par>
+        <p:cTn id="1" dur="indefinite" restart="never" nodeType="tmRoot"/>
+      </p:par>
+    </p:tnLst>
+  </p:timing>
 </p:sld>
 </file>
 
-<file path=ppt/slides/slide13.xml><?xml version="1.0" encoding="utf-8"?>
+<file path=ppt/slides/slide12.xml><?xml version="1.0" encoding="utf-8"?>
 <p:sld xmlns:a="http://schemas.openxmlformats.org/drawingml/2006/main" xmlns:r="http://schemas.openxmlformats.org/officeDocument/2006/relationships" xmlns:p="http://schemas.openxmlformats.org/presentationml/2006/main">
   <p:cSld>
     <p:spTree>
@@ -19744,6 +19444,13 @@
   <p:clrMapOvr>
     <a:masterClrMapping/>
   </p:clrMapOvr>
+  <p:timing>
+    <p:tnLst>
+      <p:par>
+        <p:cTn id="1" dur="indefinite" restart="never" nodeType="tmRoot"/>
+      </p:par>
+    </p:tnLst>
+  </p:timing>
 </p:sld>
 </file>
 
@@ -19752,7 +19459,7 @@
   <p:cSld>
     <p:spTree>
       <p:nvGrpSpPr>
-        <p:cNvPr id="1" name="Shape 140"/>
+        <p:cNvPr id="1" name="Shape 149"/>
         <p:cNvGrpSpPr/>
         <p:nvPr/>
       </p:nvGrpSpPr>
@@ -19766,7 +19473,7 @@
       </p:grpSpPr>
       <p:sp>
         <p:nvSpPr>
-          <p:cNvPr id="141" name="Shape 141"/>
+          <p:cNvPr id="150" name="Shape 150"/>
           <p:cNvSpPr txBox="1">
             <a:spLocks noGrp="1"/>
           </p:cNvSpPr>
@@ -19805,7 +19512,7 @@
               <a:buNone/>
             </a:pPr>
             <a:r>
-              <a:rPr lang="de-AT" sz="3200" b="1" i="0" u="none" strike="noStrike" cap="none">
+              <a:rPr lang="de-AT" sz="3200" b="1" i="0" u="none" strike="noStrike" cap="none" dirty="0" err="1">
                 <a:solidFill>
                   <a:schemeClr val="dk1"/>
                 </a:solidFill>
@@ -19814,14 +19521,23 @@
                 <a:cs typeface="Calibri"/>
                 <a:sym typeface="Calibri"/>
               </a:rPr>
-              <a:t>Content</a:t>
-            </a:r>
+              <a:t>Idea</a:t>
+            </a:r>
+            <a:endParaRPr lang="de-AT" sz="3200" b="1" i="0" u="none" strike="noStrike" cap="none" dirty="0">
+              <a:solidFill>
+                <a:schemeClr val="dk1"/>
+              </a:solidFill>
+              <a:latin typeface="Calibri"/>
+              <a:ea typeface="Calibri"/>
+              <a:cs typeface="Calibri"/>
+              <a:sym typeface="Calibri"/>
+            </a:endParaRPr>
           </a:p>
         </p:txBody>
       </p:sp>
       <p:sp>
         <p:nvSpPr>
-          <p:cNvPr id="142" name="Shape 142"/>
+          <p:cNvPr id="151" name="Shape 151"/>
           <p:cNvSpPr txBox="1">
             <a:spLocks noGrp="1"/>
           </p:cNvSpPr>
@@ -19848,7 +19564,7 @@
           </a:bodyPr>
           <a:lstStyle/>
           <a:p>
-            <a:pPr marL="342900" marR="0" lvl="0" indent="-342900" algn="l" rtl="0">
+            <a:pPr marL="800100" marR="0" lvl="1" indent="-342900" algn="l" rtl="0">
               <a:spcBef>
                 <a:spcPts val="0"/>
               </a:spcBef>
@@ -19860,21 +19576,59 @@
               </a:buClr>
               <a:buSzPct val="100000"/>
               <a:buFont typeface="Arial"/>
-              <a:buChar char="•"/>
+              <a:buNone/>
             </a:pPr>
-            <a:r>
-              <a:rPr lang="de-AT" sz="2400" b="0" i="0" u="none" strike="noStrike" cap="none" dirty="0" err="1">
-                <a:solidFill>
-                  <a:schemeClr val="dk1"/>
-                </a:solidFill>
-                <a:latin typeface="Calibri"/>
-                <a:ea typeface="Calibri"/>
-                <a:cs typeface="Calibri"/>
-                <a:sym typeface="Calibri"/>
-              </a:rPr>
-              <a:t>Idea</a:t>
-            </a:r>
-            <a:endParaRPr lang="de-AT" sz="2400" b="0" i="0" u="none" strike="noStrike" cap="none" dirty="0">
+            <a:endParaRPr sz="2400" b="0" i="0" u="sng" strike="noStrike" cap="none">
+              <a:solidFill>
+                <a:schemeClr val="dk1"/>
+              </a:solidFill>
+              <a:latin typeface="Calibri"/>
+              <a:ea typeface="Calibri"/>
+              <a:cs typeface="Calibri"/>
+              <a:sym typeface="Calibri"/>
+            </a:endParaRPr>
+          </a:p>
+          <a:p>
+            <a:pPr marL="800100" marR="0" lvl="1" indent="-342900" algn="l" rtl="0">
+              <a:spcBef>
+                <a:spcPts val="0"/>
+              </a:spcBef>
+              <a:spcAft>
+                <a:spcPts val="0"/>
+              </a:spcAft>
+              <a:buClr>
+                <a:schemeClr val="accent1"/>
+              </a:buClr>
+              <a:buSzPct val="100000"/>
+              <a:buFont typeface="Arial"/>
+              <a:buNone/>
+            </a:pPr>
+            <a:endParaRPr sz="2400" b="0" i="0" u="none" strike="noStrike" cap="none">
+              <a:solidFill>
+                <a:schemeClr val="dk1"/>
+              </a:solidFill>
+              <a:latin typeface="Calibri"/>
+              <a:ea typeface="Calibri"/>
+              <a:cs typeface="Calibri"/>
+              <a:sym typeface="Calibri"/>
+            </a:endParaRPr>
+          </a:p>
+          <a:p>
+            <a:pPr marL="800100" marR="0" lvl="1" indent="-342900" algn="l" rtl="0">
+              <a:spcBef>
+                <a:spcPts val="0"/>
+              </a:spcBef>
+              <a:spcAft>
+                <a:spcPts val="0"/>
+              </a:spcAft>
+              <a:buClr>
+                <a:schemeClr val="accent1"/>
+              </a:buClr>
+              <a:buSzPct val="100000"/>
+              <a:buFont typeface="Arial"/>
+              <a:buNone/>
+            </a:pPr>
+            <a:endParaRPr sz="2400" b="0" i="0" u="none" strike="noStrike" cap="none">
               <a:solidFill>
                 <a:schemeClr val="dk1"/>
               </a:solidFill>
@@ -19897,110 +19651,9 @@
               </a:buClr>
               <a:buSzPct val="100000"/>
               <a:buFont typeface="Arial"/>
-              <a:buChar char="•"/>
+              <a:buNone/>
             </a:pPr>
-            <a:r>
-              <a:rPr lang="de-AT" sz="2400" b="0" i="0" u="none" strike="noStrike" cap="none" dirty="0">
-                <a:solidFill>
-                  <a:schemeClr val="dk1"/>
-                </a:solidFill>
-                <a:latin typeface="Calibri"/>
-                <a:ea typeface="Calibri"/>
-                <a:cs typeface="Calibri"/>
-                <a:sym typeface="Calibri"/>
-              </a:rPr>
-              <a:t>Personas/User Stories</a:t>
-            </a:r>
-          </a:p>
-          <a:p>
-            <a:pPr marL="342900" marR="0" lvl="0" indent="-342900" algn="l" rtl="0">
-              <a:spcBef>
-                <a:spcPts val="600"/>
-              </a:spcBef>
-              <a:spcAft>
-                <a:spcPts val="0"/>
-              </a:spcAft>
-              <a:buClr>
-                <a:schemeClr val="accent1"/>
-              </a:buClr>
-              <a:buSzPct val="100000"/>
-              <a:buFont typeface="Arial"/>
-              <a:buChar char="•"/>
-            </a:pPr>
-            <a:r>
-              <a:rPr lang="de-AT" sz="2400" b="0" i="0" u="none" strike="noStrike" cap="none" dirty="0">
-                <a:solidFill>
-                  <a:schemeClr val="dk1"/>
-                </a:solidFill>
-                <a:latin typeface="Calibri"/>
-                <a:ea typeface="Calibri"/>
-                <a:cs typeface="Calibri"/>
-                <a:sym typeface="Calibri"/>
-              </a:rPr>
-              <a:t>GUI Prototype</a:t>
-            </a:r>
-          </a:p>
-          <a:p>
-            <a:pPr marR="0" lvl="0" algn="l" rtl="0">
-              <a:spcBef>
-                <a:spcPts val="600"/>
-              </a:spcBef>
-              <a:spcAft>
-                <a:spcPts val="0"/>
-              </a:spcAft>
-              <a:buClr>
-                <a:schemeClr val="accent1"/>
-              </a:buClr>
-              <a:buSzPct val="100000"/>
-            </a:pPr>
-            <a:endParaRPr lang="de-AT" sz="2400" b="0" i="0" u="none" strike="noStrike" cap="none" dirty="0">
-              <a:solidFill>
-                <a:schemeClr val="dk1"/>
-              </a:solidFill>
-              <a:latin typeface="Calibri"/>
-              <a:ea typeface="Calibri"/>
-              <a:cs typeface="Calibri"/>
-              <a:sym typeface="Calibri"/>
-            </a:endParaRPr>
-          </a:p>
-          <a:p>
-            <a:pPr marL="0" marR="0" lvl="0" indent="-152400" algn="l" rtl="0">
-              <a:spcBef>
-                <a:spcPts val="600"/>
-              </a:spcBef>
-              <a:spcAft>
-                <a:spcPts val="0"/>
-              </a:spcAft>
-              <a:buClr>
-                <a:schemeClr val="accent1"/>
-              </a:buClr>
-              <a:buSzPct val="100000"/>
-              <a:buFont typeface="Noto Sans Symbols"/>
-              <a:buNone/>
-            </a:pPr>
-            <a:endParaRPr sz="2400" b="0" i="0" u="none" strike="noStrike" cap="none" dirty="0">
-              <a:solidFill>
-                <a:schemeClr val="dk1"/>
-              </a:solidFill>
-              <a:latin typeface="Calibri"/>
-              <a:ea typeface="Calibri"/>
-              <a:cs typeface="Calibri"/>
-              <a:sym typeface="Calibri"/>
-            </a:endParaRPr>
-          </a:p>
-          <a:p>
-            <a:pPr marL="457200" marR="0" lvl="1" indent="-152400" algn="l" rtl="0">
-              <a:spcBef>
-                <a:spcPts val="0"/>
-              </a:spcBef>
-              <a:buClr>
-                <a:schemeClr val="accent1"/>
-              </a:buClr>
-              <a:buSzPct val="100000"/>
-              <a:buFont typeface="Noto Sans Symbols"/>
-              <a:buNone/>
-            </a:pPr>
-            <a:endParaRPr sz="2400" b="0" i="0" u="none" strike="noStrike" cap="none" dirty="0">
+            <a:endParaRPr sz="2400" b="0" i="0" u="none" strike="noStrike" cap="none">
               <a:solidFill>
                 <a:schemeClr val="dk1"/>
               </a:solidFill>
@@ -20014,7 +19667,7 @@
       </p:sp>
       <p:sp>
         <p:nvSpPr>
-          <p:cNvPr id="143" name="Shape 143"/>
+          <p:cNvPr id="152" name="Shape 152"/>
           <p:cNvSpPr txBox="1">
             <a:spLocks noGrp="1"/>
           </p:cNvSpPr>
@@ -20065,7 +19718,7 @@
       </p:sp>
       <p:sp>
         <p:nvSpPr>
-          <p:cNvPr id="144" name="Shape 144"/>
+          <p:cNvPr id="153" name="Shape 153"/>
           <p:cNvSpPr txBox="1">
             <a:spLocks noGrp="1"/>
           </p:cNvSpPr>
@@ -20116,7 +19769,7 @@
       </p:sp>
       <p:sp>
         <p:nvSpPr>
-          <p:cNvPr id="145" name="Shape 145"/>
+          <p:cNvPr id="154" name="Shape 154"/>
           <p:cNvSpPr txBox="1">
             <a:spLocks noGrp="1"/>
           </p:cNvSpPr>
@@ -20174,11 +19827,450 @@
           </a:p>
         </p:txBody>
       </p:sp>
+      <p:sp>
+        <p:nvSpPr>
+          <p:cNvPr id="7" name="Shape 142">
+            <a:extLst>
+              <a:ext uri="{FF2B5EF4-FFF2-40B4-BE49-F238E27FC236}">
+                <a16:creationId xmlns:a16="http://schemas.microsoft.com/office/drawing/2014/main" xmlns="" id="{22578643-D4F2-4D65-8661-31443AF016F1}"/>
+              </a:ext>
+            </a:extLst>
+          </p:cNvPr>
+          <p:cNvSpPr txBox="1">
+            <a:spLocks/>
+          </p:cNvSpPr>
+          <p:nvPr/>
+        </p:nvSpPr>
+        <p:spPr>
+          <a:xfrm>
+            <a:off x="4021583" y="2496457"/>
+            <a:ext cx="5004941" cy="3748768"/>
+          </a:xfrm>
+          <a:prstGeom prst="rect">
+            <a:avLst/>
+          </a:prstGeom>
+          <a:noFill/>
+          <a:ln>
+            <a:noFill/>
+          </a:ln>
+        </p:spPr>
+        <p:txBody>
+          <a:bodyPr wrap="square" lIns="91425" tIns="45700" rIns="91425" bIns="45700" anchor="t" anchorCtr="0">
+            <a:noAutofit/>
+          </a:bodyPr>
+          <a:lstStyle>
+            <a:defPPr marR="0" lvl="0" algn="l" rtl="0">
+              <a:lnSpc>
+                <a:spcPct val="100000"/>
+              </a:lnSpc>
+              <a:spcBef>
+                <a:spcPts val="0"/>
+              </a:spcBef>
+              <a:spcAft>
+                <a:spcPts val="0"/>
+              </a:spcAft>
+            </a:defPPr>
+            <a:lvl1pPr marL="0" marR="0" lvl="0" indent="0" algn="l" rtl="0">
+              <a:lnSpc>
+                <a:spcPct val="100000"/>
+              </a:lnSpc>
+              <a:spcBef>
+                <a:spcPts val="600"/>
+              </a:spcBef>
+              <a:spcAft>
+                <a:spcPts val="0"/>
+              </a:spcAft>
+              <a:buClr>
+                <a:schemeClr val="accent1"/>
+              </a:buClr>
+              <a:buSzPct val="100000"/>
+              <a:buFont typeface="Noto Sans Symbols"/>
+              <a:buNone/>
+              <a:defRPr sz="2400" b="0" i="0" u="none" strike="noStrike" cap="none">
+                <a:solidFill>
+                  <a:schemeClr val="dk1"/>
+                </a:solidFill>
+                <a:latin typeface="Calibri"/>
+                <a:ea typeface="Calibri"/>
+                <a:cs typeface="Calibri"/>
+                <a:sym typeface="Calibri"/>
+              </a:defRPr>
+            </a:lvl1pPr>
+            <a:lvl2pPr marL="457200" marR="0" lvl="1" indent="0" algn="l" rtl="0">
+              <a:lnSpc>
+                <a:spcPct val="100000"/>
+              </a:lnSpc>
+              <a:spcBef>
+                <a:spcPts val="0"/>
+              </a:spcBef>
+              <a:spcAft>
+                <a:spcPts val="0"/>
+              </a:spcAft>
+              <a:buClr>
+                <a:schemeClr val="accent1"/>
+              </a:buClr>
+              <a:buSzPct val="100000"/>
+              <a:buFont typeface="Noto Sans Symbols"/>
+              <a:buNone/>
+              <a:defRPr sz="2400" b="0" i="0" u="none" strike="noStrike" cap="none">
+                <a:solidFill>
+                  <a:schemeClr val="dk1"/>
+                </a:solidFill>
+                <a:latin typeface="Calibri"/>
+                <a:ea typeface="Calibri"/>
+                <a:cs typeface="Calibri"/>
+                <a:sym typeface="Calibri"/>
+              </a:defRPr>
+            </a:lvl2pPr>
+            <a:lvl3pPr marL="914400" marR="0" lvl="2" indent="0" algn="l" rtl="0">
+              <a:lnSpc>
+                <a:spcPct val="100000"/>
+              </a:lnSpc>
+              <a:spcBef>
+                <a:spcPts val="0"/>
+              </a:spcBef>
+              <a:spcAft>
+                <a:spcPts val="0"/>
+              </a:spcAft>
+              <a:buClr>
+                <a:schemeClr val="accent1"/>
+              </a:buClr>
+              <a:buSzPct val="100000"/>
+              <a:buFont typeface="Noto Sans Symbols"/>
+              <a:buNone/>
+              <a:defRPr sz="2000" b="0" i="0" u="none" strike="noStrike" cap="none">
+                <a:solidFill>
+                  <a:schemeClr val="dk1"/>
+                </a:solidFill>
+                <a:latin typeface="Calibri"/>
+                <a:ea typeface="Calibri"/>
+                <a:cs typeface="Calibri"/>
+                <a:sym typeface="Calibri"/>
+              </a:defRPr>
+            </a:lvl3pPr>
+            <a:lvl4pPr marL="1371600" marR="0" lvl="3" indent="0" algn="l" rtl="0">
+              <a:lnSpc>
+                <a:spcPct val="100000"/>
+              </a:lnSpc>
+              <a:spcBef>
+                <a:spcPts val="0"/>
+              </a:spcBef>
+              <a:spcAft>
+                <a:spcPts val="0"/>
+              </a:spcAft>
+              <a:buClr>
+                <a:schemeClr val="accent1"/>
+              </a:buClr>
+              <a:buSzPct val="100000"/>
+              <a:buFont typeface="Noto Sans Symbols"/>
+              <a:buNone/>
+              <a:defRPr sz="2000" b="0" i="0" u="none" strike="noStrike" cap="none">
+                <a:solidFill>
+                  <a:schemeClr val="dk1"/>
+                </a:solidFill>
+                <a:latin typeface="Calibri"/>
+                <a:ea typeface="Calibri"/>
+                <a:cs typeface="Calibri"/>
+                <a:sym typeface="Calibri"/>
+              </a:defRPr>
+            </a:lvl4pPr>
+            <a:lvl5pPr marL="1828800" marR="0" lvl="4" indent="0" algn="l" rtl="0">
+              <a:lnSpc>
+                <a:spcPct val="100000"/>
+              </a:lnSpc>
+              <a:spcBef>
+                <a:spcPts val="0"/>
+              </a:spcBef>
+              <a:spcAft>
+                <a:spcPts val="0"/>
+              </a:spcAft>
+              <a:buClr>
+                <a:schemeClr val="accent1"/>
+              </a:buClr>
+              <a:buSzPct val="100000"/>
+              <a:buFont typeface="Noto Sans Symbols"/>
+              <a:buNone/>
+              <a:defRPr sz="2000" b="0" i="0" u="none" strike="noStrike" cap="none">
+                <a:solidFill>
+                  <a:schemeClr val="dk1"/>
+                </a:solidFill>
+                <a:latin typeface="Calibri"/>
+                <a:ea typeface="Calibri"/>
+                <a:cs typeface="Calibri"/>
+                <a:sym typeface="Calibri"/>
+              </a:defRPr>
+            </a:lvl5pPr>
+            <a:lvl6pPr marL="2514600" marR="0" lvl="5" indent="-101600" algn="l" rtl="0">
+              <a:lnSpc>
+                <a:spcPct val="100000"/>
+              </a:lnSpc>
+              <a:spcBef>
+                <a:spcPts val="400"/>
+              </a:spcBef>
+              <a:spcAft>
+                <a:spcPts val="0"/>
+              </a:spcAft>
+              <a:buClr>
+                <a:schemeClr val="dk1"/>
+              </a:buClr>
+              <a:buSzPct val="100000"/>
+              <a:buFont typeface="Arial"/>
+              <a:buChar char="•"/>
+              <a:defRPr sz="2000" b="0" i="0" u="none" strike="noStrike" cap="none">
+                <a:solidFill>
+                  <a:schemeClr val="dk1"/>
+                </a:solidFill>
+                <a:latin typeface="Calibri"/>
+                <a:ea typeface="Calibri"/>
+                <a:cs typeface="Calibri"/>
+                <a:sym typeface="Calibri"/>
+              </a:defRPr>
+            </a:lvl6pPr>
+            <a:lvl7pPr marL="2971800" marR="0" lvl="6" indent="-101600" algn="l" rtl="0">
+              <a:lnSpc>
+                <a:spcPct val="100000"/>
+              </a:lnSpc>
+              <a:spcBef>
+                <a:spcPts val="400"/>
+              </a:spcBef>
+              <a:spcAft>
+                <a:spcPts val="0"/>
+              </a:spcAft>
+              <a:buClr>
+                <a:schemeClr val="dk1"/>
+              </a:buClr>
+              <a:buSzPct val="100000"/>
+              <a:buFont typeface="Arial"/>
+              <a:buChar char="•"/>
+              <a:defRPr sz="2000" b="0" i="0" u="none" strike="noStrike" cap="none">
+                <a:solidFill>
+                  <a:schemeClr val="dk1"/>
+                </a:solidFill>
+                <a:latin typeface="Calibri"/>
+                <a:ea typeface="Calibri"/>
+                <a:cs typeface="Calibri"/>
+                <a:sym typeface="Calibri"/>
+              </a:defRPr>
+            </a:lvl7pPr>
+            <a:lvl8pPr marL="3429000" marR="0" lvl="7" indent="-101600" algn="l" rtl="0">
+              <a:lnSpc>
+                <a:spcPct val="100000"/>
+              </a:lnSpc>
+              <a:spcBef>
+                <a:spcPts val="400"/>
+              </a:spcBef>
+              <a:spcAft>
+                <a:spcPts val="0"/>
+              </a:spcAft>
+              <a:buClr>
+                <a:schemeClr val="dk1"/>
+              </a:buClr>
+              <a:buSzPct val="100000"/>
+              <a:buFont typeface="Arial"/>
+              <a:buChar char="•"/>
+              <a:defRPr sz="2000" b="0" i="0" u="none" strike="noStrike" cap="none">
+                <a:solidFill>
+                  <a:schemeClr val="dk1"/>
+                </a:solidFill>
+                <a:latin typeface="Calibri"/>
+                <a:ea typeface="Calibri"/>
+                <a:cs typeface="Calibri"/>
+                <a:sym typeface="Calibri"/>
+              </a:defRPr>
+            </a:lvl8pPr>
+            <a:lvl9pPr marL="3886200" marR="0" lvl="8" indent="-101600" algn="l" rtl="0">
+              <a:lnSpc>
+                <a:spcPct val="100000"/>
+              </a:lnSpc>
+              <a:spcBef>
+                <a:spcPts val="400"/>
+              </a:spcBef>
+              <a:spcAft>
+                <a:spcPts val="0"/>
+              </a:spcAft>
+              <a:buClr>
+                <a:schemeClr val="dk1"/>
+              </a:buClr>
+              <a:buSzPct val="100000"/>
+              <a:buFont typeface="Arial"/>
+              <a:buChar char="•"/>
+              <a:defRPr sz="2000" b="0" i="0" u="none" strike="noStrike" cap="none">
+                <a:solidFill>
+                  <a:schemeClr val="dk1"/>
+                </a:solidFill>
+                <a:latin typeface="Calibri"/>
+                <a:ea typeface="Calibri"/>
+                <a:cs typeface="Calibri"/>
+                <a:sym typeface="Calibri"/>
+              </a:defRPr>
+            </a:lvl9pPr>
+          </a:lstStyle>
+          <a:p>
+            <a:pPr marL="342900" indent="-342900">
+              <a:spcBef>
+                <a:spcPts val="0"/>
+              </a:spcBef>
+              <a:buFont typeface="Arial"/>
+              <a:buChar char="•"/>
+            </a:pPr>
+            <a:endParaRPr lang="de-AT" dirty="0"/>
+          </a:p>
+          <a:p>
+            <a:pPr marL="342900" indent="-342900">
+              <a:spcBef>
+                <a:spcPts val="0"/>
+              </a:spcBef>
+              <a:buFont typeface="Arial"/>
+              <a:buChar char="•"/>
+            </a:pPr>
+            <a:endParaRPr lang="de-AT" dirty="0"/>
+          </a:p>
+          <a:p>
+            <a:pPr marL="342900" indent="-342900">
+              <a:spcBef>
+                <a:spcPts val="0"/>
+              </a:spcBef>
+              <a:buFont typeface="Arial"/>
+              <a:buChar char="•"/>
+            </a:pPr>
+            <a:endParaRPr lang="de-AT" dirty="0"/>
+          </a:p>
+          <a:p>
+            <a:pPr marL="342900" indent="-342900">
+              <a:spcBef>
+                <a:spcPts val="0"/>
+              </a:spcBef>
+              <a:buFont typeface="Arial"/>
+              <a:buChar char="•"/>
+            </a:pPr>
+            <a:endParaRPr lang="de-AT" dirty="0"/>
+          </a:p>
+          <a:p>
+            <a:pPr marL="342900" indent="-342900">
+              <a:spcBef>
+                <a:spcPts val="0"/>
+              </a:spcBef>
+              <a:buFont typeface="Arial"/>
+              <a:buChar char="•"/>
+            </a:pPr>
+            <a:endParaRPr lang="de-AT" dirty="0"/>
+          </a:p>
+          <a:p>
+            <a:pPr marL="342900" indent="-342900">
+              <a:spcBef>
+                <a:spcPts val="0"/>
+              </a:spcBef>
+              <a:buFont typeface="Arial"/>
+              <a:buChar char="•"/>
+            </a:pPr>
+            <a:endParaRPr lang="de-AT" dirty="0"/>
+          </a:p>
+          <a:p>
+            <a:pPr marL="342900" indent="-342900">
+              <a:spcBef>
+                <a:spcPts val="0"/>
+              </a:spcBef>
+              <a:buFont typeface="Arial"/>
+              <a:buChar char="•"/>
+            </a:pPr>
+            <a:r>
+              <a:rPr lang="de-AT" dirty="0"/>
+              <a:t>Oh </a:t>
+            </a:r>
+            <a:r>
+              <a:rPr lang="de-AT" dirty="0" err="1"/>
+              <a:t>no</a:t>
+            </a:r>
+            <a:r>
+              <a:rPr lang="de-AT" dirty="0"/>
+              <a:t>, not </a:t>
+            </a:r>
+            <a:r>
+              <a:rPr lang="de-AT" dirty="0" err="1"/>
+              <a:t>again</a:t>
+            </a:r>
+            <a:r>
+              <a:rPr lang="de-AT" dirty="0"/>
+              <a:t>!</a:t>
+            </a:r>
+          </a:p>
+          <a:p>
+            <a:pPr marL="342900" indent="-342900">
+              <a:spcBef>
+                <a:spcPts val="0"/>
+              </a:spcBef>
+              <a:buFont typeface="Arial"/>
+              <a:buChar char="•"/>
+            </a:pPr>
+            <a:r>
+              <a:rPr lang="de-AT" dirty="0" err="1"/>
+              <a:t>Capabilities</a:t>
+            </a:r>
+            <a:r>
+              <a:rPr lang="de-AT" dirty="0"/>
+              <a:t> </a:t>
+            </a:r>
+            <a:r>
+              <a:rPr lang="de-AT" dirty="0" err="1"/>
+              <a:t>of</a:t>
+            </a:r>
+            <a:r>
+              <a:rPr lang="de-AT" dirty="0"/>
+              <a:t> a Smartwatch</a:t>
+            </a:r>
+          </a:p>
+          <a:p>
+            <a:pPr indent="-152400"/>
+            <a:endParaRPr lang="de-AT" dirty="0"/>
+          </a:p>
+          <a:p>
+            <a:pPr lvl="1" indent="-152400"/>
+            <a:endParaRPr lang="de-AT" dirty="0"/>
+          </a:p>
+        </p:txBody>
+      </p:sp>
+      <p:pic>
+        <p:nvPicPr>
+          <p:cNvPr id="3" name="Grafik 2">
+            <a:extLst>
+              <a:ext uri="{FF2B5EF4-FFF2-40B4-BE49-F238E27FC236}">
+                <a16:creationId xmlns:a16="http://schemas.microsoft.com/office/drawing/2014/main" xmlns="" id="{4222AC85-7A8C-484A-B9AA-70FFBC249CDC}"/>
+              </a:ext>
+            </a:extLst>
+          </p:cNvPr>
+          <p:cNvPicPr>
+            <a:picLocks noChangeAspect="1"/>
+          </p:cNvPicPr>
+          <p:nvPr/>
+        </p:nvPicPr>
+        <p:blipFill>
+          <a:blip r:embed="rId3"/>
+          <a:stretch>
+            <a:fillRect/>
+          </a:stretch>
+        </p:blipFill>
+        <p:spPr>
+          <a:xfrm>
+            <a:off x="728864" y="2496457"/>
+            <a:ext cx="3292719" cy="3145146"/>
+          </a:xfrm>
+          <a:prstGeom prst="rect">
+            <a:avLst/>
+          </a:prstGeom>
+        </p:spPr>
+      </p:pic>
     </p:spTree>
   </p:cSld>
   <p:clrMapOvr>
     <a:masterClrMapping/>
   </p:clrMapOvr>
+  <p:timing>
+    <p:tnLst>
+      <p:par>
+        <p:cTn id="1" dur="indefinite" restart="never" nodeType="tmRoot"/>
+      </p:par>
+    </p:tnLst>
+  </p:timing>
 </p:sld>
 </file>
 
@@ -20249,819 +20341,6 @@
                 <a:cs typeface="Calibri"/>
                 <a:sym typeface="Calibri"/>
               </a:rPr>
-              <a:t>Idea</a:t>
-            </a:r>
-            <a:endParaRPr lang="de-AT" sz="3200" b="1" i="0" u="none" strike="noStrike" cap="none" dirty="0">
-              <a:solidFill>
-                <a:schemeClr val="dk1"/>
-              </a:solidFill>
-              <a:latin typeface="Calibri"/>
-              <a:ea typeface="Calibri"/>
-              <a:cs typeface="Calibri"/>
-              <a:sym typeface="Calibri"/>
-            </a:endParaRPr>
-          </a:p>
-        </p:txBody>
-      </p:sp>
-      <p:sp>
-        <p:nvSpPr>
-          <p:cNvPr id="151" name="Shape 151"/>
-          <p:cNvSpPr txBox="1">
-            <a:spLocks noGrp="1"/>
-          </p:cNvSpPr>
-          <p:nvPr>
-            <p:ph type="body" idx="1"/>
-          </p:nvPr>
-        </p:nvSpPr>
-        <p:spPr>
-          <a:xfrm>
-            <a:off x="269875" y="2344057"/>
-            <a:ext cx="8604250" cy="3748768"/>
-          </a:xfrm>
-          <a:prstGeom prst="rect">
-            <a:avLst/>
-          </a:prstGeom>
-          <a:noFill/>
-          <a:ln>
-            <a:noFill/>
-          </a:ln>
-        </p:spPr>
-        <p:txBody>
-          <a:bodyPr wrap="square" lIns="91425" tIns="45700" rIns="91425" bIns="45700" anchor="t" anchorCtr="0">
-            <a:noAutofit/>
-          </a:bodyPr>
-          <a:lstStyle/>
-          <a:p>
-            <a:pPr marL="800100" marR="0" lvl="1" indent="-342900" algn="l" rtl="0">
-              <a:spcBef>
-                <a:spcPts val="0"/>
-              </a:spcBef>
-              <a:spcAft>
-                <a:spcPts val="0"/>
-              </a:spcAft>
-              <a:buClr>
-                <a:schemeClr val="accent1"/>
-              </a:buClr>
-              <a:buSzPct val="100000"/>
-              <a:buFont typeface="Arial"/>
-              <a:buNone/>
-            </a:pPr>
-            <a:endParaRPr sz="2400" b="0" i="0" u="sng" strike="noStrike" cap="none">
-              <a:solidFill>
-                <a:schemeClr val="dk1"/>
-              </a:solidFill>
-              <a:latin typeface="Calibri"/>
-              <a:ea typeface="Calibri"/>
-              <a:cs typeface="Calibri"/>
-              <a:sym typeface="Calibri"/>
-            </a:endParaRPr>
-          </a:p>
-          <a:p>
-            <a:pPr marL="800100" marR="0" lvl="1" indent="-342900" algn="l" rtl="0">
-              <a:spcBef>
-                <a:spcPts val="0"/>
-              </a:spcBef>
-              <a:spcAft>
-                <a:spcPts val="0"/>
-              </a:spcAft>
-              <a:buClr>
-                <a:schemeClr val="accent1"/>
-              </a:buClr>
-              <a:buSzPct val="100000"/>
-              <a:buFont typeface="Arial"/>
-              <a:buNone/>
-            </a:pPr>
-            <a:endParaRPr sz="2400" b="0" i="0" u="none" strike="noStrike" cap="none">
-              <a:solidFill>
-                <a:schemeClr val="dk1"/>
-              </a:solidFill>
-              <a:latin typeface="Calibri"/>
-              <a:ea typeface="Calibri"/>
-              <a:cs typeface="Calibri"/>
-              <a:sym typeface="Calibri"/>
-            </a:endParaRPr>
-          </a:p>
-          <a:p>
-            <a:pPr marL="800100" marR="0" lvl="1" indent="-342900" algn="l" rtl="0">
-              <a:spcBef>
-                <a:spcPts val="0"/>
-              </a:spcBef>
-              <a:spcAft>
-                <a:spcPts val="0"/>
-              </a:spcAft>
-              <a:buClr>
-                <a:schemeClr val="accent1"/>
-              </a:buClr>
-              <a:buSzPct val="100000"/>
-              <a:buFont typeface="Arial"/>
-              <a:buNone/>
-            </a:pPr>
-            <a:endParaRPr sz="2400" b="0" i="0" u="none" strike="noStrike" cap="none">
-              <a:solidFill>
-                <a:schemeClr val="dk1"/>
-              </a:solidFill>
-              <a:latin typeface="Calibri"/>
-              <a:ea typeface="Calibri"/>
-              <a:cs typeface="Calibri"/>
-              <a:sym typeface="Calibri"/>
-            </a:endParaRPr>
-          </a:p>
-          <a:p>
-            <a:pPr marL="342900" marR="0" lvl="0" indent="-342900" algn="l" rtl="0">
-              <a:spcBef>
-                <a:spcPts val="600"/>
-              </a:spcBef>
-              <a:spcAft>
-                <a:spcPts val="0"/>
-              </a:spcAft>
-              <a:buClr>
-                <a:schemeClr val="accent1"/>
-              </a:buClr>
-              <a:buSzPct val="100000"/>
-              <a:buFont typeface="Arial"/>
-              <a:buNone/>
-            </a:pPr>
-            <a:endParaRPr sz="2400" b="0" i="0" u="none" strike="noStrike" cap="none">
-              <a:solidFill>
-                <a:schemeClr val="dk1"/>
-              </a:solidFill>
-              <a:latin typeface="Calibri"/>
-              <a:ea typeface="Calibri"/>
-              <a:cs typeface="Calibri"/>
-              <a:sym typeface="Calibri"/>
-            </a:endParaRPr>
-          </a:p>
-        </p:txBody>
-      </p:sp>
-      <p:sp>
-        <p:nvSpPr>
-          <p:cNvPr id="152" name="Shape 152"/>
-          <p:cNvSpPr txBox="1">
-            <a:spLocks noGrp="1"/>
-          </p:cNvSpPr>
-          <p:nvPr>
-            <p:ph type="dt" idx="10"/>
-          </p:nvPr>
-        </p:nvSpPr>
-        <p:spPr>
-          <a:xfrm>
-            <a:off x="264980" y="6356350"/>
-            <a:ext cx="2133600" cy="365125"/>
-          </a:xfrm>
-          <a:prstGeom prst="rect">
-            <a:avLst/>
-          </a:prstGeom>
-          <a:noFill/>
-          <a:ln>
-            <a:noFill/>
-          </a:ln>
-        </p:spPr>
-        <p:txBody>
-          <a:bodyPr wrap="square" lIns="91425" tIns="45700" rIns="91425" bIns="45700" anchor="ctr" anchorCtr="0">
-            <a:noAutofit/>
-          </a:bodyPr>
-          <a:lstStyle/>
-          <a:p>
-            <a:pPr marL="0" marR="0" lvl="0" indent="0" algn="l" rtl="0">
-              <a:spcBef>
-                <a:spcPts val="0"/>
-              </a:spcBef>
-              <a:buSzPct val="25000"/>
-              <a:buNone/>
-            </a:pPr>
-            <a:r>
-              <a:rPr lang="de-AT" sz="1000">
-                <a:solidFill>
-                  <a:srgbClr val="888888"/>
-                </a:solidFill>
-                <a:latin typeface="Calibri"/>
-                <a:ea typeface="Calibri"/>
-                <a:cs typeface="Calibri"/>
-                <a:sym typeface="Calibri"/>
-              </a:rPr>
-              <a:t>06.11.2017</a:t>
-            </a:r>
-          </a:p>
-        </p:txBody>
-      </p:sp>
-      <p:sp>
-        <p:nvSpPr>
-          <p:cNvPr id="153" name="Shape 153"/>
-          <p:cNvSpPr txBox="1">
-            <a:spLocks noGrp="1"/>
-          </p:cNvSpPr>
-          <p:nvPr>
-            <p:ph type="ftr" idx="11"/>
-          </p:nvPr>
-        </p:nvSpPr>
-        <p:spPr>
-          <a:xfrm>
-            <a:off x="3124200" y="6356350"/>
-            <a:ext cx="2895600" cy="365125"/>
-          </a:xfrm>
-          <a:prstGeom prst="rect">
-            <a:avLst/>
-          </a:prstGeom>
-          <a:noFill/>
-          <a:ln>
-            <a:noFill/>
-          </a:ln>
-        </p:spPr>
-        <p:txBody>
-          <a:bodyPr wrap="square" lIns="91425" tIns="45700" rIns="91425" bIns="45700" anchor="ctr" anchorCtr="0">
-            <a:noAutofit/>
-          </a:bodyPr>
-          <a:lstStyle/>
-          <a:p>
-            <a:pPr marL="0" marR="0" lvl="0" indent="0" algn="ctr" rtl="0">
-              <a:spcBef>
-                <a:spcPts val="0"/>
-              </a:spcBef>
-              <a:buSzPct val="25000"/>
-              <a:buNone/>
-            </a:pPr>
-            <a:r>
-              <a:rPr lang="de-AT" sz="1000">
-                <a:solidFill>
-                  <a:srgbClr val="888888"/>
-                </a:solidFill>
-                <a:latin typeface="Calibri"/>
-                <a:ea typeface="Calibri"/>
-                <a:cs typeface="Calibri"/>
-                <a:sym typeface="Calibri"/>
-              </a:rPr>
-              <a:t>IMS16</a:t>
-            </a:r>
-          </a:p>
-        </p:txBody>
-      </p:sp>
-      <p:sp>
-        <p:nvSpPr>
-          <p:cNvPr id="154" name="Shape 154"/>
-          <p:cNvSpPr txBox="1">
-            <a:spLocks noGrp="1"/>
-          </p:cNvSpPr>
-          <p:nvPr>
-            <p:ph type="sldNum" idx="12"/>
-          </p:nvPr>
-        </p:nvSpPr>
-        <p:spPr>
-          <a:xfrm>
-            <a:off x="6738555" y="6356350"/>
-            <a:ext cx="2133600" cy="365125"/>
-          </a:xfrm>
-          <a:prstGeom prst="rect">
-            <a:avLst/>
-          </a:prstGeom>
-          <a:noFill/>
-          <a:ln>
-            <a:noFill/>
-          </a:ln>
-        </p:spPr>
-        <p:txBody>
-          <a:bodyPr wrap="square" lIns="91425" tIns="45700" rIns="91425" bIns="45700" anchor="ctr" anchorCtr="0">
-            <a:noAutofit/>
-          </a:bodyPr>
-          <a:lstStyle/>
-          <a:p>
-            <a:pPr marL="0" marR="0" lvl="0" indent="0" algn="r" rtl="0">
-              <a:spcBef>
-                <a:spcPts val="0"/>
-              </a:spcBef>
-              <a:buSzPct val="25000"/>
-              <a:buNone/>
-            </a:pPr>
-            <a:fld id="{00000000-1234-1234-1234-123412341234}" type="slidenum">
-              <a:rPr lang="de-AT" sz="1000">
-                <a:solidFill>
-                  <a:srgbClr val="888888"/>
-                </a:solidFill>
-                <a:latin typeface="Calibri"/>
-                <a:ea typeface="Calibri"/>
-                <a:cs typeface="Calibri"/>
-                <a:sym typeface="Calibri"/>
-              </a:rPr>
-              <a:t>3</a:t>
-            </a:fld>
-            <a:endParaRPr lang="de-AT" sz="1000">
-              <a:solidFill>
-                <a:srgbClr val="888888"/>
-              </a:solidFill>
-              <a:latin typeface="Calibri"/>
-              <a:ea typeface="Calibri"/>
-              <a:cs typeface="Calibri"/>
-              <a:sym typeface="Calibri"/>
-            </a:endParaRPr>
-          </a:p>
-        </p:txBody>
-      </p:sp>
-      <p:sp>
-        <p:nvSpPr>
-          <p:cNvPr id="7" name="Shape 142">
-            <a:extLst>
-              <a:ext uri="{FF2B5EF4-FFF2-40B4-BE49-F238E27FC236}">
-                <a16:creationId xmlns:a16="http://schemas.microsoft.com/office/drawing/2014/main" id="{22578643-D4F2-4D65-8661-31443AF016F1}"/>
-              </a:ext>
-            </a:extLst>
-          </p:cNvPr>
-          <p:cNvSpPr txBox="1">
-            <a:spLocks/>
-          </p:cNvSpPr>
-          <p:nvPr/>
-        </p:nvSpPr>
-        <p:spPr>
-          <a:xfrm>
-            <a:off x="4021583" y="2496457"/>
-            <a:ext cx="5004941" cy="3748768"/>
-          </a:xfrm>
-          <a:prstGeom prst="rect">
-            <a:avLst/>
-          </a:prstGeom>
-          <a:noFill/>
-          <a:ln>
-            <a:noFill/>
-          </a:ln>
-        </p:spPr>
-        <p:txBody>
-          <a:bodyPr wrap="square" lIns="91425" tIns="45700" rIns="91425" bIns="45700" anchor="t" anchorCtr="0">
-            <a:noAutofit/>
-          </a:bodyPr>
-          <a:lstStyle>
-            <a:defPPr marR="0" lvl="0" algn="l" rtl="0">
-              <a:lnSpc>
-                <a:spcPct val="100000"/>
-              </a:lnSpc>
-              <a:spcBef>
-                <a:spcPts val="0"/>
-              </a:spcBef>
-              <a:spcAft>
-                <a:spcPts val="0"/>
-              </a:spcAft>
-            </a:defPPr>
-            <a:lvl1pPr marL="0" marR="0" lvl="0" indent="0" algn="l" rtl="0">
-              <a:lnSpc>
-                <a:spcPct val="100000"/>
-              </a:lnSpc>
-              <a:spcBef>
-                <a:spcPts val="600"/>
-              </a:spcBef>
-              <a:spcAft>
-                <a:spcPts val="0"/>
-              </a:spcAft>
-              <a:buClr>
-                <a:schemeClr val="accent1"/>
-              </a:buClr>
-              <a:buSzPct val="100000"/>
-              <a:buFont typeface="Noto Sans Symbols"/>
-              <a:buNone/>
-              <a:defRPr sz="2400" b="0" i="0" u="none" strike="noStrike" cap="none">
-                <a:solidFill>
-                  <a:schemeClr val="dk1"/>
-                </a:solidFill>
-                <a:latin typeface="Calibri"/>
-                <a:ea typeface="Calibri"/>
-                <a:cs typeface="Calibri"/>
-                <a:sym typeface="Calibri"/>
-              </a:defRPr>
-            </a:lvl1pPr>
-            <a:lvl2pPr marL="457200" marR="0" lvl="1" indent="0" algn="l" rtl="0">
-              <a:lnSpc>
-                <a:spcPct val="100000"/>
-              </a:lnSpc>
-              <a:spcBef>
-                <a:spcPts val="0"/>
-              </a:spcBef>
-              <a:spcAft>
-                <a:spcPts val="0"/>
-              </a:spcAft>
-              <a:buClr>
-                <a:schemeClr val="accent1"/>
-              </a:buClr>
-              <a:buSzPct val="100000"/>
-              <a:buFont typeface="Noto Sans Symbols"/>
-              <a:buNone/>
-              <a:defRPr sz="2400" b="0" i="0" u="none" strike="noStrike" cap="none">
-                <a:solidFill>
-                  <a:schemeClr val="dk1"/>
-                </a:solidFill>
-                <a:latin typeface="Calibri"/>
-                <a:ea typeface="Calibri"/>
-                <a:cs typeface="Calibri"/>
-                <a:sym typeface="Calibri"/>
-              </a:defRPr>
-            </a:lvl2pPr>
-            <a:lvl3pPr marL="914400" marR="0" lvl="2" indent="0" algn="l" rtl="0">
-              <a:lnSpc>
-                <a:spcPct val="100000"/>
-              </a:lnSpc>
-              <a:spcBef>
-                <a:spcPts val="0"/>
-              </a:spcBef>
-              <a:spcAft>
-                <a:spcPts val="0"/>
-              </a:spcAft>
-              <a:buClr>
-                <a:schemeClr val="accent1"/>
-              </a:buClr>
-              <a:buSzPct val="100000"/>
-              <a:buFont typeface="Noto Sans Symbols"/>
-              <a:buNone/>
-              <a:defRPr sz="2000" b="0" i="0" u="none" strike="noStrike" cap="none">
-                <a:solidFill>
-                  <a:schemeClr val="dk1"/>
-                </a:solidFill>
-                <a:latin typeface="Calibri"/>
-                <a:ea typeface="Calibri"/>
-                <a:cs typeface="Calibri"/>
-                <a:sym typeface="Calibri"/>
-              </a:defRPr>
-            </a:lvl3pPr>
-            <a:lvl4pPr marL="1371600" marR="0" lvl="3" indent="0" algn="l" rtl="0">
-              <a:lnSpc>
-                <a:spcPct val="100000"/>
-              </a:lnSpc>
-              <a:spcBef>
-                <a:spcPts val="0"/>
-              </a:spcBef>
-              <a:spcAft>
-                <a:spcPts val="0"/>
-              </a:spcAft>
-              <a:buClr>
-                <a:schemeClr val="accent1"/>
-              </a:buClr>
-              <a:buSzPct val="100000"/>
-              <a:buFont typeface="Noto Sans Symbols"/>
-              <a:buNone/>
-              <a:defRPr sz="2000" b="0" i="0" u="none" strike="noStrike" cap="none">
-                <a:solidFill>
-                  <a:schemeClr val="dk1"/>
-                </a:solidFill>
-                <a:latin typeface="Calibri"/>
-                <a:ea typeface="Calibri"/>
-                <a:cs typeface="Calibri"/>
-                <a:sym typeface="Calibri"/>
-              </a:defRPr>
-            </a:lvl4pPr>
-            <a:lvl5pPr marL="1828800" marR="0" lvl="4" indent="0" algn="l" rtl="0">
-              <a:lnSpc>
-                <a:spcPct val="100000"/>
-              </a:lnSpc>
-              <a:spcBef>
-                <a:spcPts val="0"/>
-              </a:spcBef>
-              <a:spcAft>
-                <a:spcPts val="0"/>
-              </a:spcAft>
-              <a:buClr>
-                <a:schemeClr val="accent1"/>
-              </a:buClr>
-              <a:buSzPct val="100000"/>
-              <a:buFont typeface="Noto Sans Symbols"/>
-              <a:buNone/>
-              <a:defRPr sz="2000" b="0" i="0" u="none" strike="noStrike" cap="none">
-                <a:solidFill>
-                  <a:schemeClr val="dk1"/>
-                </a:solidFill>
-                <a:latin typeface="Calibri"/>
-                <a:ea typeface="Calibri"/>
-                <a:cs typeface="Calibri"/>
-                <a:sym typeface="Calibri"/>
-              </a:defRPr>
-            </a:lvl5pPr>
-            <a:lvl6pPr marL="2514600" marR="0" lvl="5" indent="-101600" algn="l" rtl="0">
-              <a:lnSpc>
-                <a:spcPct val="100000"/>
-              </a:lnSpc>
-              <a:spcBef>
-                <a:spcPts val="400"/>
-              </a:spcBef>
-              <a:spcAft>
-                <a:spcPts val="0"/>
-              </a:spcAft>
-              <a:buClr>
-                <a:schemeClr val="dk1"/>
-              </a:buClr>
-              <a:buSzPct val="100000"/>
-              <a:buFont typeface="Arial"/>
-              <a:buChar char="•"/>
-              <a:defRPr sz="2000" b="0" i="0" u="none" strike="noStrike" cap="none">
-                <a:solidFill>
-                  <a:schemeClr val="dk1"/>
-                </a:solidFill>
-                <a:latin typeface="Calibri"/>
-                <a:ea typeface="Calibri"/>
-                <a:cs typeface="Calibri"/>
-                <a:sym typeface="Calibri"/>
-              </a:defRPr>
-            </a:lvl6pPr>
-            <a:lvl7pPr marL="2971800" marR="0" lvl="6" indent="-101600" algn="l" rtl="0">
-              <a:lnSpc>
-                <a:spcPct val="100000"/>
-              </a:lnSpc>
-              <a:spcBef>
-                <a:spcPts val="400"/>
-              </a:spcBef>
-              <a:spcAft>
-                <a:spcPts val="0"/>
-              </a:spcAft>
-              <a:buClr>
-                <a:schemeClr val="dk1"/>
-              </a:buClr>
-              <a:buSzPct val="100000"/>
-              <a:buFont typeface="Arial"/>
-              <a:buChar char="•"/>
-              <a:defRPr sz="2000" b="0" i="0" u="none" strike="noStrike" cap="none">
-                <a:solidFill>
-                  <a:schemeClr val="dk1"/>
-                </a:solidFill>
-                <a:latin typeface="Calibri"/>
-                <a:ea typeface="Calibri"/>
-                <a:cs typeface="Calibri"/>
-                <a:sym typeface="Calibri"/>
-              </a:defRPr>
-            </a:lvl7pPr>
-            <a:lvl8pPr marL="3429000" marR="0" lvl="7" indent="-101600" algn="l" rtl="0">
-              <a:lnSpc>
-                <a:spcPct val="100000"/>
-              </a:lnSpc>
-              <a:spcBef>
-                <a:spcPts val="400"/>
-              </a:spcBef>
-              <a:spcAft>
-                <a:spcPts val="0"/>
-              </a:spcAft>
-              <a:buClr>
-                <a:schemeClr val="dk1"/>
-              </a:buClr>
-              <a:buSzPct val="100000"/>
-              <a:buFont typeface="Arial"/>
-              <a:buChar char="•"/>
-              <a:defRPr sz="2000" b="0" i="0" u="none" strike="noStrike" cap="none">
-                <a:solidFill>
-                  <a:schemeClr val="dk1"/>
-                </a:solidFill>
-                <a:latin typeface="Calibri"/>
-                <a:ea typeface="Calibri"/>
-                <a:cs typeface="Calibri"/>
-                <a:sym typeface="Calibri"/>
-              </a:defRPr>
-            </a:lvl8pPr>
-            <a:lvl9pPr marL="3886200" marR="0" lvl="8" indent="-101600" algn="l" rtl="0">
-              <a:lnSpc>
-                <a:spcPct val="100000"/>
-              </a:lnSpc>
-              <a:spcBef>
-                <a:spcPts val="400"/>
-              </a:spcBef>
-              <a:spcAft>
-                <a:spcPts val="0"/>
-              </a:spcAft>
-              <a:buClr>
-                <a:schemeClr val="dk1"/>
-              </a:buClr>
-              <a:buSzPct val="100000"/>
-              <a:buFont typeface="Arial"/>
-              <a:buChar char="•"/>
-              <a:defRPr sz="2000" b="0" i="0" u="none" strike="noStrike" cap="none">
-                <a:solidFill>
-                  <a:schemeClr val="dk1"/>
-                </a:solidFill>
-                <a:latin typeface="Calibri"/>
-                <a:ea typeface="Calibri"/>
-                <a:cs typeface="Calibri"/>
-                <a:sym typeface="Calibri"/>
-              </a:defRPr>
-            </a:lvl9pPr>
-          </a:lstStyle>
-          <a:p>
-            <a:pPr marL="342900" indent="-342900">
-              <a:spcBef>
-                <a:spcPts val="0"/>
-              </a:spcBef>
-              <a:buFont typeface="Arial"/>
-              <a:buChar char="•"/>
-            </a:pPr>
-            <a:endParaRPr lang="de-AT" dirty="0"/>
-          </a:p>
-          <a:p>
-            <a:pPr marL="342900" indent="-342900">
-              <a:spcBef>
-                <a:spcPts val="0"/>
-              </a:spcBef>
-              <a:buFont typeface="Arial"/>
-              <a:buChar char="•"/>
-            </a:pPr>
-            <a:endParaRPr lang="de-AT" dirty="0"/>
-          </a:p>
-          <a:p>
-            <a:pPr marL="342900" indent="-342900">
-              <a:spcBef>
-                <a:spcPts val="0"/>
-              </a:spcBef>
-              <a:buFont typeface="Arial"/>
-              <a:buChar char="•"/>
-            </a:pPr>
-            <a:endParaRPr lang="de-AT" dirty="0"/>
-          </a:p>
-          <a:p>
-            <a:pPr marL="342900" indent="-342900">
-              <a:spcBef>
-                <a:spcPts val="0"/>
-              </a:spcBef>
-              <a:buFont typeface="Arial"/>
-              <a:buChar char="•"/>
-            </a:pPr>
-            <a:endParaRPr lang="de-AT" dirty="0"/>
-          </a:p>
-          <a:p>
-            <a:pPr marL="342900" indent="-342900">
-              <a:spcBef>
-                <a:spcPts val="0"/>
-              </a:spcBef>
-              <a:buFont typeface="Arial"/>
-              <a:buChar char="•"/>
-            </a:pPr>
-            <a:endParaRPr lang="de-AT" dirty="0"/>
-          </a:p>
-          <a:p>
-            <a:pPr marL="342900" indent="-342900">
-              <a:spcBef>
-                <a:spcPts val="0"/>
-              </a:spcBef>
-              <a:buFont typeface="Arial"/>
-              <a:buChar char="•"/>
-            </a:pPr>
-            <a:endParaRPr lang="de-AT" dirty="0"/>
-          </a:p>
-          <a:p>
-            <a:pPr marL="342900" indent="-342900">
-              <a:spcBef>
-                <a:spcPts val="0"/>
-              </a:spcBef>
-              <a:buFont typeface="Arial"/>
-              <a:buChar char="•"/>
-            </a:pPr>
-            <a:r>
-              <a:rPr lang="de-AT" dirty="0"/>
-              <a:t>Oh </a:t>
-            </a:r>
-            <a:r>
-              <a:rPr lang="de-AT" dirty="0" err="1"/>
-              <a:t>no</a:t>
-            </a:r>
-            <a:r>
-              <a:rPr lang="de-AT" dirty="0"/>
-              <a:t>, not </a:t>
-            </a:r>
-            <a:r>
-              <a:rPr lang="de-AT" dirty="0" err="1"/>
-              <a:t>again</a:t>
-            </a:r>
-            <a:r>
-              <a:rPr lang="de-AT" dirty="0"/>
-              <a:t>!</a:t>
-            </a:r>
-          </a:p>
-          <a:p>
-            <a:pPr marL="342900" indent="-342900">
-              <a:spcBef>
-                <a:spcPts val="0"/>
-              </a:spcBef>
-              <a:buFont typeface="Arial"/>
-              <a:buChar char="•"/>
-            </a:pPr>
-            <a:r>
-              <a:rPr lang="de-AT" dirty="0" err="1"/>
-              <a:t>Capabilities</a:t>
-            </a:r>
-            <a:r>
-              <a:rPr lang="de-AT" dirty="0"/>
-              <a:t> </a:t>
-            </a:r>
-            <a:r>
-              <a:rPr lang="de-AT" dirty="0" err="1"/>
-              <a:t>of</a:t>
-            </a:r>
-            <a:r>
-              <a:rPr lang="de-AT" dirty="0"/>
-              <a:t> a Smartwatch</a:t>
-            </a:r>
-          </a:p>
-          <a:p>
-            <a:pPr indent="-152400"/>
-            <a:endParaRPr lang="de-AT" dirty="0"/>
-          </a:p>
-          <a:p>
-            <a:pPr lvl="1" indent="-152400"/>
-            <a:endParaRPr lang="de-AT" dirty="0"/>
-          </a:p>
-        </p:txBody>
-      </p:sp>
-      <p:pic>
-        <p:nvPicPr>
-          <p:cNvPr id="3" name="Grafik 2">
-            <a:extLst>
-              <a:ext uri="{FF2B5EF4-FFF2-40B4-BE49-F238E27FC236}">
-                <a16:creationId xmlns:a16="http://schemas.microsoft.com/office/drawing/2014/main" id="{4222AC85-7A8C-484A-B9AA-70FFBC249CDC}"/>
-              </a:ext>
-            </a:extLst>
-          </p:cNvPr>
-          <p:cNvPicPr>
-            <a:picLocks noChangeAspect="1"/>
-          </p:cNvPicPr>
-          <p:nvPr/>
-        </p:nvPicPr>
-        <p:blipFill>
-          <a:blip r:embed="rId3"/>
-          <a:stretch>
-            <a:fillRect/>
-          </a:stretch>
-        </p:blipFill>
-        <p:spPr>
-          <a:xfrm>
-            <a:off x="728864" y="2496457"/>
-            <a:ext cx="3292719" cy="3145146"/>
-          </a:xfrm>
-          <a:prstGeom prst="rect">
-            <a:avLst/>
-          </a:prstGeom>
-        </p:spPr>
-      </p:pic>
-    </p:spTree>
-  </p:cSld>
-  <p:clrMapOvr>
-    <a:masterClrMapping/>
-  </p:clrMapOvr>
-</p:sld>
-</file>
-
-<file path=ppt/slides/slide4.xml><?xml version="1.0" encoding="utf-8"?>
-<p:sld xmlns:a="http://schemas.openxmlformats.org/drawingml/2006/main" xmlns:r="http://schemas.openxmlformats.org/officeDocument/2006/relationships" xmlns:p="http://schemas.openxmlformats.org/presentationml/2006/main">
-  <p:cSld>
-    <p:spTree>
-      <p:nvGrpSpPr>
-        <p:cNvPr id="1" name="Shape 149"/>
-        <p:cNvGrpSpPr/>
-        <p:nvPr/>
-      </p:nvGrpSpPr>
-      <p:grpSpPr>
-        <a:xfrm>
-          <a:off x="0" y="0"/>
-          <a:ext cx="0" cy="0"/>
-          <a:chOff x="0" y="0"/>
-          <a:chExt cx="0" cy="0"/>
-        </a:xfrm>
-      </p:grpSpPr>
-      <p:sp>
-        <p:nvSpPr>
-          <p:cNvPr id="150" name="Shape 150"/>
-          <p:cNvSpPr txBox="1">
-            <a:spLocks noGrp="1"/>
-          </p:cNvSpPr>
-          <p:nvPr>
-            <p:ph type="title"/>
-          </p:nvPr>
-        </p:nvSpPr>
-        <p:spPr>
-          <a:xfrm>
-            <a:off x="269875" y="1090515"/>
-            <a:ext cx="8602280" cy="1143000"/>
-          </a:xfrm>
-          <a:prstGeom prst="rect">
-            <a:avLst/>
-          </a:prstGeom>
-          <a:noFill/>
-          <a:ln>
-            <a:noFill/>
-          </a:ln>
-        </p:spPr>
-        <p:txBody>
-          <a:bodyPr wrap="square" lIns="91425" tIns="45700" rIns="91425" bIns="45700" anchor="b" anchorCtr="0">
-            <a:noAutofit/>
-          </a:bodyPr>
-          <a:lstStyle/>
-          <a:p>
-            <a:pPr marL="0" marR="0" lvl="0" indent="-203200" algn="l" rtl="0">
-              <a:spcBef>
-                <a:spcPts val="0"/>
-              </a:spcBef>
-              <a:buClr>
-                <a:schemeClr val="dk1"/>
-              </a:buClr>
-              <a:buSzPct val="100000"/>
-              <a:buFont typeface="Calibri"/>
-              <a:buNone/>
-            </a:pPr>
-            <a:r>
-              <a:rPr lang="de-AT" sz="3200" b="1" i="0" u="none" strike="noStrike" cap="none" dirty="0" err="1">
-                <a:solidFill>
-                  <a:schemeClr val="dk1"/>
-                </a:solidFill>
-                <a:latin typeface="Calibri"/>
-                <a:ea typeface="Calibri"/>
-                <a:cs typeface="Calibri"/>
-                <a:sym typeface="Calibri"/>
-              </a:rPr>
               <a:t>What</a:t>
             </a:r>
             <a:r>
@@ -21550,7 +20829,7 @@
                 <a:cs typeface="Calibri"/>
                 <a:sym typeface="Calibri"/>
               </a:rPr>
-              <a:t>4</a:t>
+              <a:t>3</a:t>
             </a:fld>
             <a:endParaRPr lang="de-AT" sz="1000">
               <a:solidFill>
@@ -21569,7 +20848,7 @@
           <p:cNvPr id="1026" name="Picture 2" descr="https://images-na.ssl-images-amazon.com/images/I/41eWJUdMIzL._SX466_.jpg">
             <a:extLst>
               <a:ext uri="{FF2B5EF4-FFF2-40B4-BE49-F238E27FC236}">
-                <a16:creationId xmlns:a16="http://schemas.microsoft.com/office/drawing/2014/main" id="{9AAF2E4A-DBA7-41C1-A58B-8600AB53068B}"/>
+                <a16:creationId xmlns:a16="http://schemas.microsoft.com/office/drawing/2014/main" xmlns="" id="{9AAF2E4A-DBA7-41C1-A58B-8600AB53068B}"/>
               </a:ext>
             </a:extLst>
           </p:cNvPr>
@@ -21616,7 +20895,7 @@
           <p:cNvPr id="4" name="Textfeld 3">
             <a:extLst>
               <a:ext uri="{FF2B5EF4-FFF2-40B4-BE49-F238E27FC236}">
-                <a16:creationId xmlns:a16="http://schemas.microsoft.com/office/drawing/2014/main" id="{B444CF7D-B155-4C42-8DAB-6AD1965C0E88}"/>
+                <a16:creationId xmlns:a16="http://schemas.microsoft.com/office/drawing/2014/main" xmlns="" id="{B444CF7D-B155-4C42-8DAB-6AD1965C0E88}"/>
               </a:ext>
             </a:extLst>
           </p:cNvPr>
@@ -21674,10 +20953,17 @@
   <p:clrMapOvr>
     <a:masterClrMapping/>
   </p:clrMapOvr>
+  <p:timing>
+    <p:tnLst>
+      <p:par>
+        <p:cTn id="1" dur="indefinite" restart="never" nodeType="tmRoot"/>
+      </p:par>
+    </p:tnLst>
+  </p:timing>
 </p:sld>
 </file>
 
-<file path=ppt/slides/slide5.xml><?xml version="1.0" encoding="utf-8"?>
+<file path=ppt/slides/slide4.xml><?xml version="1.0" encoding="utf-8"?>
 <p:sld xmlns:a="http://schemas.openxmlformats.org/drawingml/2006/main" xmlns:r="http://schemas.openxmlformats.org/officeDocument/2006/relationships" xmlns:p="http://schemas.openxmlformats.org/presentationml/2006/main">
   <p:cSld>
     <p:spTree>
@@ -21788,9 +21074,10 @@
               <a:buChar char="●"/>
             </a:pPr>
             <a:r>
-              <a:rPr lang="de-AT" dirty="0"/>
-              <a:t>Susanne</a:t>
-            </a:r>
+              <a:rPr lang="de-AT" dirty="0" smtClean="0"/>
+              <a:t>Susan</a:t>
+            </a:r>
+            <a:endParaRPr lang="de-AT" dirty="0"/>
           </a:p>
           <a:p>
             <a:pPr marL="914400" lvl="0" indent="-381000" rtl="0">
@@ -21803,8 +21090,8 @@
               <a:buChar char="-"/>
             </a:pPr>
             <a:r>
-              <a:rPr lang="de-AT" dirty="0"/>
-              <a:t>Susanne </a:t>
+              <a:rPr lang="de-AT" dirty="0" smtClean="0"/>
+              <a:t>Susan </a:t>
             </a:r>
             <a:r>
               <a:rPr lang="de-AT" dirty="0" err="1"/>
@@ -22421,7 +21708,7 @@
                 <a:cs typeface="Calibri"/>
                 <a:sym typeface="Calibri"/>
               </a:rPr>
-              <a:t>5</a:t>
+              <a:t>4</a:t>
             </a:fld>
             <a:endParaRPr lang="de-AT" sz="1000">
               <a:solidFill>
@@ -22481,6 +21768,895 @@
   <p:clrMapOvr>
     <a:masterClrMapping/>
   </p:clrMapOvr>
+  <p:timing>
+    <p:tnLst>
+      <p:par>
+        <p:cTn id="1" dur="indefinite" restart="never" nodeType="tmRoot"/>
+      </p:par>
+    </p:tnLst>
+  </p:timing>
+</p:sld>
+</file>
+
+<file path=ppt/slides/slide5.xml><?xml version="1.0" encoding="utf-8"?>
+<p:sld xmlns:a="http://schemas.openxmlformats.org/drawingml/2006/main" xmlns:r="http://schemas.openxmlformats.org/officeDocument/2006/relationships" xmlns:p="http://schemas.openxmlformats.org/presentationml/2006/main">
+  <p:cSld>
+    <p:spTree>
+      <p:nvGrpSpPr>
+        <p:cNvPr id="1" name="Shape 167"/>
+        <p:cNvGrpSpPr/>
+        <p:nvPr/>
+      </p:nvGrpSpPr>
+      <p:grpSpPr>
+        <a:xfrm>
+          <a:off x="0" y="0"/>
+          <a:ext cx="0" cy="0"/>
+          <a:chOff x="0" y="0"/>
+          <a:chExt cx="0" cy="0"/>
+        </a:xfrm>
+      </p:grpSpPr>
+      <p:sp>
+        <p:nvSpPr>
+          <p:cNvPr id="168" name="Shape 168"/>
+          <p:cNvSpPr txBox="1">
+            <a:spLocks noGrp="1"/>
+          </p:cNvSpPr>
+          <p:nvPr>
+            <p:ph type="title"/>
+          </p:nvPr>
+        </p:nvSpPr>
+        <p:spPr>
+          <a:xfrm>
+            <a:off x="269875" y="1090515"/>
+            <a:ext cx="8602200" cy="1143000"/>
+          </a:xfrm>
+          <a:prstGeom prst="rect">
+            <a:avLst/>
+          </a:prstGeom>
+          <a:noFill/>
+          <a:ln>
+            <a:noFill/>
+          </a:ln>
+        </p:spPr>
+        <p:txBody>
+          <a:bodyPr wrap="square" lIns="91425" tIns="45700" rIns="91425" bIns="45700" anchor="b" anchorCtr="0">
+            <a:noAutofit/>
+          </a:bodyPr>
+          <a:lstStyle/>
+          <a:p>
+            <a:pPr marL="0" marR="0" lvl="0" indent="-203200" algn="l" rtl="0">
+              <a:spcBef>
+                <a:spcPts val="0"/>
+              </a:spcBef>
+              <a:buClr>
+                <a:schemeClr val="dk1"/>
+              </a:buClr>
+              <a:buSzPct val="100000"/>
+              <a:buFont typeface="Calibri"/>
+              <a:buNone/>
+            </a:pPr>
+            <a:r>
+              <a:rPr lang="de-AT" sz="3200" b="1" i="0" u="none" strike="noStrike" cap="none" dirty="0">
+                <a:solidFill>
+                  <a:schemeClr val="dk1"/>
+                </a:solidFill>
+                <a:latin typeface="Calibri"/>
+                <a:ea typeface="Calibri"/>
+                <a:cs typeface="Calibri"/>
+                <a:sym typeface="Calibri"/>
+              </a:rPr>
+              <a:t>Persona</a:t>
+            </a:r>
+          </a:p>
+        </p:txBody>
+      </p:sp>
+      <p:sp>
+        <p:nvSpPr>
+          <p:cNvPr id="169" name="Shape 169"/>
+          <p:cNvSpPr txBox="1">
+            <a:spLocks noGrp="1"/>
+          </p:cNvSpPr>
+          <p:nvPr>
+            <p:ph type="body" idx="1"/>
+          </p:nvPr>
+        </p:nvSpPr>
+        <p:spPr>
+          <a:xfrm>
+            <a:off x="269875" y="2344057"/>
+            <a:ext cx="8604300" cy="3748800"/>
+          </a:xfrm>
+          <a:prstGeom prst="rect">
+            <a:avLst/>
+          </a:prstGeom>
+          <a:noFill/>
+          <a:ln>
+            <a:noFill/>
+          </a:ln>
+        </p:spPr>
+        <p:txBody>
+          <a:bodyPr wrap="square" lIns="91425" tIns="45700" rIns="91425" bIns="45700" anchor="t" anchorCtr="0">
+            <a:noAutofit/>
+          </a:bodyPr>
+          <a:lstStyle/>
+          <a:p>
+            <a:pPr marL="457200" lvl="0" indent="-381000">
+              <a:lnSpc>
+                <a:spcPct val="115000"/>
+              </a:lnSpc>
+              <a:spcBef>
+                <a:spcPts val="0"/>
+              </a:spcBef>
+              <a:buChar char="●"/>
+            </a:pPr>
+            <a:r>
+              <a:rPr lang="de-AT" dirty="0"/>
+              <a:t>Klaus</a:t>
+            </a:r>
+          </a:p>
+          <a:p>
+            <a:pPr marL="914400" lvl="0" indent="-381000">
+              <a:lnSpc>
+                <a:spcPct val="115000"/>
+              </a:lnSpc>
+              <a:spcBef>
+                <a:spcPts val="0"/>
+              </a:spcBef>
+              <a:buChar char="-"/>
+            </a:pPr>
+            <a:r>
+              <a:rPr lang="de-AT" dirty="0"/>
+              <a:t>Klaus </a:t>
+            </a:r>
+            <a:r>
+              <a:rPr lang="de-AT" dirty="0" err="1"/>
+              <a:t>is</a:t>
+            </a:r>
+            <a:r>
+              <a:rPr lang="de-AT" dirty="0"/>
+              <a:t> a </a:t>
+            </a:r>
+            <a:r>
+              <a:rPr lang="de-AT" dirty="0" err="1"/>
+              <a:t>father</a:t>
+            </a:r>
+            <a:r>
+              <a:rPr lang="de-AT" dirty="0"/>
+              <a:t> </a:t>
+            </a:r>
+            <a:r>
+              <a:rPr lang="de-AT" dirty="0" err="1"/>
+              <a:t>of</a:t>
+            </a:r>
+            <a:r>
+              <a:rPr lang="de-AT" dirty="0"/>
+              <a:t> </a:t>
+            </a:r>
+            <a:r>
+              <a:rPr lang="de-AT" dirty="0" err="1"/>
+              <a:t>two</a:t>
+            </a:r>
+            <a:r>
+              <a:rPr lang="de-AT" dirty="0"/>
+              <a:t> </a:t>
+            </a:r>
+            <a:r>
+              <a:rPr lang="de-AT" dirty="0" err="1"/>
+              <a:t>children</a:t>
+            </a:r>
+            <a:r>
+              <a:rPr lang="de-AT" dirty="0"/>
+              <a:t> </a:t>
+            </a:r>
+            <a:r>
+              <a:rPr lang="de-AT" dirty="0" err="1"/>
+              <a:t>and</a:t>
+            </a:r>
+            <a:r>
+              <a:rPr lang="de-AT" dirty="0"/>
+              <a:t> </a:t>
+            </a:r>
+            <a:r>
+              <a:rPr lang="de-AT" dirty="0" err="1"/>
+              <a:t>is</a:t>
+            </a:r>
+            <a:r>
+              <a:rPr lang="de-AT" dirty="0"/>
+              <a:t> </a:t>
+            </a:r>
+            <a:r>
+              <a:rPr lang="de-AT" dirty="0" err="1"/>
+              <a:t>very</a:t>
+            </a:r>
+            <a:r>
+              <a:rPr lang="de-AT" dirty="0"/>
+              <a:t> </a:t>
+            </a:r>
+            <a:r>
+              <a:rPr lang="de-AT" dirty="0" err="1"/>
+              <a:t>protective</a:t>
+            </a:r>
+            <a:r>
+              <a:rPr lang="de-AT" dirty="0"/>
+              <a:t> </a:t>
+            </a:r>
+            <a:r>
+              <a:rPr lang="de-AT" dirty="0" err="1"/>
+              <a:t>about</a:t>
+            </a:r>
+            <a:r>
+              <a:rPr lang="de-AT" dirty="0"/>
+              <a:t> </a:t>
+            </a:r>
+            <a:r>
+              <a:rPr lang="de-AT" dirty="0" err="1"/>
+              <a:t>them</a:t>
+            </a:r>
+            <a:r>
+              <a:rPr lang="de-AT" dirty="0"/>
+              <a:t>. He </a:t>
+            </a:r>
+            <a:r>
+              <a:rPr lang="de-AT" dirty="0" err="1"/>
+              <a:t>is</a:t>
+            </a:r>
+            <a:r>
+              <a:rPr lang="de-AT" dirty="0"/>
+              <a:t> </a:t>
+            </a:r>
+            <a:r>
+              <a:rPr lang="de-AT" dirty="0" err="1"/>
+              <a:t>always</a:t>
+            </a:r>
+            <a:r>
+              <a:rPr lang="de-AT" dirty="0"/>
+              <a:t> </a:t>
+            </a:r>
+            <a:r>
+              <a:rPr lang="de-AT" dirty="0" err="1"/>
+              <a:t>anxious</a:t>
+            </a:r>
+            <a:r>
+              <a:rPr lang="de-AT" dirty="0"/>
+              <a:t> </a:t>
+            </a:r>
+            <a:r>
+              <a:rPr lang="de-AT" dirty="0" err="1"/>
+              <a:t>that</a:t>
+            </a:r>
+            <a:r>
+              <a:rPr lang="de-AT" dirty="0"/>
+              <a:t> </a:t>
+            </a:r>
+            <a:r>
+              <a:rPr lang="de-AT" dirty="0" err="1"/>
+              <a:t>something</a:t>
+            </a:r>
+            <a:r>
+              <a:rPr lang="de-AT" dirty="0"/>
+              <a:t> </a:t>
+            </a:r>
+            <a:r>
+              <a:rPr lang="de-AT" dirty="0" err="1"/>
+              <a:t>could</a:t>
+            </a:r>
+            <a:r>
+              <a:rPr lang="de-AT" dirty="0"/>
+              <a:t> happen </a:t>
+            </a:r>
+            <a:r>
+              <a:rPr lang="de-AT" dirty="0" err="1"/>
+              <a:t>to</a:t>
+            </a:r>
+            <a:r>
+              <a:rPr lang="de-AT" dirty="0"/>
+              <a:t> </a:t>
+            </a:r>
+            <a:r>
+              <a:rPr lang="de-AT" dirty="0" err="1"/>
+              <a:t>them</a:t>
+            </a:r>
+            <a:r>
+              <a:rPr lang="de-AT" dirty="0"/>
+              <a:t>. </a:t>
+            </a:r>
+            <a:r>
+              <a:rPr lang="de-AT" dirty="0" err="1"/>
+              <a:t>Although</a:t>
+            </a:r>
+            <a:r>
+              <a:rPr lang="de-AT" dirty="0"/>
+              <a:t> </a:t>
+            </a:r>
+            <a:r>
+              <a:rPr lang="de-AT" dirty="0" err="1"/>
+              <a:t>they</a:t>
+            </a:r>
+            <a:r>
+              <a:rPr lang="de-AT" dirty="0"/>
+              <a:t> </a:t>
+            </a:r>
+            <a:r>
+              <a:rPr lang="de-AT" dirty="0" err="1"/>
+              <a:t>have</a:t>
+            </a:r>
+            <a:r>
+              <a:rPr lang="de-AT" dirty="0"/>
+              <a:t> </a:t>
+            </a:r>
+            <a:r>
+              <a:rPr lang="de-AT" dirty="0" err="1"/>
+              <a:t>smartphones</a:t>
+            </a:r>
+            <a:r>
+              <a:rPr lang="de-AT" dirty="0"/>
+              <a:t> he </a:t>
+            </a:r>
+            <a:r>
+              <a:rPr lang="de-AT" dirty="0" err="1"/>
+              <a:t>is</a:t>
+            </a:r>
+            <a:r>
+              <a:rPr lang="de-AT" dirty="0"/>
+              <a:t> </a:t>
+            </a:r>
+            <a:r>
+              <a:rPr lang="de-AT" dirty="0" err="1"/>
+              <a:t>worried</a:t>
+            </a:r>
+            <a:r>
+              <a:rPr lang="de-AT" dirty="0"/>
+              <a:t> </a:t>
+            </a:r>
+            <a:r>
+              <a:rPr lang="de-AT" dirty="0" err="1"/>
+              <a:t>they</a:t>
+            </a:r>
+            <a:r>
+              <a:rPr lang="de-AT" dirty="0"/>
+              <a:t> </a:t>
+            </a:r>
+            <a:r>
+              <a:rPr lang="de-AT" dirty="0" err="1"/>
+              <a:t>might</a:t>
+            </a:r>
+            <a:r>
+              <a:rPr lang="de-AT" dirty="0"/>
+              <a:t> not </a:t>
+            </a:r>
+            <a:r>
+              <a:rPr lang="de-AT" dirty="0" err="1"/>
+              <a:t>be</a:t>
+            </a:r>
+            <a:r>
+              <a:rPr lang="de-AT" dirty="0"/>
+              <a:t> </a:t>
+            </a:r>
+            <a:r>
+              <a:rPr lang="de-AT" dirty="0" err="1"/>
+              <a:t>able</a:t>
+            </a:r>
+            <a:r>
+              <a:rPr lang="de-AT" dirty="0"/>
+              <a:t> </a:t>
+            </a:r>
+            <a:r>
+              <a:rPr lang="de-AT" dirty="0" err="1"/>
+              <a:t>to</a:t>
+            </a:r>
+            <a:r>
+              <a:rPr lang="de-AT" dirty="0"/>
+              <a:t> </a:t>
+            </a:r>
+            <a:r>
+              <a:rPr lang="de-AT" dirty="0" err="1"/>
+              <a:t>contact</a:t>
+            </a:r>
+            <a:r>
+              <a:rPr lang="de-AT" dirty="0"/>
+              <a:t> </a:t>
+            </a:r>
+            <a:r>
+              <a:rPr lang="de-AT" dirty="0" err="1"/>
+              <a:t>him</a:t>
+            </a:r>
+            <a:r>
+              <a:rPr lang="de-AT" dirty="0"/>
+              <a:t> </a:t>
+            </a:r>
+            <a:r>
+              <a:rPr lang="de-AT" dirty="0" err="1"/>
+              <a:t>when</a:t>
+            </a:r>
+            <a:r>
+              <a:rPr lang="de-AT" dirty="0"/>
+              <a:t> </a:t>
+            </a:r>
+            <a:r>
+              <a:rPr lang="de-AT" dirty="0" err="1"/>
+              <a:t>they</a:t>
+            </a:r>
+            <a:r>
+              <a:rPr lang="de-AT" dirty="0"/>
+              <a:t> </a:t>
+            </a:r>
+            <a:r>
+              <a:rPr lang="de-AT" dirty="0" err="1"/>
+              <a:t>are</a:t>
+            </a:r>
+            <a:r>
+              <a:rPr lang="de-AT" dirty="0"/>
+              <a:t> in </a:t>
+            </a:r>
+            <a:r>
+              <a:rPr lang="de-AT" dirty="0" err="1"/>
+              <a:t>trouble</a:t>
+            </a:r>
+            <a:r>
+              <a:rPr lang="de-AT" dirty="0"/>
+              <a:t>.</a:t>
+            </a:r>
+          </a:p>
+          <a:p>
+            <a:pPr marL="914400" lvl="0" indent="-381000">
+              <a:lnSpc>
+                <a:spcPct val="115000"/>
+              </a:lnSpc>
+              <a:spcBef>
+                <a:spcPts val="0"/>
+              </a:spcBef>
+              <a:buChar char="-"/>
+            </a:pPr>
+            <a:r>
+              <a:rPr lang="de-AT" dirty="0" err="1"/>
+              <a:t>With</a:t>
+            </a:r>
+            <a:r>
+              <a:rPr lang="de-AT" dirty="0"/>
+              <a:t> </a:t>
+            </a:r>
+            <a:r>
+              <a:rPr lang="de-AT" dirty="0" err="1"/>
+              <a:t>the</a:t>
+            </a:r>
+            <a:r>
+              <a:rPr lang="de-AT" dirty="0"/>
+              <a:t> Emergency Alerter </a:t>
+            </a:r>
+            <a:r>
+              <a:rPr lang="de-AT" dirty="0" err="1"/>
+              <a:t>Smartwatch</a:t>
+            </a:r>
+            <a:r>
+              <a:rPr lang="de-AT" dirty="0"/>
+              <a:t> </a:t>
+            </a:r>
+            <a:r>
+              <a:rPr lang="de-AT" dirty="0" err="1"/>
+              <a:t>app</a:t>
+            </a:r>
+            <a:r>
+              <a:rPr lang="de-AT" dirty="0"/>
+              <a:t>, </a:t>
+            </a:r>
+            <a:r>
+              <a:rPr lang="de-AT" dirty="0" err="1"/>
+              <a:t>the</a:t>
+            </a:r>
+            <a:r>
+              <a:rPr lang="de-AT" dirty="0"/>
+              <a:t> </a:t>
+            </a:r>
+            <a:r>
+              <a:rPr lang="de-AT" dirty="0" err="1"/>
+              <a:t>children</a:t>
+            </a:r>
+            <a:r>
+              <a:rPr lang="de-AT" dirty="0"/>
+              <a:t> </a:t>
+            </a:r>
+            <a:r>
+              <a:rPr lang="de-AT" dirty="0" err="1"/>
+              <a:t>only</a:t>
+            </a:r>
+            <a:r>
+              <a:rPr lang="de-AT" dirty="0"/>
+              <a:t> </a:t>
+            </a:r>
+            <a:r>
+              <a:rPr lang="de-AT" dirty="0" err="1"/>
+              <a:t>would</a:t>
+            </a:r>
+            <a:r>
+              <a:rPr lang="de-AT" dirty="0"/>
+              <a:t> </a:t>
+            </a:r>
+            <a:r>
+              <a:rPr lang="de-AT" dirty="0" err="1"/>
+              <a:t>have</a:t>
+            </a:r>
+            <a:r>
+              <a:rPr lang="de-AT" dirty="0"/>
+              <a:t> </a:t>
+            </a:r>
+            <a:r>
+              <a:rPr lang="de-AT" dirty="0" err="1"/>
+              <a:t>to</a:t>
+            </a:r>
+            <a:r>
+              <a:rPr lang="de-AT" dirty="0"/>
+              <a:t> </a:t>
+            </a:r>
+            <a:r>
+              <a:rPr lang="de-AT" dirty="0" err="1"/>
+              <a:t>tap</a:t>
+            </a:r>
+            <a:r>
+              <a:rPr lang="de-AT" dirty="0"/>
+              <a:t> </a:t>
+            </a:r>
+            <a:r>
+              <a:rPr lang="de-AT" dirty="0" err="1"/>
+              <a:t>one</a:t>
+            </a:r>
+            <a:r>
+              <a:rPr lang="de-AT" dirty="0"/>
+              <a:t> </a:t>
+            </a:r>
+            <a:r>
+              <a:rPr lang="de-AT" dirty="0" err="1"/>
+              <a:t>button</a:t>
+            </a:r>
+            <a:r>
+              <a:rPr lang="de-AT" dirty="0"/>
+              <a:t> </a:t>
+            </a:r>
+            <a:r>
+              <a:rPr lang="de-AT" dirty="0" err="1"/>
+              <a:t>to</a:t>
+            </a:r>
+            <a:r>
+              <a:rPr lang="de-AT" dirty="0"/>
+              <a:t> </a:t>
+            </a:r>
+            <a:r>
+              <a:rPr lang="de-AT" dirty="0" err="1"/>
+              <a:t>instantly</a:t>
+            </a:r>
+            <a:r>
+              <a:rPr lang="de-AT" dirty="0"/>
+              <a:t> </a:t>
+            </a:r>
+            <a:r>
+              <a:rPr lang="de-AT" dirty="0" err="1"/>
+              <a:t>notify</a:t>
+            </a:r>
+            <a:r>
+              <a:rPr lang="de-AT" dirty="0"/>
+              <a:t> </a:t>
+            </a:r>
+            <a:r>
+              <a:rPr lang="de-AT" dirty="0" err="1"/>
+              <a:t>the</a:t>
+            </a:r>
+            <a:r>
+              <a:rPr lang="de-AT" dirty="0"/>
+              <a:t> </a:t>
+            </a:r>
+            <a:r>
+              <a:rPr lang="de-AT" dirty="0" err="1"/>
+              <a:t>police</a:t>
+            </a:r>
+            <a:r>
+              <a:rPr lang="de-AT" dirty="0"/>
+              <a:t> </a:t>
+            </a:r>
+            <a:r>
+              <a:rPr lang="de-AT" dirty="0" err="1"/>
+              <a:t>or</a:t>
+            </a:r>
+            <a:r>
+              <a:rPr lang="de-AT" dirty="0"/>
+              <a:t> </a:t>
+            </a:r>
+            <a:r>
+              <a:rPr lang="de-AT" dirty="0" err="1"/>
+              <a:t>their</a:t>
+            </a:r>
+            <a:r>
+              <a:rPr lang="de-AT" dirty="0"/>
+              <a:t> </a:t>
+            </a:r>
+            <a:r>
+              <a:rPr lang="de-AT" dirty="0" err="1"/>
+              <a:t>father</a:t>
+            </a:r>
+            <a:r>
+              <a:rPr lang="de-AT" dirty="0"/>
+              <a:t>, </a:t>
+            </a:r>
+            <a:r>
+              <a:rPr lang="de-AT" dirty="0" err="1"/>
+              <a:t>which</a:t>
+            </a:r>
+            <a:r>
+              <a:rPr lang="de-AT" dirty="0"/>
+              <a:t> </a:t>
+            </a:r>
+            <a:r>
+              <a:rPr lang="de-AT" dirty="0" err="1"/>
+              <a:t>would</a:t>
+            </a:r>
+            <a:r>
+              <a:rPr lang="de-AT" dirty="0"/>
+              <a:t> </a:t>
+            </a:r>
+            <a:r>
+              <a:rPr lang="de-AT" dirty="0" err="1"/>
+              <a:t>help</a:t>
+            </a:r>
+            <a:r>
+              <a:rPr lang="de-AT" dirty="0"/>
+              <a:t> Klaus relax a </a:t>
+            </a:r>
+            <a:r>
+              <a:rPr lang="de-AT" dirty="0" err="1"/>
+              <a:t>little</a:t>
+            </a:r>
+            <a:r>
+              <a:rPr lang="de-AT" dirty="0"/>
+              <a:t> </a:t>
+            </a:r>
+            <a:r>
+              <a:rPr lang="de-AT" dirty="0" err="1"/>
+              <a:t>more</a:t>
+            </a:r>
+            <a:r>
+              <a:rPr lang="de-AT" dirty="0"/>
+              <a:t>.</a:t>
+            </a:r>
+          </a:p>
+          <a:p>
+            <a:pPr lvl="0" rtl="0">
+              <a:lnSpc>
+                <a:spcPct val="115000"/>
+              </a:lnSpc>
+              <a:spcBef>
+                <a:spcPts val="0"/>
+              </a:spcBef>
+              <a:buNone/>
+            </a:pPr>
+            <a:endParaRPr dirty="0"/>
+          </a:p>
+        </p:txBody>
+      </p:sp>
+      <p:sp>
+        <p:nvSpPr>
+          <p:cNvPr id="170" name="Shape 170"/>
+          <p:cNvSpPr txBox="1">
+            <a:spLocks noGrp="1"/>
+          </p:cNvSpPr>
+          <p:nvPr>
+            <p:ph type="dt" idx="10"/>
+          </p:nvPr>
+        </p:nvSpPr>
+        <p:spPr>
+          <a:xfrm>
+            <a:off x="264980" y="6356350"/>
+            <a:ext cx="2133600" cy="365100"/>
+          </a:xfrm>
+          <a:prstGeom prst="rect">
+            <a:avLst/>
+          </a:prstGeom>
+          <a:noFill/>
+          <a:ln>
+            <a:noFill/>
+          </a:ln>
+        </p:spPr>
+        <p:txBody>
+          <a:bodyPr wrap="square" lIns="91425" tIns="45700" rIns="91425" bIns="45700" anchor="ctr" anchorCtr="0">
+            <a:noAutofit/>
+          </a:bodyPr>
+          <a:lstStyle/>
+          <a:p>
+            <a:pPr marL="0" marR="0" lvl="0" indent="0" algn="l" rtl="0">
+              <a:spcBef>
+                <a:spcPts val="0"/>
+              </a:spcBef>
+              <a:buSzPct val="25000"/>
+              <a:buNone/>
+            </a:pPr>
+            <a:r>
+              <a:rPr lang="de-AT" sz="1000">
+                <a:solidFill>
+                  <a:srgbClr val="888888"/>
+                </a:solidFill>
+                <a:latin typeface="Calibri"/>
+                <a:ea typeface="Calibri"/>
+                <a:cs typeface="Calibri"/>
+                <a:sym typeface="Calibri"/>
+              </a:rPr>
+              <a:t>06.11.2017</a:t>
+            </a:r>
+          </a:p>
+        </p:txBody>
+      </p:sp>
+      <p:sp>
+        <p:nvSpPr>
+          <p:cNvPr id="171" name="Shape 171"/>
+          <p:cNvSpPr txBox="1">
+            <a:spLocks noGrp="1"/>
+          </p:cNvSpPr>
+          <p:nvPr>
+            <p:ph type="ftr" idx="11"/>
+          </p:nvPr>
+        </p:nvSpPr>
+        <p:spPr>
+          <a:xfrm>
+            <a:off x="3124200" y="6356350"/>
+            <a:ext cx="2895600" cy="365100"/>
+          </a:xfrm>
+          <a:prstGeom prst="rect">
+            <a:avLst/>
+          </a:prstGeom>
+          <a:noFill/>
+          <a:ln>
+            <a:noFill/>
+          </a:ln>
+        </p:spPr>
+        <p:txBody>
+          <a:bodyPr wrap="square" lIns="91425" tIns="45700" rIns="91425" bIns="45700" anchor="ctr" anchorCtr="0">
+            <a:noAutofit/>
+          </a:bodyPr>
+          <a:lstStyle/>
+          <a:p>
+            <a:pPr marL="0" marR="0" lvl="0" indent="0" algn="ctr" rtl="0">
+              <a:spcBef>
+                <a:spcPts val="0"/>
+              </a:spcBef>
+              <a:buSzPct val="25000"/>
+              <a:buNone/>
+            </a:pPr>
+            <a:r>
+              <a:rPr lang="de-AT" sz="1000">
+                <a:solidFill>
+                  <a:srgbClr val="888888"/>
+                </a:solidFill>
+                <a:latin typeface="Calibri"/>
+                <a:ea typeface="Calibri"/>
+                <a:cs typeface="Calibri"/>
+                <a:sym typeface="Calibri"/>
+              </a:rPr>
+              <a:t>IMS16</a:t>
+            </a:r>
+          </a:p>
+        </p:txBody>
+      </p:sp>
+      <p:sp>
+        <p:nvSpPr>
+          <p:cNvPr id="172" name="Shape 172"/>
+          <p:cNvSpPr txBox="1">
+            <a:spLocks noGrp="1"/>
+          </p:cNvSpPr>
+          <p:nvPr>
+            <p:ph type="sldNum" idx="12"/>
+          </p:nvPr>
+        </p:nvSpPr>
+        <p:spPr>
+          <a:xfrm>
+            <a:off x="6738555" y="6356350"/>
+            <a:ext cx="2133600" cy="365100"/>
+          </a:xfrm>
+          <a:prstGeom prst="rect">
+            <a:avLst/>
+          </a:prstGeom>
+          <a:noFill/>
+          <a:ln>
+            <a:noFill/>
+          </a:ln>
+        </p:spPr>
+        <p:txBody>
+          <a:bodyPr wrap="square" lIns="91425" tIns="45700" rIns="91425" bIns="45700" anchor="ctr" anchorCtr="0">
+            <a:noAutofit/>
+          </a:bodyPr>
+          <a:lstStyle/>
+          <a:p>
+            <a:pPr marL="0" marR="0" lvl="0" indent="0" algn="r" rtl="0">
+              <a:spcBef>
+                <a:spcPts val="0"/>
+              </a:spcBef>
+              <a:buSzPct val="25000"/>
+              <a:buNone/>
+            </a:pPr>
+            <a:fld id="{00000000-1234-1234-1234-123412341234}" type="slidenum">
+              <a:rPr lang="de-AT" sz="1000">
+                <a:solidFill>
+                  <a:srgbClr val="888888"/>
+                </a:solidFill>
+                <a:latin typeface="Calibri"/>
+                <a:ea typeface="Calibri"/>
+                <a:cs typeface="Calibri"/>
+                <a:sym typeface="Calibri"/>
+              </a:rPr>
+              <a:t>5</a:t>
+            </a:fld>
+            <a:endParaRPr lang="de-AT" sz="1000">
+              <a:solidFill>
+                <a:srgbClr val="888888"/>
+              </a:solidFill>
+              <a:latin typeface="Calibri"/>
+              <a:ea typeface="Calibri"/>
+              <a:cs typeface="Calibri"/>
+              <a:sym typeface="Calibri"/>
+            </a:endParaRPr>
+          </a:p>
+        </p:txBody>
+      </p:sp>
+      <p:pic>
+        <p:nvPicPr>
+          <p:cNvPr id="2051" name="Picture 3"/>
+          <p:cNvPicPr>
+            <a:picLocks noChangeAspect="1" noChangeArrowheads="1"/>
+          </p:cNvPicPr>
+          <p:nvPr/>
+        </p:nvPicPr>
+        <p:blipFill>
+          <a:blip r:embed="rId3">
+            <a:extLst>
+              <a:ext uri="{28A0092B-C50C-407E-A947-70E740481C1C}">
+                <a14:useLocalDpi xmlns:a14="http://schemas.microsoft.com/office/drawing/2010/main" val="0"/>
+              </a:ext>
+            </a:extLst>
+          </a:blip>
+          <a:srcRect/>
+          <a:stretch>
+            <a:fillRect/>
+          </a:stretch>
+        </p:blipFill>
+        <p:spPr bwMode="auto">
+          <a:xfrm>
+            <a:off x="4997254" y="981290"/>
+            <a:ext cx="2609260" cy="1742312"/>
+          </a:xfrm>
+          <a:prstGeom prst="rect">
+            <a:avLst/>
+          </a:prstGeom>
+          <a:noFill/>
+          <a:ln>
+            <a:noFill/>
+          </a:ln>
+          <a:extLst>
+            <a:ext uri="{909E8E84-426E-40DD-AFC4-6F175D3DCCD1}">
+              <a14:hiddenFill xmlns:a14="http://schemas.microsoft.com/office/drawing/2010/main">
+                <a:solidFill>
+                  <a:schemeClr val="accent1"/>
+                </a:solidFill>
+              </a14:hiddenFill>
+            </a:ext>
+            <a:ext uri="{91240B29-F687-4F45-9708-019B960494DF}">
+              <a14:hiddenLine xmlns:a14="http://schemas.microsoft.com/office/drawing/2010/main" w="9525">
+                <a:solidFill>
+                  <a:schemeClr val="tx1"/>
+                </a:solidFill>
+                <a:miter lim="800000"/>
+                <a:headEnd/>
+                <a:tailEnd/>
+              </a14:hiddenLine>
+            </a:ext>
+          </a:extLst>
+        </p:spPr>
+      </p:pic>
+    </p:spTree>
+  </p:cSld>
+  <p:clrMapOvr>
+    <a:masterClrMapping/>
+  </p:clrMapOvr>
+  <p:timing>
+    <p:tnLst>
+      <p:par>
+        <p:cTn id="1" dur="indefinite" restart="never" nodeType="tmRoot"/>
+      </p:par>
+    </p:tnLst>
+  </p:timing>
 </p:sld>
 </file>
 
@@ -22551,7 +22727,7 @@
                 <a:cs typeface="Calibri"/>
                 <a:sym typeface="Calibri"/>
               </a:rPr>
-              <a:t>Persona</a:t>
+              <a:t>User Stories </a:t>
             </a:r>
           </a:p>
         </p:txBody>
@@ -22596,325 +22772,246 @@
             </a:pPr>
             <a:r>
               <a:rPr lang="de-AT" dirty="0"/>
-              <a:t>Klaus</a:t>
+              <a:t>As a </a:t>
+            </a:r>
+            <a:r>
+              <a:rPr lang="de-AT" dirty="0" err="1"/>
+              <a:t>user</a:t>
+            </a:r>
+            <a:r>
+              <a:rPr lang="de-AT" dirty="0"/>
+              <a:t>, I </a:t>
+            </a:r>
+            <a:r>
+              <a:rPr lang="de-AT" dirty="0" err="1"/>
+              <a:t>want</a:t>
+            </a:r>
+            <a:r>
+              <a:rPr lang="de-AT" dirty="0"/>
+              <a:t> </a:t>
+            </a:r>
+            <a:r>
+              <a:rPr lang="de-AT" dirty="0" err="1"/>
+              <a:t>to</a:t>
+            </a:r>
+            <a:r>
+              <a:rPr lang="de-AT" dirty="0"/>
+              <a:t> </a:t>
+            </a:r>
+            <a:r>
+              <a:rPr lang="de-AT" dirty="0" err="1"/>
+              <a:t>be</a:t>
+            </a:r>
+            <a:r>
+              <a:rPr lang="de-AT" dirty="0"/>
+              <a:t> </a:t>
+            </a:r>
+            <a:r>
+              <a:rPr lang="de-AT" dirty="0" err="1"/>
+              <a:t>able</a:t>
+            </a:r>
+            <a:r>
+              <a:rPr lang="de-AT" dirty="0"/>
+              <a:t> </a:t>
+            </a:r>
+            <a:r>
+              <a:rPr lang="de-AT" dirty="0" err="1"/>
+              <a:t>to</a:t>
+            </a:r>
+            <a:r>
+              <a:rPr lang="de-AT" dirty="0"/>
+              <a:t> </a:t>
+            </a:r>
+            <a:r>
+              <a:rPr lang="de-AT" dirty="0" err="1"/>
+              <a:t>notify</a:t>
+            </a:r>
+            <a:r>
+              <a:rPr lang="de-AT" dirty="0"/>
+              <a:t> a </a:t>
+            </a:r>
+            <a:r>
+              <a:rPr lang="de-AT" dirty="0" err="1"/>
+              <a:t>pre-defined</a:t>
+            </a:r>
+            <a:r>
+              <a:rPr lang="de-AT" dirty="0"/>
+              <a:t> </a:t>
+            </a:r>
+            <a:r>
+              <a:rPr lang="de-AT" dirty="0" err="1"/>
+              <a:t>list</a:t>
+            </a:r>
+            <a:r>
+              <a:rPr lang="de-AT" dirty="0"/>
+              <a:t> </a:t>
+            </a:r>
+            <a:r>
+              <a:rPr lang="de-AT" dirty="0" err="1"/>
+              <a:t>of</a:t>
+            </a:r>
+            <a:r>
+              <a:rPr lang="de-AT" dirty="0"/>
+              <a:t> </a:t>
+            </a:r>
+            <a:r>
+              <a:rPr lang="de-AT" dirty="0" err="1"/>
+              <a:t>contacts</a:t>
+            </a:r>
+            <a:r>
+              <a:rPr lang="de-AT" dirty="0"/>
+              <a:t> </a:t>
+            </a:r>
+            <a:r>
+              <a:rPr lang="de-AT" dirty="0" err="1"/>
+              <a:t>that</a:t>
+            </a:r>
+            <a:r>
+              <a:rPr lang="de-AT" dirty="0"/>
+              <a:t> I </a:t>
+            </a:r>
+            <a:r>
+              <a:rPr lang="de-AT" dirty="0" err="1"/>
+              <a:t>need</a:t>
+            </a:r>
+            <a:r>
+              <a:rPr lang="de-AT" dirty="0"/>
+              <a:t> </a:t>
+            </a:r>
+            <a:r>
+              <a:rPr lang="de-AT" dirty="0" err="1"/>
+              <a:t>help</a:t>
+            </a:r>
+            <a:r>
+              <a:rPr lang="de-AT" dirty="0"/>
+              <a:t>, </a:t>
+            </a:r>
+            <a:r>
+              <a:rPr lang="de-AT" dirty="0" err="1"/>
+              <a:t>together</a:t>
+            </a:r>
+            <a:r>
+              <a:rPr lang="de-AT" dirty="0"/>
+              <a:t> </a:t>
+            </a:r>
+            <a:r>
+              <a:rPr lang="de-AT" dirty="0" err="1"/>
+              <a:t>with</a:t>
+            </a:r>
+            <a:r>
+              <a:rPr lang="de-AT" dirty="0"/>
+              <a:t> </a:t>
+            </a:r>
+            <a:r>
+              <a:rPr lang="de-AT" dirty="0" err="1"/>
+              <a:t>my</a:t>
+            </a:r>
+            <a:r>
+              <a:rPr lang="de-AT" dirty="0"/>
+              <a:t> last-</a:t>
+            </a:r>
+            <a:r>
+              <a:rPr lang="de-AT" dirty="0" err="1"/>
+              <a:t>known</a:t>
+            </a:r>
+            <a:r>
+              <a:rPr lang="de-AT" dirty="0"/>
+              <a:t> </a:t>
+            </a:r>
+            <a:r>
+              <a:rPr lang="de-AT" dirty="0" err="1"/>
+              <a:t>location</a:t>
+            </a:r>
+            <a:r>
+              <a:rPr lang="de-AT" dirty="0"/>
+              <a:t> </a:t>
+            </a:r>
+            <a:r>
+              <a:rPr lang="de-AT" dirty="0" err="1"/>
+              <a:t>with</a:t>
+            </a:r>
+            <a:r>
+              <a:rPr lang="de-AT" dirty="0"/>
+              <a:t> </a:t>
+            </a:r>
+            <a:r>
+              <a:rPr lang="de-AT" dirty="0" err="1"/>
+              <a:t>the</a:t>
+            </a:r>
+            <a:r>
+              <a:rPr lang="de-AT" dirty="0"/>
+              <a:t> </a:t>
+            </a:r>
+            <a:r>
+              <a:rPr lang="de-AT" dirty="0" err="1"/>
+              <a:t>tap</a:t>
+            </a:r>
+            <a:r>
+              <a:rPr lang="de-AT" dirty="0"/>
+              <a:t> </a:t>
+            </a:r>
+            <a:r>
+              <a:rPr lang="de-AT" dirty="0" err="1"/>
+              <a:t>of</a:t>
+            </a:r>
+            <a:r>
+              <a:rPr lang="de-AT" dirty="0"/>
+              <a:t> </a:t>
+            </a:r>
+            <a:r>
+              <a:rPr lang="de-AT" dirty="0" err="1"/>
+              <a:t>one</a:t>
+            </a:r>
+            <a:r>
+              <a:rPr lang="de-AT" dirty="0"/>
+              <a:t> </a:t>
+            </a:r>
+            <a:r>
+              <a:rPr lang="de-AT" dirty="0" err="1"/>
+              <a:t>button</a:t>
+            </a:r>
+            <a:r>
+              <a:rPr lang="de-AT" dirty="0"/>
+              <a:t>.</a:t>
             </a:r>
           </a:p>
           <a:p>
-            <a:pPr marL="914400" lvl="0" indent="-381000">
+            <a:pPr marL="457200" lvl="0" indent="-381000">
               <a:lnSpc>
                 <a:spcPct val="115000"/>
               </a:lnSpc>
               <a:spcBef>
                 <a:spcPts val="0"/>
               </a:spcBef>
-              <a:buChar char="-"/>
+              <a:buChar char="●"/>
             </a:pPr>
-            <a:r>
-              <a:rPr lang="de-AT" dirty="0"/>
-              <a:t>Klaus </a:t>
-            </a:r>
-            <a:r>
-              <a:rPr lang="de-AT" dirty="0" err="1"/>
-              <a:t>is</a:t>
-            </a:r>
-            <a:r>
-              <a:rPr lang="de-AT" dirty="0"/>
-              <a:t> a </a:t>
-            </a:r>
-            <a:r>
-              <a:rPr lang="de-AT" dirty="0" err="1"/>
-              <a:t>father</a:t>
-            </a:r>
-            <a:r>
-              <a:rPr lang="de-AT" dirty="0"/>
-              <a:t> </a:t>
-            </a:r>
-            <a:r>
-              <a:rPr lang="de-AT" dirty="0" err="1"/>
-              <a:t>of</a:t>
-            </a:r>
-            <a:r>
-              <a:rPr lang="de-AT" dirty="0"/>
-              <a:t> </a:t>
-            </a:r>
-            <a:r>
-              <a:rPr lang="de-AT" dirty="0" err="1"/>
-              <a:t>two</a:t>
-            </a:r>
-            <a:r>
-              <a:rPr lang="de-AT" dirty="0"/>
-              <a:t> </a:t>
-            </a:r>
-            <a:r>
-              <a:rPr lang="de-AT" dirty="0" err="1"/>
-              <a:t>children</a:t>
-            </a:r>
-            <a:r>
-              <a:rPr lang="de-AT" dirty="0"/>
-              <a:t> </a:t>
-            </a:r>
-            <a:r>
-              <a:rPr lang="de-AT" dirty="0" err="1"/>
-              <a:t>and</a:t>
-            </a:r>
-            <a:r>
-              <a:rPr lang="de-AT" dirty="0"/>
-              <a:t> </a:t>
-            </a:r>
-            <a:r>
-              <a:rPr lang="de-AT" dirty="0" err="1"/>
-              <a:t>is</a:t>
-            </a:r>
-            <a:r>
-              <a:rPr lang="de-AT" dirty="0"/>
-              <a:t> </a:t>
-            </a:r>
-            <a:r>
-              <a:rPr lang="de-AT" dirty="0" err="1"/>
-              <a:t>very</a:t>
-            </a:r>
-            <a:r>
-              <a:rPr lang="de-AT" dirty="0"/>
-              <a:t> </a:t>
-            </a:r>
-            <a:r>
-              <a:rPr lang="de-AT" dirty="0" err="1"/>
-              <a:t>protective</a:t>
-            </a:r>
-            <a:r>
-              <a:rPr lang="de-AT" dirty="0"/>
-              <a:t> </a:t>
-            </a:r>
-            <a:r>
-              <a:rPr lang="de-AT" dirty="0" err="1"/>
-              <a:t>about</a:t>
-            </a:r>
-            <a:r>
-              <a:rPr lang="de-AT" dirty="0"/>
-              <a:t> </a:t>
-            </a:r>
-            <a:r>
-              <a:rPr lang="de-AT" dirty="0" err="1"/>
-              <a:t>them</a:t>
-            </a:r>
-            <a:r>
-              <a:rPr lang="de-AT" dirty="0"/>
-              <a:t>. He </a:t>
-            </a:r>
-            <a:r>
-              <a:rPr lang="de-AT" dirty="0" err="1"/>
-              <a:t>is</a:t>
-            </a:r>
-            <a:r>
-              <a:rPr lang="de-AT" dirty="0"/>
-              <a:t> </a:t>
-            </a:r>
-            <a:r>
-              <a:rPr lang="de-AT" dirty="0" err="1"/>
-              <a:t>always</a:t>
-            </a:r>
-            <a:r>
-              <a:rPr lang="de-AT" dirty="0"/>
-              <a:t> </a:t>
-            </a:r>
-            <a:r>
-              <a:rPr lang="de-AT" dirty="0" err="1"/>
-              <a:t>anxious</a:t>
-            </a:r>
-            <a:r>
-              <a:rPr lang="de-AT" dirty="0"/>
-              <a:t> </a:t>
-            </a:r>
-            <a:r>
-              <a:rPr lang="de-AT" dirty="0" err="1"/>
-              <a:t>that</a:t>
-            </a:r>
-            <a:r>
-              <a:rPr lang="de-AT" dirty="0"/>
-              <a:t> </a:t>
-            </a:r>
-            <a:r>
-              <a:rPr lang="de-AT" dirty="0" err="1"/>
-              <a:t>something</a:t>
-            </a:r>
-            <a:r>
-              <a:rPr lang="de-AT" dirty="0"/>
-              <a:t> </a:t>
-            </a:r>
-            <a:r>
-              <a:rPr lang="de-AT" dirty="0" err="1"/>
-              <a:t>could</a:t>
-            </a:r>
-            <a:r>
-              <a:rPr lang="de-AT" dirty="0"/>
-              <a:t> happen </a:t>
-            </a:r>
-            <a:r>
-              <a:rPr lang="de-AT" dirty="0" err="1"/>
-              <a:t>to</a:t>
-            </a:r>
-            <a:r>
-              <a:rPr lang="de-AT" dirty="0"/>
-              <a:t> </a:t>
-            </a:r>
-            <a:r>
-              <a:rPr lang="de-AT" dirty="0" err="1"/>
-              <a:t>them</a:t>
-            </a:r>
-            <a:r>
-              <a:rPr lang="de-AT" dirty="0"/>
-              <a:t>. </a:t>
-            </a:r>
-            <a:r>
-              <a:rPr lang="de-AT" dirty="0" err="1"/>
-              <a:t>Although</a:t>
-            </a:r>
-            <a:r>
-              <a:rPr lang="de-AT" dirty="0"/>
-              <a:t> </a:t>
-            </a:r>
-            <a:r>
-              <a:rPr lang="de-AT" dirty="0" err="1"/>
-              <a:t>they</a:t>
-            </a:r>
-            <a:r>
-              <a:rPr lang="de-AT" dirty="0"/>
-              <a:t> </a:t>
-            </a:r>
-            <a:r>
-              <a:rPr lang="de-AT" dirty="0" err="1"/>
-              <a:t>have</a:t>
-            </a:r>
-            <a:r>
-              <a:rPr lang="de-AT" dirty="0"/>
-              <a:t> </a:t>
-            </a:r>
-            <a:r>
-              <a:rPr lang="de-AT" dirty="0" err="1"/>
-              <a:t>smartphones</a:t>
-            </a:r>
-            <a:r>
-              <a:rPr lang="de-AT" dirty="0"/>
-              <a:t> he </a:t>
-            </a:r>
-            <a:r>
-              <a:rPr lang="de-AT" dirty="0" err="1"/>
-              <a:t>is</a:t>
-            </a:r>
-            <a:r>
-              <a:rPr lang="de-AT" dirty="0"/>
-              <a:t> </a:t>
-            </a:r>
-            <a:r>
-              <a:rPr lang="de-AT" dirty="0" err="1"/>
-              <a:t>worried</a:t>
-            </a:r>
-            <a:r>
-              <a:rPr lang="de-AT" dirty="0"/>
-              <a:t> </a:t>
-            </a:r>
-            <a:r>
-              <a:rPr lang="de-AT" dirty="0" err="1"/>
-              <a:t>they</a:t>
-            </a:r>
-            <a:r>
-              <a:rPr lang="de-AT" dirty="0"/>
-              <a:t> </a:t>
-            </a:r>
-            <a:r>
-              <a:rPr lang="de-AT" dirty="0" err="1"/>
-              <a:t>might</a:t>
-            </a:r>
-            <a:r>
-              <a:rPr lang="de-AT" dirty="0"/>
-              <a:t> not </a:t>
-            </a:r>
-            <a:r>
-              <a:rPr lang="de-AT" dirty="0" err="1"/>
-              <a:t>be</a:t>
-            </a:r>
-            <a:r>
-              <a:rPr lang="de-AT" dirty="0"/>
-              <a:t> </a:t>
-            </a:r>
-            <a:r>
-              <a:rPr lang="de-AT" dirty="0" err="1"/>
-              <a:t>able</a:t>
-            </a:r>
-            <a:r>
-              <a:rPr lang="de-AT" dirty="0"/>
-              <a:t> </a:t>
-            </a:r>
-            <a:r>
-              <a:rPr lang="de-AT" dirty="0" err="1"/>
-              <a:t>to</a:t>
-            </a:r>
-            <a:r>
-              <a:rPr lang="de-AT" dirty="0"/>
-              <a:t> </a:t>
-            </a:r>
-            <a:r>
-              <a:rPr lang="de-AT" dirty="0" err="1"/>
-              <a:t>contact</a:t>
-            </a:r>
-            <a:r>
-              <a:rPr lang="de-AT" dirty="0"/>
-              <a:t> </a:t>
-            </a:r>
-            <a:r>
-              <a:rPr lang="de-AT" dirty="0" err="1"/>
-              <a:t>him</a:t>
-            </a:r>
-            <a:r>
-              <a:rPr lang="de-AT" dirty="0"/>
-              <a:t> </a:t>
-            </a:r>
-            <a:r>
-              <a:rPr lang="de-AT" dirty="0" err="1"/>
-              <a:t>when</a:t>
-            </a:r>
-            <a:r>
-              <a:rPr lang="de-AT" dirty="0"/>
-              <a:t> </a:t>
-            </a:r>
-            <a:r>
-              <a:rPr lang="de-AT" dirty="0" err="1"/>
-              <a:t>they</a:t>
-            </a:r>
-            <a:r>
-              <a:rPr lang="de-AT" dirty="0"/>
-              <a:t> </a:t>
-            </a:r>
-            <a:r>
-              <a:rPr lang="de-AT" dirty="0" err="1"/>
-              <a:t>are</a:t>
-            </a:r>
-            <a:r>
-              <a:rPr lang="de-AT" dirty="0"/>
-              <a:t> in </a:t>
-            </a:r>
-            <a:r>
-              <a:rPr lang="de-AT" dirty="0" err="1"/>
-              <a:t>trouble</a:t>
-            </a:r>
-            <a:r>
-              <a:rPr lang="de-AT" dirty="0"/>
-              <a:t>.</a:t>
-            </a:r>
+            <a:endParaRPr lang="de-AT" dirty="0"/>
           </a:p>
           <a:p>
-            <a:pPr marL="914400" lvl="0" indent="-381000">
+            <a:pPr marL="457200" lvl="0" indent="-381000">
               <a:lnSpc>
                 <a:spcPct val="115000"/>
               </a:lnSpc>
               <a:spcBef>
                 <a:spcPts val="0"/>
               </a:spcBef>
-              <a:buChar char="-"/>
+              <a:buChar char="●"/>
             </a:pPr>
             <a:r>
+              <a:rPr lang="de-AT" dirty="0"/>
+              <a:t>As a </a:t>
+            </a:r>
+            <a:r>
               <a:rPr lang="de-AT" dirty="0" err="1"/>
-              <a:t>With</a:t>
+              <a:t>user</a:t>
+            </a:r>
+            <a:r>
+              <a:rPr lang="de-AT" dirty="0"/>
+              <a:t>, I </a:t>
+            </a:r>
+            <a:r>
+              <a:rPr lang="de-AT" dirty="0" err="1"/>
+              <a:t>want</a:t>
             </a:r>
             <a:r>
               <a:rPr lang="de-AT" dirty="0"/>
@@ -22922,15 +23019,7 @@
             </a:r>
             <a:r>
               <a:rPr lang="de-AT" dirty="0" err="1"/>
-              <a:t>the</a:t>
-            </a:r>
-            <a:r>
-              <a:rPr lang="de-AT" dirty="0"/>
-              <a:t> Emergency Alerter </a:t>
-            </a:r>
-            <a:r>
-              <a:rPr lang="de-AT" dirty="0" err="1"/>
-              <a:t>Smartwatch</a:t>
+              <a:t>to</a:t>
             </a:r>
             <a:r>
               <a:rPr lang="de-AT" dirty="0"/>
@@ -22938,11 +23027,35 @@
             </a:r>
             <a:r>
               <a:rPr lang="de-AT" dirty="0" err="1"/>
-              <a:t>app</a:t>
+              <a:t>be</a:t>
             </a:r>
             <a:r>
               <a:rPr lang="de-AT" dirty="0"/>
-              <a:t>, </a:t>
+              <a:t> </a:t>
+            </a:r>
+            <a:r>
+              <a:rPr lang="de-AT" dirty="0" err="1"/>
+              <a:t>able</a:t>
+            </a:r>
+            <a:r>
+              <a:rPr lang="de-AT" dirty="0"/>
+              <a:t> </a:t>
+            </a:r>
+            <a:r>
+              <a:rPr lang="de-AT" dirty="0" err="1"/>
+              <a:t>to</a:t>
+            </a:r>
+            <a:r>
+              <a:rPr lang="de-AT" dirty="0"/>
+              <a:t> </a:t>
+            </a:r>
+            <a:r>
+              <a:rPr lang="de-AT" dirty="0" err="1"/>
+              <a:t>call</a:t>
+            </a:r>
+            <a:r>
+              <a:rPr lang="de-AT" dirty="0"/>
+              <a:t> </a:t>
             </a:r>
             <a:r>
               <a:rPr lang="de-AT" dirty="0" err="1"/>
@@ -22954,7 +23067,7 @@
             </a:r>
             <a:r>
               <a:rPr lang="de-AT" dirty="0" err="1"/>
-              <a:t>children</a:t>
+              <a:t>police</a:t>
             </a:r>
             <a:r>
               <a:rPr lang="de-AT" dirty="0"/>
@@ -22962,7 +23075,7 @@
             </a:r>
             <a:r>
               <a:rPr lang="de-AT" dirty="0" err="1"/>
-              <a:t>only</a:t>
+              <a:t>with</a:t>
             </a:r>
             <a:r>
               <a:rPr lang="de-AT" dirty="0"/>
@@ -22970,7 +23083,7 @@
             </a:r>
             <a:r>
               <a:rPr lang="de-AT" dirty="0" err="1"/>
-              <a:t>would</a:t>
+              <a:t>the</a:t>
             </a:r>
             <a:r>
               <a:rPr lang="de-AT" dirty="0"/>
@@ -22978,7 +23091,7 @@
             </a:r>
             <a:r>
               <a:rPr lang="de-AT" dirty="0" err="1"/>
-              <a:t>have</a:t>
+              <a:t>tap</a:t>
             </a:r>
             <a:r>
               <a:rPr lang="de-AT" dirty="0"/>
@@ -22986,7 +23099,7 @@
             </a:r>
             <a:r>
               <a:rPr lang="de-AT" dirty="0" err="1"/>
-              <a:t>to</a:t>
+              <a:t>of</a:t>
             </a:r>
             <a:r>
               <a:rPr lang="de-AT" dirty="0"/>
@@ -22994,7 +23107,7 @@
             </a:r>
             <a:r>
               <a:rPr lang="de-AT" dirty="0" err="1"/>
-              <a:t>tap</a:t>
+              <a:t>one</a:t>
             </a:r>
             <a:r>
               <a:rPr lang="de-AT" dirty="0"/>
@@ -23002,119 +23115,7 @@
             </a:r>
             <a:r>
               <a:rPr lang="de-AT" dirty="0" err="1"/>
-              <a:t>one</a:t>
-            </a:r>
-            <a:r>
-              <a:rPr lang="de-AT" dirty="0"/>
-              <a:t> </a:t>
-            </a:r>
-            <a:r>
-              <a:rPr lang="de-AT" dirty="0" err="1"/>
               <a:t>button</a:t>
-            </a:r>
-            <a:r>
-              <a:rPr lang="de-AT" dirty="0"/>
-              <a:t> </a:t>
-            </a:r>
-            <a:r>
-              <a:rPr lang="de-AT" dirty="0" err="1"/>
-              <a:t>to</a:t>
-            </a:r>
-            <a:r>
-              <a:rPr lang="de-AT" dirty="0"/>
-              <a:t> </a:t>
-            </a:r>
-            <a:r>
-              <a:rPr lang="de-AT" dirty="0" err="1"/>
-              <a:t>instantly</a:t>
-            </a:r>
-            <a:r>
-              <a:rPr lang="de-AT" dirty="0"/>
-              <a:t> </a:t>
-            </a:r>
-            <a:r>
-              <a:rPr lang="de-AT" dirty="0" err="1"/>
-              <a:t>notify</a:t>
-            </a:r>
-            <a:r>
-              <a:rPr lang="de-AT" dirty="0"/>
-              <a:t> </a:t>
-            </a:r>
-            <a:r>
-              <a:rPr lang="de-AT" dirty="0" err="1"/>
-              <a:t>the</a:t>
-            </a:r>
-            <a:r>
-              <a:rPr lang="de-AT" dirty="0"/>
-              <a:t> </a:t>
-            </a:r>
-            <a:r>
-              <a:rPr lang="de-AT" dirty="0" err="1"/>
-              <a:t>police</a:t>
-            </a:r>
-            <a:r>
-              <a:rPr lang="de-AT" dirty="0"/>
-              <a:t> </a:t>
-            </a:r>
-            <a:r>
-              <a:rPr lang="de-AT" dirty="0" err="1"/>
-              <a:t>or</a:t>
-            </a:r>
-            <a:r>
-              <a:rPr lang="de-AT" dirty="0"/>
-              <a:t> </a:t>
-            </a:r>
-            <a:r>
-              <a:rPr lang="de-AT" dirty="0" err="1"/>
-              <a:t>their</a:t>
-            </a:r>
-            <a:r>
-              <a:rPr lang="de-AT" dirty="0"/>
-              <a:t> </a:t>
-            </a:r>
-            <a:r>
-              <a:rPr lang="de-AT" dirty="0" err="1"/>
-              <a:t>father</a:t>
-            </a:r>
-            <a:r>
-              <a:rPr lang="de-AT" dirty="0"/>
-              <a:t>, </a:t>
-            </a:r>
-            <a:r>
-              <a:rPr lang="de-AT" dirty="0" err="1"/>
-              <a:t>which</a:t>
-            </a:r>
-            <a:r>
-              <a:rPr lang="de-AT" dirty="0"/>
-              <a:t> </a:t>
-            </a:r>
-            <a:r>
-              <a:rPr lang="de-AT" dirty="0" err="1"/>
-              <a:t>would</a:t>
-            </a:r>
-            <a:r>
-              <a:rPr lang="de-AT" dirty="0"/>
-              <a:t> </a:t>
-            </a:r>
-            <a:r>
-              <a:rPr lang="de-AT" dirty="0" err="1"/>
-              <a:t>help</a:t>
-            </a:r>
-            <a:r>
-              <a:rPr lang="de-AT" dirty="0"/>
-              <a:t> Klaus relax a </a:t>
-            </a:r>
-            <a:r>
-              <a:rPr lang="de-AT" dirty="0" err="1"/>
-              <a:t>little</a:t>
-            </a:r>
-            <a:r>
-              <a:rPr lang="de-AT" dirty="0"/>
-              <a:t> </a:t>
-            </a:r>
-            <a:r>
-              <a:rPr lang="de-AT" dirty="0" err="1"/>
-              <a:t>more</a:t>
             </a:r>
             <a:r>
               <a:rPr lang="de-AT" dirty="0"/>
@@ -23297,65 +23298,23 @@
           </a:p>
         </p:txBody>
       </p:sp>
-      <p:pic>
-        <p:nvPicPr>
-          <p:cNvPr id="2051" name="Picture 3"/>
-          <p:cNvPicPr>
-            <a:picLocks noChangeAspect="1" noChangeArrowheads="1"/>
-          </p:cNvPicPr>
-          <p:nvPr/>
-        </p:nvPicPr>
-        <p:blipFill>
-          <a:blip r:embed="rId3">
-            <a:extLst>
-              <a:ext uri="{28A0092B-C50C-407E-A947-70E740481C1C}">
-                <a14:useLocalDpi xmlns:a14="http://schemas.microsoft.com/office/drawing/2010/main" val="0"/>
-              </a:ext>
-            </a:extLst>
-          </a:blip>
-          <a:srcRect/>
-          <a:stretch>
-            <a:fillRect/>
-          </a:stretch>
-        </p:blipFill>
-        <p:spPr bwMode="auto">
-          <a:xfrm>
-            <a:off x="4997254" y="981290"/>
-            <a:ext cx="2609260" cy="1742312"/>
-          </a:xfrm>
-          <a:prstGeom prst="rect">
-            <a:avLst/>
-          </a:prstGeom>
-          <a:noFill/>
-          <a:ln>
-            <a:noFill/>
-          </a:ln>
-          <a:extLst>
-            <a:ext uri="{909E8E84-426E-40DD-AFC4-6F175D3DCCD1}">
-              <a14:hiddenFill xmlns:a14="http://schemas.microsoft.com/office/drawing/2010/main">
-                <a:solidFill>
-                  <a:schemeClr val="accent1"/>
-                </a:solidFill>
-              </a14:hiddenFill>
-            </a:ext>
-            <a:ext uri="{91240B29-F687-4F45-9708-019B960494DF}">
-              <a14:hiddenLine xmlns:a14="http://schemas.microsoft.com/office/drawing/2010/main" w="9525">
-                <a:solidFill>
-                  <a:schemeClr val="tx1"/>
-                </a:solidFill>
-                <a:miter lim="800000"/>
-                <a:headEnd/>
-                <a:tailEnd/>
-              </a14:hiddenLine>
-            </a:ext>
-          </a:extLst>
-        </p:spPr>
-      </p:pic>
     </p:spTree>
+    <p:extLst>
+      <p:ext uri="{BB962C8B-B14F-4D97-AF65-F5344CB8AC3E}">
+        <p14:creationId xmlns:p14="http://schemas.microsoft.com/office/powerpoint/2010/main" val="3624816606"/>
+      </p:ext>
+    </p:extLst>
   </p:cSld>
   <p:clrMapOvr>
     <a:masterClrMapping/>
   </p:clrMapOvr>
+  <p:timing>
+    <p:tnLst>
+      <p:par>
+        <p:cTn id="1" dur="indefinite" restart="never" nodeType="tmRoot"/>
+      </p:par>
+    </p:tnLst>
+  </p:timing>
 </p:sld>
 </file>
 
@@ -23428,6 +23387,30 @@
               </a:rPr>
               <a:t>User Stories </a:t>
             </a:r>
+            <a:r>
+              <a:rPr lang="de-AT" sz="3200" b="1" i="0" u="none" strike="noStrike" cap="none" dirty="0" err="1">
+                <a:solidFill>
+                  <a:schemeClr val="dk1"/>
+                </a:solidFill>
+                <a:latin typeface="Calibri"/>
+                <a:ea typeface="Calibri"/>
+                <a:cs typeface="Calibri"/>
+                <a:sym typeface="Calibri"/>
+              </a:rPr>
+              <a:t>ctd</a:t>
+            </a:r>
+            <a:r>
+              <a:rPr lang="de-AT" sz="3200" b="1" i="0" u="none" strike="noStrike" cap="none" dirty="0">
+                <a:solidFill>
+                  <a:schemeClr val="dk1"/>
+                </a:solidFill>
+                <a:latin typeface="Calibri"/>
+                <a:ea typeface="Calibri"/>
+                <a:cs typeface="Calibri"/>
+                <a:sym typeface="Calibri"/>
+              </a:rPr>
+              <a:t>. </a:t>
+            </a:r>
           </a:p>
         </p:txBody>
       </p:sp>
@@ -23499,7 +23482,7 @@
             </a:r>
             <a:r>
               <a:rPr lang="de-AT" dirty="0" err="1"/>
-              <a:t>be</a:t>
+              <a:t>see</a:t>
             </a:r>
             <a:r>
               <a:rPr lang="de-AT" dirty="0"/>
@@ -23507,7 +23490,7 @@
             </a:r>
             <a:r>
               <a:rPr lang="de-AT" dirty="0" err="1"/>
-              <a:t>able</a:t>
+              <a:t>how</a:t>
             </a:r>
             <a:r>
               <a:rPr lang="de-AT" dirty="0"/>
@@ -23515,7 +23498,7 @@
             </a:r>
             <a:r>
               <a:rPr lang="de-AT" dirty="0" err="1"/>
-              <a:t>to</a:t>
+              <a:t>far</a:t>
             </a:r>
             <a:r>
               <a:rPr lang="de-AT" dirty="0"/>
@@ -23523,15 +23506,7 @@
             </a:r>
             <a:r>
               <a:rPr lang="de-AT" dirty="0" err="1"/>
-              <a:t>notify</a:t>
-            </a:r>
-            <a:r>
-              <a:rPr lang="de-AT" dirty="0"/>
-              <a:t> a </a:t>
-            </a:r>
-            <a:r>
-              <a:rPr lang="de-AT" dirty="0" err="1"/>
-              <a:t>pre-defined</a:t>
+              <a:t>away</a:t>
             </a:r>
             <a:r>
               <a:rPr lang="de-AT" dirty="0"/>
@@ -23539,7 +23514,7 @@
             </a:r>
             <a:r>
               <a:rPr lang="de-AT" dirty="0" err="1"/>
-              <a:t>list</a:t>
+              <a:t>the</a:t>
             </a:r>
             <a:r>
               <a:rPr lang="de-AT" dirty="0"/>
@@ -23547,7 +23522,7 @@
             </a:r>
             <a:r>
               <a:rPr lang="de-AT" dirty="0" err="1"/>
-              <a:t>of</a:t>
+              <a:t>nearest</a:t>
             </a:r>
             <a:r>
               <a:rPr lang="de-AT" dirty="0"/>
@@ -23555,7 +23530,7 @@
             </a:r>
             <a:r>
               <a:rPr lang="de-AT" dirty="0" err="1"/>
-              <a:t>contacts</a:t>
+              <a:t>police</a:t>
             </a:r>
             <a:r>
               <a:rPr lang="de-AT" dirty="0"/>
@@ -23563,15 +23538,7 @@
             </a:r>
             <a:r>
               <a:rPr lang="de-AT" dirty="0" err="1"/>
-              <a:t>that</a:t>
-            </a:r>
-            <a:r>
-              <a:rPr lang="de-AT" dirty="0"/>
-              <a:t> I </a:t>
-            </a:r>
-            <a:r>
-              <a:rPr lang="de-AT" dirty="0" err="1"/>
-              <a:t>need</a:t>
+              <a:t>station</a:t>
             </a:r>
             <a:r>
               <a:rPr lang="de-AT" dirty="0"/>
@@ -23579,98 +23546,10 @@
             </a:r>
             <a:r>
               <a:rPr lang="de-AT" dirty="0" err="1"/>
-              <a:t>help</a:t>
-            </a:r>
-            <a:r>
-              <a:rPr lang="de-AT" dirty="0"/>
-              <a:t>, </a:t>
-            </a:r>
-            <a:r>
-              <a:rPr lang="de-AT" dirty="0" err="1"/>
-              <a:t>together</a:t>
-            </a:r>
-            <a:r>
-              <a:rPr lang="de-AT" dirty="0"/>
-              <a:t> </a:t>
-            </a:r>
-            <a:r>
-              <a:rPr lang="de-AT" dirty="0" err="1"/>
-              <a:t>with</a:t>
-            </a:r>
-            <a:r>
-              <a:rPr lang="de-AT" dirty="0"/>
-              <a:t> </a:t>
-            </a:r>
-            <a:r>
-              <a:rPr lang="de-AT" dirty="0" err="1"/>
-              <a:t>my</a:t>
-            </a:r>
-            <a:r>
-              <a:rPr lang="de-AT" dirty="0"/>
-              <a:t> last-</a:t>
-            </a:r>
-            <a:r>
-              <a:rPr lang="de-AT" dirty="0" err="1"/>
-              <a:t>known</a:t>
-            </a:r>
-            <a:r>
-              <a:rPr lang="de-AT" dirty="0"/>
-              <a:t> </a:t>
-            </a:r>
-            <a:r>
-              <a:rPr lang="de-AT" dirty="0" err="1"/>
-              <a:t>location</a:t>
-            </a:r>
-            <a:r>
-              <a:rPr lang="de-AT" dirty="0"/>
-              <a:t> </a:t>
-            </a:r>
-            <a:r>
-              <a:rPr lang="de-AT" dirty="0" err="1"/>
-              <a:t>with</a:t>
-            </a:r>
-            <a:r>
-              <a:rPr lang="de-AT" dirty="0"/>
-              <a:t> </a:t>
-            </a:r>
-            <a:r>
-              <a:rPr lang="de-AT" dirty="0" err="1"/>
-              <a:t>the</a:t>
-            </a:r>
-            <a:r>
-              <a:rPr lang="de-AT" dirty="0"/>
-              <a:t> </a:t>
-            </a:r>
-            <a:r>
-              <a:rPr lang="de-AT" dirty="0" err="1"/>
-              <a:t>tap</a:t>
-            </a:r>
-            <a:r>
-              <a:rPr lang="de-AT" dirty="0"/>
-              <a:t> </a:t>
-            </a:r>
-            <a:r>
-              <a:rPr lang="de-AT" dirty="0" err="1"/>
-              <a:t>of</a:t>
-            </a:r>
-            <a:r>
-              <a:rPr lang="de-AT" dirty="0"/>
-              <a:t> </a:t>
-            </a:r>
-            <a:r>
-              <a:rPr lang="de-AT" dirty="0" err="1"/>
-              <a:t>one</a:t>
-            </a:r>
-            <a:r>
-              <a:rPr lang="de-AT" dirty="0"/>
-              <a:t> </a:t>
-            </a:r>
-            <a:r>
-              <a:rPr lang="de-AT" dirty="0" err="1"/>
-              <a:t>button</a:t>
-            </a:r>
-            <a:r>
-              <a:rPr lang="de-AT" dirty="0"/>
+              <a:t>is</a:t>
+            </a:r>
+            <a:r>
+              <a:rPr lang="de-AT"/>
               <a:t>.</a:t>
             </a:r>
           </a:p>
@@ -23718,7 +23597,7 @@
             </a:r>
             <a:r>
               <a:rPr lang="de-AT" dirty="0" err="1"/>
-              <a:t>to</a:t>
+              <a:t>my</a:t>
             </a:r>
             <a:r>
               <a:rPr lang="de-AT" dirty="0"/>
@@ -23726,7 +23605,7 @@
             </a:r>
             <a:r>
               <a:rPr lang="de-AT" dirty="0" err="1"/>
-              <a:t>be</a:t>
+              <a:t>emergency</a:t>
             </a:r>
             <a:r>
               <a:rPr lang="de-AT" dirty="0"/>
@@ -23734,7 +23613,7 @@
             </a:r>
             <a:r>
               <a:rPr lang="de-AT" dirty="0" err="1"/>
-              <a:t>able</a:t>
+              <a:t>contacts</a:t>
             </a:r>
             <a:r>
               <a:rPr lang="de-AT" dirty="0"/>
@@ -23750,7 +23629,7 @@
             </a:r>
             <a:r>
               <a:rPr lang="de-AT" dirty="0" err="1"/>
-              <a:t>call</a:t>
+              <a:t>be</a:t>
             </a:r>
             <a:r>
               <a:rPr lang="de-AT" dirty="0"/>
@@ -23758,7 +23637,15 @@
             </a:r>
             <a:r>
               <a:rPr lang="de-AT" dirty="0" err="1"/>
-              <a:t>the</a:t>
+              <a:t>alerted</a:t>
+            </a:r>
+            <a:r>
+              <a:rPr lang="de-AT" dirty="0"/>
+              <a:t> in </a:t>
+            </a:r>
+            <a:r>
+              <a:rPr lang="de-AT" dirty="0" err="1"/>
+              <a:t>case</a:t>
             </a:r>
             <a:r>
               <a:rPr lang="de-AT" dirty="0"/>
@@ -23766,7 +23653,7 @@
             </a:r>
             <a:r>
               <a:rPr lang="de-AT" dirty="0" err="1"/>
-              <a:t>police</a:t>
+              <a:t>my</a:t>
             </a:r>
             <a:r>
               <a:rPr lang="de-AT" dirty="0"/>
@@ -23774,7 +23661,7 @@
             </a:r>
             <a:r>
               <a:rPr lang="de-AT" dirty="0" err="1"/>
-              <a:t>with</a:t>
+              <a:t>heart</a:t>
             </a:r>
             <a:r>
               <a:rPr lang="de-AT" dirty="0"/>
@@ -23782,7 +23669,7 @@
             </a:r>
             <a:r>
               <a:rPr lang="de-AT" dirty="0" err="1"/>
-              <a:t>the</a:t>
+              <a:t>stops</a:t>
             </a:r>
             <a:r>
               <a:rPr lang="de-AT" dirty="0"/>
@@ -23790,7 +23677,7 @@
             </a:r>
             <a:r>
               <a:rPr lang="de-AT" dirty="0" err="1"/>
-              <a:t>tap</a:t>
+              <a:t>or</a:t>
             </a:r>
             <a:r>
               <a:rPr lang="de-AT" dirty="0"/>
@@ -23798,7 +23685,7 @@
             </a:r>
             <a:r>
               <a:rPr lang="de-AT" dirty="0" err="1"/>
-              <a:t>of</a:t>
+              <a:t>the</a:t>
             </a:r>
             <a:r>
               <a:rPr lang="de-AT" dirty="0"/>
@@ -23806,7 +23693,7 @@
             </a:r>
             <a:r>
               <a:rPr lang="de-AT" dirty="0" err="1"/>
-              <a:t>one</a:t>
+              <a:t>heartrate</a:t>
             </a:r>
             <a:r>
               <a:rPr lang="de-AT" dirty="0"/>
@@ -23814,7 +23701,31 @@
             </a:r>
             <a:r>
               <a:rPr lang="de-AT" dirty="0" err="1"/>
-              <a:t>button</a:t>
+              <a:t>rises</a:t>
+            </a:r>
+            <a:r>
+              <a:rPr lang="de-AT" dirty="0"/>
+              <a:t> </a:t>
+            </a:r>
+            <a:r>
+              <a:rPr lang="de-AT" dirty="0" err="1"/>
+              <a:t>above</a:t>
+            </a:r>
+            <a:r>
+              <a:rPr lang="de-AT" dirty="0"/>
+              <a:t> a </a:t>
+            </a:r>
+            <a:r>
+              <a:rPr lang="de-AT" dirty="0" err="1"/>
+              <a:t>pre-defined</a:t>
+            </a:r>
+            <a:r>
+              <a:rPr lang="de-AT" dirty="0"/>
+              <a:t> </a:t>
+            </a:r>
+            <a:r>
+              <a:rPr lang="de-AT" dirty="0" err="1"/>
+              <a:t>threshold</a:t>
             </a:r>
             <a:r>
               <a:rPr lang="de-AT" dirty="0"/>
@@ -24000,13 +23911,20 @@
     </p:spTree>
     <p:extLst>
       <p:ext uri="{BB962C8B-B14F-4D97-AF65-F5344CB8AC3E}">
-        <p14:creationId xmlns:p14="http://schemas.microsoft.com/office/powerpoint/2010/main" val="3624816606"/>
+        <p14:creationId xmlns:p14="http://schemas.microsoft.com/office/powerpoint/2010/main" val="1392398344"/>
       </p:ext>
     </p:extLst>
   </p:cSld>
   <p:clrMapOvr>
     <a:masterClrMapping/>
   </p:clrMapOvr>
+  <p:timing>
+    <p:tnLst>
+      <p:par>
+        <p:cTn id="1" dur="indefinite" restart="never" nodeType="tmRoot"/>
+      </p:par>
+    </p:tnLst>
+  </p:timing>
 </p:sld>
 </file>
 
@@ -24015,7 +23933,7 @@
   <p:cSld>
     <p:spTree>
       <p:nvGrpSpPr>
-        <p:cNvPr id="1" name="Shape 167"/>
+        <p:cNvPr id="1" name="Shape 176"/>
         <p:cNvGrpSpPr/>
         <p:nvPr/>
       </p:nvGrpSpPr>
@@ -24029,418 +23947,7 @@
       </p:grpSpPr>
       <p:sp>
         <p:nvSpPr>
-          <p:cNvPr id="168" name="Shape 168"/>
-          <p:cNvSpPr txBox="1">
-            <a:spLocks noGrp="1"/>
-          </p:cNvSpPr>
-          <p:nvPr>
-            <p:ph type="title"/>
-          </p:nvPr>
-        </p:nvSpPr>
-        <p:spPr>
-          <a:xfrm>
-            <a:off x="269875" y="1090515"/>
-            <a:ext cx="8602200" cy="1143000"/>
-          </a:xfrm>
-          <a:prstGeom prst="rect">
-            <a:avLst/>
-          </a:prstGeom>
-          <a:noFill/>
-          <a:ln>
-            <a:noFill/>
-          </a:ln>
-        </p:spPr>
-        <p:txBody>
-          <a:bodyPr wrap="square" lIns="91425" tIns="45700" rIns="91425" bIns="45700" anchor="b" anchorCtr="0">
-            <a:noAutofit/>
-          </a:bodyPr>
-          <a:lstStyle/>
-          <a:p>
-            <a:pPr marL="0" marR="0" lvl="0" indent="-203200" algn="l" rtl="0">
-              <a:spcBef>
-                <a:spcPts val="0"/>
-              </a:spcBef>
-              <a:buClr>
-                <a:schemeClr val="dk1"/>
-              </a:buClr>
-              <a:buSzPct val="100000"/>
-              <a:buFont typeface="Calibri"/>
-              <a:buNone/>
-            </a:pPr>
-            <a:r>
-              <a:rPr lang="de-AT" sz="3200" b="1" i="0" u="none" strike="noStrike" cap="none" dirty="0">
-                <a:solidFill>
-                  <a:schemeClr val="dk1"/>
-                </a:solidFill>
-                <a:latin typeface="Calibri"/>
-                <a:ea typeface="Calibri"/>
-                <a:cs typeface="Calibri"/>
-                <a:sym typeface="Calibri"/>
-              </a:rPr>
-              <a:t>User Stories </a:t>
-            </a:r>
-            <a:r>
-              <a:rPr lang="de-AT" sz="3200" b="1" i="0" u="none" strike="noStrike" cap="none" dirty="0" err="1">
-                <a:solidFill>
-                  <a:schemeClr val="dk1"/>
-                </a:solidFill>
-                <a:latin typeface="Calibri"/>
-                <a:ea typeface="Calibri"/>
-                <a:cs typeface="Calibri"/>
-                <a:sym typeface="Calibri"/>
-              </a:rPr>
-              <a:t>ctd</a:t>
-            </a:r>
-            <a:r>
-              <a:rPr lang="de-AT" sz="3200" b="1" i="0" u="none" strike="noStrike" cap="none" dirty="0">
-                <a:solidFill>
-                  <a:schemeClr val="dk1"/>
-                </a:solidFill>
-                <a:latin typeface="Calibri"/>
-                <a:ea typeface="Calibri"/>
-                <a:cs typeface="Calibri"/>
-                <a:sym typeface="Calibri"/>
-              </a:rPr>
-              <a:t>. </a:t>
-            </a:r>
-          </a:p>
-        </p:txBody>
-      </p:sp>
-      <p:sp>
-        <p:nvSpPr>
-          <p:cNvPr id="169" name="Shape 169"/>
-          <p:cNvSpPr txBox="1">
-            <a:spLocks noGrp="1"/>
-          </p:cNvSpPr>
-          <p:nvPr>
-            <p:ph type="body" idx="1"/>
-          </p:nvPr>
-        </p:nvSpPr>
-        <p:spPr>
-          <a:xfrm>
-            <a:off x="269875" y="2344057"/>
-            <a:ext cx="8604300" cy="3748800"/>
-          </a:xfrm>
-          <a:prstGeom prst="rect">
-            <a:avLst/>
-          </a:prstGeom>
-          <a:noFill/>
-          <a:ln>
-            <a:noFill/>
-          </a:ln>
-        </p:spPr>
-        <p:txBody>
-          <a:bodyPr wrap="square" lIns="91425" tIns="45700" rIns="91425" bIns="45700" anchor="t" anchorCtr="0">
-            <a:noAutofit/>
-          </a:bodyPr>
-          <a:lstStyle/>
-          <a:p>
-            <a:pPr marL="457200" lvl="0" indent="-381000">
-              <a:lnSpc>
-                <a:spcPct val="115000"/>
-              </a:lnSpc>
-              <a:spcBef>
-                <a:spcPts val="0"/>
-              </a:spcBef>
-              <a:buChar char="●"/>
-            </a:pPr>
-            <a:r>
-              <a:rPr lang="de-AT" dirty="0"/>
-              <a:t>As a </a:t>
-            </a:r>
-            <a:r>
-              <a:rPr lang="de-AT" dirty="0" err="1"/>
-              <a:t>user</a:t>
-            </a:r>
-            <a:r>
-              <a:rPr lang="de-AT" dirty="0"/>
-              <a:t>, I </a:t>
-            </a:r>
-            <a:r>
-              <a:rPr lang="de-AT" dirty="0" err="1"/>
-              <a:t>want</a:t>
-            </a:r>
-            <a:r>
-              <a:rPr lang="de-AT" dirty="0"/>
-              <a:t> </a:t>
-            </a:r>
-            <a:r>
-              <a:rPr lang="de-AT" dirty="0" err="1"/>
-              <a:t>to</a:t>
-            </a:r>
-            <a:r>
-              <a:rPr lang="de-AT" dirty="0"/>
-              <a:t> </a:t>
-            </a:r>
-            <a:r>
-              <a:rPr lang="de-AT" dirty="0" err="1"/>
-              <a:t>see</a:t>
-            </a:r>
-            <a:r>
-              <a:rPr lang="de-AT" dirty="0"/>
-              <a:t> </a:t>
-            </a:r>
-            <a:r>
-              <a:rPr lang="de-AT" dirty="0" err="1"/>
-              <a:t>how</a:t>
-            </a:r>
-            <a:r>
-              <a:rPr lang="de-AT" dirty="0"/>
-              <a:t> </a:t>
-            </a:r>
-            <a:r>
-              <a:rPr lang="de-AT" dirty="0" err="1"/>
-              <a:t>far</a:t>
-            </a:r>
-            <a:r>
-              <a:rPr lang="de-AT" dirty="0"/>
-              <a:t> </a:t>
-            </a:r>
-            <a:r>
-              <a:rPr lang="de-AT" dirty="0" err="1"/>
-              <a:t>away</a:t>
-            </a:r>
-            <a:r>
-              <a:rPr lang="de-AT" dirty="0"/>
-              <a:t> </a:t>
-            </a:r>
-            <a:r>
-              <a:rPr lang="de-AT" dirty="0" err="1"/>
-              <a:t>the</a:t>
-            </a:r>
-            <a:r>
-              <a:rPr lang="de-AT" dirty="0"/>
-              <a:t> </a:t>
-            </a:r>
-            <a:r>
-              <a:rPr lang="de-AT" dirty="0" err="1"/>
-              <a:t>nearest</a:t>
-            </a:r>
-            <a:r>
-              <a:rPr lang="de-AT" dirty="0"/>
-              <a:t> </a:t>
-            </a:r>
-            <a:r>
-              <a:rPr lang="de-AT" dirty="0" err="1"/>
-              <a:t>police</a:t>
-            </a:r>
-            <a:r>
-              <a:rPr lang="de-AT" dirty="0"/>
-              <a:t> </a:t>
-            </a:r>
-            <a:r>
-              <a:rPr lang="de-AT" dirty="0" err="1"/>
-              <a:t>station</a:t>
-            </a:r>
-            <a:r>
-              <a:rPr lang="de-AT" dirty="0"/>
-              <a:t> </a:t>
-            </a:r>
-            <a:r>
-              <a:rPr lang="de-AT" dirty="0" err="1"/>
-              <a:t>is</a:t>
-            </a:r>
-            <a:r>
-              <a:rPr lang="de-AT"/>
-              <a:t>.</a:t>
-            </a:r>
-          </a:p>
-          <a:p>
-            <a:pPr marL="457200" lvl="0" indent="-381000">
-              <a:lnSpc>
-                <a:spcPct val="115000"/>
-              </a:lnSpc>
-              <a:spcBef>
-                <a:spcPts val="0"/>
-              </a:spcBef>
-              <a:buChar char="●"/>
-            </a:pPr>
-            <a:endParaRPr lang="de-AT" dirty="0"/>
-          </a:p>
-          <a:p>
-            <a:pPr marL="457200" lvl="0" indent="-381000">
-              <a:lnSpc>
-                <a:spcPct val="115000"/>
-              </a:lnSpc>
-              <a:spcBef>
-                <a:spcPts val="0"/>
-              </a:spcBef>
-              <a:buChar char="●"/>
-            </a:pPr>
-            <a:r>
-              <a:rPr lang="de-AT" dirty="0"/>
-              <a:t>As a </a:t>
-            </a:r>
-            <a:r>
-              <a:rPr lang="de-AT" dirty="0" err="1"/>
-              <a:t>user</a:t>
-            </a:r>
-            <a:r>
-              <a:rPr lang="de-AT" dirty="0"/>
-              <a:t>, I </a:t>
-            </a:r>
-            <a:r>
-              <a:rPr lang="de-AT" dirty="0" err="1"/>
-              <a:t>want</a:t>
-            </a:r>
-            <a:r>
-              <a:rPr lang="de-AT" dirty="0"/>
-              <a:t> </a:t>
-            </a:r>
-            <a:r>
-              <a:rPr lang="de-AT" dirty="0" err="1"/>
-              <a:t>my</a:t>
-            </a:r>
-            <a:r>
-              <a:rPr lang="de-AT" dirty="0"/>
-              <a:t> </a:t>
-            </a:r>
-            <a:r>
-              <a:rPr lang="de-AT" dirty="0" err="1"/>
-              <a:t>emergency</a:t>
-            </a:r>
-            <a:r>
-              <a:rPr lang="de-AT" dirty="0"/>
-              <a:t> </a:t>
-            </a:r>
-            <a:r>
-              <a:rPr lang="de-AT" dirty="0" err="1"/>
-              <a:t>contacts</a:t>
-            </a:r>
-            <a:r>
-              <a:rPr lang="de-AT" dirty="0"/>
-              <a:t> </a:t>
-            </a:r>
-            <a:r>
-              <a:rPr lang="de-AT" dirty="0" err="1"/>
-              <a:t>to</a:t>
-            </a:r>
-            <a:r>
-              <a:rPr lang="de-AT" dirty="0"/>
-              <a:t> </a:t>
-            </a:r>
-            <a:r>
-              <a:rPr lang="de-AT" dirty="0" err="1"/>
-              <a:t>be</a:t>
-            </a:r>
-            <a:r>
-              <a:rPr lang="de-AT" dirty="0"/>
-              <a:t> </a:t>
-            </a:r>
-            <a:r>
-              <a:rPr lang="de-AT" dirty="0" err="1"/>
-              <a:t>alerted</a:t>
-            </a:r>
-            <a:r>
-              <a:rPr lang="de-AT" dirty="0"/>
-              <a:t> in </a:t>
-            </a:r>
-            <a:r>
-              <a:rPr lang="de-AT" dirty="0" err="1"/>
-              <a:t>case</a:t>
-            </a:r>
-            <a:r>
-              <a:rPr lang="de-AT" dirty="0"/>
-              <a:t> </a:t>
-            </a:r>
-            <a:r>
-              <a:rPr lang="de-AT" dirty="0" err="1"/>
-              <a:t>my</a:t>
-            </a:r>
-            <a:r>
-              <a:rPr lang="de-AT" dirty="0"/>
-              <a:t> </a:t>
-            </a:r>
-            <a:r>
-              <a:rPr lang="de-AT" dirty="0" err="1"/>
-              <a:t>heart</a:t>
-            </a:r>
-            <a:r>
-              <a:rPr lang="de-AT" dirty="0"/>
-              <a:t> </a:t>
-            </a:r>
-            <a:r>
-              <a:rPr lang="de-AT" dirty="0" err="1"/>
-              <a:t>stops</a:t>
-            </a:r>
-            <a:r>
-              <a:rPr lang="de-AT" dirty="0"/>
-              <a:t> </a:t>
-            </a:r>
-            <a:r>
-              <a:rPr lang="de-AT" dirty="0" err="1"/>
-              <a:t>or</a:t>
-            </a:r>
-            <a:r>
-              <a:rPr lang="de-AT" dirty="0"/>
-              <a:t> </a:t>
-            </a:r>
-            <a:r>
-              <a:rPr lang="de-AT" dirty="0" err="1"/>
-              <a:t>the</a:t>
-            </a:r>
-            <a:r>
-              <a:rPr lang="de-AT" dirty="0"/>
-              <a:t> </a:t>
-            </a:r>
-            <a:r>
-              <a:rPr lang="de-AT" dirty="0" err="1"/>
-              <a:t>heartrate</a:t>
-            </a:r>
-            <a:r>
-              <a:rPr lang="de-AT" dirty="0"/>
-              <a:t> </a:t>
-            </a:r>
-            <a:r>
-              <a:rPr lang="de-AT" dirty="0" err="1"/>
-              <a:t>rises</a:t>
-            </a:r>
-            <a:r>
-              <a:rPr lang="de-AT" dirty="0"/>
-              <a:t> </a:t>
-            </a:r>
-            <a:r>
-              <a:rPr lang="de-AT" dirty="0" err="1"/>
-              <a:t>above</a:t>
-            </a:r>
-            <a:r>
-              <a:rPr lang="de-AT" dirty="0"/>
-              <a:t> a </a:t>
-            </a:r>
-            <a:r>
-              <a:rPr lang="de-AT" dirty="0" err="1"/>
-              <a:t>pre-defined</a:t>
-            </a:r>
-            <a:r>
-              <a:rPr lang="de-AT" dirty="0"/>
-              <a:t> </a:t>
-            </a:r>
-            <a:r>
-              <a:rPr lang="de-AT" dirty="0" err="1"/>
-              <a:t>threshold</a:t>
-            </a:r>
-            <a:r>
-              <a:rPr lang="de-AT" dirty="0"/>
-              <a:t>.</a:t>
-            </a:r>
-          </a:p>
-          <a:p>
-            <a:pPr lvl="0" rtl="0">
-              <a:lnSpc>
-                <a:spcPct val="115000"/>
-              </a:lnSpc>
-              <a:spcBef>
-                <a:spcPts val="0"/>
-              </a:spcBef>
-              <a:buNone/>
-            </a:pPr>
-            <a:endParaRPr dirty="0"/>
-          </a:p>
-        </p:txBody>
-      </p:sp>
-      <p:sp>
-        <p:nvSpPr>
-          <p:cNvPr id="170" name="Shape 170"/>
+          <p:cNvPr id="177" name="Shape 177"/>
           <p:cNvSpPr txBox="1">
             <a:spLocks noGrp="1"/>
           </p:cNvSpPr>
@@ -24451,7 +23958,7 @@
         <p:spPr>
           <a:xfrm>
             <a:off x="264980" y="6356350"/>
-            <a:ext cx="2133600" cy="365100"/>
+            <a:ext cx="2133600" cy="365125"/>
           </a:xfrm>
           <a:prstGeom prst="rect">
             <a:avLst/>
@@ -24491,7 +23998,7 @@
       </p:sp>
       <p:sp>
         <p:nvSpPr>
-          <p:cNvPr id="171" name="Shape 171"/>
+          <p:cNvPr id="178" name="Shape 178"/>
           <p:cNvSpPr txBox="1">
             <a:spLocks noGrp="1"/>
           </p:cNvSpPr>
@@ -24526,7 +24033,7 @@
               <a:buNone/>
             </a:pPr>
             <a:r>
-              <a:rPr lang="de-AT" sz="1000">
+              <a:rPr lang="de-AT" sz="1000" dirty="0">
                 <a:solidFill>
                   <a:srgbClr val="888888"/>
                 </a:solidFill>
@@ -24542,7 +24049,7 @@
       </p:sp>
       <p:sp>
         <p:nvSpPr>
-          <p:cNvPr id="172" name="Shape 172"/>
+          <p:cNvPr id="179" name="Shape 179"/>
           <p:cNvSpPr txBox="1">
             <a:spLocks noGrp="1"/>
           </p:cNvSpPr>
@@ -24553,7 +24060,7 @@
         <p:spPr>
           <a:xfrm>
             <a:off x="6738555" y="6356350"/>
-            <a:ext cx="2133600" cy="365100"/>
+            <a:ext cx="2133600" cy="365125"/>
           </a:xfrm>
           <a:prstGeom prst="rect">
             <a:avLst/>
@@ -24600,16 +24107,45 @@
           </a:p>
         </p:txBody>
       </p:sp>
+      <p:pic>
+        <p:nvPicPr>
+          <p:cNvPr id="180" name="Shape 180"/>
+          <p:cNvPicPr preferRelativeResize="0"/>
+          <p:nvPr/>
+        </p:nvPicPr>
+        <p:blipFill rotWithShape="1">
+          <a:blip r:embed="rId3">
+            <a:alphaModFix/>
+          </a:blip>
+          <a:srcRect t="-8936" b="14068"/>
+          <a:stretch/>
+        </p:blipFill>
+        <p:spPr>
+          <a:xfrm>
+            <a:off x="2603895" y="765938"/>
+            <a:ext cx="3484976" cy="5538250"/>
+          </a:xfrm>
+          <a:prstGeom prst="rect">
+            <a:avLst/>
+          </a:prstGeom>
+          <a:noFill/>
+          <a:ln>
+            <a:noFill/>
+          </a:ln>
+        </p:spPr>
+      </p:pic>
     </p:spTree>
-    <p:extLst>
-      <p:ext uri="{BB962C8B-B14F-4D97-AF65-F5344CB8AC3E}">
-        <p14:creationId xmlns:p14="http://schemas.microsoft.com/office/powerpoint/2010/main" val="1392398344"/>
-      </p:ext>
-    </p:extLst>
   </p:cSld>
   <p:clrMapOvr>
     <a:masterClrMapping/>
   </p:clrMapOvr>
+  <p:timing>
+    <p:tnLst>
+      <p:par>
+        <p:cTn id="1" dur="indefinite" restart="never" nodeType="tmRoot"/>
+      </p:par>
+    </p:tnLst>
+  </p:timing>
 </p:sld>
 </file>
 
@@ -24794,7 +24330,7 @@
       </p:sp>
       <p:pic>
         <p:nvPicPr>
-          <p:cNvPr id="180" name="Shape 180"/>
+          <p:cNvPr id="181" name="Shape 181"/>
           <p:cNvPicPr preferRelativeResize="0"/>
           <p:nvPr/>
         </p:nvPicPr>
@@ -24802,13 +24338,13 @@
           <a:blip r:embed="rId3">
             <a:alphaModFix/>
           </a:blip>
-          <a:srcRect t="-8936" b="14068"/>
+          <a:srcRect t="-7210" b="7210"/>
           <a:stretch/>
         </p:blipFill>
         <p:spPr>
           <a:xfrm>
-            <a:off x="2603895" y="765938"/>
-            <a:ext cx="3484976" cy="5538250"/>
+            <a:off x="2962340" y="860200"/>
+            <a:ext cx="3306101" cy="5443973"/>
           </a:xfrm>
           <a:prstGeom prst="rect">
             <a:avLst/>
@@ -24820,10 +24356,22 @@
         </p:spPr>
       </p:pic>
     </p:spTree>
+    <p:extLst>
+      <p:ext uri="{BB962C8B-B14F-4D97-AF65-F5344CB8AC3E}">
+        <p14:creationId xmlns:p14="http://schemas.microsoft.com/office/powerpoint/2010/main" val="3925748778"/>
+      </p:ext>
+    </p:extLst>
   </p:cSld>
   <p:clrMapOvr>
     <a:masterClrMapping/>
   </p:clrMapOvr>
+  <p:timing>
+    <p:tnLst>
+      <p:par>
+        <p:cTn id="1" dur="indefinite" restart="never" nodeType="tmRoot"/>
+      </p:par>
+    </p:tnLst>
+  </p:timing>
 </p:sld>
 </file>
 
